--- a/presentations/neural-networks.pptx
+++ b/presentations/neural-networks.pptx
@@ -12886,11 +12886,18 @@
               <a:t>Neural Networks</a:t>
             </a:r>
             <a:br>
-              <a:rPr lang="en-US" sz="2800" dirty="0"/>
+              <a:rPr lang="en-US" sz="2800"/>
+            </a:br>
+            <a:br>
+              <a:rPr lang="en-US" sz="2800"/>
             </a:br>
             <a:r>
+              <a:rPr lang="en-US" sz="2800"/>
+              <a:t>BHI </a:t>
+            </a:r>
+            <a:r>
               <a:rPr lang="en-US" sz="2800" dirty="0"/>
-              <a:t>BHI Youth Awards</a:t>
+              <a:t>Youth Awards</a:t>
             </a:r>
             <a:endParaRPr lang="en-US" sz="2800" b="1" dirty="0">
               <a:latin typeface="Calibri" panose="020F0502020204030204" pitchFamily="34" charset="0"/>
@@ -26233,6 +26240,21 @@
 </file>
 
 <file path=customXml/item1.xml><?xml version="1.0" encoding="utf-8"?>
+<p:properties xmlns:p="http://schemas.microsoft.com/office/2006/metadata/properties" xmlns:xsi="http://www.w3.org/2001/XMLSchema-instance" xmlns:pc="http://schemas.microsoft.com/office/infopath/2007/PartnerControls">
+  <documentManagement/>
+</p:properties>
+</file>
+
+<file path=customXml/item2.xml><?xml version="1.0" encoding="utf-8"?>
+<?mso-contentType ?>
+<FormTemplates xmlns="http://schemas.microsoft.com/sharepoint/v3/contenttype/forms">
+  <Display>DocumentLibraryForm</Display>
+  <Edit>DocumentLibraryForm</Edit>
+  <New>DocumentLibraryForm</New>
+</FormTemplates>
+</file>
+
+<file path=customXml/item3.xml><?xml version="1.0" encoding="utf-8"?>
 <ct:contentTypeSchema xmlns:ct="http://schemas.microsoft.com/office/2006/metadata/contentType" xmlns:ma="http://schemas.microsoft.com/office/2006/metadata/properties/metaAttributes" ct:_="" ma:_="" ma:contentTypeName="Document" ma:contentTypeID="0x010100B02558F287BC8344AD539CDC4DA17FBC" ma:contentTypeVersion="10" ma:contentTypeDescription="Create a new document." ma:contentTypeScope="" ma:versionID="165e8038d85e89d0753c71c915416bd7">
   <xsd:schema xmlns:xsd="http://www.w3.org/2001/XMLSchema" xmlns:xs="http://www.w3.org/2001/XMLSchema" xmlns:p="http://schemas.microsoft.com/office/2006/metadata/properties" xmlns:ns2="a9a9e2ba-2d19-46fe-bf54-0255447a607c" xmlns:ns3="8e67869f-b319-4f8e-812d-d2b9322169ce" targetNamespace="http://schemas.microsoft.com/office/2006/metadata/properties" ma:root="true" ma:fieldsID="abf99e3026b4072fe3426938b59b700a" ns2:_="" ns3:_="">
     <xsd:import namespace="a9a9e2ba-2d19-46fe-bf54-0255447a607c"/>
@@ -26437,22 +26459,32 @@
 </ct:contentTypeSchema>
 </file>
 
-<file path=customXml/item2.xml><?xml version="1.0" encoding="utf-8"?>
-<?mso-contentType ?>
-<FormTemplates xmlns="http://schemas.microsoft.com/sharepoint/v3/contenttype/forms">
-  <Display>DocumentLibraryForm</Display>
-  <Edit>DocumentLibraryForm</Edit>
-  <New>DocumentLibraryForm</New>
-</FormTemplates>
+<file path=customXml/itemProps1.xml><?xml version="1.0" encoding="utf-8"?>
+<ds:datastoreItem xmlns:ds="http://schemas.openxmlformats.org/officeDocument/2006/customXml" ds:itemID="{D1B4FFAB-A2D9-4FD5-855F-F65126373F7D}">
+  <ds:schemaRefs>
+    <ds:schemaRef ds:uri="http://schemas.openxmlformats.org/package/2006/metadata/core-properties"/>
+    <ds:schemaRef ds:uri="http://schemas.microsoft.com/office/2006/documentManagement/types"/>
+    <ds:schemaRef ds:uri="http://schemas.microsoft.com/office/infopath/2007/PartnerControls"/>
+    <ds:schemaRef ds:uri="http://purl.org/dc/elements/1.1/"/>
+    <ds:schemaRef ds:uri="http://schemas.microsoft.com/office/2006/metadata/properties"/>
+    <ds:schemaRef ds:uri="8e67869f-b319-4f8e-812d-d2b9322169ce"/>
+    <ds:schemaRef ds:uri="http://purl.org/dc/terms/"/>
+    <ds:schemaRef ds:uri="a9a9e2ba-2d19-46fe-bf54-0255447a607c"/>
+    <ds:schemaRef ds:uri="http://www.w3.org/XML/1998/namespace"/>
+    <ds:schemaRef ds:uri="http://purl.org/dc/dcmitype/"/>
+  </ds:schemaRefs>
+</ds:datastoreItem>
 </file>
 
-<file path=customXml/item3.xml><?xml version="1.0" encoding="utf-8"?>
-<p:properties xmlns:p="http://schemas.microsoft.com/office/2006/metadata/properties" xmlns:xsi="http://www.w3.org/2001/XMLSchema-instance" xmlns:pc="http://schemas.microsoft.com/office/infopath/2007/PartnerControls">
-  <documentManagement/>
-</p:properties>
+<file path=customXml/itemProps2.xml><?xml version="1.0" encoding="utf-8"?>
+<ds:datastoreItem xmlns:ds="http://schemas.openxmlformats.org/officeDocument/2006/customXml" ds:itemID="{4A9C8777-C6EC-4528-A529-B1E15BCDF7A3}">
+  <ds:schemaRefs>
+    <ds:schemaRef ds:uri="http://schemas.microsoft.com/sharepoint/v3/contenttype/forms"/>
+  </ds:schemaRefs>
+</ds:datastoreItem>
 </file>
 
-<file path=customXml/itemProps1.xml><?xml version="1.0" encoding="utf-8"?>
+<file path=customXml/itemProps3.xml><?xml version="1.0" encoding="utf-8"?>
 <ds:datastoreItem xmlns:ds="http://schemas.openxmlformats.org/officeDocument/2006/customXml" ds:itemID="{91B57E6C-04A0-4EB4-9DC4-971645A5D1A1}">
   <ds:schemaRefs>
     <ds:schemaRef ds:uri="http://schemas.microsoft.com/office/2006/metadata/contentType"/>
@@ -26469,29 +26501,4 @@
     <ds:schemaRef ds:uri="http://schemas.microsoft.com/internal/obd"/>
   </ds:schemaRefs>
 </ds:datastoreItem>
-</file>
-
-<file path=customXml/itemProps2.xml><?xml version="1.0" encoding="utf-8"?>
-<ds:datastoreItem xmlns:ds="http://schemas.openxmlformats.org/officeDocument/2006/customXml" ds:itemID="{4A9C8777-C6EC-4528-A529-B1E15BCDF7A3}">
-  <ds:schemaRefs>
-    <ds:schemaRef ds:uri="http://schemas.microsoft.com/sharepoint/v3/contenttype/forms"/>
-  </ds:schemaRefs>
-</ds:datastoreItem>
-</file>
-
-<file path=customXml/itemProps3.xml><?xml version="1.0" encoding="utf-8"?>
-<ds:datastoreItem xmlns:ds="http://schemas.openxmlformats.org/officeDocument/2006/customXml" ds:itemID="{D1B4FFAB-A2D9-4FD5-855F-F65126373F7D}">
-  <ds:schemaRefs>
-    <ds:schemaRef ds:uri="http://schemas.openxmlformats.org/package/2006/metadata/core-properties"/>
-    <ds:schemaRef ds:uri="http://schemas.microsoft.com/office/2006/documentManagement/types"/>
-    <ds:schemaRef ds:uri="http://schemas.microsoft.com/office/infopath/2007/PartnerControls"/>
-    <ds:schemaRef ds:uri="http://purl.org/dc/elements/1.1/"/>
-    <ds:schemaRef ds:uri="http://schemas.microsoft.com/office/2006/metadata/properties"/>
-    <ds:schemaRef ds:uri="8e67869f-b319-4f8e-812d-d2b9322169ce"/>
-    <ds:schemaRef ds:uri="http://purl.org/dc/terms/"/>
-    <ds:schemaRef ds:uri="a9a9e2ba-2d19-46fe-bf54-0255447a607c"/>
-    <ds:schemaRef ds:uri="http://www.w3.org/XML/1998/namespace"/>
-    <ds:schemaRef ds:uri="http://purl.org/dc/dcmitype/"/>
-  </ds:schemaRefs>
-</ds:datastoreItem>
 </file>
--- a/presentations/neural-networks.pptx
+++ b/presentations/neural-networks.pptx
@@ -5,7 +5,7 @@
     <p:sldMasterId id="2147483660" r:id="rId4"/>
   </p:sldMasterIdLst>
   <p:notesMasterIdLst>
-    <p:notesMasterId r:id="rId17"/>
+    <p:notesMasterId r:id="rId22"/>
   </p:notesMasterIdLst>
   <p:sldIdLst>
     <p:sldId id="311" r:id="rId5"/>
@@ -16,10 +16,15 @@
     <p:sldId id="4830" r:id="rId10"/>
     <p:sldId id="4831" r:id="rId11"/>
     <p:sldId id="4832" r:id="rId12"/>
-    <p:sldId id="4765" r:id="rId13"/>
-    <p:sldId id="4766" r:id="rId14"/>
-    <p:sldId id="4767" r:id="rId15"/>
-    <p:sldId id="303" r:id="rId16"/>
+    <p:sldId id="4838" r:id="rId13"/>
+    <p:sldId id="4839" r:id="rId14"/>
+    <p:sldId id="4840" r:id="rId15"/>
+    <p:sldId id="4841" r:id="rId16"/>
+    <p:sldId id="4842" r:id="rId17"/>
+    <p:sldId id="4765" r:id="rId18"/>
+    <p:sldId id="4766" r:id="rId19"/>
+    <p:sldId id="4767" r:id="rId20"/>
+    <p:sldId id="303" r:id="rId21"/>
   </p:sldIdLst>
   <p:sldSz cx="12192000" cy="6858000"/>
   <p:notesSz cx="6858000" cy="9144000"/>
@@ -131,6 +136,11 @@
             <p14:sldId id="4830"/>
             <p14:sldId id="4831"/>
             <p14:sldId id="4832"/>
+            <p14:sldId id="4838"/>
+            <p14:sldId id="4839"/>
+            <p14:sldId id="4840"/>
+            <p14:sldId id="4841"/>
+            <p14:sldId id="4842"/>
             <p14:sldId id="4765"/>
             <p14:sldId id="4766"/>
             <p14:sldId id="4767"/>
@@ -244,7 +254,7 @@
           <a:p>
             <a:fld id="{06220CBB-D972-D444-8592-B23A7758CEF7}" type="datetimeFigureOut">
               <a:rPr lang="en-US" smtClean="0"/>
-              <a:t>8/11/24</a:t>
+              <a:t>8/12/24</a:t>
             </a:fld>
             <a:endParaRPr lang="en-US"/>
           </a:p>
@@ -661,7 +671,7 @@
           <a:p>
             <a:fld id="{9C3B49CD-7E1B-C543-B23F-34FDB672E370}" type="slidenum">
               <a:rPr lang="en-US" smtClean="0"/>
-              <a:t>12</a:t>
+              <a:t>17</a:t>
             </a:fld>
             <a:endParaRPr lang="en-US"/>
           </a:p>
@@ -1444,7 +1454,7 @@
             <a:fld id="{46D46D31-4F81-C84C-9C9E-CC304FB2B6EB}" type="datetimeFigureOut">
               <a:rPr lang="en-US" smtClean="0"/>
               <a:pPr/>
-              <a:t>8/11/24</a:t>
+              <a:t>8/12/24</a:t>
             </a:fld>
             <a:endParaRPr lang="en-US" dirty="0"/>
           </a:p>
@@ -2169,7 +2179,7 @@
             <a:fld id="{46D46D31-4F81-C84C-9C9E-CC304FB2B6EB}" type="datetimeFigureOut">
               <a:rPr lang="en-US" smtClean="0"/>
               <a:pPr/>
-              <a:t>8/11/24</a:t>
+              <a:t>8/12/24</a:t>
             </a:fld>
             <a:endParaRPr lang="en-US" dirty="0"/>
           </a:p>
@@ -2859,7 +2869,7 @@
             <a:fld id="{46D46D31-4F81-C84C-9C9E-CC304FB2B6EB}" type="datetimeFigureOut">
               <a:rPr lang="en-US" smtClean="0"/>
               <a:pPr/>
-              <a:t>8/11/24</a:t>
+              <a:t>8/12/24</a:t>
             </a:fld>
             <a:endParaRPr lang="en-US" dirty="0"/>
           </a:p>
@@ -3420,7 +3430,7 @@
             <a:fld id="{46D46D31-4F81-C84C-9C9E-CC304FB2B6EB}" type="datetimeFigureOut">
               <a:rPr lang="en-US" smtClean="0"/>
               <a:pPr/>
-              <a:t>8/11/24</a:t>
+              <a:t>8/12/24</a:t>
             </a:fld>
             <a:endParaRPr lang="en-US" dirty="0"/>
           </a:p>
@@ -4033,7 +4043,7 @@
             <a:fld id="{46D46D31-4F81-C84C-9C9E-CC304FB2B6EB}" type="datetimeFigureOut">
               <a:rPr lang="en-US" smtClean="0"/>
               <a:pPr/>
-              <a:t>8/11/24</a:t>
+              <a:t>8/12/24</a:t>
             </a:fld>
             <a:endParaRPr lang="en-US" dirty="0"/>
           </a:p>
@@ -4661,7 +4671,7 @@
             <a:fld id="{46D46D31-4F81-C84C-9C9E-CC304FB2B6EB}" type="datetimeFigureOut">
               <a:rPr lang="en-US" smtClean="0"/>
               <a:pPr/>
-              <a:t>8/11/24</a:t>
+              <a:t>8/12/24</a:t>
             </a:fld>
             <a:endParaRPr lang="en-US" dirty="0"/>
           </a:p>
@@ -5275,7 +5285,7 @@
             <a:fld id="{46D46D31-4F81-C84C-9C9E-CC304FB2B6EB}" type="datetimeFigureOut">
               <a:rPr lang="en-US" smtClean="0"/>
               <a:pPr/>
-              <a:t>8/11/24</a:t>
+              <a:t>8/12/24</a:t>
             </a:fld>
             <a:endParaRPr lang="en-US" dirty="0"/>
           </a:p>
@@ -5775,7 +5785,7 @@
             <a:fld id="{46D46D31-4F81-C84C-9C9E-CC304FB2B6EB}" type="datetimeFigureOut">
               <a:rPr lang="en-US" smtClean="0"/>
               <a:pPr/>
-              <a:t>8/11/24</a:t>
+              <a:t>8/12/24</a:t>
             </a:fld>
             <a:endParaRPr lang="en-US" dirty="0"/>
           </a:p>
@@ -6494,7 +6504,7 @@
             <a:fld id="{46D46D31-4F81-C84C-9C9E-CC304FB2B6EB}" type="datetimeFigureOut">
               <a:rPr lang="en-US" smtClean="0"/>
               <a:pPr/>
-              <a:t>8/11/24</a:t>
+              <a:t>8/12/24</a:t>
             </a:fld>
             <a:endParaRPr lang="en-US" dirty="0"/>
           </a:p>
@@ -7650,7 +7660,7 @@
             <a:fld id="{46D46D31-4F81-C84C-9C9E-CC304FB2B6EB}" type="datetimeFigureOut">
               <a:rPr lang="en-US" smtClean="0"/>
               <a:pPr/>
-              <a:t>8/11/24</a:t>
+              <a:t>8/12/24</a:t>
             </a:fld>
             <a:endParaRPr lang="en-US" dirty="0"/>
           </a:p>
@@ -9581,7 +9591,7 @@
           <a:p>
             <a:fld id="{51054624-0223-5041-BD13-AE5BA7BAECFD}" type="datetimeFigureOut">
               <a:rPr lang="en-GB" smtClean="0"/>
-              <a:t>11/08/2024</a:t>
+              <a:t>12/08/2024</a:t>
             </a:fld>
             <a:endParaRPr lang="en-GB"/>
           </a:p>
@@ -12980,6 +12990,4525 @@
           <p:cNvPr id="2" name="Title 1">
             <a:extLst>
               <a:ext uri="{FF2B5EF4-FFF2-40B4-BE49-F238E27FC236}">
+                <a16:creationId xmlns:a16="http://schemas.microsoft.com/office/drawing/2014/main" id="{6556EF8C-386D-4D0A-7420-A7EA6AC5B760}"/>
+              </a:ext>
+            </a:extLst>
+          </p:cNvPr>
+          <p:cNvSpPr>
+            <a:spLocks noGrp="1"/>
+          </p:cNvSpPr>
+          <p:nvPr>
+            <p:ph type="title"/>
+          </p:nvPr>
+        </p:nvSpPr>
+        <p:spPr/>
+        <p:txBody>
+          <a:bodyPr/>
+          <a:lstStyle/>
+          <a:p>
+            <a:r>
+              <a:rPr lang="en-US" dirty="0"/>
+              <a:t>Some linearly separable problems</a:t>
+            </a:r>
+          </a:p>
+        </p:txBody>
+      </p:sp>
+      <p:sp>
+        <p:nvSpPr>
+          <p:cNvPr id="5" name="Rectangle 4">
+            <a:extLst>
+              <a:ext uri="{FF2B5EF4-FFF2-40B4-BE49-F238E27FC236}">
+                <a16:creationId xmlns:a16="http://schemas.microsoft.com/office/drawing/2014/main" id="{47501DF0-3496-BC0E-7F9E-6CE438941AE5}"/>
+              </a:ext>
+            </a:extLst>
+          </p:cNvPr>
+          <p:cNvSpPr/>
+          <p:nvPr/>
+        </p:nvSpPr>
+        <p:spPr>
+          <a:xfrm>
+            <a:off x="6491059" y="1307170"/>
+            <a:ext cx="2304945" cy="2119036"/>
+          </a:xfrm>
+          <a:prstGeom prst="rect">
+            <a:avLst/>
+          </a:prstGeom>
+          <a:noFill/>
+          <a:ln>
+            <a:solidFill>
+              <a:schemeClr val="tx1"/>
+            </a:solidFill>
+          </a:ln>
+          <a:effectLst/>
+        </p:spPr>
+        <p:style>
+          <a:lnRef idx="1">
+            <a:schemeClr val="accent1"/>
+          </a:lnRef>
+          <a:fillRef idx="3">
+            <a:schemeClr val="accent1"/>
+          </a:fillRef>
+          <a:effectRef idx="2">
+            <a:schemeClr val="accent1"/>
+          </a:effectRef>
+          <a:fontRef idx="minor">
+            <a:schemeClr val="lt1"/>
+          </a:fontRef>
+        </p:style>
+        <p:txBody>
+          <a:bodyPr rtlCol="0" anchor="t" anchorCtr="0"/>
+          <a:lstStyle/>
+          <a:p>
+            <a:pPr algn="l"/>
+            <a:endParaRPr lang="en-US" sz="1400" b="1" dirty="0">
+              <a:solidFill>
+                <a:schemeClr val="tx1"/>
+              </a:solidFill>
+              <a:cs typeface="Georgia"/>
+            </a:endParaRPr>
+          </a:p>
+        </p:txBody>
+      </p:sp>
+      <p:sp>
+        <p:nvSpPr>
+          <p:cNvPr id="6" name="Oval 5">
+            <a:extLst>
+              <a:ext uri="{FF2B5EF4-FFF2-40B4-BE49-F238E27FC236}">
+                <a16:creationId xmlns:a16="http://schemas.microsoft.com/office/drawing/2014/main" id="{C9519235-D379-BB50-0257-25E72860C5C8}"/>
+              </a:ext>
+            </a:extLst>
+          </p:cNvPr>
+          <p:cNvSpPr/>
+          <p:nvPr/>
+        </p:nvSpPr>
+        <p:spPr>
+          <a:xfrm>
+            <a:off x="8431705" y="1464046"/>
+            <a:ext cx="126432" cy="116234"/>
+          </a:xfrm>
+          <a:prstGeom prst="ellipse">
+            <a:avLst/>
+          </a:prstGeom>
+          <a:solidFill>
+            <a:schemeClr val="accent6"/>
+          </a:solidFill>
+          <a:ln>
+            <a:noFill/>
+          </a:ln>
+          <a:effectLst/>
+        </p:spPr>
+        <p:style>
+          <a:lnRef idx="1">
+            <a:schemeClr val="accent1"/>
+          </a:lnRef>
+          <a:fillRef idx="3">
+            <a:schemeClr val="accent1"/>
+          </a:fillRef>
+          <a:effectRef idx="2">
+            <a:schemeClr val="accent1"/>
+          </a:effectRef>
+          <a:fontRef idx="minor">
+            <a:schemeClr val="lt1"/>
+          </a:fontRef>
+        </p:style>
+        <p:txBody>
+          <a:bodyPr rtlCol="0" anchor="t" anchorCtr="0"/>
+          <a:lstStyle/>
+          <a:p>
+            <a:pPr algn="l"/>
+            <a:endParaRPr lang="en-US" sz="1400" b="1" dirty="0">
+              <a:solidFill>
+                <a:schemeClr val="tx1"/>
+              </a:solidFill>
+              <a:cs typeface="Georgia"/>
+            </a:endParaRPr>
+          </a:p>
+        </p:txBody>
+      </p:sp>
+      <p:sp>
+        <p:nvSpPr>
+          <p:cNvPr id="8" name="Oval 7">
+            <a:extLst>
+              <a:ext uri="{FF2B5EF4-FFF2-40B4-BE49-F238E27FC236}">
+                <a16:creationId xmlns:a16="http://schemas.microsoft.com/office/drawing/2014/main" id="{FB34824A-4EFC-4C8D-041D-C79D3A0F8442}"/>
+              </a:ext>
+            </a:extLst>
+          </p:cNvPr>
+          <p:cNvSpPr/>
+          <p:nvPr/>
+        </p:nvSpPr>
+        <p:spPr>
+          <a:xfrm>
+            <a:off x="6659634" y="1465536"/>
+            <a:ext cx="126432" cy="116234"/>
+          </a:xfrm>
+          <a:prstGeom prst="ellipse">
+            <a:avLst/>
+          </a:prstGeom>
+          <a:solidFill>
+            <a:schemeClr val="accent1"/>
+          </a:solidFill>
+          <a:ln>
+            <a:noFill/>
+          </a:ln>
+          <a:effectLst/>
+        </p:spPr>
+        <p:style>
+          <a:lnRef idx="1">
+            <a:schemeClr val="accent1"/>
+          </a:lnRef>
+          <a:fillRef idx="3">
+            <a:schemeClr val="accent1"/>
+          </a:fillRef>
+          <a:effectRef idx="2">
+            <a:schemeClr val="accent1"/>
+          </a:effectRef>
+          <a:fontRef idx="minor">
+            <a:schemeClr val="lt1"/>
+          </a:fontRef>
+        </p:style>
+        <p:txBody>
+          <a:bodyPr rtlCol="0" anchor="t" anchorCtr="0"/>
+          <a:lstStyle/>
+          <a:p>
+            <a:pPr algn="l"/>
+            <a:endParaRPr lang="en-US" sz="1400" b="1" dirty="0">
+              <a:solidFill>
+                <a:schemeClr val="tx1"/>
+              </a:solidFill>
+              <a:cs typeface="Georgia"/>
+            </a:endParaRPr>
+          </a:p>
+        </p:txBody>
+      </p:sp>
+      <p:sp>
+        <p:nvSpPr>
+          <p:cNvPr id="9" name="Oval 8">
+            <a:extLst>
+              <a:ext uri="{FF2B5EF4-FFF2-40B4-BE49-F238E27FC236}">
+                <a16:creationId xmlns:a16="http://schemas.microsoft.com/office/drawing/2014/main" id="{19B2A31A-16D8-F56B-4EA3-8F4ADDEA1BC6}"/>
+              </a:ext>
+            </a:extLst>
+          </p:cNvPr>
+          <p:cNvSpPr/>
+          <p:nvPr/>
+        </p:nvSpPr>
+        <p:spPr>
+          <a:xfrm>
+            <a:off x="6596418" y="3171384"/>
+            <a:ext cx="126432" cy="116234"/>
+          </a:xfrm>
+          <a:prstGeom prst="ellipse">
+            <a:avLst/>
+          </a:prstGeom>
+          <a:solidFill>
+            <a:schemeClr val="accent1"/>
+          </a:solidFill>
+          <a:ln>
+            <a:noFill/>
+          </a:ln>
+          <a:effectLst/>
+        </p:spPr>
+        <p:style>
+          <a:lnRef idx="1">
+            <a:schemeClr val="accent1"/>
+          </a:lnRef>
+          <a:fillRef idx="3">
+            <a:schemeClr val="accent1"/>
+          </a:fillRef>
+          <a:effectRef idx="2">
+            <a:schemeClr val="accent1"/>
+          </a:effectRef>
+          <a:fontRef idx="minor">
+            <a:schemeClr val="lt1"/>
+          </a:fontRef>
+        </p:style>
+        <p:txBody>
+          <a:bodyPr rtlCol="0" anchor="t" anchorCtr="0"/>
+          <a:lstStyle/>
+          <a:p>
+            <a:pPr algn="l"/>
+            <a:endParaRPr lang="en-US" sz="1400" b="1" dirty="0">
+              <a:solidFill>
+                <a:schemeClr val="tx1"/>
+              </a:solidFill>
+              <a:cs typeface="Georgia"/>
+            </a:endParaRPr>
+          </a:p>
+        </p:txBody>
+      </p:sp>
+      <p:sp>
+        <p:nvSpPr>
+          <p:cNvPr id="10" name="Oval 9">
+            <a:extLst>
+              <a:ext uri="{FF2B5EF4-FFF2-40B4-BE49-F238E27FC236}">
+                <a16:creationId xmlns:a16="http://schemas.microsoft.com/office/drawing/2014/main" id="{F98DEDE5-3727-1CC9-1D32-807B240ECBAC}"/>
+              </a:ext>
+            </a:extLst>
+          </p:cNvPr>
+          <p:cNvSpPr/>
+          <p:nvPr/>
+        </p:nvSpPr>
+        <p:spPr>
+          <a:xfrm>
+            <a:off x="8466955" y="3171384"/>
+            <a:ext cx="126432" cy="116234"/>
+          </a:xfrm>
+          <a:prstGeom prst="ellipse">
+            <a:avLst/>
+          </a:prstGeom>
+          <a:solidFill>
+            <a:schemeClr val="accent1"/>
+          </a:solidFill>
+          <a:ln>
+            <a:noFill/>
+          </a:ln>
+          <a:effectLst/>
+        </p:spPr>
+        <p:style>
+          <a:lnRef idx="1">
+            <a:schemeClr val="accent1"/>
+          </a:lnRef>
+          <a:fillRef idx="3">
+            <a:schemeClr val="accent1"/>
+          </a:fillRef>
+          <a:effectRef idx="2">
+            <a:schemeClr val="accent1"/>
+          </a:effectRef>
+          <a:fontRef idx="minor">
+            <a:schemeClr val="lt1"/>
+          </a:fontRef>
+        </p:style>
+        <p:txBody>
+          <a:bodyPr rtlCol="0" anchor="t" anchorCtr="0"/>
+          <a:lstStyle/>
+          <a:p>
+            <a:pPr algn="l"/>
+            <a:endParaRPr lang="en-US" sz="1400" b="1" dirty="0">
+              <a:solidFill>
+                <a:schemeClr val="tx1"/>
+              </a:solidFill>
+              <a:cs typeface="Georgia"/>
+            </a:endParaRPr>
+          </a:p>
+        </p:txBody>
+      </p:sp>
+      <p:sp>
+        <p:nvSpPr>
+          <p:cNvPr id="13" name="TextBox 12">
+            <a:extLst>
+              <a:ext uri="{FF2B5EF4-FFF2-40B4-BE49-F238E27FC236}">
+                <a16:creationId xmlns:a16="http://schemas.microsoft.com/office/drawing/2014/main" id="{C03EA5DB-DCA2-F679-3A13-748ECB466AA2}"/>
+              </a:ext>
+            </a:extLst>
+          </p:cNvPr>
+          <p:cNvSpPr txBox="1"/>
+          <p:nvPr/>
+        </p:nvSpPr>
+        <p:spPr>
+          <a:xfrm>
+            <a:off x="7462231" y="3442494"/>
+            <a:ext cx="362600" cy="369332"/>
+          </a:xfrm>
+          <a:prstGeom prst="rect">
+            <a:avLst/>
+          </a:prstGeom>
+          <a:noFill/>
+        </p:spPr>
+        <p:txBody>
+          <a:bodyPr wrap="none" rtlCol="0">
+            <a:spAutoFit/>
+          </a:bodyPr>
+          <a:lstStyle/>
+          <a:p>
+            <a:r>
+              <a:rPr lang="en-US" i="1" dirty="0"/>
+              <a:t>x</a:t>
+            </a:r>
+            <a:r>
+              <a:rPr lang="en-US" i="1" baseline="-25000" dirty="0"/>
+              <a:t>2</a:t>
+            </a:r>
+          </a:p>
+        </p:txBody>
+      </p:sp>
+      <p:sp>
+        <p:nvSpPr>
+          <p:cNvPr id="15" name="TextBox 14">
+            <a:extLst>
+              <a:ext uri="{FF2B5EF4-FFF2-40B4-BE49-F238E27FC236}">
+                <a16:creationId xmlns:a16="http://schemas.microsoft.com/office/drawing/2014/main" id="{70F2AD4A-30E9-9D63-C366-6E6A187D4A38}"/>
+              </a:ext>
+            </a:extLst>
+          </p:cNvPr>
+          <p:cNvSpPr txBox="1"/>
+          <p:nvPr/>
+        </p:nvSpPr>
+        <p:spPr>
+          <a:xfrm>
+            <a:off x="6680572" y="3032728"/>
+            <a:ext cx="295274" cy="369332"/>
+          </a:xfrm>
+          <a:prstGeom prst="rect">
+            <a:avLst/>
+          </a:prstGeom>
+          <a:noFill/>
+        </p:spPr>
+        <p:txBody>
+          <a:bodyPr wrap="none" rtlCol="0">
+            <a:spAutoFit/>
+          </a:bodyPr>
+          <a:lstStyle/>
+          <a:p>
+            <a:r>
+              <a:rPr lang="en-US" dirty="0"/>
+              <a:t>a</a:t>
+            </a:r>
+          </a:p>
+        </p:txBody>
+      </p:sp>
+      <p:sp>
+        <p:nvSpPr>
+          <p:cNvPr id="16" name="TextBox 15">
+            <a:extLst>
+              <a:ext uri="{FF2B5EF4-FFF2-40B4-BE49-F238E27FC236}">
+                <a16:creationId xmlns:a16="http://schemas.microsoft.com/office/drawing/2014/main" id="{E2CAAA94-E897-ADA8-0A00-FFCB8FB6FECB}"/>
+              </a:ext>
+            </a:extLst>
+          </p:cNvPr>
+          <p:cNvSpPr txBox="1"/>
+          <p:nvPr/>
+        </p:nvSpPr>
+        <p:spPr>
+          <a:xfrm>
+            <a:off x="6726176" y="1337497"/>
+            <a:ext cx="306494" cy="369332"/>
+          </a:xfrm>
+          <a:prstGeom prst="rect">
+            <a:avLst/>
+          </a:prstGeom>
+          <a:noFill/>
+        </p:spPr>
+        <p:txBody>
+          <a:bodyPr wrap="none" rtlCol="0">
+            <a:spAutoFit/>
+          </a:bodyPr>
+          <a:lstStyle/>
+          <a:p>
+            <a:r>
+              <a:rPr lang="en-US" dirty="0"/>
+              <a:t>b</a:t>
+            </a:r>
+          </a:p>
+        </p:txBody>
+      </p:sp>
+      <p:sp>
+        <p:nvSpPr>
+          <p:cNvPr id="18" name="TextBox 17">
+            <a:extLst>
+              <a:ext uri="{FF2B5EF4-FFF2-40B4-BE49-F238E27FC236}">
+                <a16:creationId xmlns:a16="http://schemas.microsoft.com/office/drawing/2014/main" id="{1110BEEB-102E-A47E-BF57-8DE046D13876}"/>
+              </a:ext>
+            </a:extLst>
+          </p:cNvPr>
+          <p:cNvSpPr txBox="1"/>
+          <p:nvPr/>
+        </p:nvSpPr>
+        <p:spPr>
+          <a:xfrm>
+            <a:off x="6288225" y="3372149"/>
+            <a:ext cx="253488" cy="285297"/>
+          </a:xfrm>
+          <a:prstGeom prst="rect">
+            <a:avLst/>
+          </a:prstGeom>
+          <a:noFill/>
+        </p:spPr>
+        <p:txBody>
+          <a:bodyPr wrap="none" rtlCol="0">
+            <a:spAutoFit/>
+          </a:bodyPr>
+          <a:lstStyle/>
+          <a:p>
+            <a:r>
+              <a:rPr lang="en-US" dirty="0"/>
+              <a:t>0</a:t>
+            </a:r>
+          </a:p>
+        </p:txBody>
+      </p:sp>
+      <p:sp>
+        <p:nvSpPr>
+          <p:cNvPr id="19" name="TextBox 18">
+            <a:extLst>
+              <a:ext uri="{FF2B5EF4-FFF2-40B4-BE49-F238E27FC236}">
+                <a16:creationId xmlns:a16="http://schemas.microsoft.com/office/drawing/2014/main" id="{C48EF0EF-4757-6807-C365-56C0CCD89ED8}"/>
+              </a:ext>
+            </a:extLst>
+          </p:cNvPr>
+          <p:cNvSpPr txBox="1"/>
+          <p:nvPr/>
+        </p:nvSpPr>
+        <p:spPr>
+          <a:xfrm>
+            <a:off x="8600303" y="3399178"/>
+            <a:ext cx="253488" cy="285297"/>
+          </a:xfrm>
+          <a:prstGeom prst="rect">
+            <a:avLst/>
+          </a:prstGeom>
+          <a:noFill/>
+        </p:spPr>
+        <p:txBody>
+          <a:bodyPr wrap="none" rtlCol="0">
+            <a:spAutoFit/>
+          </a:bodyPr>
+          <a:lstStyle/>
+          <a:p>
+            <a:r>
+              <a:rPr lang="en-US" dirty="0"/>
+              <a:t>1</a:t>
+            </a:r>
+          </a:p>
+        </p:txBody>
+      </p:sp>
+      <p:sp>
+        <p:nvSpPr>
+          <p:cNvPr id="20" name="TextBox 19">
+            <a:extLst>
+              <a:ext uri="{FF2B5EF4-FFF2-40B4-BE49-F238E27FC236}">
+                <a16:creationId xmlns:a16="http://schemas.microsoft.com/office/drawing/2014/main" id="{CAE6DA5D-78B4-05DD-5572-EE77134B1B33}"/>
+              </a:ext>
+            </a:extLst>
+          </p:cNvPr>
+          <p:cNvSpPr txBox="1"/>
+          <p:nvPr/>
+        </p:nvSpPr>
+        <p:spPr>
+          <a:xfrm>
+            <a:off x="6186246" y="1263281"/>
+            <a:ext cx="253488" cy="285297"/>
+          </a:xfrm>
+          <a:prstGeom prst="rect">
+            <a:avLst/>
+          </a:prstGeom>
+          <a:noFill/>
+        </p:spPr>
+        <p:txBody>
+          <a:bodyPr wrap="none" rtlCol="0">
+            <a:spAutoFit/>
+          </a:bodyPr>
+          <a:lstStyle/>
+          <a:p>
+            <a:r>
+              <a:rPr lang="en-US" dirty="0"/>
+              <a:t>1</a:t>
+            </a:r>
+          </a:p>
+        </p:txBody>
+      </p:sp>
+      <p:cxnSp>
+        <p:nvCxnSpPr>
+          <p:cNvPr id="21" name="Straight Connector 20">
+            <a:extLst>
+              <a:ext uri="{FF2B5EF4-FFF2-40B4-BE49-F238E27FC236}">
+                <a16:creationId xmlns:a16="http://schemas.microsoft.com/office/drawing/2014/main" id="{162E32EB-4E3D-D33B-F5EF-B69F591D9399}"/>
+              </a:ext>
+            </a:extLst>
+          </p:cNvPr>
+          <p:cNvCxnSpPr>
+            <a:cxnSpLocks/>
+          </p:cNvCxnSpPr>
+          <p:nvPr/>
+        </p:nvCxnSpPr>
+        <p:spPr>
+          <a:xfrm>
+            <a:off x="7060000" y="1165576"/>
+            <a:ext cx="1874863" cy="1989520"/>
+          </a:xfrm>
+          <a:prstGeom prst="line">
+            <a:avLst/>
+          </a:prstGeom>
+          <a:ln>
+            <a:prstDash val="dash"/>
+          </a:ln>
+        </p:spPr>
+        <p:style>
+          <a:lnRef idx="2">
+            <a:schemeClr val="accent1"/>
+          </a:lnRef>
+          <a:fillRef idx="0">
+            <a:schemeClr val="accent1"/>
+          </a:fillRef>
+          <a:effectRef idx="1">
+            <a:schemeClr val="accent1"/>
+          </a:effectRef>
+          <a:fontRef idx="minor">
+            <a:schemeClr val="tx1"/>
+          </a:fontRef>
+        </p:style>
+      </p:cxnSp>
+      <p:graphicFrame>
+        <p:nvGraphicFramePr>
+          <p:cNvPr id="22" name="Table 21">
+            <a:extLst>
+              <a:ext uri="{FF2B5EF4-FFF2-40B4-BE49-F238E27FC236}">
+                <a16:creationId xmlns:a16="http://schemas.microsoft.com/office/drawing/2014/main" id="{DBD1F62D-CBEF-CD2C-1DA5-A78EFC4C27D3}"/>
+              </a:ext>
+            </a:extLst>
+          </p:cNvPr>
+          <p:cNvGraphicFramePr>
+            <a:graphicFrameLocks noGrp="1"/>
+          </p:cNvGraphicFramePr>
+          <p:nvPr>
+            <p:extLst>
+              <p:ext uri="{D42A27DB-BD31-4B8C-83A1-F6EECF244321}">
+                <p14:modId xmlns:p14="http://schemas.microsoft.com/office/powerpoint/2010/main" val="709358791"/>
+              </p:ext>
+            </p:extLst>
+          </p:nvPr>
+        </p:nvGraphicFramePr>
+        <p:xfrm>
+          <a:off x="555096" y="1481026"/>
+          <a:ext cx="3257328" cy="1854200"/>
+        </p:xfrm>
+        <a:graphic>
+          <a:graphicData uri="http://schemas.openxmlformats.org/drawingml/2006/table">
+            <a:tbl>
+              <a:tblPr firstRow="1" bandRow="1">
+                <a:tableStyleId>{073A0DAA-6AF3-43AB-8588-CEC1D06C72B9}</a:tableStyleId>
+              </a:tblPr>
+              <a:tblGrid>
+                <a:gridCol w="814332">
+                  <a:extLst>
+                    <a:ext uri="{9D8B030D-6E8A-4147-A177-3AD203B41FA5}">
+                      <a16:colId xmlns:a16="http://schemas.microsoft.com/office/drawing/2014/main" val="1000999545"/>
+                    </a:ext>
+                  </a:extLst>
+                </a:gridCol>
+                <a:gridCol w="814332">
+                  <a:extLst>
+                    <a:ext uri="{9D8B030D-6E8A-4147-A177-3AD203B41FA5}">
+                      <a16:colId xmlns:a16="http://schemas.microsoft.com/office/drawing/2014/main" val="2658717929"/>
+                    </a:ext>
+                  </a:extLst>
+                </a:gridCol>
+                <a:gridCol w="814332">
+                  <a:extLst>
+                    <a:ext uri="{9D8B030D-6E8A-4147-A177-3AD203B41FA5}">
+                      <a16:colId xmlns:a16="http://schemas.microsoft.com/office/drawing/2014/main" val="2172182811"/>
+                    </a:ext>
+                  </a:extLst>
+                </a:gridCol>
+                <a:gridCol w="814332">
+                  <a:extLst>
+                    <a:ext uri="{9D8B030D-6E8A-4147-A177-3AD203B41FA5}">
+                      <a16:colId xmlns:a16="http://schemas.microsoft.com/office/drawing/2014/main" val="2443407970"/>
+                    </a:ext>
+                  </a:extLst>
+                </a:gridCol>
+              </a:tblGrid>
+              <a:tr h="370840">
+                <a:tc>
+                  <a:txBody>
+                    <a:bodyPr/>
+                    <a:lstStyle/>
+                    <a:p>
+                      <a:endParaRPr lang="en-US" b="0" dirty="0">
+                        <a:solidFill>
+                          <a:schemeClr val="bg1"/>
+                        </a:solidFill>
+                      </a:endParaRPr>
+                    </a:p>
+                  </a:txBody>
+                  <a:tcPr/>
+                </a:tc>
+                <a:tc>
+                  <a:txBody>
+                    <a:bodyPr/>
+                    <a:lstStyle/>
+                    <a:p>
+                      <a:r>
+                        <a:rPr lang="en-US" b="0" i="1" dirty="0"/>
+                        <a:t>x</a:t>
+                      </a:r>
+                      <a:r>
+                        <a:rPr lang="en-US" b="0" i="1" baseline="-25000" dirty="0"/>
+                        <a:t>1</a:t>
+                      </a:r>
+                    </a:p>
+                  </a:txBody>
+                  <a:tcPr/>
+                </a:tc>
+                <a:tc>
+                  <a:txBody>
+                    <a:bodyPr/>
+                    <a:lstStyle/>
+                    <a:p>
+                      <a:r>
+                        <a:rPr lang="en-US" b="0" i="1" dirty="0"/>
+                        <a:t>x</a:t>
+                      </a:r>
+                      <a:r>
+                        <a:rPr lang="en-US" b="0" i="1" baseline="-25000" dirty="0"/>
+                        <a:t>2</a:t>
+                      </a:r>
+                      <a:endParaRPr lang="en-US" b="0" i="1" dirty="0"/>
+                    </a:p>
+                  </a:txBody>
+                  <a:tcPr/>
+                </a:tc>
+                <a:tc>
+                  <a:txBody>
+                    <a:bodyPr/>
+                    <a:lstStyle/>
+                    <a:p>
+                      <a:r>
+                        <a:rPr lang="en-US" b="0" i="1" dirty="0"/>
+                        <a:t>o</a:t>
+                      </a:r>
+                    </a:p>
+                  </a:txBody>
+                  <a:tcPr/>
+                </a:tc>
+                <a:extLst>
+                  <a:ext uri="{0D108BD9-81ED-4DB2-BD59-A6C34878D82A}">
+                    <a16:rowId xmlns:a16="http://schemas.microsoft.com/office/drawing/2014/main" val="3934546857"/>
+                  </a:ext>
+                </a:extLst>
+              </a:tr>
+              <a:tr h="370840">
+                <a:tc>
+                  <a:txBody>
+                    <a:bodyPr/>
+                    <a:lstStyle/>
+                    <a:p>
+                      <a:r>
+                        <a:rPr lang="en-US" b="0" dirty="0">
+                          <a:solidFill>
+                            <a:schemeClr val="tx1"/>
+                          </a:solidFill>
+                        </a:rPr>
+                        <a:t>a</a:t>
+                      </a:r>
+                    </a:p>
+                  </a:txBody>
+                  <a:tcPr/>
+                </a:tc>
+                <a:tc>
+                  <a:txBody>
+                    <a:bodyPr/>
+                    <a:lstStyle/>
+                    <a:p>
+                      <a:r>
+                        <a:rPr lang="en-US" dirty="0">
+                          <a:solidFill>
+                            <a:schemeClr val="tx1"/>
+                          </a:solidFill>
+                        </a:rPr>
+                        <a:t>0</a:t>
+                      </a:r>
+                    </a:p>
+                  </a:txBody>
+                  <a:tcPr/>
+                </a:tc>
+                <a:tc>
+                  <a:txBody>
+                    <a:bodyPr/>
+                    <a:lstStyle/>
+                    <a:p>
+                      <a:r>
+                        <a:rPr lang="en-US" dirty="0">
+                          <a:solidFill>
+                            <a:schemeClr val="tx1"/>
+                          </a:solidFill>
+                        </a:rPr>
+                        <a:t>0</a:t>
+                      </a:r>
+                    </a:p>
+                  </a:txBody>
+                  <a:tcPr/>
+                </a:tc>
+                <a:tc>
+                  <a:txBody>
+                    <a:bodyPr/>
+                    <a:lstStyle/>
+                    <a:p>
+                      <a:r>
+                        <a:rPr lang="en-US" dirty="0">
+                          <a:solidFill>
+                            <a:schemeClr val="tx1"/>
+                          </a:solidFill>
+                        </a:rPr>
+                        <a:t>0</a:t>
+                      </a:r>
+                    </a:p>
+                  </a:txBody>
+                  <a:tcPr/>
+                </a:tc>
+                <a:extLst>
+                  <a:ext uri="{0D108BD9-81ED-4DB2-BD59-A6C34878D82A}">
+                    <a16:rowId xmlns:a16="http://schemas.microsoft.com/office/drawing/2014/main" val="260417014"/>
+                  </a:ext>
+                </a:extLst>
+              </a:tr>
+              <a:tr h="370840">
+                <a:tc>
+                  <a:txBody>
+                    <a:bodyPr/>
+                    <a:lstStyle/>
+                    <a:p>
+                      <a:r>
+                        <a:rPr lang="en-US" b="0" dirty="0">
+                          <a:solidFill>
+                            <a:schemeClr val="tx1"/>
+                          </a:solidFill>
+                        </a:rPr>
+                        <a:t>b</a:t>
+                      </a:r>
+                    </a:p>
+                  </a:txBody>
+                  <a:tcPr/>
+                </a:tc>
+                <a:tc>
+                  <a:txBody>
+                    <a:bodyPr/>
+                    <a:lstStyle/>
+                    <a:p>
+                      <a:r>
+                        <a:rPr lang="en-US" dirty="0">
+                          <a:solidFill>
+                            <a:schemeClr val="tx1"/>
+                          </a:solidFill>
+                        </a:rPr>
+                        <a:t>0</a:t>
+                      </a:r>
+                    </a:p>
+                  </a:txBody>
+                  <a:tcPr/>
+                </a:tc>
+                <a:tc>
+                  <a:txBody>
+                    <a:bodyPr/>
+                    <a:lstStyle/>
+                    <a:p>
+                      <a:r>
+                        <a:rPr lang="en-US" dirty="0">
+                          <a:solidFill>
+                            <a:schemeClr val="tx1"/>
+                          </a:solidFill>
+                        </a:rPr>
+                        <a:t>1</a:t>
+                      </a:r>
+                    </a:p>
+                  </a:txBody>
+                  <a:tcPr/>
+                </a:tc>
+                <a:tc>
+                  <a:txBody>
+                    <a:bodyPr/>
+                    <a:lstStyle/>
+                    <a:p>
+                      <a:r>
+                        <a:rPr lang="en-US" dirty="0">
+                          <a:solidFill>
+                            <a:schemeClr val="tx1"/>
+                          </a:solidFill>
+                        </a:rPr>
+                        <a:t>0</a:t>
+                      </a:r>
+                    </a:p>
+                  </a:txBody>
+                  <a:tcPr/>
+                </a:tc>
+                <a:extLst>
+                  <a:ext uri="{0D108BD9-81ED-4DB2-BD59-A6C34878D82A}">
+                    <a16:rowId xmlns:a16="http://schemas.microsoft.com/office/drawing/2014/main" val="1117235548"/>
+                  </a:ext>
+                </a:extLst>
+              </a:tr>
+              <a:tr h="370840">
+                <a:tc>
+                  <a:txBody>
+                    <a:bodyPr/>
+                    <a:lstStyle/>
+                    <a:p>
+                      <a:r>
+                        <a:rPr lang="en-US" b="0" dirty="0">
+                          <a:solidFill>
+                            <a:schemeClr val="tx1"/>
+                          </a:solidFill>
+                        </a:rPr>
+                        <a:t>c</a:t>
+                      </a:r>
+                    </a:p>
+                  </a:txBody>
+                  <a:tcPr/>
+                </a:tc>
+                <a:tc>
+                  <a:txBody>
+                    <a:bodyPr/>
+                    <a:lstStyle/>
+                    <a:p>
+                      <a:r>
+                        <a:rPr lang="en-US" dirty="0">
+                          <a:solidFill>
+                            <a:schemeClr val="tx1"/>
+                          </a:solidFill>
+                        </a:rPr>
+                        <a:t>1</a:t>
+                      </a:r>
+                    </a:p>
+                  </a:txBody>
+                  <a:tcPr/>
+                </a:tc>
+                <a:tc>
+                  <a:txBody>
+                    <a:bodyPr/>
+                    <a:lstStyle/>
+                    <a:p>
+                      <a:r>
+                        <a:rPr lang="en-US" dirty="0">
+                          <a:solidFill>
+                            <a:schemeClr val="tx1"/>
+                          </a:solidFill>
+                        </a:rPr>
+                        <a:t>0</a:t>
+                      </a:r>
+                    </a:p>
+                  </a:txBody>
+                  <a:tcPr/>
+                </a:tc>
+                <a:tc>
+                  <a:txBody>
+                    <a:bodyPr/>
+                    <a:lstStyle/>
+                    <a:p>
+                      <a:r>
+                        <a:rPr lang="en-US" dirty="0">
+                          <a:solidFill>
+                            <a:schemeClr val="tx1"/>
+                          </a:solidFill>
+                        </a:rPr>
+                        <a:t>0</a:t>
+                      </a:r>
+                    </a:p>
+                  </a:txBody>
+                  <a:tcPr/>
+                </a:tc>
+                <a:extLst>
+                  <a:ext uri="{0D108BD9-81ED-4DB2-BD59-A6C34878D82A}">
+                    <a16:rowId xmlns:a16="http://schemas.microsoft.com/office/drawing/2014/main" val="31625474"/>
+                  </a:ext>
+                </a:extLst>
+              </a:tr>
+              <a:tr h="370840">
+                <a:tc>
+                  <a:txBody>
+                    <a:bodyPr/>
+                    <a:lstStyle/>
+                    <a:p>
+                      <a:r>
+                        <a:rPr lang="en-US" b="0" dirty="0">
+                          <a:solidFill>
+                            <a:schemeClr val="tx1"/>
+                          </a:solidFill>
+                        </a:rPr>
+                        <a:t>d</a:t>
+                      </a:r>
+                    </a:p>
+                  </a:txBody>
+                  <a:tcPr/>
+                </a:tc>
+                <a:tc>
+                  <a:txBody>
+                    <a:bodyPr/>
+                    <a:lstStyle/>
+                    <a:p>
+                      <a:r>
+                        <a:rPr lang="en-US" dirty="0">
+                          <a:solidFill>
+                            <a:schemeClr val="tx1"/>
+                          </a:solidFill>
+                        </a:rPr>
+                        <a:t>1</a:t>
+                      </a:r>
+                    </a:p>
+                  </a:txBody>
+                  <a:tcPr/>
+                </a:tc>
+                <a:tc>
+                  <a:txBody>
+                    <a:bodyPr/>
+                    <a:lstStyle/>
+                    <a:p>
+                      <a:r>
+                        <a:rPr lang="en-US" dirty="0">
+                          <a:solidFill>
+                            <a:schemeClr val="tx1"/>
+                          </a:solidFill>
+                        </a:rPr>
+                        <a:t>1</a:t>
+                      </a:r>
+                    </a:p>
+                  </a:txBody>
+                  <a:tcPr/>
+                </a:tc>
+                <a:tc>
+                  <a:txBody>
+                    <a:bodyPr/>
+                    <a:lstStyle/>
+                    <a:p>
+                      <a:r>
+                        <a:rPr lang="en-US" dirty="0">
+                          <a:solidFill>
+                            <a:schemeClr val="tx1"/>
+                          </a:solidFill>
+                        </a:rPr>
+                        <a:t>1</a:t>
+                      </a:r>
+                    </a:p>
+                  </a:txBody>
+                  <a:tcPr/>
+                </a:tc>
+                <a:extLst>
+                  <a:ext uri="{0D108BD9-81ED-4DB2-BD59-A6C34878D82A}">
+                    <a16:rowId xmlns:a16="http://schemas.microsoft.com/office/drawing/2014/main" val="3223843042"/>
+                  </a:ext>
+                </a:extLst>
+              </a:tr>
+            </a:tbl>
+          </a:graphicData>
+        </a:graphic>
+      </p:graphicFrame>
+      <p:sp>
+        <p:nvSpPr>
+          <p:cNvPr id="23" name="TextBox 22">
+            <a:extLst>
+              <a:ext uri="{FF2B5EF4-FFF2-40B4-BE49-F238E27FC236}">
+                <a16:creationId xmlns:a16="http://schemas.microsoft.com/office/drawing/2014/main" id="{01A84B61-D575-1E1A-D795-F4521DC3A6B9}"/>
+              </a:ext>
+            </a:extLst>
+          </p:cNvPr>
+          <p:cNvSpPr txBox="1"/>
+          <p:nvPr/>
+        </p:nvSpPr>
+        <p:spPr>
+          <a:xfrm>
+            <a:off x="6102797" y="2182022"/>
+            <a:ext cx="362600" cy="369332"/>
+          </a:xfrm>
+          <a:prstGeom prst="rect">
+            <a:avLst/>
+          </a:prstGeom>
+          <a:noFill/>
+        </p:spPr>
+        <p:txBody>
+          <a:bodyPr wrap="none" rtlCol="0">
+            <a:spAutoFit/>
+          </a:bodyPr>
+          <a:lstStyle/>
+          <a:p>
+            <a:r>
+              <a:rPr lang="en-US" i="1" dirty="0"/>
+              <a:t>x</a:t>
+            </a:r>
+            <a:r>
+              <a:rPr lang="en-US" i="1" baseline="-25000" dirty="0"/>
+              <a:t>1</a:t>
+            </a:r>
+          </a:p>
+        </p:txBody>
+      </p:sp>
+      <p:sp>
+        <p:nvSpPr>
+          <p:cNvPr id="24" name="TextBox 23">
+            <a:extLst>
+              <a:ext uri="{FF2B5EF4-FFF2-40B4-BE49-F238E27FC236}">
+                <a16:creationId xmlns:a16="http://schemas.microsoft.com/office/drawing/2014/main" id="{79E75355-151D-9B78-D24B-C7DCFCCDB267}"/>
+              </a:ext>
+            </a:extLst>
+          </p:cNvPr>
+          <p:cNvSpPr txBox="1"/>
+          <p:nvPr/>
+        </p:nvSpPr>
+        <p:spPr>
+          <a:xfrm>
+            <a:off x="8530171" y="3041899"/>
+            <a:ext cx="282450" cy="369332"/>
+          </a:xfrm>
+          <a:prstGeom prst="rect">
+            <a:avLst/>
+          </a:prstGeom>
+          <a:noFill/>
+        </p:spPr>
+        <p:txBody>
+          <a:bodyPr wrap="none" rtlCol="0">
+            <a:spAutoFit/>
+          </a:bodyPr>
+          <a:lstStyle/>
+          <a:p>
+            <a:r>
+              <a:rPr lang="en-US" dirty="0"/>
+              <a:t>c</a:t>
+            </a:r>
+          </a:p>
+        </p:txBody>
+      </p:sp>
+      <p:sp>
+        <p:nvSpPr>
+          <p:cNvPr id="25" name="TextBox 24">
+            <a:extLst>
+              <a:ext uri="{FF2B5EF4-FFF2-40B4-BE49-F238E27FC236}">
+                <a16:creationId xmlns:a16="http://schemas.microsoft.com/office/drawing/2014/main" id="{7612B59A-11F4-C214-1540-FF42AC340F81}"/>
+              </a:ext>
+            </a:extLst>
+          </p:cNvPr>
+          <p:cNvSpPr txBox="1"/>
+          <p:nvPr/>
+        </p:nvSpPr>
+        <p:spPr>
+          <a:xfrm>
+            <a:off x="8491263" y="1337497"/>
+            <a:ext cx="306494" cy="369332"/>
+          </a:xfrm>
+          <a:prstGeom prst="rect">
+            <a:avLst/>
+          </a:prstGeom>
+          <a:noFill/>
+        </p:spPr>
+        <p:txBody>
+          <a:bodyPr wrap="none" rtlCol="0">
+            <a:spAutoFit/>
+          </a:bodyPr>
+          <a:lstStyle/>
+          <a:p>
+            <a:r>
+              <a:rPr lang="en-US" dirty="0"/>
+              <a:t>d</a:t>
+            </a:r>
+          </a:p>
+        </p:txBody>
+      </p:sp>
+      <p:sp>
+        <p:nvSpPr>
+          <p:cNvPr id="28" name="Rectangle 27">
+            <a:extLst>
+              <a:ext uri="{FF2B5EF4-FFF2-40B4-BE49-F238E27FC236}">
+                <a16:creationId xmlns:a16="http://schemas.microsoft.com/office/drawing/2014/main" id="{B660FE2E-A71A-9FB4-80D1-C57BCFE7A3AC}"/>
+              </a:ext>
+            </a:extLst>
+          </p:cNvPr>
+          <p:cNvSpPr/>
+          <p:nvPr/>
+        </p:nvSpPr>
+        <p:spPr>
+          <a:xfrm>
+            <a:off x="6491059" y="4213505"/>
+            <a:ext cx="2304945" cy="2119036"/>
+          </a:xfrm>
+          <a:prstGeom prst="rect">
+            <a:avLst/>
+          </a:prstGeom>
+          <a:noFill/>
+          <a:ln>
+            <a:solidFill>
+              <a:schemeClr val="tx1"/>
+            </a:solidFill>
+          </a:ln>
+          <a:effectLst/>
+        </p:spPr>
+        <p:style>
+          <a:lnRef idx="1">
+            <a:schemeClr val="accent1"/>
+          </a:lnRef>
+          <a:fillRef idx="3">
+            <a:schemeClr val="accent1"/>
+          </a:fillRef>
+          <a:effectRef idx="2">
+            <a:schemeClr val="accent1"/>
+          </a:effectRef>
+          <a:fontRef idx="minor">
+            <a:schemeClr val="lt1"/>
+          </a:fontRef>
+        </p:style>
+        <p:txBody>
+          <a:bodyPr rtlCol="0" anchor="t" anchorCtr="0"/>
+          <a:lstStyle/>
+          <a:p>
+            <a:pPr algn="l"/>
+            <a:endParaRPr lang="en-US" sz="1400" b="1" dirty="0">
+              <a:solidFill>
+                <a:schemeClr val="tx1"/>
+              </a:solidFill>
+              <a:cs typeface="Georgia"/>
+            </a:endParaRPr>
+          </a:p>
+        </p:txBody>
+      </p:sp>
+      <p:sp>
+        <p:nvSpPr>
+          <p:cNvPr id="29" name="Oval 28">
+            <a:extLst>
+              <a:ext uri="{FF2B5EF4-FFF2-40B4-BE49-F238E27FC236}">
+                <a16:creationId xmlns:a16="http://schemas.microsoft.com/office/drawing/2014/main" id="{A213238A-4D33-BA9B-1489-A830D6837D12}"/>
+              </a:ext>
+            </a:extLst>
+          </p:cNvPr>
+          <p:cNvSpPr/>
+          <p:nvPr/>
+        </p:nvSpPr>
+        <p:spPr>
+          <a:xfrm>
+            <a:off x="8431705" y="4370381"/>
+            <a:ext cx="126432" cy="116234"/>
+          </a:xfrm>
+          <a:prstGeom prst="ellipse">
+            <a:avLst/>
+          </a:prstGeom>
+          <a:solidFill>
+            <a:schemeClr val="accent6"/>
+          </a:solidFill>
+          <a:ln>
+            <a:noFill/>
+          </a:ln>
+          <a:effectLst/>
+        </p:spPr>
+        <p:style>
+          <a:lnRef idx="1">
+            <a:schemeClr val="accent1"/>
+          </a:lnRef>
+          <a:fillRef idx="3">
+            <a:schemeClr val="accent1"/>
+          </a:fillRef>
+          <a:effectRef idx="2">
+            <a:schemeClr val="accent1"/>
+          </a:effectRef>
+          <a:fontRef idx="minor">
+            <a:schemeClr val="lt1"/>
+          </a:fontRef>
+        </p:style>
+        <p:txBody>
+          <a:bodyPr rtlCol="0" anchor="t" anchorCtr="0"/>
+          <a:lstStyle/>
+          <a:p>
+            <a:pPr algn="l"/>
+            <a:endParaRPr lang="en-US" sz="1400" b="1" dirty="0">
+              <a:solidFill>
+                <a:schemeClr val="tx1"/>
+              </a:solidFill>
+              <a:cs typeface="Georgia"/>
+            </a:endParaRPr>
+          </a:p>
+        </p:txBody>
+      </p:sp>
+      <p:sp>
+        <p:nvSpPr>
+          <p:cNvPr id="30" name="Oval 29">
+            <a:extLst>
+              <a:ext uri="{FF2B5EF4-FFF2-40B4-BE49-F238E27FC236}">
+                <a16:creationId xmlns:a16="http://schemas.microsoft.com/office/drawing/2014/main" id="{64C9B39A-D078-567F-962B-1EEE8734583D}"/>
+              </a:ext>
+            </a:extLst>
+          </p:cNvPr>
+          <p:cNvSpPr/>
+          <p:nvPr/>
+        </p:nvSpPr>
+        <p:spPr>
+          <a:xfrm>
+            <a:off x="6659634" y="4371871"/>
+            <a:ext cx="126432" cy="116234"/>
+          </a:xfrm>
+          <a:prstGeom prst="ellipse">
+            <a:avLst/>
+          </a:prstGeom>
+          <a:solidFill>
+            <a:schemeClr val="accent6"/>
+          </a:solidFill>
+          <a:ln>
+            <a:noFill/>
+          </a:ln>
+          <a:effectLst/>
+        </p:spPr>
+        <p:style>
+          <a:lnRef idx="1">
+            <a:schemeClr val="accent1"/>
+          </a:lnRef>
+          <a:fillRef idx="3">
+            <a:schemeClr val="accent1"/>
+          </a:fillRef>
+          <a:effectRef idx="2">
+            <a:schemeClr val="accent1"/>
+          </a:effectRef>
+          <a:fontRef idx="minor">
+            <a:schemeClr val="lt1"/>
+          </a:fontRef>
+        </p:style>
+        <p:txBody>
+          <a:bodyPr rtlCol="0" anchor="t" anchorCtr="0"/>
+          <a:lstStyle/>
+          <a:p>
+            <a:pPr algn="l"/>
+            <a:endParaRPr lang="en-US" sz="1400" b="1" dirty="0">
+              <a:solidFill>
+                <a:schemeClr val="tx1"/>
+              </a:solidFill>
+              <a:cs typeface="Georgia"/>
+            </a:endParaRPr>
+          </a:p>
+        </p:txBody>
+      </p:sp>
+      <p:sp>
+        <p:nvSpPr>
+          <p:cNvPr id="31" name="Oval 30">
+            <a:extLst>
+              <a:ext uri="{FF2B5EF4-FFF2-40B4-BE49-F238E27FC236}">
+                <a16:creationId xmlns:a16="http://schemas.microsoft.com/office/drawing/2014/main" id="{DDD2184D-A89E-DA91-C9FE-071B601B7245}"/>
+              </a:ext>
+            </a:extLst>
+          </p:cNvPr>
+          <p:cNvSpPr/>
+          <p:nvPr/>
+        </p:nvSpPr>
+        <p:spPr>
+          <a:xfrm>
+            <a:off x="6596418" y="6077719"/>
+            <a:ext cx="126432" cy="116234"/>
+          </a:xfrm>
+          <a:prstGeom prst="ellipse">
+            <a:avLst/>
+          </a:prstGeom>
+          <a:solidFill>
+            <a:schemeClr val="accent1"/>
+          </a:solidFill>
+          <a:ln>
+            <a:noFill/>
+          </a:ln>
+          <a:effectLst/>
+        </p:spPr>
+        <p:style>
+          <a:lnRef idx="1">
+            <a:schemeClr val="accent1"/>
+          </a:lnRef>
+          <a:fillRef idx="3">
+            <a:schemeClr val="accent1"/>
+          </a:fillRef>
+          <a:effectRef idx="2">
+            <a:schemeClr val="accent1"/>
+          </a:effectRef>
+          <a:fontRef idx="minor">
+            <a:schemeClr val="lt1"/>
+          </a:fontRef>
+        </p:style>
+        <p:txBody>
+          <a:bodyPr rtlCol="0" anchor="t" anchorCtr="0"/>
+          <a:lstStyle/>
+          <a:p>
+            <a:pPr algn="l"/>
+            <a:endParaRPr lang="en-US" sz="1400" b="1" dirty="0">
+              <a:solidFill>
+                <a:schemeClr val="tx1"/>
+              </a:solidFill>
+              <a:cs typeface="Georgia"/>
+            </a:endParaRPr>
+          </a:p>
+        </p:txBody>
+      </p:sp>
+      <p:sp>
+        <p:nvSpPr>
+          <p:cNvPr id="32" name="Oval 31">
+            <a:extLst>
+              <a:ext uri="{FF2B5EF4-FFF2-40B4-BE49-F238E27FC236}">
+                <a16:creationId xmlns:a16="http://schemas.microsoft.com/office/drawing/2014/main" id="{5EEB35CA-729A-E53A-5194-1A2A28D36921}"/>
+              </a:ext>
+            </a:extLst>
+          </p:cNvPr>
+          <p:cNvSpPr/>
+          <p:nvPr/>
+        </p:nvSpPr>
+        <p:spPr>
+          <a:xfrm>
+            <a:off x="8466955" y="6077719"/>
+            <a:ext cx="126432" cy="116234"/>
+          </a:xfrm>
+          <a:prstGeom prst="ellipse">
+            <a:avLst/>
+          </a:prstGeom>
+          <a:solidFill>
+            <a:schemeClr val="accent6"/>
+          </a:solidFill>
+          <a:ln>
+            <a:noFill/>
+          </a:ln>
+          <a:effectLst/>
+        </p:spPr>
+        <p:style>
+          <a:lnRef idx="1">
+            <a:schemeClr val="accent1"/>
+          </a:lnRef>
+          <a:fillRef idx="3">
+            <a:schemeClr val="accent1"/>
+          </a:fillRef>
+          <a:effectRef idx="2">
+            <a:schemeClr val="accent1"/>
+          </a:effectRef>
+          <a:fontRef idx="minor">
+            <a:schemeClr val="lt1"/>
+          </a:fontRef>
+        </p:style>
+        <p:txBody>
+          <a:bodyPr rtlCol="0" anchor="t" anchorCtr="0"/>
+          <a:lstStyle/>
+          <a:p>
+            <a:pPr algn="l"/>
+            <a:endParaRPr lang="en-US" sz="1400" b="1" dirty="0">
+              <a:solidFill>
+                <a:schemeClr val="tx1"/>
+              </a:solidFill>
+              <a:cs typeface="Georgia"/>
+            </a:endParaRPr>
+          </a:p>
+        </p:txBody>
+      </p:sp>
+      <p:sp>
+        <p:nvSpPr>
+          <p:cNvPr id="33" name="TextBox 32">
+            <a:extLst>
+              <a:ext uri="{FF2B5EF4-FFF2-40B4-BE49-F238E27FC236}">
+                <a16:creationId xmlns:a16="http://schemas.microsoft.com/office/drawing/2014/main" id="{4B8EE45A-3E0B-F933-11A5-20BB401D4312}"/>
+              </a:ext>
+            </a:extLst>
+          </p:cNvPr>
+          <p:cNvSpPr txBox="1"/>
+          <p:nvPr/>
+        </p:nvSpPr>
+        <p:spPr>
+          <a:xfrm>
+            <a:off x="7462231" y="6348829"/>
+            <a:ext cx="362600" cy="369332"/>
+          </a:xfrm>
+          <a:prstGeom prst="rect">
+            <a:avLst/>
+          </a:prstGeom>
+          <a:noFill/>
+        </p:spPr>
+        <p:txBody>
+          <a:bodyPr wrap="none" rtlCol="0">
+            <a:spAutoFit/>
+          </a:bodyPr>
+          <a:lstStyle/>
+          <a:p>
+            <a:r>
+              <a:rPr lang="en-US" i="1" dirty="0"/>
+              <a:t>x</a:t>
+            </a:r>
+            <a:r>
+              <a:rPr lang="en-US" i="1" baseline="-25000" dirty="0"/>
+              <a:t>2</a:t>
+            </a:r>
+          </a:p>
+        </p:txBody>
+      </p:sp>
+      <p:sp>
+        <p:nvSpPr>
+          <p:cNvPr id="34" name="TextBox 33">
+            <a:extLst>
+              <a:ext uri="{FF2B5EF4-FFF2-40B4-BE49-F238E27FC236}">
+                <a16:creationId xmlns:a16="http://schemas.microsoft.com/office/drawing/2014/main" id="{085A3330-D86C-6E5E-E16D-822B0ABDA4BF}"/>
+              </a:ext>
+            </a:extLst>
+          </p:cNvPr>
+          <p:cNvSpPr txBox="1"/>
+          <p:nvPr/>
+        </p:nvSpPr>
+        <p:spPr>
+          <a:xfrm>
+            <a:off x="6680572" y="5939063"/>
+            <a:ext cx="295274" cy="369332"/>
+          </a:xfrm>
+          <a:prstGeom prst="rect">
+            <a:avLst/>
+          </a:prstGeom>
+          <a:noFill/>
+        </p:spPr>
+        <p:txBody>
+          <a:bodyPr wrap="none" rtlCol="0">
+            <a:spAutoFit/>
+          </a:bodyPr>
+          <a:lstStyle/>
+          <a:p>
+            <a:r>
+              <a:rPr lang="en-US" dirty="0"/>
+              <a:t>a</a:t>
+            </a:r>
+          </a:p>
+        </p:txBody>
+      </p:sp>
+      <p:sp>
+        <p:nvSpPr>
+          <p:cNvPr id="35" name="TextBox 34">
+            <a:extLst>
+              <a:ext uri="{FF2B5EF4-FFF2-40B4-BE49-F238E27FC236}">
+                <a16:creationId xmlns:a16="http://schemas.microsoft.com/office/drawing/2014/main" id="{7BF3C6F0-E8EC-A184-808A-E60BE25A0AC7}"/>
+              </a:ext>
+            </a:extLst>
+          </p:cNvPr>
+          <p:cNvSpPr txBox="1"/>
+          <p:nvPr/>
+        </p:nvSpPr>
+        <p:spPr>
+          <a:xfrm>
+            <a:off x="6726176" y="4243832"/>
+            <a:ext cx="306494" cy="369332"/>
+          </a:xfrm>
+          <a:prstGeom prst="rect">
+            <a:avLst/>
+          </a:prstGeom>
+          <a:noFill/>
+        </p:spPr>
+        <p:txBody>
+          <a:bodyPr wrap="none" rtlCol="0">
+            <a:spAutoFit/>
+          </a:bodyPr>
+          <a:lstStyle/>
+          <a:p>
+            <a:r>
+              <a:rPr lang="en-US" dirty="0"/>
+              <a:t>b</a:t>
+            </a:r>
+          </a:p>
+        </p:txBody>
+      </p:sp>
+      <p:sp>
+        <p:nvSpPr>
+          <p:cNvPr id="36" name="TextBox 35">
+            <a:extLst>
+              <a:ext uri="{FF2B5EF4-FFF2-40B4-BE49-F238E27FC236}">
+                <a16:creationId xmlns:a16="http://schemas.microsoft.com/office/drawing/2014/main" id="{7B9F8097-3C62-35D1-2955-D08BA2C12D4A}"/>
+              </a:ext>
+            </a:extLst>
+          </p:cNvPr>
+          <p:cNvSpPr txBox="1"/>
+          <p:nvPr/>
+        </p:nvSpPr>
+        <p:spPr>
+          <a:xfrm>
+            <a:off x="6288225" y="6278484"/>
+            <a:ext cx="253488" cy="285297"/>
+          </a:xfrm>
+          <a:prstGeom prst="rect">
+            <a:avLst/>
+          </a:prstGeom>
+          <a:noFill/>
+        </p:spPr>
+        <p:txBody>
+          <a:bodyPr wrap="none" rtlCol="0">
+            <a:spAutoFit/>
+          </a:bodyPr>
+          <a:lstStyle/>
+          <a:p>
+            <a:r>
+              <a:rPr lang="en-US" dirty="0"/>
+              <a:t>0</a:t>
+            </a:r>
+          </a:p>
+        </p:txBody>
+      </p:sp>
+      <p:sp>
+        <p:nvSpPr>
+          <p:cNvPr id="37" name="TextBox 36">
+            <a:extLst>
+              <a:ext uri="{FF2B5EF4-FFF2-40B4-BE49-F238E27FC236}">
+                <a16:creationId xmlns:a16="http://schemas.microsoft.com/office/drawing/2014/main" id="{67E0E667-18B5-FECD-7E6B-38123B6766E3}"/>
+              </a:ext>
+            </a:extLst>
+          </p:cNvPr>
+          <p:cNvSpPr txBox="1"/>
+          <p:nvPr/>
+        </p:nvSpPr>
+        <p:spPr>
+          <a:xfrm>
+            <a:off x="8600303" y="6305513"/>
+            <a:ext cx="253488" cy="285297"/>
+          </a:xfrm>
+          <a:prstGeom prst="rect">
+            <a:avLst/>
+          </a:prstGeom>
+          <a:noFill/>
+        </p:spPr>
+        <p:txBody>
+          <a:bodyPr wrap="none" rtlCol="0">
+            <a:spAutoFit/>
+          </a:bodyPr>
+          <a:lstStyle/>
+          <a:p>
+            <a:r>
+              <a:rPr lang="en-US" dirty="0"/>
+              <a:t>1</a:t>
+            </a:r>
+          </a:p>
+        </p:txBody>
+      </p:sp>
+      <p:sp>
+        <p:nvSpPr>
+          <p:cNvPr id="38" name="TextBox 37">
+            <a:extLst>
+              <a:ext uri="{FF2B5EF4-FFF2-40B4-BE49-F238E27FC236}">
+                <a16:creationId xmlns:a16="http://schemas.microsoft.com/office/drawing/2014/main" id="{178B2CCC-3306-85FC-795B-5DE44F2D8545}"/>
+              </a:ext>
+            </a:extLst>
+          </p:cNvPr>
+          <p:cNvSpPr txBox="1"/>
+          <p:nvPr/>
+        </p:nvSpPr>
+        <p:spPr>
+          <a:xfrm>
+            <a:off x="6186246" y="4169616"/>
+            <a:ext cx="253488" cy="285297"/>
+          </a:xfrm>
+          <a:prstGeom prst="rect">
+            <a:avLst/>
+          </a:prstGeom>
+          <a:noFill/>
+        </p:spPr>
+        <p:txBody>
+          <a:bodyPr wrap="none" rtlCol="0">
+            <a:spAutoFit/>
+          </a:bodyPr>
+          <a:lstStyle/>
+          <a:p>
+            <a:r>
+              <a:rPr lang="en-US" dirty="0"/>
+              <a:t>1</a:t>
+            </a:r>
+          </a:p>
+        </p:txBody>
+      </p:sp>
+      <p:cxnSp>
+        <p:nvCxnSpPr>
+          <p:cNvPr id="39" name="Straight Connector 38">
+            <a:extLst>
+              <a:ext uri="{FF2B5EF4-FFF2-40B4-BE49-F238E27FC236}">
+                <a16:creationId xmlns:a16="http://schemas.microsoft.com/office/drawing/2014/main" id="{8D4A3F14-6E97-0B0F-6F77-8CDCBBDCDED9}"/>
+              </a:ext>
+            </a:extLst>
+          </p:cNvPr>
+          <p:cNvCxnSpPr>
+            <a:cxnSpLocks/>
+          </p:cNvCxnSpPr>
+          <p:nvPr/>
+        </p:nvCxnSpPr>
+        <p:spPr>
+          <a:xfrm>
+            <a:off x="6433272" y="4727959"/>
+            <a:ext cx="1599550" cy="1693173"/>
+          </a:xfrm>
+          <a:prstGeom prst="line">
+            <a:avLst/>
+          </a:prstGeom>
+          <a:ln>
+            <a:prstDash val="dash"/>
+          </a:ln>
+        </p:spPr>
+        <p:style>
+          <a:lnRef idx="2">
+            <a:schemeClr val="accent1"/>
+          </a:lnRef>
+          <a:fillRef idx="0">
+            <a:schemeClr val="accent1"/>
+          </a:fillRef>
+          <a:effectRef idx="1">
+            <a:schemeClr val="accent1"/>
+          </a:effectRef>
+          <a:fontRef idx="minor">
+            <a:schemeClr val="tx1"/>
+          </a:fontRef>
+        </p:style>
+      </p:cxnSp>
+      <p:graphicFrame>
+        <p:nvGraphicFramePr>
+          <p:cNvPr id="40" name="Table 39">
+            <a:extLst>
+              <a:ext uri="{FF2B5EF4-FFF2-40B4-BE49-F238E27FC236}">
+                <a16:creationId xmlns:a16="http://schemas.microsoft.com/office/drawing/2014/main" id="{BFF6D79D-02CD-60D2-5BF7-9540D37DAD7D}"/>
+              </a:ext>
+            </a:extLst>
+          </p:cNvPr>
+          <p:cNvGraphicFramePr>
+            <a:graphicFrameLocks noGrp="1"/>
+          </p:cNvGraphicFramePr>
+          <p:nvPr>
+            <p:extLst>
+              <p:ext uri="{D42A27DB-BD31-4B8C-83A1-F6EECF244321}">
+                <p14:modId xmlns:p14="http://schemas.microsoft.com/office/powerpoint/2010/main" val="1765518771"/>
+              </p:ext>
+            </p:extLst>
+          </p:nvPr>
+        </p:nvGraphicFramePr>
+        <p:xfrm>
+          <a:off x="555096" y="4387361"/>
+          <a:ext cx="3257328" cy="1854200"/>
+        </p:xfrm>
+        <a:graphic>
+          <a:graphicData uri="http://schemas.openxmlformats.org/drawingml/2006/table">
+            <a:tbl>
+              <a:tblPr firstRow="1" bandRow="1">
+                <a:tableStyleId>{073A0DAA-6AF3-43AB-8588-CEC1D06C72B9}</a:tableStyleId>
+              </a:tblPr>
+              <a:tblGrid>
+                <a:gridCol w="814332">
+                  <a:extLst>
+                    <a:ext uri="{9D8B030D-6E8A-4147-A177-3AD203B41FA5}">
+                      <a16:colId xmlns:a16="http://schemas.microsoft.com/office/drawing/2014/main" val="1000999545"/>
+                    </a:ext>
+                  </a:extLst>
+                </a:gridCol>
+                <a:gridCol w="814332">
+                  <a:extLst>
+                    <a:ext uri="{9D8B030D-6E8A-4147-A177-3AD203B41FA5}">
+                      <a16:colId xmlns:a16="http://schemas.microsoft.com/office/drawing/2014/main" val="2658717929"/>
+                    </a:ext>
+                  </a:extLst>
+                </a:gridCol>
+                <a:gridCol w="814332">
+                  <a:extLst>
+                    <a:ext uri="{9D8B030D-6E8A-4147-A177-3AD203B41FA5}">
+                      <a16:colId xmlns:a16="http://schemas.microsoft.com/office/drawing/2014/main" val="2172182811"/>
+                    </a:ext>
+                  </a:extLst>
+                </a:gridCol>
+                <a:gridCol w="814332">
+                  <a:extLst>
+                    <a:ext uri="{9D8B030D-6E8A-4147-A177-3AD203B41FA5}">
+                      <a16:colId xmlns:a16="http://schemas.microsoft.com/office/drawing/2014/main" val="2443407970"/>
+                    </a:ext>
+                  </a:extLst>
+                </a:gridCol>
+              </a:tblGrid>
+              <a:tr h="370840">
+                <a:tc>
+                  <a:txBody>
+                    <a:bodyPr/>
+                    <a:lstStyle/>
+                    <a:p>
+                      <a:endParaRPr lang="en-US" b="0" dirty="0">
+                        <a:solidFill>
+                          <a:schemeClr val="bg1"/>
+                        </a:solidFill>
+                      </a:endParaRPr>
+                    </a:p>
+                  </a:txBody>
+                  <a:tcPr/>
+                </a:tc>
+                <a:tc>
+                  <a:txBody>
+                    <a:bodyPr/>
+                    <a:lstStyle/>
+                    <a:p>
+                      <a:r>
+                        <a:rPr lang="en-US" b="0" i="1" dirty="0"/>
+                        <a:t>x</a:t>
+                      </a:r>
+                      <a:r>
+                        <a:rPr lang="en-US" b="0" i="1" baseline="-25000" dirty="0"/>
+                        <a:t>1</a:t>
+                      </a:r>
+                    </a:p>
+                  </a:txBody>
+                  <a:tcPr/>
+                </a:tc>
+                <a:tc>
+                  <a:txBody>
+                    <a:bodyPr/>
+                    <a:lstStyle/>
+                    <a:p>
+                      <a:r>
+                        <a:rPr lang="en-US" b="0" i="1" dirty="0"/>
+                        <a:t>x</a:t>
+                      </a:r>
+                      <a:r>
+                        <a:rPr lang="en-US" b="0" i="1" baseline="-25000" dirty="0"/>
+                        <a:t>2</a:t>
+                      </a:r>
+                      <a:endParaRPr lang="en-US" b="0" i="1" dirty="0"/>
+                    </a:p>
+                  </a:txBody>
+                  <a:tcPr/>
+                </a:tc>
+                <a:tc>
+                  <a:txBody>
+                    <a:bodyPr/>
+                    <a:lstStyle/>
+                    <a:p>
+                      <a:r>
+                        <a:rPr lang="en-US" b="0" i="1" dirty="0"/>
+                        <a:t>o</a:t>
+                      </a:r>
+                    </a:p>
+                  </a:txBody>
+                  <a:tcPr/>
+                </a:tc>
+                <a:extLst>
+                  <a:ext uri="{0D108BD9-81ED-4DB2-BD59-A6C34878D82A}">
+                    <a16:rowId xmlns:a16="http://schemas.microsoft.com/office/drawing/2014/main" val="3934546857"/>
+                  </a:ext>
+                </a:extLst>
+              </a:tr>
+              <a:tr h="370840">
+                <a:tc>
+                  <a:txBody>
+                    <a:bodyPr/>
+                    <a:lstStyle/>
+                    <a:p>
+                      <a:r>
+                        <a:rPr lang="en-US" b="0" dirty="0">
+                          <a:solidFill>
+                            <a:schemeClr val="tx1"/>
+                          </a:solidFill>
+                        </a:rPr>
+                        <a:t>a</a:t>
+                      </a:r>
+                    </a:p>
+                  </a:txBody>
+                  <a:tcPr/>
+                </a:tc>
+                <a:tc>
+                  <a:txBody>
+                    <a:bodyPr/>
+                    <a:lstStyle/>
+                    <a:p>
+                      <a:r>
+                        <a:rPr lang="en-US" dirty="0">
+                          <a:solidFill>
+                            <a:schemeClr val="tx1"/>
+                          </a:solidFill>
+                        </a:rPr>
+                        <a:t>0</a:t>
+                      </a:r>
+                    </a:p>
+                  </a:txBody>
+                  <a:tcPr/>
+                </a:tc>
+                <a:tc>
+                  <a:txBody>
+                    <a:bodyPr/>
+                    <a:lstStyle/>
+                    <a:p>
+                      <a:r>
+                        <a:rPr lang="en-US" dirty="0">
+                          <a:solidFill>
+                            <a:schemeClr val="tx1"/>
+                          </a:solidFill>
+                        </a:rPr>
+                        <a:t>0</a:t>
+                      </a:r>
+                    </a:p>
+                  </a:txBody>
+                  <a:tcPr/>
+                </a:tc>
+                <a:tc>
+                  <a:txBody>
+                    <a:bodyPr/>
+                    <a:lstStyle/>
+                    <a:p>
+                      <a:r>
+                        <a:rPr lang="en-US" dirty="0">
+                          <a:solidFill>
+                            <a:schemeClr val="tx1"/>
+                          </a:solidFill>
+                        </a:rPr>
+                        <a:t>0</a:t>
+                      </a:r>
+                    </a:p>
+                  </a:txBody>
+                  <a:tcPr/>
+                </a:tc>
+                <a:extLst>
+                  <a:ext uri="{0D108BD9-81ED-4DB2-BD59-A6C34878D82A}">
+                    <a16:rowId xmlns:a16="http://schemas.microsoft.com/office/drawing/2014/main" val="260417014"/>
+                  </a:ext>
+                </a:extLst>
+              </a:tr>
+              <a:tr h="370840">
+                <a:tc>
+                  <a:txBody>
+                    <a:bodyPr/>
+                    <a:lstStyle/>
+                    <a:p>
+                      <a:r>
+                        <a:rPr lang="en-US" b="0" dirty="0">
+                          <a:solidFill>
+                            <a:schemeClr val="tx1"/>
+                          </a:solidFill>
+                        </a:rPr>
+                        <a:t>b</a:t>
+                      </a:r>
+                    </a:p>
+                  </a:txBody>
+                  <a:tcPr/>
+                </a:tc>
+                <a:tc>
+                  <a:txBody>
+                    <a:bodyPr/>
+                    <a:lstStyle/>
+                    <a:p>
+                      <a:r>
+                        <a:rPr lang="en-US" dirty="0">
+                          <a:solidFill>
+                            <a:schemeClr val="tx1"/>
+                          </a:solidFill>
+                        </a:rPr>
+                        <a:t>0</a:t>
+                      </a:r>
+                    </a:p>
+                  </a:txBody>
+                  <a:tcPr/>
+                </a:tc>
+                <a:tc>
+                  <a:txBody>
+                    <a:bodyPr/>
+                    <a:lstStyle/>
+                    <a:p>
+                      <a:r>
+                        <a:rPr lang="en-US" dirty="0">
+                          <a:solidFill>
+                            <a:schemeClr val="tx1"/>
+                          </a:solidFill>
+                        </a:rPr>
+                        <a:t>1</a:t>
+                      </a:r>
+                    </a:p>
+                  </a:txBody>
+                  <a:tcPr/>
+                </a:tc>
+                <a:tc>
+                  <a:txBody>
+                    <a:bodyPr/>
+                    <a:lstStyle/>
+                    <a:p>
+                      <a:r>
+                        <a:rPr lang="en-US" dirty="0">
+                          <a:solidFill>
+                            <a:schemeClr val="tx1"/>
+                          </a:solidFill>
+                        </a:rPr>
+                        <a:t>1</a:t>
+                      </a:r>
+                    </a:p>
+                  </a:txBody>
+                  <a:tcPr/>
+                </a:tc>
+                <a:extLst>
+                  <a:ext uri="{0D108BD9-81ED-4DB2-BD59-A6C34878D82A}">
+                    <a16:rowId xmlns:a16="http://schemas.microsoft.com/office/drawing/2014/main" val="1117235548"/>
+                  </a:ext>
+                </a:extLst>
+              </a:tr>
+              <a:tr h="370840">
+                <a:tc>
+                  <a:txBody>
+                    <a:bodyPr/>
+                    <a:lstStyle/>
+                    <a:p>
+                      <a:r>
+                        <a:rPr lang="en-US" b="0" dirty="0">
+                          <a:solidFill>
+                            <a:schemeClr val="tx1"/>
+                          </a:solidFill>
+                        </a:rPr>
+                        <a:t>c</a:t>
+                      </a:r>
+                    </a:p>
+                  </a:txBody>
+                  <a:tcPr/>
+                </a:tc>
+                <a:tc>
+                  <a:txBody>
+                    <a:bodyPr/>
+                    <a:lstStyle/>
+                    <a:p>
+                      <a:r>
+                        <a:rPr lang="en-US" dirty="0">
+                          <a:solidFill>
+                            <a:schemeClr val="tx1"/>
+                          </a:solidFill>
+                        </a:rPr>
+                        <a:t>1</a:t>
+                      </a:r>
+                    </a:p>
+                  </a:txBody>
+                  <a:tcPr/>
+                </a:tc>
+                <a:tc>
+                  <a:txBody>
+                    <a:bodyPr/>
+                    <a:lstStyle/>
+                    <a:p>
+                      <a:r>
+                        <a:rPr lang="en-US" dirty="0">
+                          <a:solidFill>
+                            <a:schemeClr val="tx1"/>
+                          </a:solidFill>
+                        </a:rPr>
+                        <a:t>0</a:t>
+                      </a:r>
+                    </a:p>
+                  </a:txBody>
+                  <a:tcPr/>
+                </a:tc>
+                <a:tc>
+                  <a:txBody>
+                    <a:bodyPr/>
+                    <a:lstStyle/>
+                    <a:p>
+                      <a:r>
+                        <a:rPr lang="en-US" dirty="0">
+                          <a:solidFill>
+                            <a:schemeClr val="tx1"/>
+                          </a:solidFill>
+                        </a:rPr>
+                        <a:t>1</a:t>
+                      </a:r>
+                    </a:p>
+                  </a:txBody>
+                  <a:tcPr/>
+                </a:tc>
+                <a:extLst>
+                  <a:ext uri="{0D108BD9-81ED-4DB2-BD59-A6C34878D82A}">
+                    <a16:rowId xmlns:a16="http://schemas.microsoft.com/office/drawing/2014/main" val="31625474"/>
+                  </a:ext>
+                </a:extLst>
+              </a:tr>
+              <a:tr h="370840">
+                <a:tc>
+                  <a:txBody>
+                    <a:bodyPr/>
+                    <a:lstStyle/>
+                    <a:p>
+                      <a:r>
+                        <a:rPr lang="en-US" b="0" dirty="0">
+                          <a:solidFill>
+                            <a:schemeClr val="tx1"/>
+                          </a:solidFill>
+                        </a:rPr>
+                        <a:t>d</a:t>
+                      </a:r>
+                    </a:p>
+                  </a:txBody>
+                  <a:tcPr/>
+                </a:tc>
+                <a:tc>
+                  <a:txBody>
+                    <a:bodyPr/>
+                    <a:lstStyle/>
+                    <a:p>
+                      <a:r>
+                        <a:rPr lang="en-US" dirty="0">
+                          <a:solidFill>
+                            <a:schemeClr val="tx1"/>
+                          </a:solidFill>
+                        </a:rPr>
+                        <a:t>1</a:t>
+                      </a:r>
+                    </a:p>
+                  </a:txBody>
+                  <a:tcPr/>
+                </a:tc>
+                <a:tc>
+                  <a:txBody>
+                    <a:bodyPr/>
+                    <a:lstStyle/>
+                    <a:p>
+                      <a:r>
+                        <a:rPr lang="en-US" dirty="0">
+                          <a:solidFill>
+                            <a:schemeClr val="tx1"/>
+                          </a:solidFill>
+                        </a:rPr>
+                        <a:t>1</a:t>
+                      </a:r>
+                    </a:p>
+                  </a:txBody>
+                  <a:tcPr/>
+                </a:tc>
+                <a:tc>
+                  <a:txBody>
+                    <a:bodyPr/>
+                    <a:lstStyle/>
+                    <a:p>
+                      <a:r>
+                        <a:rPr lang="en-US" dirty="0">
+                          <a:solidFill>
+                            <a:schemeClr val="tx1"/>
+                          </a:solidFill>
+                        </a:rPr>
+                        <a:t>1</a:t>
+                      </a:r>
+                    </a:p>
+                  </a:txBody>
+                  <a:tcPr/>
+                </a:tc>
+                <a:extLst>
+                  <a:ext uri="{0D108BD9-81ED-4DB2-BD59-A6C34878D82A}">
+                    <a16:rowId xmlns:a16="http://schemas.microsoft.com/office/drawing/2014/main" val="3223843042"/>
+                  </a:ext>
+                </a:extLst>
+              </a:tr>
+            </a:tbl>
+          </a:graphicData>
+        </a:graphic>
+      </p:graphicFrame>
+      <p:sp>
+        <p:nvSpPr>
+          <p:cNvPr id="41" name="TextBox 40">
+            <a:extLst>
+              <a:ext uri="{FF2B5EF4-FFF2-40B4-BE49-F238E27FC236}">
+                <a16:creationId xmlns:a16="http://schemas.microsoft.com/office/drawing/2014/main" id="{B5936425-C17F-20FD-B06C-5DF2A97DECAE}"/>
+              </a:ext>
+            </a:extLst>
+          </p:cNvPr>
+          <p:cNvSpPr txBox="1"/>
+          <p:nvPr/>
+        </p:nvSpPr>
+        <p:spPr>
+          <a:xfrm>
+            <a:off x="6102797" y="5088357"/>
+            <a:ext cx="362600" cy="369332"/>
+          </a:xfrm>
+          <a:prstGeom prst="rect">
+            <a:avLst/>
+          </a:prstGeom>
+          <a:noFill/>
+        </p:spPr>
+        <p:txBody>
+          <a:bodyPr wrap="none" rtlCol="0">
+            <a:spAutoFit/>
+          </a:bodyPr>
+          <a:lstStyle/>
+          <a:p>
+            <a:r>
+              <a:rPr lang="en-US" i="1" dirty="0"/>
+              <a:t>x</a:t>
+            </a:r>
+            <a:r>
+              <a:rPr lang="en-US" i="1" baseline="-25000" dirty="0"/>
+              <a:t>1</a:t>
+            </a:r>
+          </a:p>
+        </p:txBody>
+      </p:sp>
+      <p:sp>
+        <p:nvSpPr>
+          <p:cNvPr id="42" name="TextBox 41">
+            <a:extLst>
+              <a:ext uri="{FF2B5EF4-FFF2-40B4-BE49-F238E27FC236}">
+                <a16:creationId xmlns:a16="http://schemas.microsoft.com/office/drawing/2014/main" id="{B5FB1EDC-C723-9703-84CA-1EC179B20A51}"/>
+              </a:ext>
+            </a:extLst>
+          </p:cNvPr>
+          <p:cNvSpPr txBox="1"/>
+          <p:nvPr/>
+        </p:nvSpPr>
+        <p:spPr>
+          <a:xfrm>
+            <a:off x="8530171" y="5948234"/>
+            <a:ext cx="282450" cy="369332"/>
+          </a:xfrm>
+          <a:prstGeom prst="rect">
+            <a:avLst/>
+          </a:prstGeom>
+          <a:noFill/>
+        </p:spPr>
+        <p:txBody>
+          <a:bodyPr wrap="none" rtlCol="0">
+            <a:spAutoFit/>
+          </a:bodyPr>
+          <a:lstStyle/>
+          <a:p>
+            <a:r>
+              <a:rPr lang="en-US" dirty="0"/>
+              <a:t>c</a:t>
+            </a:r>
+          </a:p>
+        </p:txBody>
+      </p:sp>
+      <p:sp>
+        <p:nvSpPr>
+          <p:cNvPr id="43" name="TextBox 42">
+            <a:extLst>
+              <a:ext uri="{FF2B5EF4-FFF2-40B4-BE49-F238E27FC236}">
+                <a16:creationId xmlns:a16="http://schemas.microsoft.com/office/drawing/2014/main" id="{BE5DE777-5631-73FD-1922-F33433B82547}"/>
+              </a:ext>
+            </a:extLst>
+          </p:cNvPr>
+          <p:cNvSpPr txBox="1"/>
+          <p:nvPr/>
+        </p:nvSpPr>
+        <p:spPr>
+          <a:xfrm>
+            <a:off x="8491263" y="4243832"/>
+            <a:ext cx="306494" cy="369332"/>
+          </a:xfrm>
+          <a:prstGeom prst="rect">
+            <a:avLst/>
+          </a:prstGeom>
+          <a:noFill/>
+        </p:spPr>
+        <p:txBody>
+          <a:bodyPr wrap="none" rtlCol="0">
+            <a:spAutoFit/>
+          </a:bodyPr>
+          <a:lstStyle/>
+          <a:p>
+            <a:r>
+              <a:rPr lang="en-US" dirty="0"/>
+              <a:t>d</a:t>
+            </a:r>
+          </a:p>
+        </p:txBody>
+      </p:sp>
+      <p:sp>
+        <p:nvSpPr>
+          <p:cNvPr id="46" name="TextBox 45">
+            <a:extLst>
+              <a:ext uri="{FF2B5EF4-FFF2-40B4-BE49-F238E27FC236}">
+                <a16:creationId xmlns:a16="http://schemas.microsoft.com/office/drawing/2014/main" id="{BADA9C9C-5DDC-C87B-34A3-DC20383399BD}"/>
+              </a:ext>
+            </a:extLst>
+          </p:cNvPr>
+          <p:cNvSpPr txBox="1"/>
+          <p:nvPr/>
+        </p:nvSpPr>
+        <p:spPr>
+          <a:xfrm>
+            <a:off x="497309" y="1002381"/>
+            <a:ext cx="750526" cy="461665"/>
+          </a:xfrm>
+          <a:prstGeom prst="rect">
+            <a:avLst/>
+          </a:prstGeom>
+          <a:noFill/>
+        </p:spPr>
+        <p:txBody>
+          <a:bodyPr wrap="none" rtlCol="0">
+            <a:spAutoFit/>
+          </a:bodyPr>
+          <a:lstStyle/>
+          <a:p>
+            <a:r>
+              <a:rPr lang="en-US" sz="2400" dirty="0"/>
+              <a:t>AND</a:t>
+            </a:r>
+          </a:p>
+        </p:txBody>
+      </p:sp>
+      <p:sp>
+        <p:nvSpPr>
+          <p:cNvPr id="47" name="TextBox 46">
+            <a:extLst>
+              <a:ext uri="{FF2B5EF4-FFF2-40B4-BE49-F238E27FC236}">
+                <a16:creationId xmlns:a16="http://schemas.microsoft.com/office/drawing/2014/main" id="{3B464AE0-0E3C-2DE2-A6E3-2B96758DA08B}"/>
+              </a:ext>
+            </a:extLst>
+          </p:cNvPr>
+          <p:cNvSpPr txBox="1"/>
+          <p:nvPr/>
+        </p:nvSpPr>
+        <p:spPr>
+          <a:xfrm>
+            <a:off x="555096" y="3850599"/>
+            <a:ext cx="554960" cy="461665"/>
+          </a:xfrm>
+          <a:prstGeom prst="rect">
+            <a:avLst/>
+          </a:prstGeom>
+          <a:noFill/>
+        </p:spPr>
+        <p:txBody>
+          <a:bodyPr wrap="none" rtlCol="0">
+            <a:spAutoFit/>
+          </a:bodyPr>
+          <a:lstStyle/>
+          <a:p>
+            <a:r>
+              <a:rPr lang="en-US" sz="2400" dirty="0"/>
+              <a:t>OR</a:t>
+            </a:r>
+          </a:p>
+        </p:txBody>
+      </p:sp>
+    </p:spTree>
+    <p:extLst>
+      <p:ext uri="{BB962C8B-B14F-4D97-AF65-F5344CB8AC3E}">
+        <p14:creationId xmlns:p14="http://schemas.microsoft.com/office/powerpoint/2010/main" val="4208304696"/>
+      </p:ext>
+    </p:extLst>
+  </p:cSld>
+  <p:clrMapOvr>
+    <a:masterClrMapping/>
+  </p:clrMapOvr>
+  <p:transition>
+    <p:fade/>
+  </p:transition>
+</p:sld>
+</file>
+
+<file path=ppt/slides/slide11.xml><?xml version="1.0" encoding="utf-8"?>
+<p:sld xmlns:a="http://schemas.openxmlformats.org/drawingml/2006/main" xmlns:r="http://schemas.openxmlformats.org/officeDocument/2006/relationships" xmlns:p="http://schemas.openxmlformats.org/presentationml/2006/main">
+  <p:cSld>
+    <p:spTree>
+      <p:nvGrpSpPr>
+        <p:cNvPr id="1" name=""/>
+        <p:cNvGrpSpPr/>
+        <p:nvPr/>
+      </p:nvGrpSpPr>
+      <p:grpSpPr>
+        <a:xfrm>
+          <a:off x="0" y="0"/>
+          <a:ext cx="0" cy="0"/>
+          <a:chOff x="0" y="0"/>
+          <a:chExt cx="0" cy="0"/>
+        </a:xfrm>
+      </p:grpSpPr>
+      <p:sp>
+        <p:nvSpPr>
+          <p:cNvPr id="2" name="Title 1">
+            <a:extLst>
+              <a:ext uri="{FF2B5EF4-FFF2-40B4-BE49-F238E27FC236}">
+                <a16:creationId xmlns:a16="http://schemas.microsoft.com/office/drawing/2014/main" id="{4FDAA68F-04D6-7957-ED2F-353CCACA65AF}"/>
+              </a:ext>
+            </a:extLst>
+          </p:cNvPr>
+          <p:cNvSpPr>
+            <a:spLocks noGrp="1"/>
+          </p:cNvSpPr>
+          <p:nvPr>
+            <p:ph type="title"/>
+          </p:nvPr>
+        </p:nvSpPr>
+        <p:spPr/>
+        <p:txBody>
+          <a:bodyPr/>
+          <a:lstStyle/>
+          <a:p>
+            <a:r>
+              <a:rPr lang="en-US" dirty="0"/>
+              <a:t>XOR is not linearly separable</a:t>
+            </a:r>
+          </a:p>
+        </p:txBody>
+      </p:sp>
+      <p:pic>
+        <p:nvPicPr>
+          <p:cNvPr id="4" name="Picture 3">
+            <a:extLst>
+              <a:ext uri="{FF2B5EF4-FFF2-40B4-BE49-F238E27FC236}">
+                <a16:creationId xmlns:a16="http://schemas.microsoft.com/office/drawing/2014/main" id="{BB5B93E2-5902-F704-48AB-549A7678130E}"/>
+              </a:ext>
+            </a:extLst>
+          </p:cNvPr>
+          <p:cNvPicPr>
+            <a:picLocks noChangeAspect="1"/>
+          </p:cNvPicPr>
+          <p:nvPr/>
+        </p:nvPicPr>
+        <p:blipFill>
+          <a:blip r:embed="rId2"/>
+          <a:stretch>
+            <a:fillRect/>
+          </a:stretch>
+        </p:blipFill>
+        <p:spPr>
+          <a:xfrm>
+            <a:off x="480000" y="1339588"/>
+            <a:ext cx="6409898" cy="3871076"/>
+          </a:xfrm>
+          <a:prstGeom prst="rect">
+            <a:avLst/>
+          </a:prstGeom>
+        </p:spPr>
+      </p:pic>
+    </p:spTree>
+    <p:extLst>
+      <p:ext uri="{BB962C8B-B14F-4D97-AF65-F5344CB8AC3E}">
+        <p14:creationId xmlns:p14="http://schemas.microsoft.com/office/powerpoint/2010/main" val="4149411941"/>
+      </p:ext>
+    </p:extLst>
+  </p:cSld>
+  <p:clrMapOvr>
+    <a:masterClrMapping/>
+  </p:clrMapOvr>
+  <p:transition>
+    <p:fade/>
+  </p:transition>
+</p:sld>
+</file>
+
+<file path=ppt/slides/slide12.xml><?xml version="1.0" encoding="utf-8"?>
+<p:sld xmlns:a="http://schemas.openxmlformats.org/drawingml/2006/main" xmlns:r="http://schemas.openxmlformats.org/officeDocument/2006/relationships" xmlns:p="http://schemas.openxmlformats.org/presentationml/2006/main">
+  <p:cSld>
+    <p:spTree>
+      <p:nvGrpSpPr>
+        <p:cNvPr id="1" name=""/>
+        <p:cNvGrpSpPr/>
+        <p:nvPr/>
+      </p:nvGrpSpPr>
+      <p:grpSpPr>
+        <a:xfrm>
+          <a:off x="0" y="0"/>
+          <a:ext cx="0" cy="0"/>
+          <a:chOff x="0" y="0"/>
+          <a:chExt cx="0" cy="0"/>
+        </a:xfrm>
+      </p:grpSpPr>
+      <p:sp>
+        <p:nvSpPr>
+          <p:cNvPr id="2" name="Title 1">
+            <a:extLst>
+              <a:ext uri="{FF2B5EF4-FFF2-40B4-BE49-F238E27FC236}">
+                <a16:creationId xmlns:a16="http://schemas.microsoft.com/office/drawing/2014/main" id="{6F9ABF01-44BC-808A-8F0E-2D35C6617889}"/>
+              </a:ext>
+            </a:extLst>
+          </p:cNvPr>
+          <p:cNvSpPr>
+            <a:spLocks noGrp="1"/>
+          </p:cNvSpPr>
+          <p:nvPr>
+            <p:ph type="title"/>
+          </p:nvPr>
+        </p:nvSpPr>
+        <p:spPr/>
+        <p:txBody>
+          <a:bodyPr/>
+          <a:lstStyle/>
+          <a:p>
+            <a:r>
+              <a:rPr lang="en-US" dirty="0"/>
+              <a:t>Solving a non-linear problem</a:t>
+            </a:r>
+          </a:p>
+        </p:txBody>
+      </p:sp>
+      <p:pic>
+        <p:nvPicPr>
+          <p:cNvPr id="4" name="Picture 3">
+            <a:extLst>
+              <a:ext uri="{FF2B5EF4-FFF2-40B4-BE49-F238E27FC236}">
+                <a16:creationId xmlns:a16="http://schemas.microsoft.com/office/drawing/2014/main" id="{8FB1B492-D1A8-EF2A-E57D-9BD4FA20B15A}"/>
+              </a:ext>
+            </a:extLst>
+          </p:cNvPr>
+          <p:cNvPicPr>
+            <a:picLocks noChangeAspect="1"/>
+          </p:cNvPicPr>
+          <p:nvPr/>
+        </p:nvPicPr>
+        <p:blipFill>
+          <a:blip r:embed="rId2"/>
+          <a:stretch>
+            <a:fillRect/>
+          </a:stretch>
+        </p:blipFill>
+        <p:spPr>
+          <a:xfrm>
+            <a:off x="480000" y="1006953"/>
+            <a:ext cx="9950540" cy="5509457"/>
+          </a:xfrm>
+          <a:prstGeom prst="rect">
+            <a:avLst/>
+          </a:prstGeom>
+        </p:spPr>
+      </p:pic>
+    </p:spTree>
+    <p:extLst>
+      <p:ext uri="{BB962C8B-B14F-4D97-AF65-F5344CB8AC3E}">
+        <p14:creationId xmlns:p14="http://schemas.microsoft.com/office/powerpoint/2010/main" val="51371531"/>
+      </p:ext>
+    </p:extLst>
+  </p:cSld>
+  <p:clrMapOvr>
+    <a:masterClrMapping/>
+  </p:clrMapOvr>
+  <p:transition>
+    <p:fade/>
+  </p:transition>
+</p:sld>
+</file>
+
+<file path=ppt/slides/slide13.xml><?xml version="1.0" encoding="utf-8"?>
+<p:sld xmlns:a="http://schemas.openxmlformats.org/drawingml/2006/main" xmlns:r="http://schemas.openxmlformats.org/officeDocument/2006/relationships" xmlns:p="http://schemas.openxmlformats.org/presentationml/2006/main">
+  <p:cSld>
+    <p:spTree>
+      <p:nvGrpSpPr>
+        <p:cNvPr id="1" name=""/>
+        <p:cNvGrpSpPr/>
+        <p:nvPr/>
+      </p:nvGrpSpPr>
+      <p:grpSpPr>
+        <a:xfrm>
+          <a:off x="0" y="0"/>
+          <a:ext cx="0" cy="0"/>
+          <a:chOff x="0" y="0"/>
+          <a:chExt cx="0" cy="0"/>
+        </a:xfrm>
+      </p:grpSpPr>
+      <p:sp>
+        <p:nvSpPr>
+          <p:cNvPr id="2" name="Title 1">
+            <a:extLst>
+              <a:ext uri="{FF2B5EF4-FFF2-40B4-BE49-F238E27FC236}">
+                <a16:creationId xmlns:a16="http://schemas.microsoft.com/office/drawing/2014/main" id="{98DF3BC9-8B86-65B7-B13D-DFF03170960D}"/>
+              </a:ext>
+            </a:extLst>
+          </p:cNvPr>
+          <p:cNvSpPr>
+            <a:spLocks noGrp="1"/>
+          </p:cNvSpPr>
+          <p:nvPr>
+            <p:ph type="title"/>
+          </p:nvPr>
+        </p:nvSpPr>
+        <p:spPr/>
+        <p:txBody>
+          <a:bodyPr/>
+          <a:lstStyle/>
+          <a:p>
+            <a:r>
+              <a:rPr lang="en-US" dirty="0"/>
+              <a:t>Solving a non-linear problem</a:t>
+            </a:r>
+          </a:p>
+        </p:txBody>
+      </p:sp>
+      <p:pic>
+        <p:nvPicPr>
+          <p:cNvPr id="6" name="Picture 5">
+            <a:extLst>
+              <a:ext uri="{FF2B5EF4-FFF2-40B4-BE49-F238E27FC236}">
+                <a16:creationId xmlns:a16="http://schemas.microsoft.com/office/drawing/2014/main" id="{9DA3C967-049D-1DA3-7619-EAAB1F465646}"/>
+              </a:ext>
+            </a:extLst>
+          </p:cNvPr>
+          <p:cNvPicPr>
+            <a:picLocks noChangeAspect="1"/>
+          </p:cNvPicPr>
+          <p:nvPr/>
+        </p:nvPicPr>
+        <p:blipFill>
+          <a:blip r:embed="rId2"/>
+          <a:stretch>
+            <a:fillRect/>
+          </a:stretch>
+        </p:blipFill>
+        <p:spPr>
+          <a:xfrm>
+            <a:off x="480000" y="998545"/>
+            <a:ext cx="10056865" cy="5491302"/>
+          </a:xfrm>
+          <a:prstGeom prst="rect">
+            <a:avLst/>
+          </a:prstGeom>
+        </p:spPr>
+      </p:pic>
+    </p:spTree>
+    <p:extLst>
+      <p:ext uri="{BB962C8B-B14F-4D97-AF65-F5344CB8AC3E}">
+        <p14:creationId xmlns:p14="http://schemas.microsoft.com/office/powerpoint/2010/main" val="1061895361"/>
+      </p:ext>
+    </p:extLst>
+  </p:cSld>
+  <p:clrMapOvr>
+    <a:masterClrMapping/>
+  </p:clrMapOvr>
+  <p:transition>
+    <p:fade/>
+  </p:transition>
+</p:sld>
+</file>
+
+<file path=ppt/slides/slide14.xml><?xml version="1.0" encoding="utf-8"?>
+<p:sld xmlns:a="http://schemas.openxmlformats.org/drawingml/2006/main" xmlns:r="http://schemas.openxmlformats.org/officeDocument/2006/relationships" xmlns:p="http://schemas.openxmlformats.org/presentationml/2006/main">
+  <p:cSld>
+    <p:spTree>
+      <p:nvGrpSpPr>
+        <p:cNvPr id="1" name=""/>
+        <p:cNvGrpSpPr/>
+        <p:nvPr/>
+      </p:nvGrpSpPr>
+      <p:grpSpPr>
+        <a:xfrm>
+          <a:off x="0" y="0"/>
+          <a:ext cx="0" cy="0"/>
+          <a:chOff x="0" y="0"/>
+          <a:chExt cx="0" cy="0"/>
+        </a:xfrm>
+      </p:grpSpPr>
+      <p:pic>
+        <p:nvPicPr>
+          <p:cNvPr id="1026" name="Picture 2" descr="Data">
+            <a:extLst>
+              <a:ext uri="{FF2B5EF4-FFF2-40B4-BE49-F238E27FC236}">
+                <a16:creationId xmlns:a16="http://schemas.microsoft.com/office/drawing/2014/main" id="{83361A9B-8EFA-96E1-233F-87235F77B46C}"/>
+              </a:ext>
+            </a:extLst>
+          </p:cNvPr>
+          <p:cNvPicPr>
+            <a:picLocks noChangeAspect="1" noChangeArrowheads="1"/>
+          </p:cNvPicPr>
+          <p:nvPr/>
+        </p:nvPicPr>
+        <p:blipFill>
+          <a:blip r:embed="rId2">
+            <a:extLst>
+              <a:ext uri="{28A0092B-C50C-407E-A947-70E740481C1C}">
+                <a14:useLocalDpi xmlns:a14="http://schemas.microsoft.com/office/drawing/2010/main" val="0"/>
+              </a:ext>
+            </a:extLst>
+          </a:blip>
+          <a:srcRect/>
+          <a:stretch>
+            <a:fillRect/>
+          </a:stretch>
+        </p:blipFill>
+        <p:spPr bwMode="auto">
+          <a:xfrm>
+            <a:off x="4894449" y="1050549"/>
+            <a:ext cx="4894950" cy="3671212"/>
+          </a:xfrm>
+          <a:prstGeom prst="rect">
+            <a:avLst/>
+          </a:prstGeom>
+          <a:noFill/>
+          <a:extLst>
+            <a:ext uri="{909E8E84-426E-40DD-AFC4-6F175D3DCCD1}">
+              <a14:hiddenFill xmlns:a14="http://schemas.microsoft.com/office/drawing/2010/main">
+                <a:solidFill>
+                  <a:srgbClr val="FFFFFF"/>
+                </a:solidFill>
+              </a14:hiddenFill>
+            </a:ext>
+          </a:extLst>
+        </p:spPr>
+      </p:pic>
+      <p:sp>
+        <p:nvSpPr>
+          <p:cNvPr id="2" name="Title 1">
+            <a:extLst>
+              <a:ext uri="{FF2B5EF4-FFF2-40B4-BE49-F238E27FC236}">
+                <a16:creationId xmlns:a16="http://schemas.microsoft.com/office/drawing/2014/main" id="{BE6308F2-B466-EED3-F017-974A9A7CA210}"/>
+              </a:ext>
+            </a:extLst>
+          </p:cNvPr>
+          <p:cNvSpPr>
+            <a:spLocks noGrp="1"/>
+          </p:cNvSpPr>
+          <p:nvPr>
+            <p:ph type="title"/>
+          </p:nvPr>
+        </p:nvSpPr>
+        <p:spPr/>
+        <p:txBody>
+          <a:bodyPr/>
+          <a:lstStyle/>
+          <a:p>
+            <a:r>
+              <a:rPr lang="en-US" dirty="0"/>
+              <a:t>A single perceptron can only model linearly separable problems </a:t>
+            </a:r>
+          </a:p>
+        </p:txBody>
+      </p:sp>
+      <p:grpSp>
+        <p:nvGrpSpPr>
+          <p:cNvPr id="3" name="Group 2">
+            <a:extLst>
+              <a:ext uri="{FF2B5EF4-FFF2-40B4-BE49-F238E27FC236}">
+                <a16:creationId xmlns:a16="http://schemas.microsoft.com/office/drawing/2014/main" id="{5BE36A02-3311-30F1-556D-8F9023E8375E}"/>
+              </a:ext>
+            </a:extLst>
+          </p:cNvPr>
+          <p:cNvGrpSpPr/>
+          <p:nvPr/>
+        </p:nvGrpSpPr>
+        <p:grpSpPr>
+          <a:xfrm>
+            <a:off x="305330" y="985050"/>
+            <a:ext cx="3387900" cy="3261419"/>
+            <a:chOff x="305330" y="985050"/>
+            <a:chExt cx="3387900" cy="3261419"/>
+          </a:xfrm>
+        </p:grpSpPr>
+        <p:sp>
+          <p:nvSpPr>
+            <p:cNvPr id="11" name="Rectangle 10">
+              <a:extLst>
+                <a:ext uri="{FF2B5EF4-FFF2-40B4-BE49-F238E27FC236}">
+                  <a16:creationId xmlns:a16="http://schemas.microsoft.com/office/drawing/2014/main" id="{BC25E805-8937-A96D-DB4E-86862BB05D2D}"/>
+                </a:ext>
+              </a:extLst>
+            </p:cNvPr>
+            <p:cNvSpPr/>
+            <p:nvPr/>
+          </p:nvSpPr>
+          <p:spPr>
+            <a:xfrm>
+              <a:off x="775504" y="1107365"/>
+              <a:ext cx="2743200" cy="2743200"/>
+            </a:xfrm>
+            <a:prstGeom prst="rect">
+              <a:avLst/>
+            </a:prstGeom>
+            <a:noFill/>
+            <a:ln>
+              <a:solidFill>
+                <a:schemeClr val="tx1"/>
+              </a:solidFill>
+            </a:ln>
+            <a:effectLst/>
+          </p:spPr>
+          <p:style>
+            <a:lnRef idx="1">
+              <a:schemeClr val="accent1"/>
+            </a:lnRef>
+            <a:fillRef idx="3">
+              <a:schemeClr val="accent1"/>
+            </a:fillRef>
+            <a:effectRef idx="2">
+              <a:schemeClr val="accent1"/>
+            </a:effectRef>
+            <a:fontRef idx="minor">
+              <a:schemeClr val="lt1"/>
+            </a:fontRef>
+          </p:style>
+          <p:txBody>
+            <a:bodyPr rtlCol="0" anchor="t" anchorCtr="0"/>
+            <a:lstStyle/>
+            <a:p>
+              <a:pPr algn="l"/>
+              <a:endParaRPr lang="en-US" sz="1400" b="1" dirty="0">
+                <a:solidFill>
+                  <a:schemeClr val="tx1"/>
+                </a:solidFill>
+                <a:cs typeface="Georgia"/>
+              </a:endParaRPr>
+            </a:p>
+          </p:txBody>
+        </p:sp>
+        <p:sp>
+          <p:nvSpPr>
+            <p:cNvPr id="5" name="Oval 4">
+              <a:extLst>
+                <a:ext uri="{FF2B5EF4-FFF2-40B4-BE49-F238E27FC236}">
+                  <a16:creationId xmlns:a16="http://schemas.microsoft.com/office/drawing/2014/main" id="{BBAA1B22-CFE8-B050-F239-3F730CACC9C1}"/>
+                </a:ext>
+              </a:extLst>
+            </p:cNvPr>
+            <p:cNvSpPr/>
+            <p:nvPr/>
+          </p:nvSpPr>
+          <p:spPr>
+            <a:xfrm>
+              <a:off x="2824220" y="1419881"/>
+              <a:ext cx="150471" cy="150471"/>
+            </a:xfrm>
+            <a:prstGeom prst="ellipse">
+              <a:avLst/>
+            </a:prstGeom>
+            <a:solidFill>
+              <a:schemeClr val="accent6"/>
+            </a:solidFill>
+            <a:ln>
+              <a:noFill/>
+            </a:ln>
+            <a:effectLst/>
+          </p:spPr>
+          <p:style>
+            <a:lnRef idx="1">
+              <a:schemeClr val="accent1"/>
+            </a:lnRef>
+            <a:fillRef idx="3">
+              <a:schemeClr val="accent1"/>
+            </a:fillRef>
+            <a:effectRef idx="2">
+              <a:schemeClr val="accent1"/>
+            </a:effectRef>
+            <a:fontRef idx="minor">
+              <a:schemeClr val="lt1"/>
+            </a:fontRef>
+          </p:style>
+          <p:txBody>
+            <a:bodyPr rtlCol="0" anchor="t" anchorCtr="0"/>
+            <a:lstStyle/>
+            <a:p>
+              <a:pPr algn="l"/>
+              <a:endParaRPr lang="en-US" sz="1400" b="1" dirty="0">
+                <a:solidFill>
+                  <a:schemeClr val="tx1"/>
+                </a:solidFill>
+                <a:cs typeface="Georgia"/>
+              </a:endParaRPr>
+            </a:p>
+          </p:txBody>
+        </p:sp>
+        <p:sp>
+          <p:nvSpPr>
+            <p:cNvPr id="6" name="Oval 5">
+              <a:extLst>
+                <a:ext uri="{FF2B5EF4-FFF2-40B4-BE49-F238E27FC236}">
+                  <a16:creationId xmlns:a16="http://schemas.microsoft.com/office/drawing/2014/main" id="{FFF7843D-2229-65D8-04D5-DBED59553D1B}"/>
+                </a:ext>
+              </a:extLst>
+            </p:cNvPr>
+            <p:cNvSpPr/>
+            <p:nvPr/>
+          </p:nvSpPr>
+          <p:spPr>
+            <a:xfrm>
+              <a:off x="2976620" y="1572281"/>
+              <a:ext cx="150471" cy="150471"/>
+            </a:xfrm>
+            <a:prstGeom prst="ellipse">
+              <a:avLst/>
+            </a:prstGeom>
+            <a:solidFill>
+              <a:schemeClr val="accent6"/>
+            </a:solidFill>
+            <a:ln>
+              <a:noFill/>
+            </a:ln>
+            <a:effectLst/>
+          </p:spPr>
+          <p:style>
+            <a:lnRef idx="1">
+              <a:schemeClr val="accent1"/>
+            </a:lnRef>
+            <a:fillRef idx="3">
+              <a:schemeClr val="accent1"/>
+            </a:fillRef>
+            <a:effectRef idx="2">
+              <a:schemeClr val="accent1"/>
+            </a:effectRef>
+            <a:fontRef idx="minor">
+              <a:schemeClr val="lt1"/>
+            </a:fontRef>
+          </p:style>
+          <p:txBody>
+            <a:bodyPr rtlCol="0" anchor="t" anchorCtr="0"/>
+            <a:lstStyle/>
+            <a:p>
+              <a:pPr algn="l"/>
+              <a:endParaRPr lang="en-US" sz="1400" b="1" dirty="0">
+                <a:solidFill>
+                  <a:schemeClr val="tx1"/>
+                </a:solidFill>
+                <a:cs typeface="Georgia"/>
+              </a:endParaRPr>
+            </a:p>
+          </p:txBody>
+        </p:sp>
+        <p:sp>
+          <p:nvSpPr>
+            <p:cNvPr id="7" name="Oval 6">
+              <a:extLst>
+                <a:ext uri="{FF2B5EF4-FFF2-40B4-BE49-F238E27FC236}">
+                  <a16:creationId xmlns:a16="http://schemas.microsoft.com/office/drawing/2014/main" id="{81348B80-ECF7-1EB9-A8F0-ECEC9AB2DDF2}"/>
+                </a:ext>
+              </a:extLst>
+            </p:cNvPr>
+            <p:cNvSpPr/>
+            <p:nvPr/>
+          </p:nvSpPr>
+          <p:spPr>
+            <a:xfrm>
+              <a:off x="976132" y="1312379"/>
+              <a:ext cx="150471" cy="150471"/>
+            </a:xfrm>
+            <a:prstGeom prst="ellipse">
+              <a:avLst/>
+            </a:prstGeom>
+            <a:solidFill>
+              <a:schemeClr val="accent1"/>
+            </a:solidFill>
+            <a:ln>
+              <a:noFill/>
+            </a:ln>
+            <a:effectLst/>
+          </p:spPr>
+          <p:style>
+            <a:lnRef idx="1">
+              <a:schemeClr val="accent1"/>
+            </a:lnRef>
+            <a:fillRef idx="3">
+              <a:schemeClr val="accent1"/>
+            </a:fillRef>
+            <a:effectRef idx="2">
+              <a:schemeClr val="accent1"/>
+            </a:effectRef>
+            <a:fontRef idx="minor">
+              <a:schemeClr val="lt1"/>
+            </a:fontRef>
+          </p:style>
+          <p:txBody>
+            <a:bodyPr rtlCol="0" anchor="t" anchorCtr="0"/>
+            <a:lstStyle/>
+            <a:p>
+              <a:pPr algn="l"/>
+              <a:endParaRPr lang="en-US" sz="1400" b="1" dirty="0">
+                <a:solidFill>
+                  <a:schemeClr val="tx1"/>
+                </a:solidFill>
+                <a:cs typeface="Georgia"/>
+              </a:endParaRPr>
+            </a:p>
+          </p:txBody>
+        </p:sp>
+        <p:sp>
+          <p:nvSpPr>
+            <p:cNvPr id="8" name="Oval 7">
+              <a:extLst>
+                <a:ext uri="{FF2B5EF4-FFF2-40B4-BE49-F238E27FC236}">
+                  <a16:creationId xmlns:a16="http://schemas.microsoft.com/office/drawing/2014/main" id="{D8B0D86E-2C94-A534-5719-0064B8DCA78A}"/>
+                </a:ext>
+              </a:extLst>
+            </p:cNvPr>
+            <p:cNvSpPr/>
+            <p:nvPr/>
+          </p:nvSpPr>
+          <p:spPr>
+            <a:xfrm>
+              <a:off x="900896" y="3520685"/>
+              <a:ext cx="150471" cy="150471"/>
+            </a:xfrm>
+            <a:prstGeom prst="ellipse">
+              <a:avLst/>
+            </a:prstGeom>
+            <a:solidFill>
+              <a:schemeClr val="accent1"/>
+            </a:solidFill>
+            <a:ln>
+              <a:noFill/>
+            </a:ln>
+            <a:effectLst/>
+          </p:spPr>
+          <p:style>
+            <a:lnRef idx="1">
+              <a:schemeClr val="accent1"/>
+            </a:lnRef>
+            <a:fillRef idx="3">
+              <a:schemeClr val="accent1"/>
+            </a:fillRef>
+            <a:effectRef idx="2">
+              <a:schemeClr val="accent1"/>
+            </a:effectRef>
+            <a:fontRef idx="minor">
+              <a:schemeClr val="lt1"/>
+            </a:fontRef>
+          </p:style>
+          <p:txBody>
+            <a:bodyPr rtlCol="0" anchor="t" anchorCtr="0"/>
+            <a:lstStyle/>
+            <a:p>
+              <a:pPr algn="l"/>
+              <a:endParaRPr lang="en-US" sz="1400" b="1" dirty="0">
+                <a:solidFill>
+                  <a:schemeClr val="tx1"/>
+                </a:solidFill>
+                <a:cs typeface="Georgia"/>
+              </a:endParaRPr>
+            </a:p>
+          </p:txBody>
+        </p:sp>
+        <p:sp>
+          <p:nvSpPr>
+            <p:cNvPr id="9" name="Oval 8">
+              <a:extLst>
+                <a:ext uri="{FF2B5EF4-FFF2-40B4-BE49-F238E27FC236}">
+                  <a16:creationId xmlns:a16="http://schemas.microsoft.com/office/drawing/2014/main" id="{04612483-C754-3EE2-9B7E-BCC93AF462A2}"/>
+                </a:ext>
+              </a:extLst>
+            </p:cNvPr>
+            <p:cNvSpPr/>
+            <p:nvPr/>
+          </p:nvSpPr>
+          <p:spPr>
+            <a:xfrm>
+              <a:off x="3127091" y="3520685"/>
+              <a:ext cx="150471" cy="150471"/>
+            </a:xfrm>
+            <a:prstGeom prst="ellipse">
+              <a:avLst/>
+            </a:prstGeom>
+            <a:solidFill>
+              <a:schemeClr val="accent1"/>
+            </a:solidFill>
+            <a:ln>
+              <a:noFill/>
+            </a:ln>
+            <a:effectLst/>
+          </p:spPr>
+          <p:style>
+            <a:lnRef idx="1">
+              <a:schemeClr val="accent1"/>
+            </a:lnRef>
+            <a:fillRef idx="3">
+              <a:schemeClr val="accent1"/>
+            </a:fillRef>
+            <a:effectRef idx="2">
+              <a:schemeClr val="accent1"/>
+            </a:effectRef>
+            <a:fontRef idx="minor">
+              <a:schemeClr val="lt1"/>
+            </a:fontRef>
+          </p:style>
+          <p:txBody>
+            <a:bodyPr rtlCol="0" anchor="t" anchorCtr="0"/>
+            <a:lstStyle/>
+            <a:p>
+              <a:pPr algn="l"/>
+              <a:endParaRPr lang="en-US" sz="1400" b="1" dirty="0">
+                <a:solidFill>
+                  <a:schemeClr val="tx1"/>
+                </a:solidFill>
+                <a:cs typeface="Georgia"/>
+              </a:endParaRPr>
+            </a:p>
+          </p:txBody>
+        </p:sp>
+        <p:sp>
+          <p:nvSpPr>
+            <p:cNvPr id="12" name="TextBox 11">
+              <a:extLst>
+                <a:ext uri="{FF2B5EF4-FFF2-40B4-BE49-F238E27FC236}">
+                  <a16:creationId xmlns:a16="http://schemas.microsoft.com/office/drawing/2014/main" id="{F2CAD9D8-FDDD-8002-9D72-5DFA16771A34}"/>
+                </a:ext>
+              </a:extLst>
+            </p:cNvPr>
+            <p:cNvSpPr txBox="1"/>
+            <p:nvPr/>
+          </p:nvSpPr>
+          <p:spPr>
+            <a:xfrm>
+              <a:off x="2899455" y="1201020"/>
+              <a:ext cx="558166" cy="369332"/>
+            </a:xfrm>
+            <a:prstGeom prst="rect">
+              <a:avLst/>
+            </a:prstGeom>
+            <a:noFill/>
+          </p:spPr>
+          <p:txBody>
+            <a:bodyPr wrap="none" rtlCol="0">
+              <a:spAutoFit/>
+            </a:bodyPr>
+            <a:lstStyle/>
+            <a:p>
+              <a:r>
+                <a:rPr lang="en-US" dirty="0"/>
+                <a:t>Dog</a:t>
+              </a:r>
+            </a:p>
+          </p:txBody>
+        </p:sp>
+        <p:sp>
+          <p:nvSpPr>
+            <p:cNvPr id="13" name="TextBox 12">
+              <a:extLst>
+                <a:ext uri="{FF2B5EF4-FFF2-40B4-BE49-F238E27FC236}">
+                  <a16:creationId xmlns:a16="http://schemas.microsoft.com/office/drawing/2014/main" id="{C887A228-31F3-A995-6391-4D700236C2AF}"/>
+                </a:ext>
+              </a:extLst>
+            </p:cNvPr>
+            <p:cNvSpPr txBox="1"/>
+            <p:nvPr/>
+          </p:nvSpPr>
+          <p:spPr>
+            <a:xfrm>
+              <a:off x="3072726" y="1462850"/>
+              <a:ext cx="493533" cy="369332"/>
+            </a:xfrm>
+            <a:prstGeom prst="rect">
+              <a:avLst/>
+            </a:prstGeom>
+            <a:noFill/>
+          </p:spPr>
+          <p:txBody>
+            <a:bodyPr wrap="none" rtlCol="0">
+              <a:spAutoFit/>
+            </a:bodyPr>
+            <a:lstStyle/>
+            <a:p>
+              <a:r>
+                <a:rPr lang="en-US" dirty="0"/>
+                <a:t>Cat</a:t>
+              </a:r>
+            </a:p>
+          </p:txBody>
+        </p:sp>
+        <p:sp>
+          <p:nvSpPr>
+            <p:cNvPr id="16" name="TextBox 15">
+              <a:extLst>
+                <a:ext uri="{FF2B5EF4-FFF2-40B4-BE49-F238E27FC236}">
+                  <a16:creationId xmlns:a16="http://schemas.microsoft.com/office/drawing/2014/main" id="{01114295-92F0-6CDB-25AC-B03640017D07}"/>
+                </a:ext>
+              </a:extLst>
+            </p:cNvPr>
+            <p:cNvSpPr txBox="1"/>
+            <p:nvPr/>
+          </p:nvSpPr>
+          <p:spPr>
+            <a:xfrm>
+              <a:off x="1670563" y="3877137"/>
+              <a:ext cx="953081" cy="369332"/>
+            </a:xfrm>
+            <a:prstGeom prst="rect">
+              <a:avLst/>
+            </a:prstGeom>
+            <a:noFill/>
+          </p:spPr>
+          <p:txBody>
+            <a:bodyPr wrap="none" rtlCol="0">
+              <a:spAutoFit/>
+            </a:bodyPr>
+            <a:lstStyle/>
+            <a:p>
+              <a:r>
+                <a:rPr lang="en-US" dirty="0"/>
+                <a:t>Lactates</a:t>
+              </a:r>
+            </a:p>
+          </p:txBody>
+        </p:sp>
+        <p:sp>
+          <p:nvSpPr>
+            <p:cNvPr id="17" name="TextBox 16">
+              <a:extLst>
+                <a:ext uri="{FF2B5EF4-FFF2-40B4-BE49-F238E27FC236}">
+                  <a16:creationId xmlns:a16="http://schemas.microsoft.com/office/drawing/2014/main" id="{90A3BD21-6E8F-C237-1F4D-5100C3F20EDC}"/>
+                </a:ext>
+              </a:extLst>
+            </p:cNvPr>
+            <p:cNvSpPr txBox="1"/>
+            <p:nvPr/>
+          </p:nvSpPr>
+          <p:spPr>
+            <a:xfrm rot="16200000">
+              <a:off x="-28672" y="2324867"/>
+              <a:ext cx="1037335" cy="369332"/>
+            </a:xfrm>
+            <a:prstGeom prst="rect">
+              <a:avLst/>
+            </a:prstGeom>
+            <a:noFill/>
+          </p:spPr>
+          <p:txBody>
+            <a:bodyPr wrap="none" rtlCol="0">
+              <a:spAutoFit/>
+            </a:bodyPr>
+            <a:lstStyle/>
+            <a:p>
+              <a:r>
+                <a:rPr lang="en-US" dirty="0"/>
+                <a:t>Placental</a:t>
+              </a:r>
+            </a:p>
+          </p:txBody>
+        </p:sp>
+        <p:sp>
+          <p:nvSpPr>
+            <p:cNvPr id="18" name="TextBox 17">
+              <a:extLst>
+                <a:ext uri="{FF2B5EF4-FFF2-40B4-BE49-F238E27FC236}">
+                  <a16:creationId xmlns:a16="http://schemas.microsoft.com/office/drawing/2014/main" id="{11AA189B-2738-6135-E235-CE955E94CFC9}"/>
+                </a:ext>
+              </a:extLst>
+            </p:cNvPr>
+            <p:cNvSpPr txBox="1"/>
+            <p:nvPr/>
+          </p:nvSpPr>
+          <p:spPr>
+            <a:xfrm>
+              <a:off x="990755" y="3411254"/>
+              <a:ext cx="732316" cy="369332"/>
+            </a:xfrm>
+            <a:prstGeom prst="rect">
+              <a:avLst/>
+            </a:prstGeom>
+            <a:noFill/>
+          </p:spPr>
+          <p:txBody>
+            <a:bodyPr wrap="none" rtlCol="0">
+              <a:spAutoFit/>
+            </a:bodyPr>
+            <a:lstStyle/>
+            <a:p>
+              <a:r>
+                <a:rPr lang="en-US" dirty="0"/>
+                <a:t>Lizard</a:t>
+              </a:r>
+            </a:p>
+          </p:txBody>
+        </p:sp>
+        <p:sp>
+          <p:nvSpPr>
+            <p:cNvPr id="19" name="TextBox 18">
+              <a:extLst>
+                <a:ext uri="{FF2B5EF4-FFF2-40B4-BE49-F238E27FC236}">
+                  <a16:creationId xmlns:a16="http://schemas.microsoft.com/office/drawing/2014/main" id="{0129C2B0-02EC-5399-AE6F-2DE4F55F475E}"/>
+                </a:ext>
+              </a:extLst>
+            </p:cNvPr>
+            <p:cNvSpPr txBox="1"/>
+            <p:nvPr/>
+          </p:nvSpPr>
+          <p:spPr>
+            <a:xfrm>
+              <a:off x="876938" y="1402610"/>
+              <a:ext cx="1096775" cy="369332"/>
+            </a:xfrm>
+            <a:prstGeom prst="rect">
+              <a:avLst/>
+            </a:prstGeom>
+            <a:noFill/>
+          </p:spPr>
+          <p:txBody>
+            <a:bodyPr wrap="none" rtlCol="0">
+              <a:spAutoFit/>
+            </a:bodyPr>
+            <a:lstStyle/>
+            <a:p>
+              <a:r>
+                <a:rPr lang="en-US" dirty="0"/>
+                <a:t>Bull shark</a:t>
+              </a:r>
+            </a:p>
+          </p:txBody>
+        </p:sp>
+        <p:sp>
+          <p:nvSpPr>
+            <p:cNvPr id="20" name="TextBox 19">
+              <a:extLst>
+                <a:ext uri="{FF2B5EF4-FFF2-40B4-BE49-F238E27FC236}">
+                  <a16:creationId xmlns:a16="http://schemas.microsoft.com/office/drawing/2014/main" id="{F75B40BA-EACD-76EF-06D2-D586D4945E8E}"/>
+                </a:ext>
+              </a:extLst>
+            </p:cNvPr>
+            <p:cNvSpPr txBox="1"/>
+            <p:nvPr/>
+          </p:nvSpPr>
+          <p:spPr>
+            <a:xfrm>
+              <a:off x="2623644" y="3166095"/>
+              <a:ext cx="822341" cy="369332"/>
+            </a:xfrm>
+            <a:prstGeom prst="rect">
+              <a:avLst/>
+            </a:prstGeom>
+            <a:noFill/>
+          </p:spPr>
+          <p:txBody>
+            <a:bodyPr wrap="none" rtlCol="0">
+              <a:spAutoFit/>
+            </a:bodyPr>
+            <a:lstStyle/>
+            <a:p>
+              <a:r>
+                <a:rPr lang="en-US" dirty="0"/>
+                <a:t>Pigeon</a:t>
+              </a:r>
+            </a:p>
+          </p:txBody>
+        </p:sp>
+        <p:sp>
+          <p:nvSpPr>
+            <p:cNvPr id="21" name="TextBox 20">
+              <a:extLst>
+                <a:ext uri="{FF2B5EF4-FFF2-40B4-BE49-F238E27FC236}">
+                  <a16:creationId xmlns:a16="http://schemas.microsoft.com/office/drawing/2014/main" id="{E7593DE6-77E7-6A18-BC61-7295B00F45DA}"/>
+                </a:ext>
+              </a:extLst>
+            </p:cNvPr>
+            <p:cNvSpPr txBox="1"/>
+            <p:nvPr/>
+          </p:nvSpPr>
+          <p:spPr>
+            <a:xfrm>
+              <a:off x="534104" y="3780586"/>
+              <a:ext cx="301686" cy="369332"/>
+            </a:xfrm>
+            <a:prstGeom prst="rect">
+              <a:avLst/>
+            </a:prstGeom>
+            <a:noFill/>
+          </p:spPr>
+          <p:txBody>
+            <a:bodyPr wrap="none" rtlCol="0">
+              <a:spAutoFit/>
+            </a:bodyPr>
+            <a:lstStyle/>
+            <a:p>
+              <a:r>
+                <a:rPr lang="en-US" dirty="0"/>
+                <a:t>0</a:t>
+              </a:r>
+            </a:p>
+          </p:txBody>
+        </p:sp>
+        <p:sp>
+          <p:nvSpPr>
+            <p:cNvPr id="22" name="TextBox 21">
+              <a:extLst>
+                <a:ext uri="{FF2B5EF4-FFF2-40B4-BE49-F238E27FC236}">
+                  <a16:creationId xmlns:a16="http://schemas.microsoft.com/office/drawing/2014/main" id="{BFE03B20-8AE0-78BB-9B79-AE5803D9DEA3}"/>
+                </a:ext>
+              </a:extLst>
+            </p:cNvPr>
+            <p:cNvSpPr txBox="1"/>
+            <p:nvPr/>
+          </p:nvSpPr>
+          <p:spPr>
+            <a:xfrm>
+              <a:off x="3285794" y="3815576"/>
+              <a:ext cx="301686" cy="369332"/>
+            </a:xfrm>
+            <a:prstGeom prst="rect">
+              <a:avLst/>
+            </a:prstGeom>
+            <a:noFill/>
+          </p:spPr>
+          <p:txBody>
+            <a:bodyPr wrap="none" rtlCol="0">
+              <a:spAutoFit/>
+            </a:bodyPr>
+            <a:lstStyle/>
+            <a:p>
+              <a:r>
+                <a:rPr lang="en-US" dirty="0"/>
+                <a:t>1</a:t>
+              </a:r>
+            </a:p>
+          </p:txBody>
+        </p:sp>
+        <p:sp>
+          <p:nvSpPr>
+            <p:cNvPr id="23" name="TextBox 22">
+              <a:extLst>
+                <a:ext uri="{FF2B5EF4-FFF2-40B4-BE49-F238E27FC236}">
+                  <a16:creationId xmlns:a16="http://schemas.microsoft.com/office/drawing/2014/main" id="{41D6D2FA-CD3A-CF1E-AFB4-E1335A6450D6}"/>
+                </a:ext>
+              </a:extLst>
+            </p:cNvPr>
+            <p:cNvSpPr txBox="1"/>
+            <p:nvPr/>
+          </p:nvSpPr>
+          <p:spPr>
+            <a:xfrm>
+              <a:off x="412735" y="1050549"/>
+              <a:ext cx="301686" cy="369332"/>
+            </a:xfrm>
+            <a:prstGeom prst="rect">
+              <a:avLst/>
+            </a:prstGeom>
+            <a:noFill/>
+          </p:spPr>
+          <p:txBody>
+            <a:bodyPr wrap="none" rtlCol="0">
+              <a:spAutoFit/>
+            </a:bodyPr>
+            <a:lstStyle/>
+            <a:p>
+              <a:r>
+                <a:rPr lang="en-US" dirty="0"/>
+                <a:t>1</a:t>
+              </a:r>
+            </a:p>
+          </p:txBody>
+        </p:sp>
+        <p:cxnSp>
+          <p:nvCxnSpPr>
+            <p:cNvPr id="25" name="Straight Connector 24">
+              <a:extLst>
+                <a:ext uri="{FF2B5EF4-FFF2-40B4-BE49-F238E27FC236}">
+                  <a16:creationId xmlns:a16="http://schemas.microsoft.com/office/drawing/2014/main" id="{0EA46C8C-5F94-87B7-37A5-A2C615553738}"/>
+                </a:ext>
+              </a:extLst>
+            </p:cNvPr>
+            <p:cNvCxnSpPr>
+              <a:cxnSpLocks/>
+            </p:cNvCxnSpPr>
+            <p:nvPr/>
+          </p:nvCxnSpPr>
+          <p:spPr>
+            <a:xfrm>
+              <a:off x="1624263" y="985050"/>
+              <a:ext cx="2068967" cy="2321501"/>
+            </a:xfrm>
+            <a:prstGeom prst="line">
+              <a:avLst/>
+            </a:prstGeom>
+            <a:ln>
+              <a:prstDash val="dash"/>
+            </a:ln>
+          </p:spPr>
+          <p:style>
+            <a:lnRef idx="2">
+              <a:schemeClr val="accent1"/>
+            </a:lnRef>
+            <a:fillRef idx="0">
+              <a:schemeClr val="accent1"/>
+            </a:fillRef>
+            <a:effectRef idx="1">
+              <a:schemeClr val="accent1"/>
+            </a:effectRef>
+            <a:fontRef idx="minor">
+              <a:schemeClr val="tx1"/>
+            </a:fontRef>
+          </p:style>
+        </p:cxnSp>
+      </p:grpSp>
+      <p:sp>
+        <p:nvSpPr>
+          <p:cNvPr id="32" name="Freeform 31">
+            <a:extLst>
+              <a:ext uri="{FF2B5EF4-FFF2-40B4-BE49-F238E27FC236}">
+                <a16:creationId xmlns:a16="http://schemas.microsoft.com/office/drawing/2014/main" id="{E01FFCB4-2ADB-E576-5807-73C1CC3DA7AA}"/>
+              </a:ext>
+            </a:extLst>
+          </p:cNvPr>
+          <p:cNvSpPr/>
+          <p:nvPr/>
+        </p:nvSpPr>
+        <p:spPr>
+          <a:xfrm>
+            <a:off x="5268667" y="1195665"/>
+            <a:ext cx="3946967" cy="2789499"/>
+          </a:xfrm>
+          <a:custGeom>
+            <a:avLst/>
+            <a:gdLst>
+              <a:gd name="connsiteX0" fmla="*/ 0 w 3946967"/>
+              <a:gd name="connsiteY0" fmla="*/ 2789499 h 2789499"/>
+              <a:gd name="connsiteX1" fmla="*/ 1689903 w 3946967"/>
+              <a:gd name="connsiteY1" fmla="*/ 1122744 h 2789499"/>
+              <a:gd name="connsiteX2" fmla="*/ 2558005 w 3946967"/>
+              <a:gd name="connsiteY2" fmla="*/ 1689904 h 2789499"/>
+              <a:gd name="connsiteX3" fmla="*/ 3946967 w 3946967"/>
+              <a:gd name="connsiteY3" fmla="*/ 0 h 2789499"/>
+              <a:gd name="connsiteX4" fmla="*/ 3946967 w 3946967"/>
+              <a:gd name="connsiteY4" fmla="*/ 0 h 2789499"/>
+            </a:gdLst>
+            <a:ahLst/>
+            <a:cxnLst>
+              <a:cxn ang="0">
+                <a:pos x="connsiteX0" y="connsiteY0"/>
+              </a:cxn>
+              <a:cxn ang="0">
+                <a:pos x="connsiteX1" y="connsiteY1"/>
+              </a:cxn>
+              <a:cxn ang="0">
+                <a:pos x="connsiteX2" y="connsiteY2"/>
+              </a:cxn>
+              <a:cxn ang="0">
+                <a:pos x="connsiteX3" y="connsiteY3"/>
+              </a:cxn>
+              <a:cxn ang="0">
+                <a:pos x="connsiteX4" y="connsiteY4"/>
+              </a:cxn>
+            </a:cxnLst>
+            <a:rect l="l" t="t" r="r" b="b"/>
+            <a:pathLst>
+              <a:path w="3946967" h="2789499">
+                <a:moveTo>
+                  <a:pt x="0" y="2789499"/>
+                </a:moveTo>
+                <a:cubicBezTo>
+                  <a:pt x="631784" y="2047754"/>
+                  <a:pt x="1263569" y="1306010"/>
+                  <a:pt x="1689903" y="1122744"/>
+                </a:cubicBezTo>
+                <a:cubicBezTo>
+                  <a:pt x="2116237" y="939478"/>
+                  <a:pt x="2181828" y="1877028"/>
+                  <a:pt x="2558005" y="1689904"/>
+                </a:cubicBezTo>
+                <a:cubicBezTo>
+                  <a:pt x="2934182" y="1502780"/>
+                  <a:pt x="3946967" y="0"/>
+                  <a:pt x="3946967" y="0"/>
+                </a:cubicBezTo>
+                <a:lnTo>
+                  <a:pt x="3946967" y="0"/>
+                </a:lnTo>
+              </a:path>
+            </a:pathLst>
+          </a:custGeom>
+          <a:noFill/>
+          <a:ln w="19050">
+            <a:solidFill>
+              <a:schemeClr val="accent1"/>
+            </a:solidFill>
+            <a:prstDash val="dash"/>
+          </a:ln>
+          <a:effectLst/>
+        </p:spPr>
+        <p:style>
+          <a:lnRef idx="1">
+            <a:schemeClr val="accent1"/>
+          </a:lnRef>
+          <a:fillRef idx="3">
+            <a:schemeClr val="accent1"/>
+          </a:fillRef>
+          <a:effectRef idx="2">
+            <a:schemeClr val="accent1"/>
+          </a:effectRef>
+          <a:fontRef idx="minor">
+            <a:schemeClr val="lt1"/>
+          </a:fontRef>
+        </p:style>
+        <p:txBody>
+          <a:bodyPr rtlCol="0" anchor="ctr"/>
+          <a:lstStyle/>
+          <a:p>
+            <a:pPr algn="ctr"/>
+            <a:endParaRPr lang="en-US"/>
+          </a:p>
+        </p:txBody>
+      </p:sp>
+      <p:grpSp>
+        <p:nvGrpSpPr>
+          <p:cNvPr id="1034" name="Group 1033">
+            <a:extLst>
+              <a:ext uri="{FF2B5EF4-FFF2-40B4-BE49-F238E27FC236}">
+                <a16:creationId xmlns:a16="http://schemas.microsoft.com/office/drawing/2014/main" id="{9560DAFD-9A09-8198-376F-A2753E1CEB6E}"/>
+              </a:ext>
+            </a:extLst>
+          </p:cNvPr>
+          <p:cNvGrpSpPr/>
+          <p:nvPr/>
+        </p:nvGrpSpPr>
+        <p:grpSpPr>
+          <a:xfrm>
+            <a:off x="7984892" y="4825477"/>
+            <a:ext cx="1804507" cy="1852523"/>
+            <a:chOff x="2243138" y="4917276"/>
+            <a:chExt cx="1804507" cy="1852523"/>
+          </a:xfrm>
+        </p:grpSpPr>
+        <p:sp>
+          <p:nvSpPr>
+            <p:cNvPr id="35" name="Oval 34">
+              <a:extLst>
+                <a:ext uri="{FF2B5EF4-FFF2-40B4-BE49-F238E27FC236}">
+                  <a16:creationId xmlns:a16="http://schemas.microsoft.com/office/drawing/2014/main" id="{893D5785-539F-2857-A754-1DEA2711E77B}"/>
+                </a:ext>
+              </a:extLst>
+            </p:cNvPr>
+            <p:cNvSpPr/>
+            <p:nvPr/>
+          </p:nvSpPr>
+          <p:spPr>
+            <a:xfrm>
+              <a:off x="2243138" y="5303424"/>
+              <a:ext cx="380506" cy="380506"/>
+            </a:xfrm>
+            <a:prstGeom prst="ellipse">
+              <a:avLst/>
+            </a:prstGeom>
+            <a:solidFill>
+              <a:schemeClr val="bg1"/>
+            </a:solidFill>
+            <a:ln>
+              <a:solidFill>
+                <a:schemeClr val="tx1"/>
+              </a:solidFill>
+            </a:ln>
+            <a:effectLst/>
+          </p:spPr>
+          <p:style>
+            <a:lnRef idx="1">
+              <a:schemeClr val="accent1"/>
+            </a:lnRef>
+            <a:fillRef idx="3">
+              <a:schemeClr val="accent1"/>
+            </a:fillRef>
+            <a:effectRef idx="2">
+              <a:schemeClr val="accent1"/>
+            </a:effectRef>
+            <a:fontRef idx="minor">
+              <a:schemeClr val="lt1"/>
+            </a:fontRef>
+          </p:style>
+          <p:txBody>
+            <a:bodyPr rtlCol="0" anchor="t" anchorCtr="0"/>
+            <a:lstStyle/>
+            <a:p>
+              <a:pPr algn="l"/>
+              <a:endParaRPr lang="en-US" sz="1400" b="1" dirty="0">
+                <a:solidFill>
+                  <a:schemeClr val="tx1"/>
+                </a:solidFill>
+                <a:cs typeface="Georgia"/>
+              </a:endParaRPr>
+            </a:p>
+          </p:txBody>
+        </p:sp>
+        <p:sp>
+          <p:nvSpPr>
+            <p:cNvPr id="36" name="Oval 35">
+              <a:extLst>
+                <a:ext uri="{FF2B5EF4-FFF2-40B4-BE49-F238E27FC236}">
+                  <a16:creationId xmlns:a16="http://schemas.microsoft.com/office/drawing/2014/main" id="{C21318A4-671B-992E-35A4-340D631493BD}"/>
+                </a:ext>
+              </a:extLst>
+            </p:cNvPr>
+            <p:cNvSpPr/>
+            <p:nvPr/>
+          </p:nvSpPr>
+          <p:spPr>
+            <a:xfrm>
+              <a:off x="2243138" y="6013553"/>
+              <a:ext cx="380506" cy="380506"/>
+            </a:xfrm>
+            <a:prstGeom prst="ellipse">
+              <a:avLst/>
+            </a:prstGeom>
+            <a:solidFill>
+              <a:schemeClr val="bg1"/>
+            </a:solidFill>
+            <a:ln>
+              <a:solidFill>
+                <a:schemeClr val="tx1"/>
+              </a:solidFill>
+            </a:ln>
+            <a:effectLst/>
+          </p:spPr>
+          <p:style>
+            <a:lnRef idx="1">
+              <a:schemeClr val="accent1"/>
+            </a:lnRef>
+            <a:fillRef idx="3">
+              <a:schemeClr val="accent1"/>
+            </a:fillRef>
+            <a:effectRef idx="2">
+              <a:schemeClr val="accent1"/>
+            </a:effectRef>
+            <a:fontRef idx="minor">
+              <a:schemeClr val="lt1"/>
+            </a:fontRef>
+          </p:style>
+          <p:txBody>
+            <a:bodyPr rtlCol="0" anchor="t" anchorCtr="0"/>
+            <a:lstStyle/>
+            <a:p>
+              <a:pPr algn="l"/>
+              <a:endParaRPr lang="en-US" sz="1400" b="1" dirty="0">
+                <a:solidFill>
+                  <a:schemeClr val="tx1"/>
+                </a:solidFill>
+                <a:cs typeface="Georgia"/>
+              </a:endParaRPr>
+            </a:p>
+          </p:txBody>
+        </p:sp>
+        <p:sp>
+          <p:nvSpPr>
+            <p:cNvPr id="37" name="Oval 36">
+              <a:extLst>
+                <a:ext uri="{FF2B5EF4-FFF2-40B4-BE49-F238E27FC236}">
+                  <a16:creationId xmlns:a16="http://schemas.microsoft.com/office/drawing/2014/main" id="{EEAE5882-1313-36A4-0BEF-3685C6837548}"/>
+                </a:ext>
+              </a:extLst>
+            </p:cNvPr>
+            <p:cNvSpPr/>
+            <p:nvPr/>
+          </p:nvSpPr>
+          <p:spPr>
+            <a:xfrm>
+              <a:off x="3667139" y="5298658"/>
+              <a:ext cx="380506" cy="380506"/>
+            </a:xfrm>
+            <a:prstGeom prst="ellipse">
+              <a:avLst/>
+            </a:prstGeom>
+            <a:solidFill>
+              <a:schemeClr val="bg1"/>
+            </a:solidFill>
+            <a:ln>
+              <a:solidFill>
+                <a:schemeClr val="tx1"/>
+              </a:solidFill>
+            </a:ln>
+            <a:effectLst/>
+          </p:spPr>
+          <p:style>
+            <a:lnRef idx="1">
+              <a:schemeClr val="accent1"/>
+            </a:lnRef>
+            <a:fillRef idx="3">
+              <a:schemeClr val="accent1"/>
+            </a:fillRef>
+            <a:effectRef idx="2">
+              <a:schemeClr val="accent1"/>
+            </a:effectRef>
+            <a:fontRef idx="minor">
+              <a:schemeClr val="lt1"/>
+            </a:fontRef>
+          </p:style>
+          <p:txBody>
+            <a:bodyPr rtlCol="0" anchor="t" anchorCtr="0"/>
+            <a:lstStyle/>
+            <a:p>
+              <a:pPr algn="l"/>
+              <a:endParaRPr lang="en-US" sz="1400" b="1" dirty="0">
+                <a:solidFill>
+                  <a:schemeClr val="tx1"/>
+                </a:solidFill>
+                <a:cs typeface="Georgia"/>
+              </a:endParaRPr>
+            </a:p>
+          </p:txBody>
+        </p:sp>
+        <p:sp>
+          <p:nvSpPr>
+            <p:cNvPr id="38" name="Oval 37">
+              <a:extLst>
+                <a:ext uri="{FF2B5EF4-FFF2-40B4-BE49-F238E27FC236}">
+                  <a16:creationId xmlns:a16="http://schemas.microsoft.com/office/drawing/2014/main" id="{2582E5C5-5FA2-3B93-B4B7-FAE8EAD254E9}"/>
+                </a:ext>
+              </a:extLst>
+            </p:cNvPr>
+            <p:cNvSpPr/>
+            <p:nvPr/>
+          </p:nvSpPr>
+          <p:spPr>
+            <a:xfrm>
+              <a:off x="3667139" y="6008787"/>
+              <a:ext cx="380506" cy="380506"/>
+            </a:xfrm>
+            <a:prstGeom prst="ellipse">
+              <a:avLst/>
+            </a:prstGeom>
+            <a:solidFill>
+              <a:schemeClr val="bg1"/>
+            </a:solidFill>
+            <a:ln>
+              <a:solidFill>
+                <a:schemeClr val="tx1"/>
+              </a:solidFill>
+            </a:ln>
+            <a:effectLst/>
+          </p:spPr>
+          <p:style>
+            <a:lnRef idx="1">
+              <a:schemeClr val="accent1"/>
+            </a:lnRef>
+            <a:fillRef idx="3">
+              <a:schemeClr val="accent1"/>
+            </a:fillRef>
+            <a:effectRef idx="2">
+              <a:schemeClr val="accent1"/>
+            </a:effectRef>
+            <a:fontRef idx="minor">
+              <a:schemeClr val="lt1"/>
+            </a:fontRef>
+          </p:style>
+          <p:txBody>
+            <a:bodyPr rtlCol="0" anchor="t" anchorCtr="0"/>
+            <a:lstStyle/>
+            <a:p>
+              <a:pPr algn="l"/>
+              <a:endParaRPr lang="en-US" sz="1400" b="1" dirty="0">
+                <a:solidFill>
+                  <a:schemeClr val="tx1"/>
+                </a:solidFill>
+                <a:cs typeface="Georgia"/>
+              </a:endParaRPr>
+            </a:p>
+          </p:txBody>
+        </p:sp>
+        <p:sp>
+          <p:nvSpPr>
+            <p:cNvPr id="39" name="Oval 38">
+              <a:extLst>
+                <a:ext uri="{FF2B5EF4-FFF2-40B4-BE49-F238E27FC236}">
+                  <a16:creationId xmlns:a16="http://schemas.microsoft.com/office/drawing/2014/main" id="{FE55F47E-CCC6-1E03-5EBE-7037391F8110}"/>
+                </a:ext>
+              </a:extLst>
+            </p:cNvPr>
+            <p:cNvSpPr/>
+            <p:nvPr/>
+          </p:nvSpPr>
+          <p:spPr>
+            <a:xfrm>
+              <a:off x="2951402" y="4917276"/>
+              <a:ext cx="380506" cy="380506"/>
+            </a:xfrm>
+            <a:prstGeom prst="ellipse">
+              <a:avLst/>
+            </a:prstGeom>
+            <a:solidFill>
+              <a:schemeClr val="bg1"/>
+            </a:solidFill>
+            <a:ln>
+              <a:solidFill>
+                <a:schemeClr val="tx1"/>
+              </a:solidFill>
+            </a:ln>
+            <a:effectLst/>
+          </p:spPr>
+          <p:style>
+            <a:lnRef idx="1">
+              <a:schemeClr val="accent1"/>
+            </a:lnRef>
+            <a:fillRef idx="3">
+              <a:schemeClr val="accent1"/>
+            </a:fillRef>
+            <a:effectRef idx="2">
+              <a:schemeClr val="accent1"/>
+            </a:effectRef>
+            <a:fontRef idx="minor">
+              <a:schemeClr val="lt1"/>
+            </a:fontRef>
+          </p:style>
+          <p:txBody>
+            <a:bodyPr rtlCol="0" anchor="t" anchorCtr="0"/>
+            <a:lstStyle/>
+            <a:p>
+              <a:pPr algn="l"/>
+              <a:endParaRPr lang="en-US" sz="1400" b="1" dirty="0">
+                <a:solidFill>
+                  <a:schemeClr val="tx1"/>
+                </a:solidFill>
+                <a:cs typeface="Georgia"/>
+              </a:endParaRPr>
+            </a:p>
+          </p:txBody>
+        </p:sp>
+        <p:sp>
+          <p:nvSpPr>
+            <p:cNvPr id="40" name="Oval 39">
+              <a:extLst>
+                <a:ext uri="{FF2B5EF4-FFF2-40B4-BE49-F238E27FC236}">
+                  <a16:creationId xmlns:a16="http://schemas.microsoft.com/office/drawing/2014/main" id="{3FEC6F94-0DC8-690B-9603-0A9CA0D645A5}"/>
+                </a:ext>
+              </a:extLst>
+            </p:cNvPr>
+            <p:cNvSpPr/>
+            <p:nvPr/>
+          </p:nvSpPr>
+          <p:spPr>
+            <a:xfrm>
+              <a:off x="2951402" y="6389293"/>
+              <a:ext cx="380506" cy="380506"/>
+            </a:xfrm>
+            <a:prstGeom prst="ellipse">
+              <a:avLst/>
+            </a:prstGeom>
+            <a:solidFill>
+              <a:schemeClr val="bg1"/>
+            </a:solidFill>
+            <a:ln>
+              <a:solidFill>
+                <a:schemeClr val="tx1"/>
+              </a:solidFill>
+            </a:ln>
+            <a:effectLst/>
+          </p:spPr>
+          <p:style>
+            <a:lnRef idx="1">
+              <a:schemeClr val="accent1"/>
+            </a:lnRef>
+            <a:fillRef idx="3">
+              <a:schemeClr val="accent1"/>
+            </a:fillRef>
+            <a:effectRef idx="2">
+              <a:schemeClr val="accent1"/>
+            </a:effectRef>
+            <a:fontRef idx="minor">
+              <a:schemeClr val="lt1"/>
+            </a:fontRef>
+          </p:style>
+          <p:txBody>
+            <a:bodyPr rtlCol="0" anchor="t" anchorCtr="0"/>
+            <a:lstStyle/>
+            <a:p>
+              <a:pPr algn="l"/>
+              <a:endParaRPr lang="en-US" sz="1400" b="1" dirty="0">
+                <a:solidFill>
+                  <a:schemeClr val="tx1"/>
+                </a:solidFill>
+                <a:cs typeface="Georgia"/>
+              </a:endParaRPr>
+            </a:p>
+          </p:txBody>
+        </p:sp>
+        <p:sp>
+          <p:nvSpPr>
+            <p:cNvPr id="41" name="Oval 40">
+              <a:extLst>
+                <a:ext uri="{FF2B5EF4-FFF2-40B4-BE49-F238E27FC236}">
+                  <a16:creationId xmlns:a16="http://schemas.microsoft.com/office/drawing/2014/main" id="{7A060090-4D3E-6B71-EF09-A30119F1C8AB}"/>
+                </a:ext>
+              </a:extLst>
+            </p:cNvPr>
+            <p:cNvSpPr/>
+            <p:nvPr/>
+          </p:nvSpPr>
+          <p:spPr>
+            <a:xfrm>
+              <a:off x="2946637" y="5669756"/>
+              <a:ext cx="380506" cy="380506"/>
+            </a:xfrm>
+            <a:prstGeom prst="ellipse">
+              <a:avLst/>
+            </a:prstGeom>
+            <a:solidFill>
+              <a:schemeClr val="bg1"/>
+            </a:solidFill>
+            <a:ln>
+              <a:solidFill>
+                <a:schemeClr val="tx1"/>
+              </a:solidFill>
+            </a:ln>
+            <a:effectLst/>
+          </p:spPr>
+          <p:style>
+            <a:lnRef idx="1">
+              <a:schemeClr val="accent1"/>
+            </a:lnRef>
+            <a:fillRef idx="3">
+              <a:schemeClr val="accent1"/>
+            </a:fillRef>
+            <a:effectRef idx="2">
+              <a:schemeClr val="accent1"/>
+            </a:effectRef>
+            <a:fontRef idx="minor">
+              <a:schemeClr val="lt1"/>
+            </a:fontRef>
+          </p:style>
+          <p:txBody>
+            <a:bodyPr rtlCol="0" anchor="t" anchorCtr="0"/>
+            <a:lstStyle/>
+            <a:p>
+              <a:pPr algn="l"/>
+              <a:endParaRPr lang="en-US" sz="1400" b="1" dirty="0">
+                <a:solidFill>
+                  <a:schemeClr val="tx1"/>
+                </a:solidFill>
+                <a:cs typeface="Georgia"/>
+              </a:endParaRPr>
+            </a:p>
+          </p:txBody>
+        </p:sp>
+        <p:cxnSp>
+          <p:nvCxnSpPr>
+            <p:cNvPr id="43" name="Straight Connector 42">
+              <a:extLst>
+                <a:ext uri="{FF2B5EF4-FFF2-40B4-BE49-F238E27FC236}">
+                  <a16:creationId xmlns:a16="http://schemas.microsoft.com/office/drawing/2014/main" id="{FACB9AD6-5BF0-4322-ED7A-9795115BA6AD}"/>
+                </a:ext>
+              </a:extLst>
+            </p:cNvPr>
+            <p:cNvCxnSpPr>
+              <a:stCxn id="35" idx="6"/>
+              <a:endCxn id="39" idx="2"/>
+            </p:cNvCxnSpPr>
+            <p:nvPr/>
+          </p:nvCxnSpPr>
+          <p:spPr>
+            <a:xfrm flipV="1">
+              <a:off x="2623644" y="5107529"/>
+              <a:ext cx="327758" cy="386148"/>
+            </a:xfrm>
+            <a:prstGeom prst="line">
+              <a:avLst/>
+            </a:prstGeom>
+            <a:ln w="12700">
+              <a:solidFill>
+                <a:schemeClr val="tx1"/>
+              </a:solidFill>
+            </a:ln>
+          </p:spPr>
+          <p:style>
+            <a:lnRef idx="2">
+              <a:schemeClr val="accent1"/>
+            </a:lnRef>
+            <a:fillRef idx="0">
+              <a:schemeClr val="accent1"/>
+            </a:fillRef>
+            <a:effectRef idx="1">
+              <a:schemeClr val="accent1"/>
+            </a:effectRef>
+            <a:fontRef idx="minor">
+              <a:schemeClr val="tx1"/>
+            </a:fontRef>
+          </p:style>
+        </p:cxnSp>
+        <p:cxnSp>
+          <p:nvCxnSpPr>
+            <p:cNvPr id="44" name="Straight Connector 43">
+              <a:extLst>
+                <a:ext uri="{FF2B5EF4-FFF2-40B4-BE49-F238E27FC236}">
+                  <a16:creationId xmlns:a16="http://schemas.microsoft.com/office/drawing/2014/main" id="{1CD4A98F-C1EB-6E3F-E9EB-AC779697C1B0}"/>
+                </a:ext>
+              </a:extLst>
+            </p:cNvPr>
+            <p:cNvCxnSpPr>
+              <a:cxnSpLocks/>
+              <a:stCxn id="35" idx="6"/>
+              <a:endCxn id="41" idx="2"/>
+            </p:cNvCxnSpPr>
+            <p:nvPr/>
+          </p:nvCxnSpPr>
+          <p:spPr>
+            <a:xfrm>
+              <a:off x="2623644" y="5493677"/>
+              <a:ext cx="322993" cy="366332"/>
+            </a:xfrm>
+            <a:prstGeom prst="line">
+              <a:avLst/>
+            </a:prstGeom>
+            <a:ln w="12700">
+              <a:solidFill>
+                <a:schemeClr val="tx1"/>
+              </a:solidFill>
+            </a:ln>
+          </p:spPr>
+          <p:style>
+            <a:lnRef idx="2">
+              <a:schemeClr val="accent1"/>
+            </a:lnRef>
+            <a:fillRef idx="0">
+              <a:schemeClr val="accent1"/>
+            </a:fillRef>
+            <a:effectRef idx="1">
+              <a:schemeClr val="accent1"/>
+            </a:effectRef>
+            <a:fontRef idx="minor">
+              <a:schemeClr val="tx1"/>
+            </a:fontRef>
+          </p:style>
+        </p:cxnSp>
+        <p:cxnSp>
+          <p:nvCxnSpPr>
+            <p:cNvPr id="47" name="Straight Connector 46">
+              <a:extLst>
+                <a:ext uri="{FF2B5EF4-FFF2-40B4-BE49-F238E27FC236}">
+                  <a16:creationId xmlns:a16="http://schemas.microsoft.com/office/drawing/2014/main" id="{BC0E0D01-69BC-C16D-028D-A1ED45B489AA}"/>
+                </a:ext>
+              </a:extLst>
+            </p:cNvPr>
+            <p:cNvCxnSpPr>
+              <a:cxnSpLocks/>
+              <a:endCxn id="40" idx="2"/>
+            </p:cNvCxnSpPr>
+            <p:nvPr/>
+          </p:nvCxnSpPr>
+          <p:spPr>
+            <a:xfrm>
+              <a:off x="2632145" y="5500764"/>
+              <a:ext cx="319257" cy="1078782"/>
+            </a:xfrm>
+            <a:prstGeom prst="line">
+              <a:avLst/>
+            </a:prstGeom>
+            <a:ln w="12700">
+              <a:solidFill>
+                <a:schemeClr val="tx1"/>
+              </a:solidFill>
+            </a:ln>
+          </p:spPr>
+          <p:style>
+            <a:lnRef idx="2">
+              <a:schemeClr val="accent1"/>
+            </a:lnRef>
+            <a:fillRef idx="0">
+              <a:schemeClr val="accent1"/>
+            </a:fillRef>
+            <a:effectRef idx="1">
+              <a:schemeClr val="accent1"/>
+            </a:effectRef>
+            <a:fontRef idx="minor">
+              <a:schemeClr val="tx1"/>
+            </a:fontRef>
+          </p:style>
+        </p:cxnSp>
+        <p:cxnSp>
+          <p:nvCxnSpPr>
+            <p:cNvPr id="49" name="Straight Connector 48">
+              <a:extLst>
+                <a:ext uri="{FF2B5EF4-FFF2-40B4-BE49-F238E27FC236}">
+                  <a16:creationId xmlns:a16="http://schemas.microsoft.com/office/drawing/2014/main" id="{D1107D7C-664C-E4A2-6553-D082ABF2824D}"/>
+                </a:ext>
+              </a:extLst>
+            </p:cNvPr>
+            <p:cNvCxnSpPr>
+              <a:cxnSpLocks/>
+              <a:stCxn id="36" idx="6"/>
+              <a:endCxn id="40" idx="2"/>
+            </p:cNvCxnSpPr>
+            <p:nvPr/>
+          </p:nvCxnSpPr>
+          <p:spPr>
+            <a:xfrm>
+              <a:off x="2623644" y="6203806"/>
+              <a:ext cx="327758" cy="375740"/>
+            </a:xfrm>
+            <a:prstGeom prst="line">
+              <a:avLst/>
+            </a:prstGeom>
+            <a:ln w="12700">
+              <a:solidFill>
+                <a:schemeClr val="tx1"/>
+              </a:solidFill>
+            </a:ln>
+          </p:spPr>
+          <p:style>
+            <a:lnRef idx="2">
+              <a:schemeClr val="accent1"/>
+            </a:lnRef>
+            <a:fillRef idx="0">
+              <a:schemeClr val="accent1"/>
+            </a:fillRef>
+            <a:effectRef idx="1">
+              <a:schemeClr val="accent1"/>
+            </a:effectRef>
+            <a:fontRef idx="minor">
+              <a:schemeClr val="tx1"/>
+            </a:fontRef>
+          </p:style>
+        </p:cxnSp>
+        <p:cxnSp>
+          <p:nvCxnSpPr>
+            <p:cNvPr id="52" name="Straight Connector 51">
+              <a:extLst>
+                <a:ext uri="{FF2B5EF4-FFF2-40B4-BE49-F238E27FC236}">
+                  <a16:creationId xmlns:a16="http://schemas.microsoft.com/office/drawing/2014/main" id="{1B42411E-FE30-2D36-FBEA-2DAF12007841}"/>
+                </a:ext>
+              </a:extLst>
+            </p:cNvPr>
+            <p:cNvCxnSpPr>
+              <a:cxnSpLocks/>
+              <a:stCxn id="36" idx="6"/>
+              <a:endCxn id="41" idx="2"/>
+            </p:cNvCxnSpPr>
+            <p:nvPr/>
+          </p:nvCxnSpPr>
+          <p:spPr>
+            <a:xfrm flipV="1">
+              <a:off x="2623644" y="5860009"/>
+              <a:ext cx="322993" cy="343797"/>
+            </a:xfrm>
+            <a:prstGeom prst="line">
+              <a:avLst/>
+            </a:prstGeom>
+            <a:ln w="12700">
+              <a:solidFill>
+                <a:schemeClr val="tx1"/>
+              </a:solidFill>
+            </a:ln>
+          </p:spPr>
+          <p:style>
+            <a:lnRef idx="2">
+              <a:schemeClr val="accent1"/>
+            </a:lnRef>
+            <a:fillRef idx="0">
+              <a:schemeClr val="accent1"/>
+            </a:fillRef>
+            <a:effectRef idx="1">
+              <a:schemeClr val="accent1"/>
+            </a:effectRef>
+            <a:fontRef idx="minor">
+              <a:schemeClr val="tx1"/>
+            </a:fontRef>
+          </p:style>
+        </p:cxnSp>
+        <p:cxnSp>
+          <p:nvCxnSpPr>
+            <p:cNvPr id="55" name="Straight Connector 54">
+              <a:extLst>
+                <a:ext uri="{FF2B5EF4-FFF2-40B4-BE49-F238E27FC236}">
+                  <a16:creationId xmlns:a16="http://schemas.microsoft.com/office/drawing/2014/main" id="{CB3DABE5-EE8A-0510-ECF6-63A7FEE92A31}"/>
+                </a:ext>
+              </a:extLst>
+            </p:cNvPr>
+            <p:cNvCxnSpPr>
+              <a:cxnSpLocks/>
+              <a:endCxn id="39" idx="2"/>
+            </p:cNvCxnSpPr>
+            <p:nvPr/>
+          </p:nvCxnSpPr>
+          <p:spPr>
+            <a:xfrm flipV="1">
+              <a:off x="2681157" y="5107529"/>
+              <a:ext cx="270245" cy="1048028"/>
+            </a:xfrm>
+            <a:prstGeom prst="line">
+              <a:avLst/>
+            </a:prstGeom>
+            <a:ln w="12700">
+              <a:solidFill>
+                <a:schemeClr val="tx1"/>
+              </a:solidFill>
+            </a:ln>
+          </p:spPr>
+          <p:style>
+            <a:lnRef idx="2">
+              <a:schemeClr val="accent1"/>
+            </a:lnRef>
+            <a:fillRef idx="0">
+              <a:schemeClr val="accent1"/>
+            </a:fillRef>
+            <a:effectRef idx="1">
+              <a:schemeClr val="accent1"/>
+            </a:effectRef>
+            <a:fontRef idx="minor">
+              <a:schemeClr val="tx1"/>
+            </a:fontRef>
+          </p:style>
+        </p:cxnSp>
+        <p:cxnSp>
+          <p:nvCxnSpPr>
+            <p:cNvPr id="57" name="Straight Connector 56">
+              <a:extLst>
+                <a:ext uri="{FF2B5EF4-FFF2-40B4-BE49-F238E27FC236}">
+                  <a16:creationId xmlns:a16="http://schemas.microsoft.com/office/drawing/2014/main" id="{84A16285-A1E7-CAA8-2F36-17B1E861FAB7}"/>
+                </a:ext>
+              </a:extLst>
+            </p:cNvPr>
+            <p:cNvCxnSpPr>
+              <a:cxnSpLocks/>
+              <a:stCxn id="37" idx="2"/>
+            </p:cNvCxnSpPr>
+            <p:nvPr/>
+          </p:nvCxnSpPr>
+          <p:spPr>
+            <a:xfrm flipH="1" flipV="1">
+              <a:off x="3332458" y="5145742"/>
+              <a:ext cx="334681" cy="343169"/>
+            </a:xfrm>
+            <a:prstGeom prst="line">
+              <a:avLst/>
+            </a:prstGeom>
+            <a:ln w="12700">
+              <a:solidFill>
+                <a:schemeClr val="tx1"/>
+              </a:solidFill>
+            </a:ln>
+          </p:spPr>
+          <p:style>
+            <a:lnRef idx="2">
+              <a:schemeClr val="accent1"/>
+            </a:lnRef>
+            <a:fillRef idx="0">
+              <a:schemeClr val="accent1"/>
+            </a:fillRef>
+            <a:effectRef idx="1">
+              <a:schemeClr val="accent1"/>
+            </a:effectRef>
+            <a:fontRef idx="minor">
+              <a:schemeClr val="tx1"/>
+            </a:fontRef>
+          </p:style>
+        </p:cxnSp>
+        <p:cxnSp>
+          <p:nvCxnSpPr>
+            <p:cNvPr id="59" name="Straight Connector 58">
+              <a:extLst>
+                <a:ext uri="{FF2B5EF4-FFF2-40B4-BE49-F238E27FC236}">
+                  <a16:creationId xmlns:a16="http://schemas.microsoft.com/office/drawing/2014/main" id="{9DE6049E-CC1E-5B25-CE1F-0E064F9CBBB8}"/>
+                </a:ext>
+              </a:extLst>
+            </p:cNvPr>
+            <p:cNvCxnSpPr>
+              <a:cxnSpLocks/>
+              <a:stCxn id="38" idx="2"/>
+            </p:cNvCxnSpPr>
+            <p:nvPr/>
+          </p:nvCxnSpPr>
+          <p:spPr>
+            <a:xfrm flipH="1" flipV="1">
+              <a:off x="3339381" y="5173769"/>
+              <a:ext cx="327758" cy="1025271"/>
+            </a:xfrm>
+            <a:prstGeom prst="line">
+              <a:avLst/>
+            </a:prstGeom>
+            <a:ln w="12700">
+              <a:solidFill>
+                <a:schemeClr val="tx1"/>
+              </a:solidFill>
+            </a:ln>
+          </p:spPr>
+          <p:style>
+            <a:lnRef idx="2">
+              <a:schemeClr val="accent1"/>
+            </a:lnRef>
+            <a:fillRef idx="0">
+              <a:schemeClr val="accent1"/>
+            </a:fillRef>
+            <a:effectRef idx="1">
+              <a:schemeClr val="accent1"/>
+            </a:effectRef>
+            <a:fontRef idx="minor">
+              <a:schemeClr val="tx1"/>
+            </a:fontRef>
+          </p:style>
+        </p:cxnSp>
+        <p:cxnSp>
+          <p:nvCxnSpPr>
+            <p:cNvPr id="61" name="Straight Connector 60">
+              <a:extLst>
+                <a:ext uri="{FF2B5EF4-FFF2-40B4-BE49-F238E27FC236}">
+                  <a16:creationId xmlns:a16="http://schemas.microsoft.com/office/drawing/2014/main" id="{984409E6-748F-7386-EE2B-1F3D25EF25AE}"/>
+                </a:ext>
+              </a:extLst>
+            </p:cNvPr>
+            <p:cNvCxnSpPr>
+              <a:cxnSpLocks/>
+              <a:stCxn id="37" idx="2"/>
+              <a:endCxn id="41" idx="6"/>
+            </p:cNvCxnSpPr>
+            <p:nvPr/>
+          </p:nvCxnSpPr>
+          <p:spPr>
+            <a:xfrm flipH="1">
+              <a:off x="3327143" y="5488911"/>
+              <a:ext cx="339996" cy="371098"/>
+            </a:xfrm>
+            <a:prstGeom prst="line">
+              <a:avLst/>
+            </a:prstGeom>
+            <a:ln w="12700">
+              <a:solidFill>
+                <a:schemeClr val="tx1"/>
+              </a:solidFill>
+            </a:ln>
+          </p:spPr>
+          <p:style>
+            <a:lnRef idx="2">
+              <a:schemeClr val="accent1"/>
+            </a:lnRef>
+            <a:fillRef idx="0">
+              <a:schemeClr val="accent1"/>
+            </a:fillRef>
+            <a:effectRef idx="1">
+              <a:schemeClr val="accent1"/>
+            </a:effectRef>
+            <a:fontRef idx="minor">
+              <a:schemeClr val="tx1"/>
+            </a:fontRef>
+          </p:style>
+        </p:cxnSp>
+        <p:cxnSp>
+          <p:nvCxnSpPr>
+            <p:cNvPr id="1024" name="Straight Connector 1023">
+              <a:extLst>
+                <a:ext uri="{FF2B5EF4-FFF2-40B4-BE49-F238E27FC236}">
+                  <a16:creationId xmlns:a16="http://schemas.microsoft.com/office/drawing/2014/main" id="{01A91868-8C45-12B6-A012-B3804526C7F2}"/>
+                </a:ext>
+              </a:extLst>
+            </p:cNvPr>
+            <p:cNvCxnSpPr>
+              <a:cxnSpLocks/>
+              <a:stCxn id="38" idx="2"/>
+              <a:endCxn id="41" idx="6"/>
+            </p:cNvCxnSpPr>
+            <p:nvPr/>
+          </p:nvCxnSpPr>
+          <p:spPr>
+            <a:xfrm flipH="1" flipV="1">
+              <a:off x="3327143" y="5860009"/>
+              <a:ext cx="339996" cy="339031"/>
+            </a:xfrm>
+            <a:prstGeom prst="line">
+              <a:avLst/>
+            </a:prstGeom>
+            <a:ln w="12700">
+              <a:solidFill>
+                <a:schemeClr val="tx1"/>
+              </a:solidFill>
+            </a:ln>
+          </p:spPr>
+          <p:style>
+            <a:lnRef idx="2">
+              <a:schemeClr val="accent1"/>
+            </a:lnRef>
+            <a:fillRef idx="0">
+              <a:schemeClr val="accent1"/>
+            </a:fillRef>
+            <a:effectRef idx="1">
+              <a:schemeClr val="accent1"/>
+            </a:effectRef>
+            <a:fontRef idx="minor">
+              <a:schemeClr val="tx1"/>
+            </a:fontRef>
+          </p:style>
+        </p:cxnSp>
+        <p:cxnSp>
+          <p:nvCxnSpPr>
+            <p:cNvPr id="1028" name="Straight Connector 1027">
+              <a:extLst>
+                <a:ext uri="{FF2B5EF4-FFF2-40B4-BE49-F238E27FC236}">
+                  <a16:creationId xmlns:a16="http://schemas.microsoft.com/office/drawing/2014/main" id="{899D1821-00DF-AF44-45CA-9E0B004D4DE8}"/>
+                </a:ext>
+              </a:extLst>
+            </p:cNvPr>
+            <p:cNvCxnSpPr>
+              <a:cxnSpLocks/>
+              <a:stCxn id="37" idx="2"/>
+              <a:endCxn id="40" idx="6"/>
+            </p:cNvCxnSpPr>
+            <p:nvPr/>
+          </p:nvCxnSpPr>
+          <p:spPr>
+            <a:xfrm flipH="1">
+              <a:off x="3331908" y="5488911"/>
+              <a:ext cx="335231" cy="1090635"/>
+            </a:xfrm>
+            <a:prstGeom prst="line">
+              <a:avLst/>
+            </a:prstGeom>
+            <a:ln w="12700">
+              <a:solidFill>
+                <a:schemeClr val="tx1"/>
+              </a:solidFill>
+            </a:ln>
+          </p:spPr>
+          <p:style>
+            <a:lnRef idx="2">
+              <a:schemeClr val="accent1"/>
+            </a:lnRef>
+            <a:fillRef idx="0">
+              <a:schemeClr val="accent1"/>
+            </a:fillRef>
+            <a:effectRef idx="1">
+              <a:schemeClr val="accent1"/>
+            </a:effectRef>
+            <a:fontRef idx="minor">
+              <a:schemeClr val="tx1"/>
+            </a:fontRef>
+          </p:style>
+        </p:cxnSp>
+        <p:cxnSp>
+          <p:nvCxnSpPr>
+            <p:cNvPr id="1031" name="Straight Connector 1030">
+              <a:extLst>
+                <a:ext uri="{FF2B5EF4-FFF2-40B4-BE49-F238E27FC236}">
+                  <a16:creationId xmlns:a16="http://schemas.microsoft.com/office/drawing/2014/main" id="{E80AE08C-5D95-0033-86EA-535B32711DE3}"/>
+                </a:ext>
+              </a:extLst>
+            </p:cNvPr>
+            <p:cNvCxnSpPr>
+              <a:cxnSpLocks/>
+              <a:stCxn id="38" idx="1"/>
+              <a:endCxn id="40" idx="6"/>
+            </p:cNvCxnSpPr>
+            <p:nvPr/>
+          </p:nvCxnSpPr>
+          <p:spPr>
+            <a:xfrm flipH="1">
+              <a:off x="3331908" y="6064511"/>
+              <a:ext cx="390955" cy="515035"/>
+            </a:xfrm>
+            <a:prstGeom prst="line">
+              <a:avLst/>
+            </a:prstGeom>
+            <a:ln w="12700">
+              <a:solidFill>
+                <a:schemeClr val="tx1"/>
+              </a:solidFill>
+            </a:ln>
+          </p:spPr>
+          <p:style>
+            <a:lnRef idx="2">
+              <a:schemeClr val="accent1"/>
+            </a:lnRef>
+            <a:fillRef idx="0">
+              <a:schemeClr val="accent1"/>
+            </a:fillRef>
+            <a:effectRef idx="1">
+              <a:schemeClr val="accent1"/>
+            </a:effectRef>
+            <a:fontRef idx="minor">
+              <a:schemeClr val="tx1"/>
+            </a:fontRef>
+          </p:style>
+        </p:cxnSp>
+      </p:grpSp>
+      <p:sp>
+        <p:nvSpPr>
+          <p:cNvPr id="1035" name="TextBox 1034">
+            <a:extLst>
+              <a:ext uri="{FF2B5EF4-FFF2-40B4-BE49-F238E27FC236}">
+                <a16:creationId xmlns:a16="http://schemas.microsoft.com/office/drawing/2014/main" id="{2B3AF797-118F-E3C4-AA2E-F761A07522FD}"/>
+              </a:ext>
+            </a:extLst>
+          </p:cNvPr>
+          <p:cNvSpPr txBox="1"/>
+          <p:nvPr/>
+        </p:nvSpPr>
+        <p:spPr>
+          <a:xfrm>
+            <a:off x="4894450" y="5053943"/>
+            <a:ext cx="2920814" cy="830997"/>
+          </a:xfrm>
+          <a:prstGeom prst="rect">
+            <a:avLst/>
+          </a:prstGeom>
+          <a:noFill/>
+        </p:spPr>
+        <p:txBody>
+          <a:bodyPr wrap="square" rtlCol="0">
+            <a:spAutoFit/>
+          </a:bodyPr>
+          <a:lstStyle/>
+          <a:p>
+            <a:r>
+              <a:rPr lang="en-US" sz="2400" dirty="0"/>
+              <a:t>Solvable with 12 parameters (weights)</a:t>
+            </a:r>
+          </a:p>
+        </p:txBody>
+      </p:sp>
+    </p:spTree>
+    <p:extLst>
+      <p:ext uri="{BB962C8B-B14F-4D97-AF65-F5344CB8AC3E}">
+        <p14:creationId xmlns:p14="http://schemas.microsoft.com/office/powerpoint/2010/main" val="2102328281"/>
+      </p:ext>
+    </p:extLst>
+  </p:cSld>
+  <p:clrMapOvr>
+    <a:masterClrMapping/>
+  </p:clrMapOvr>
+  <p:transition>
+    <p:fade/>
+  </p:transition>
+</p:sld>
+</file>
+
+<file path=ppt/slides/slide15.xml><?xml version="1.0" encoding="utf-8"?>
+<p:sld xmlns:a="http://schemas.openxmlformats.org/drawingml/2006/main" xmlns:r="http://schemas.openxmlformats.org/officeDocument/2006/relationships" xmlns:p="http://schemas.openxmlformats.org/presentationml/2006/main">
+  <p:cSld>
+    <p:spTree>
+      <p:nvGrpSpPr>
+        <p:cNvPr id="1" name=""/>
+        <p:cNvGrpSpPr/>
+        <p:nvPr/>
+      </p:nvGrpSpPr>
+      <p:grpSpPr>
+        <a:xfrm>
+          <a:off x="0" y="0"/>
+          <a:ext cx="0" cy="0"/>
+          <a:chOff x="0" y="0"/>
+          <a:chExt cx="0" cy="0"/>
+        </a:xfrm>
+      </p:grpSpPr>
+      <p:sp>
+        <p:nvSpPr>
+          <p:cNvPr id="2" name="Title 1">
+            <a:extLst>
+              <a:ext uri="{FF2B5EF4-FFF2-40B4-BE49-F238E27FC236}">
                 <a16:creationId xmlns:a16="http://schemas.microsoft.com/office/drawing/2014/main" id="{3F5EC8B7-0D30-4F89-32A2-973C1CFE51EA}"/>
               </a:ext>
             </a:extLst>
@@ -13173,7 +17702,7 @@
 </p:sld>
 </file>
 
-<file path=ppt/slides/slide11.xml><?xml version="1.0" encoding="utf-8"?>
+<file path=ppt/slides/slide16.xml><?xml version="1.0" encoding="utf-8"?>
 <p:sld xmlns:a="http://schemas.openxmlformats.org/drawingml/2006/main" xmlns:r="http://schemas.openxmlformats.org/officeDocument/2006/relationships" xmlns:p="http://schemas.openxmlformats.org/presentationml/2006/main">
   <p:cSld>
     <p:spTree>
@@ -13433,7 +17962,7 @@
 </p:sld>
 </file>
 
-<file path=ppt/slides/slide12.xml><?xml version="1.0" encoding="utf-8"?>
+<file path=ppt/slides/slide17.xml><?xml version="1.0" encoding="utf-8"?>
 <p:sld xmlns:a="http://schemas.openxmlformats.org/drawingml/2006/main" xmlns:r="http://schemas.openxmlformats.org/officeDocument/2006/relationships" xmlns:p="http://schemas.openxmlformats.org/presentationml/2006/main">
   <p:cSld>
     <p:spTree>
@@ -23684,115 +28213,12 @@
           <a:chExt cx="0" cy="0"/>
         </a:xfrm>
       </p:grpSpPr>
-      <p:pic>
-        <p:nvPicPr>
-          <p:cNvPr id="1026" name="Picture 2" descr="Data">
-            <a:extLst>
-              <a:ext uri="{FF2B5EF4-FFF2-40B4-BE49-F238E27FC236}">
-                <a16:creationId xmlns:a16="http://schemas.microsoft.com/office/drawing/2014/main" id="{83361A9B-8EFA-96E1-233F-87235F77B46C}"/>
-              </a:ext>
-            </a:extLst>
-          </p:cNvPr>
-          <p:cNvPicPr>
-            <a:picLocks noChangeAspect="1" noChangeArrowheads="1"/>
-          </p:cNvPicPr>
-          <p:nvPr/>
-        </p:nvPicPr>
-        <p:blipFill>
-          <a:blip r:embed="rId2">
-            <a:extLst>
-              <a:ext uri="{28A0092B-C50C-407E-A947-70E740481C1C}">
-                <a14:useLocalDpi xmlns:a14="http://schemas.microsoft.com/office/drawing/2010/main" val="0"/>
-              </a:ext>
-            </a:extLst>
-          </a:blip>
-          <a:srcRect/>
-          <a:stretch>
-            <a:fillRect/>
-          </a:stretch>
-        </p:blipFill>
-        <p:spPr bwMode="auto">
-          <a:xfrm>
-            <a:off x="4894449" y="1050549"/>
-            <a:ext cx="4894950" cy="3671212"/>
-          </a:xfrm>
-          <a:prstGeom prst="rect">
-            <a:avLst/>
-          </a:prstGeom>
-          <a:noFill/>
-          <a:extLst>
-            <a:ext uri="{909E8E84-426E-40DD-AFC4-6F175D3DCCD1}">
-              <a14:hiddenFill xmlns:a14="http://schemas.microsoft.com/office/drawing/2010/main">
-                <a:solidFill>
-                  <a:srgbClr val="FFFFFF"/>
-                </a:solidFill>
-              </a14:hiddenFill>
-            </a:ext>
-          </a:extLst>
-        </p:spPr>
-      </p:pic>
-      <p:sp>
-        <p:nvSpPr>
-          <p:cNvPr id="11" name="Rectangle 10">
-            <a:extLst>
-              <a:ext uri="{FF2B5EF4-FFF2-40B4-BE49-F238E27FC236}">
-                <a16:creationId xmlns:a16="http://schemas.microsoft.com/office/drawing/2014/main" id="{BC25E805-8937-A96D-DB4E-86862BB05D2D}"/>
-              </a:ext>
-            </a:extLst>
-          </p:cNvPr>
-          <p:cNvSpPr/>
-          <p:nvPr/>
-        </p:nvSpPr>
-        <p:spPr>
-          <a:xfrm>
-            <a:off x="775504" y="1107365"/>
-            <a:ext cx="2743200" cy="2743200"/>
-          </a:xfrm>
-          <a:prstGeom prst="rect">
-            <a:avLst/>
-          </a:prstGeom>
-          <a:noFill/>
-          <a:ln>
-            <a:solidFill>
-              <a:schemeClr val="tx1"/>
-            </a:solidFill>
-          </a:ln>
-          <a:effectLst/>
-        </p:spPr>
-        <p:style>
-          <a:lnRef idx="1">
-            <a:schemeClr val="accent1"/>
-          </a:lnRef>
-          <a:fillRef idx="3">
-            <a:schemeClr val="accent1"/>
-          </a:fillRef>
-          <a:effectRef idx="2">
-            <a:schemeClr val="accent1"/>
-          </a:effectRef>
-          <a:fontRef idx="minor">
-            <a:schemeClr val="lt1"/>
-          </a:fontRef>
-        </p:style>
-        <p:txBody>
-          <a:bodyPr rtlCol="0" anchor="t" anchorCtr="0"/>
-          <a:lstStyle/>
-          <a:p>
-            <a:pPr algn="l"/>
-            <a:endParaRPr lang="en-US" sz="1400" b="1" dirty="0">
-              <a:solidFill>
-                <a:schemeClr val="tx1"/>
-              </a:solidFill>
-              <a:cs typeface="Georgia"/>
-            </a:endParaRPr>
-          </a:p>
-        </p:txBody>
-      </p:sp>
       <p:sp>
         <p:nvSpPr>
           <p:cNvPr id="2" name="Title 1">
             <a:extLst>
               <a:ext uri="{FF2B5EF4-FFF2-40B4-BE49-F238E27FC236}">
-                <a16:creationId xmlns:a16="http://schemas.microsoft.com/office/drawing/2014/main" id="{BE6308F2-B466-EED3-F017-974A9A7CA210}"/>
+                <a16:creationId xmlns:a16="http://schemas.microsoft.com/office/drawing/2014/main" id="{47D05BFA-449C-B660-F49E-34E55AB05EAD}"/>
               </a:ext>
             </a:extLst>
           </p:cNvPr>
@@ -23810,796 +28236,17 @@
           <a:p>
             <a:r>
               <a:rPr lang="en-US" dirty="0"/>
-              <a:t>A single perceptron can only model linearly separable problems </a:t>
+              <a:t>Representational power of a perceptron</a:t>
             </a:r>
-          </a:p>
-        </p:txBody>
-      </p:sp>
-      <p:sp>
-        <p:nvSpPr>
-          <p:cNvPr id="5" name="Oval 4">
-            <a:extLst>
-              <a:ext uri="{FF2B5EF4-FFF2-40B4-BE49-F238E27FC236}">
-                <a16:creationId xmlns:a16="http://schemas.microsoft.com/office/drawing/2014/main" id="{BBAA1B22-CFE8-B050-F239-3F730CACC9C1}"/>
-              </a:ext>
-            </a:extLst>
-          </p:cNvPr>
-          <p:cNvSpPr/>
-          <p:nvPr/>
-        </p:nvSpPr>
-        <p:spPr>
-          <a:xfrm>
-            <a:off x="2824220" y="1419881"/>
-            <a:ext cx="150471" cy="150471"/>
-          </a:xfrm>
-          <a:prstGeom prst="ellipse">
-            <a:avLst/>
-          </a:prstGeom>
-          <a:solidFill>
-            <a:schemeClr val="accent6"/>
-          </a:solidFill>
-          <a:ln>
-            <a:noFill/>
-          </a:ln>
-          <a:effectLst/>
-        </p:spPr>
-        <p:style>
-          <a:lnRef idx="1">
-            <a:schemeClr val="accent1"/>
-          </a:lnRef>
-          <a:fillRef idx="3">
-            <a:schemeClr val="accent1"/>
-          </a:fillRef>
-          <a:effectRef idx="2">
-            <a:schemeClr val="accent1"/>
-          </a:effectRef>
-          <a:fontRef idx="minor">
-            <a:schemeClr val="lt1"/>
-          </a:fontRef>
-        </p:style>
-        <p:txBody>
-          <a:bodyPr rtlCol="0" anchor="t" anchorCtr="0"/>
-          <a:lstStyle/>
-          <a:p>
-            <a:pPr algn="l"/>
-            <a:endParaRPr lang="en-US" sz="1400" b="1" dirty="0">
-              <a:solidFill>
-                <a:schemeClr val="tx1"/>
-              </a:solidFill>
-              <a:cs typeface="Georgia"/>
-            </a:endParaRPr>
-          </a:p>
-        </p:txBody>
-      </p:sp>
-      <p:sp>
-        <p:nvSpPr>
-          <p:cNvPr id="6" name="Oval 5">
-            <a:extLst>
-              <a:ext uri="{FF2B5EF4-FFF2-40B4-BE49-F238E27FC236}">
-                <a16:creationId xmlns:a16="http://schemas.microsoft.com/office/drawing/2014/main" id="{FFF7843D-2229-65D8-04D5-DBED59553D1B}"/>
-              </a:ext>
-            </a:extLst>
-          </p:cNvPr>
-          <p:cNvSpPr/>
-          <p:nvPr/>
-        </p:nvSpPr>
-        <p:spPr>
-          <a:xfrm>
-            <a:off x="2976620" y="1572281"/>
-            <a:ext cx="150471" cy="150471"/>
-          </a:xfrm>
-          <a:prstGeom prst="ellipse">
-            <a:avLst/>
-          </a:prstGeom>
-          <a:solidFill>
-            <a:schemeClr val="accent6"/>
-          </a:solidFill>
-          <a:ln>
-            <a:noFill/>
-          </a:ln>
-          <a:effectLst/>
-        </p:spPr>
-        <p:style>
-          <a:lnRef idx="1">
-            <a:schemeClr val="accent1"/>
-          </a:lnRef>
-          <a:fillRef idx="3">
-            <a:schemeClr val="accent1"/>
-          </a:fillRef>
-          <a:effectRef idx="2">
-            <a:schemeClr val="accent1"/>
-          </a:effectRef>
-          <a:fontRef idx="minor">
-            <a:schemeClr val="lt1"/>
-          </a:fontRef>
-        </p:style>
-        <p:txBody>
-          <a:bodyPr rtlCol="0" anchor="t" anchorCtr="0"/>
-          <a:lstStyle/>
-          <a:p>
-            <a:pPr algn="l"/>
-            <a:endParaRPr lang="en-US" sz="1400" b="1" dirty="0">
-              <a:solidFill>
-                <a:schemeClr val="tx1"/>
-              </a:solidFill>
-              <a:cs typeface="Georgia"/>
-            </a:endParaRPr>
-          </a:p>
-        </p:txBody>
-      </p:sp>
-      <p:sp>
-        <p:nvSpPr>
-          <p:cNvPr id="7" name="Oval 6">
-            <a:extLst>
-              <a:ext uri="{FF2B5EF4-FFF2-40B4-BE49-F238E27FC236}">
-                <a16:creationId xmlns:a16="http://schemas.microsoft.com/office/drawing/2014/main" id="{81348B80-ECF7-1EB9-A8F0-ECEC9AB2DDF2}"/>
-              </a:ext>
-            </a:extLst>
-          </p:cNvPr>
-          <p:cNvSpPr/>
-          <p:nvPr/>
-        </p:nvSpPr>
-        <p:spPr>
-          <a:xfrm>
-            <a:off x="976132" y="1312379"/>
-            <a:ext cx="150471" cy="150471"/>
-          </a:xfrm>
-          <a:prstGeom prst="ellipse">
-            <a:avLst/>
-          </a:prstGeom>
-          <a:solidFill>
-            <a:schemeClr val="accent1"/>
-          </a:solidFill>
-          <a:ln>
-            <a:noFill/>
-          </a:ln>
-          <a:effectLst/>
-        </p:spPr>
-        <p:style>
-          <a:lnRef idx="1">
-            <a:schemeClr val="accent1"/>
-          </a:lnRef>
-          <a:fillRef idx="3">
-            <a:schemeClr val="accent1"/>
-          </a:fillRef>
-          <a:effectRef idx="2">
-            <a:schemeClr val="accent1"/>
-          </a:effectRef>
-          <a:fontRef idx="minor">
-            <a:schemeClr val="lt1"/>
-          </a:fontRef>
-        </p:style>
-        <p:txBody>
-          <a:bodyPr rtlCol="0" anchor="t" anchorCtr="0"/>
-          <a:lstStyle/>
-          <a:p>
-            <a:pPr algn="l"/>
-            <a:endParaRPr lang="en-US" sz="1400" b="1" dirty="0">
-              <a:solidFill>
-                <a:schemeClr val="tx1"/>
-              </a:solidFill>
-              <a:cs typeface="Georgia"/>
-            </a:endParaRPr>
-          </a:p>
-        </p:txBody>
-      </p:sp>
-      <p:sp>
-        <p:nvSpPr>
-          <p:cNvPr id="8" name="Oval 7">
-            <a:extLst>
-              <a:ext uri="{FF2B5EF4-FFF2-40B4-BE49-F238E27FC236}">
-                <a16:creationId xmlns:a16="http://schemas.microsoft.com/office/drawing/2014/main" id="{D8B0D86E-2C94-A534-5719-0064B8DCA78A}"/>
-              </a:ext>
-            </a:extLst>
-          </p:cNvPr>
-          <p:cNvSpPr/>
-          <p:nvPr/>
-        </p:nvSpPr>
-        <p:spPr>
-          <a:xfrm>
-            <a:off x="900896" y="3520685"/>
-            <a:ext cx="150471" cy="150471"/>
-          </a:xfrm>
-          <a:prstGeom prst="ellipse">
-            <a:avLst/>
-          </a:prstGeom>
-          <a:solidFill>
-            <a:schemeClr val="accent1"/>
-          </a:solidFill>
-          <a:ln>
-            <a:noFill/>
-          </a:ln>
-          <a:effectLst/>
-        </p:spPr>
-        <p:style>
-          <a:lnRef idx="1">
-            <a:schemeClr val="accent1"/>
-          </a:lnRef>
-          <a:fillRef idx="3">
-            <a:schemeClr val="accent1"/>
-          </a:fillRef>
-          <a:effectRef idx="2">
-            <a:schemeClr val="accent1"/>
-          </a:effectRef>
-          <a:fontRef idx="minor">
-            <a:schemeClr val="lt1"/>
-          </a:fontRef>
-        </p:style>
-        <p:txBody>
-          <a:bodyPr rtlCol="0" anchor="t" anchorCtr="0"/>
-          <a:lstStyle/>
-          <a:p>
-            <a:pPr algn="l"/>
-            <a:endParaRPr lang="en-US" sz="1400" b="1" dirty="0">
-              <a:solidFill>
-                <a:schemeClr val="tx1"/>
-              </a:solidFill>
-              <a:cs typeface="Georgia"/>
-            </a:endParaRPr>
-          </a:p>
-        </p:txBody>
-      </p:sp>
-      <p:sp>
-        <p:nvSpPr>
-          <p:cNvPr id="9" name="Oval 8">
-            <a:extLst>
-              <a:ext uri="{FF2B5EF4-FFF2-40B4-BE49-F238E27FC236}">
-                <a16:creationId xmlns:a16="http://schemas.microsoft.com/office/drawing/2014/main" id="{04612483-C754-3EE2-9B7E-BCC93AF462A2}"/>
-              </a:ext>
-            </a:extLst>
-          </p:cNvPr>
-          <p:cNvSpPr/>
-          <p:nvPr/>
-        </p:nvSpPr>
-        <p:spPr>
-          <a:xfrm>
-            <a:off x="3127091" y="3520685"/>
-            <a:ext cx="150471" cy="150471"/>
-          </a:xfrm>
-          <a:prstGeom prst="ellipse">
-            <a:avLst/>
-          </a:prstGeom>
-          <a:solidFill>
-            <a:schemeClr val="accent1"/>
-          </a:solidFill>
-          <a:ln>
-            <a:noFill/>
-          </a:ln>
-          <a:effectLst/>
-        </p:spPr>
-        <p:style>
-          <a:lnRef idx="1">
-            <a:schemeClr val="accent1"/>
-          </a:lnRef>
-          <a:fillRef idx="3">
-            <a:schemeClr val="accent1"/>
-          </a:fillRef>
-          <a:effectRef idx="2">
-            <a:schemeClr val="accent1"/>
-          </a:effectRef>
-          <a:fontRef idx="minor">
-            <a:schemeClr val="lt1"/>
-          </a:fontRef>
-        </p:style>
-        <p:txBody>
-          <a:bodyPr rtlCol="0" anchor="t" anchorCtr="0"/>
-          <a:lstStyle/>
-          <a:p>
-            <a:pPr algn="l"/>
-            <a:endParaRPr lang="en-US" sz="1400" b="1" dirty="0">
-              <a:solidFill>
-                <a:schemeClr val="tx1"/>
-              </a:solidFill>
-              <a:cs typeface="Georgia"/>
-            </a:endParaRPr>
-          </a:p>
-        </p:txBody>
-      </p:sp>
-      <p:sp>
-        <p:nvSpPr>
-          <p:cNvPr id="12" name="TextBox 11">
-            <a:extLst>
-              <a:ext uri="{FF2B5EF4-FFF2-40B4-BE49-F238E27FC236}">
-                <a16:creationId xmlns:a16="http://schemas.microsoft.com/office/drawing/2014/main" id="{F2CAD9D8-FDDD-8002-9D72-5DFA16771A34}"/>
-              </a:ext>
-            </a:extLst>
-          </p:cNvPr>
-          <p:cNvSpPr txBox="1"/>
-          <p:nvPr/>
-        </p:nvSpPr>
-        <p:spPr>
-          <a:xfrm>
-            <a:off x="2899455" y="1201020"/>
-            <a:ext cx="558166" cy="369332"/>
-          </a:xfrm>
-          <a:prstGeom prst="rect">
-            <a:avLst/>
-          </a:prstGeom>
-          <a:noFill/>
-        </p:spPr>
-        <p:txBody>
-          <a:bodyPr wrap="none" rtlCol="0">
-            <a:spAutoFit/>
-          </a:bodyPr>
-          <a:lstStyle/>
-          <a:p>
-            <a:r>
-              <a:rPr lang="en-US" dirty="0"/>
-              <a:t>Dog</a:t>
-            </a:r>
-          </a:p>
-        </p:txBody>
-      </p:sp>
-      <p:sp>
-        <p:nvSpPr>
-          <p:cNvPr id="13" name="TextBox 12">
-            <a:extLst>
-              <a:ext uri="{FF2B5EF4-FFF2-40B4-BE49-F238E27FC236}">
-                <a16:creationId xmlns:a16="http://schemas.microsoft.com/office/drawing/2014/main" id="{C887A228-31F3-A995-6391-4D700236C2AF}"/>
-              </a:ext>
-            </a:extLst>
-          </p:cNvPr>
-          <p:cNvSpPr txBox="1"/>
-          <p:nvPr/>
-        </p:nvSpPr>
-        <p:spPr>
-          <a:xfrm>
-            <a:off x="3072726" y="1462850"/>
-            <a:ext cx="493533" cy="369332"/>
-          </a:xfrm>
-          <a:prstGeom prst="rect">
-            <a:avLst/>
-          </a:prstGeom>
-          <a:noFill/>
-        </p:spPr>
-        <p:txBody>
-          <a:bodyPr wrap="none" rtlCol="0">
-            <a:spAutoFit/>
-          </a:bodyPr>
-          <a:lstStyle/>
-          <a:p>
-            <a:r>
-              <a:rPr lang="en-US" dirty="0"/>
-              <a:t>Cat</a:t>
-            </a:r>
-          </a:p>
-        </p:txBody>
-      </p:sp>
-      <p:sp>
-        <p:nvSpPr>
-          <p:cNvPr id="16" name="TextBox 15">
-            <a:extLst>
-              <a:ext uri="{FF2B5EF4-FFF2-40B4-BE49-F238E27FC236}">
-                <a16:creationId xmlns:a16="http://schemas.microsoft.com/office/drawing/2014/main" id="{01114295-92F0-6CDB-25AC-B03640017D07}"/>
-              </a:ext>
-            </a:extLst>
-          </p:cNvPr>
-          <p:cNvSpPr txBox="1"/>
-          <p:nvPr/>
-        </p:nvSpPr>
-        <p:spPr>
-          <a:xfrm>
-            <a:off x="1670563" y="3877137"/>
-            <a:ext cx="953081" cy="369332"/>
-          </a:xfrm>
-          <a:prstGeom prst="rect">
-            <a:avLst/>
-          </a:prstGeom>
-          <a:noFill/>
-        </p:spPr>
-        <p:txBody>
-          <a:bodyPr wrap="none" rtlCol="0">
-            <a:spAutoFit/>
-          </a:bodyPr>
-          <a:lstStyle/>
-          <a:p>
-            <a:r>
-              <a:rPr lang="en-US" dirty="0"/>
-              <a:t>Lactates</a:t>
-            </a:r>
-          </a:p>
-        </p:txBody>
-      </p:sp>
-      <p:sp>
-        <p:nvSpPr>
-          <p:cNvPr id="17" name="TextBox 16">
-            <a:extLst>
-              <a:ext uri="{FF2B5EF4-FFF2-40B4-BE49-F238E27FC236}">
-                <a16:creationId xmlns:a16="http://schemas.microsoft.com/office/drawing/2014/main" id="{90A3BD21-6E8F-C237-1F4D-5100C3F20EDC}"/>
-              </a:ext>
-            </a:extLst>
-          </p:cNvPr>
-          <p:cNvSpPr txBox="1"/>
-          <p:nvPr/>
-        </p:nvSpPr>
-        <p:spPr>
-          <a:xfrm rot="16200000">
-            <a:off x="-28672" y="2324867"/>
-            <a:ext cx="1037335" cy="369332"/>
-          </a:xfrm>
-          <a:prstGeom prst="rect">
-            <a:avLst/>
-          </a:prstGeom>
-          <a:noFill/>
-        </p:spPr>
-        <p:txBody>
-          <a:bodyPr wrap="none" rtlCol="0">
-            <a:spAutoFit/>
-          </a:bodyPr>
-          <a:lstStyle/>
-          <a:p>
-            <a:r>
-              <a:rPr lang="en-US" dirty="0"/>
-              <a:t>Placental</a:t>
-            </a:r>
-          </a:p>
-        </p:txBody>
-      </p:sp>
-      <p:sp>
-        <p:nvSpPr>
-          <p:cNvPr id="18" name="TextBox 17">
-            <a:extLst>
-              <a:ext uri="{FF2B5EF4-FFF2-40B4-BE49-F238E27FC236}">
-                <a16:creationId xmlns:a16="http://schemas.microsoft.com/office/drawing/2014/main" id="{11AA189B-2738-6135-E235-CE955E94CFC9}"/>
-              </a:ext>
-            </a:extLst>
-          </p:cNvPr>
-          <p:cNvSpPr txBox="1"/>
-          <p:nvPr/>
-        </p:nvSpPr>
-        <p:spPr>
-          <a:xfrm>
-            <a:off x="990755" y="3411254"/>
-            <a:ext cx="732316" cy="369332"/>
-          </a:xfrm>
-          <a:prstGeom prst="rect">
-            <a:avLst/>
-          </a:prstGeom>
-          <a:noFill/>
-        </p:spPr>
-        <p:txBody>
-          <a:bodyPr wrap="none" rtlCol="0">
-            <a:spAutoFit/>
-          </a:bodyPr>
-          <a:lstStyle/>
-          <a:p>
-            <a:r>
-              <a:rPr lang="en-US" dirty="0"/>
-              <a:t>Lizard</a:t>
-            </a:r>
-          </a:p>
-        </p:txBody>
-      </p:sp>
-      <p:sp>
-        <p:nvSpPr>
-          <p:cNvPr id="19" name="TextBox 18">
-            <a:extLst>
-              <a:ext uri="{FF2B5EF4-FFF2-40B4-BE49-F238E27FC236}">
-                <a16:creationId xmlns:a16="http://schemas.microsoft.com/office/drawing/2014/main" id="{0129C2B0-02EC-5399-AE6F-2DE4F55F475E}"/>
-              </a:ext>
-            </a:extLst>
-          </p:cNvPr>
-          <p:cNvSpPr txBox="1"/>
-          <p:nvPr/>
-        </p:nvSpPr>
-        <p:spPr>
-          <a:xfrm>
-            <a:off x="876938" y="1402610"/>
-            <a:ext cx="1096775" cy="369332"/>
-          </a:xfrm>
-          <a:prstGeom prst="rect">
-            <a:avLst/>
-          </a:prstGeom>
-          <a:noFill/>
-        </p:spPr>
-        <p:txBody>
-          <a:bodyPr wrap="none" rtlCol="0">
-            <a:spAutoFit/>
-          </a:bodyPr>
-          <a:lstStyle/>
-          <a:p>
-            <a:r>
-              <a:rPr lang="en-US" dirty="0"/>
-              <a:t>Bull shark</a:t>
-            </a:r>
-          </a:p>
-        </p:txBody>
-      </p:sp>
-      <p:sp>
-        <p:nvSpPr>
-          <p:cNvPr id="20" name="TextBox 19">
-            <a:extLst>
-              <a:ext uri="{FF2B5EF4-FFF2-40B4-BE49-F238E27FC236}">
-                <a16:creationId xmlns:a16="http://schemas.microsoft.com/office/drawing/2014/main" id="{F75B40BA-EACD-76EF-06D2-D586D4945E8E}"/>
-              </a:ext>
-            </a:extLst>
-          </p:cNvPr>
-          <p:cNvSpPr txBox="1"/>
-          <p:nvPr/>
-        </p:nvSpPr>
-        <p:spPr>
-          <a:xfrm>
-            <a:off x="2623644" y="3166095"/>
-            <a:ext cx="822341" cy="369332"/>
-          </a:xfrm>
-          <a:prstGeom prst="rect">
-            <a:avLst/>
-          </a:prstGeom>
-          <a:noFill/>
-        </p:spPr>
-        <p:txBody>
-          <a:bodyPr wrap="none" rtlCol="0">
-            <a:spAutoFit/>
-          </a:bodyPr>
-          <a:lstStyle/>
-          <a:p>
-            <a:r>
-              <a:rPr lang="en-US" dirty="0"/>
-              <a:t>Pigeon</a:t>
-            </a:r>
-          </a:p>
-        </p:txBody>
-      </p:sp>
-      <p:sp>
-        <p:nvSpPr>
-          <p:cNvPr id="21" name="TextBox 20">
-            <a:extLst>
-              <a:ext uri="{FF2B5EF4-FFF2-40B4-BE49-F238E27FC236}">
-                <a16:creationId xmlns:a16="http://schemas.microsoft.com/office/drawing/2014/main" id="{E7593DE6-77E7-6A18-BC61-7295B00F45DA}"/>
-              </a:ext>
-            </a:extLst>
-          </p:cNvPr>
-          <p:cNvSpPr txBox="1"/>
-          <p:nvPr/>
-        </p:nvSpPr>
-        <p:spPr>
-          <a:xfrm>
-            <a:off x="534104" y="3780586"/>
-            <a:ext cx="301686" cy="369332"/>
-          </a:xfrm>
-          <a:prstGeom prst="rect">
-            <a:avLst/>
-          </a:prstGeom>
-          <a:noFill/>
-        </p:spPr>
-        <p:txBody>
-          <a:bodyPr wrap="none" rtlCol="0">
-            <a:spAutoFit/>
-          </a:bodyPr>
-          <a:lstStyle/>
-          <a:p>
-            <a:r>
-              <a:rPr lang="en-US" dirty="0"/>
-              <a:t>0</a:t>
-            </a:r>
-          </a:p>
-        </p:txBody>
-      </p:sp>
-      <p:sp>
-        <p:nvSpPr>
-          <p:cNvPr id="22" name="TextBox 21">
-            <a:extLst>
-              <a:ext uri="{FF2B5EF4-FFF2-40B4-BE49-F238E27FC236}">
-                <a16:creationId xmlns:a16="http://schemas.microsoft.com/office/drawing/2014/main" id="{BFE03B20-8AE0-78BB-9B79-AE5803D9DEA3}"/>
-              </a:ext>
-            </a:extLst>
-          </p:cNvPr>
-          <p:cNvSpPr txBox="1"/>
-          <p:nvPr/>
-        </p:nvSpPr>
-        <p:spPr>
-          <a:xfrm>
-            <a:off x="3285794" y="3815576"/>
-            <a:ext cx="301686" cy="369332"/>
-          </a:xfrm>
-          <a:prstGeom prst="rect">
-            <a:avLst/>
-          </a:prstGeom>
-          <a:noFill/>
-        </p:spPr>
-        <p:txBody>
-          <a:bodyPr wrap="none" rtlCol="0">
-            <a:spAutoFit/>
-          </a:bodyPr>
-          <a:lstStyle/>
-          <a:p>
-            <a:r>
-              <a:rPr lang="en-US" dirty="0"/>
-              <a:t>1</a:t>
-            </a:r>
-          </a:p>
-        </p:txBody>
-      </p:sp>
-      <p:sp>
-        <p:nvSpPr>
-          <p:cNvPr id="23" name="TextBox 22">
-            <a:extLst>
-              <a:ext uri="{FF2B5EF4-FFF2-40B4-BE49-F238E27FC236}">
-                <a16:creationId xmlns:a16="http://schemas.microsoft.com/office/drawing/2014/main" id="{41D6D2FA-CD3A-CF1E-AFB4-E1335A6450D6}"/>
-              </a:ext>
-            </a:extLst>
-          </p:cNvPr>
-          <p:cNvSpPr txBox="1"/>
-          <p:nvPr/>
-        </p:nvSpPr>
-        <p:spPr>
-          <a:xfrm>
-            <a:off x="412735" y="1050549"/>
-            <a:ext cx="301686" cy="369332"/>
-          </a:xfrm>
-          <a:prstGeom prst="rect">
-            <a:avLst/>
-          </a:prstGeom>
-          <a:noFill/>
-        </p:spPr>
-        <p:txBody>
-          <a:bodyPr wrap="none" rtlCol="0">
-            <a:spAutoFit/>
-          </a:bodyPr>
-          <a:lstStyle/>
-          <a:p>
-            <a:r>
-              <a:rPr lang="en-US" dirty="0"/>
-              <a:t>1</a:t>
-            </a:r>
-          </a:p>
-        </p:txBody>
-      </p:sp>
-      <p:cxnSp>
-        <p:nvCxnSpPr>
-          <p:cNvPr id="25" name="Straight Connector 24">
-            <a:extLst>
-              <a:ext uri="{FF2B5EF4-FFF2-40B4-BE49-F238E27FC236}">
-                <a16:creationId xmlns:a16="http://schemas.microsoft.com/office/drawing/2014/main" id="{0EA46C8C-5F94-87B7-37A5-A2C615553738}"/>
-              </a:ext>
-            </a:extLst>
-          </p:cNvPr>
-          <p:cNvCxnSpPr>
-            <a:cxnSpLocks/>
-          </p:cNvCxnSpPr>
-          <p:nvPr/>
-        </p:nvCxnSpPr>
-        <p:spPr>
-          <a:xfrm>
-            <a:off x="1624263" y="985050"/>
-            <a:ext cx="2068967" cy="2321501"/>
-          </a:xfrm>
-          <a:prstGeom prst="line">
-            <a:avLst/>
-          </a:prstGeom>
-          <a:ln>
-            <a:prstDash val="dash"/>
-          </a:ln>
-        </p:spPr>
-        <p:style>
-          <a:lnRef idx="2">
-            <a:schemeClr val="accent1"/>
-          </a:lnRef>
-          <a:fillRef idx="0">
-            <a:schemeClr val="accent1"/>
-          </a:fillRef>
-          <a:effectRef idx="1">
-            <a:schemeClr val="accent1"/>
-          </a:effectRef>
-          <a:fontRef idx="minor">
-            <a:schemeClr val="tx1"/>
-          </a:fontRef>
-        </p:style>
-      </p:cxnSp>
-      <p:sp>
-        <p:nvSpPr>
-          <p:cNvPr id="32" name="Freeform 31">
-            <a:extLst>
-              <a:ext uri="{FF2B5EF4-FFF2-40B4-BE49-F238E27FC236}">
-                <a16:creationId xmlns:a16="http://schemas.microsoft.com/office/drawing/2014/main" id="{E01FFCB4-2ADB-E576-5807-73C1CC3DA7AA}"/>
-              </a:ext>
-            </a:extLst>
-          </p:cNvPr>
-          <p:cNvSpPr/>
-          <p:nvPr/>
-        </p:nvSpPr>
-        <p:spPr>
-          <a:xfrm>
-            <a:off x="5268667" y="1195665"/>
-            <a:ext cx="3946967" cy="2789499"/>
-          </a:xfrm>
-          <a:custGeom>
-            <a:avLst/>
-            <a:gdLst>
-              <a:gd name="connsiteX0" fmla="*/ 0 w 3946967"/>
-              <a:gd name="connsiteY0" fmla="*/ 2789499 h 2789499"/>
-              <a:gd name="connsiteX1" fmla="*/ 1689903 w 3946967"/>
-              <a:gd name="connsiteY1" fmla="*/ 1122744 h 2789499"/>
-              <a:gd name="connsiteX2" fmla="*/ 2558005 w 3946967"/>
-              <a:gd name="connsiteY2" fmla="*/ 1689904 h 2789499"/>
-              <a:gd name="connsiteX3" fmla="*/ 3946967 w 3946967"/>
-              <a:gd name="connsiteY3" fmla="*/ 0 h 2789499"/>
-              <a:gd name="connsiteX4" fmla="*/ 3946967 w 3946967"/>
-              <a:gd name="connsiteY4" fmla="*/ 0 h 2789499"/>
-            </a:gdLst>
-            <a:ahLst/>
-            <a:cxnLst>
-              <a:cxn ang="0">
-                <a:pos x="connsiteX0" y="connsiteY0"/>
-              </a:cxn>
-              <a:cxn ang="0">
-                <a:pos x="connsiteX1" y="connsiteY1"/>
-              </a:cxn>
-              <a:cxn ang="0">
-                <a:pos x="connsiteX2" y="connsiteY2"/>
-              </a:cxn>
-              <a:cxn ang="0">
-                <a:pos x="connsiteX3" y="connsiteY3"/>
-              </a:cxn>
-              <a:cxn ang="0">
-                <a:pos x="connsiteX4" y="connsiteY4"/>
-              </a:cxn>
-            </a:cxnLst>
-            <a:rect l="l" t="t" r="r" b="b"/>
-            <a:pathLst>
-              <a:path w="3946967" h="2789499">
-                <a:moveTo>
-                  <a:pt x="0" y="2789499"/>
-                </a:moveTo>
-                <a:cubicBezTo>
-                  <a:pt x="631784" y="2047754"/>
-                  <a:pt x="1263569" y="1306010"/>
-                  <a:pt x="1689903" y="1122744"/>
-                </a:cubicBezTo>
-                <a:cubicBezTo>
-                  <a:pt x="2116237" y="939478"/>
-                  <a:pt x="2181828" y="1877028"/>
-                  <a:pt x="2558005" y="1689904"/>
-                </a:cubicBezTo>
-                <a:cubicBezTo>
-                  <a:pt x="2934182" y="1502780"/>
-                  <a:pt x="3946967" y="0"/>
-                  <a:pt x="3946967" y="0"/>
-                </a:cubicBezTo>
-                <a:lnTo>
-                  <a:pt x="3946967" y="0"/>
-                </a:lnTo>
-              </a:path>
-            </a:pathLst>
-          </a:custGeom>
-          <a:noFill/>
-          <a:ln w="19050">
-            <a:solidFill>
-              <a:schemeClr val="accent1"/>
-            </a:solidFill>
-            <a:prstDash val="dash"/>
-          </a:ln>
-          <a:effectLst/>
-        </p:spPr>
-        <p:style>
-          <a:lnRef idx="1">
-            <a:schemeClr val="accent1"/>
-          </a:lnRef>
-          <a:fillRef idx="3">
-            <a:schemeClr val="accent1"/>
-          </a:fillRef>
-          <a:effectRef idx="2">
-            <a:schemeClr val="accent1"/>
-          </a:effectRef>
-          <a:fontRef idx="minor">
-            <a:schemeClr val="lt1"/>
-          </a:fontRef>
-        </p:style>
-        <p:txBody>
-          <a:bodyPr rtlCol="0" anchor="ctr"/>
-          <a:lstStyle/>
-          <a:p>
-            <a:pPr algn="ctr"/>
-            <a:endParaRPr lang="en-US"/>
           </a:p>
         </p:txBody>
       </p:sp>
       <p:grpSp>
         <p:nvGrpSpPr>
-          <p:cNvPr id="1034" name="Group 1033">
+          <p:cNvPr id="31" name="Group 30">
             <a:extLst>
               <a:ext uri="{FF2B5EF4-FFF2-40B4-BE49-F238E27FC236}">
-                <a16:creationId xmlns:a16="http://schemas.microsoft.com/office/drawing/2014/main" id="{9560DAFD-9A09-8198-376F-A2753E1CEB6E}"/>
+                <a16:creationId xmlns:a16="http://schemas.microsoft.com/office/drawing/2014/main" id="{4A261D84-C7EC-773A-C25E-90DD97362A58}"/>
               </a:ext>
             </a:extLst>
           </p:cNvPr>
@@ -24608,18 +28255,641 @@
         </p:nvGrpSpPr>
         <p:grpSpPr>
           <a:xfrm>
-            <a:off x="7984892" y="4825477"/>
-            <a:ext cx="1804507" cy="1852523"/>
-            <a:chOff x="2243138" y="4917276"/>
-            <a:chExt cx="1804507" cy="1852523"/>
+            <a:off x="633857" y="1165862"/>
+            <a:ext cx="2976366" cy="1499714"/>
+            <a:chOff x="3375666" y="1475134"/>
+            <a:chExt cx="2976366" cy="1499714"/>
+          </a:xfrm>
+        </p:grpSpPr>
+        <mc:AlternateContent xmlns:mc="http://schemas.openxmlformats.org/markup-compatibility/2006">
+          <mc:Choice xmlns:a14="http://schemas.microsoft.com/office/drawing/2010/main" Requires="a14">
+            <p:sp>
+              <p:nvSpPr>
+                <p:cNvPr id="4" name="TextBox 3">
+                  <a:extLst>
+                    <a:ext uri="{FF2B5EF4-FFF2-40B4-BE49-F238E27FC236}">
+                      <a16:creationId xmlns:a16="http://schemas.microsoft.com/office/drawing/2014/main" id="{6C63A41B-70C9-B5B0-BF8E-E03862074596}"/>
+                    </a:ext>
+                  </a:extLst>
+                </p:cNvPr>
+                <p:cNvSpPr txBox="1"/>
+                <p:nvPr/>
+              </p:nvSpPr>
+              <p:spPr>
+                <a:xfrm>
+                  <a:off x="4038027" y="1475134"/>
+                  <a:ext cx="2314005" cy="848566"/>
+                </a:xfrm>
+                <a:prstGeom prst="rect">
+                  <a:avLst/>
+                </a:prstGeom>
+                <a:noFill/>
+              </p:spPr>
+              <p:txBody>
+                <a:bodyPr wrap="square">
+                  <a:spAutoFit/>
+                </a:bodyPr>
+                <a:lstStyle/>
+                <a:p>
+                  <a:pPr/>
+                  <a14:m>
+                    <m:oMathPara xmlns:m="http://schemas.openxmlformats.org/officeDocument/2006/math">
+                      <m:oMathParaPr>
+                        <m:jc m:val="centerGroup"/>
+                      </m:oMathParaPr>
+                      <m:oMath xmlns:m="http://schemas.openxmlformats.org/officeDocument/2006/math">
+                        <m:r>
+                          <a:rPr lang="en-GB" sz="1800" b="0" i="1" smtClean="0">
+                            <a:latin typeface="Cambria Math" panose="02040503050406030204" pitchFamily="18" charset="0"/>
+                          </a:rPr>
+                          <m:t>1 </m:t>
+                        </m:r>
+                        <m:r>
+                          <m:rPr>
+                            <m:sty m:val="p"/>
+                          </m:rPr>
+                          <a:rPr lang="en-GB" sz="1800" b="0" i="0" smtClean="0">
+                            <a:latin typeface="Cambria Math" panose="02040503050406030204" pitchFamily="18" charset="0"/>
+                          </a:rPr>
+                          <m:t>if</m:t>
+                        </m:r>
+                        <m:r>
+                          <a:rPr lang="en-GB" sz="1800" b="0" i="1" smtClean="0">
+                            <a:latin typeface="Cambria Math" panose="02040503050406030204" pitchFamily="18" charset="0"/>
+                          </a:rPr>
+                          <m:t> </m:t>
+                        </m:r>
+                        <m:r>
+                          <a:rPr lang="en-GB" sz="1800" b="0" i="1" smtClean="0">
+                            <a:latin typeface="Cambria Math" panose="02040503050406030204" pitchFamily="18" charset="0"/>
+                          </a:rPr>
+                          <m:t>𝑏</m:t>
+                        </m:r>
+                        <m:r>
+                          <a:rPr lang="en-GB" sz="1800" b="0" i="1" smtClean="0">
+                            <a:latin typeface="Cambria Math" panose="02040503050406030204" pitchFamily="18" charset="0"/>
+                          </a:rPr>
+                          <m:t>+</m:t>
+                        </m:r>
+                        <m:nary>
+                          <m:naryPr>
+                            <m:chr m:val="∑"/>
+                            <m:ctrlPr>
+                              <a:rPr lang="en-US" sz="1800" i="1">
+                                <a:latin typeface="Cambria Math" panose="02040503050406030204" pitchFamily="18" charset="0"/>
+                              </a:rPr>
+                            </m:ctrlPr>
+                          </m:naryPr>
+                          <m:sub>
+                            <m:r>
+                              <a:rPr lang="en-GB" sz="1800" b="0" i="1" smtClean="0">
+                                <a:latin typeface="Cambria Math" panose="02040503050406030204" pitchFamily="18" charset="0"/>
+                              </a:rPr>
+                              <m:t>𝑖</m:t>
+                            </m:r>
+                            <m:r>
+                              <a:rPr lang="en-US" sz="1800" i="1">
+                                <a:latin typeface="Cambria Math" panose="02040503050406030204" pitchFamily="18" charset="0"/>
+                              </a:rPr>
+                              <m:t>=</m:t>
+                            </m:r>
+                            <m:r>
+                              <a:rPr lang="en-GB" sz="1800" b="0" i="1" smtClean="0">
+                                <a:latin typeface="Cambria Math" panose="02040503050406030204" pitchFamily="18" charset="0"/>
+                              </a:rPr>
+                              <m:t>1</m:t>
+                            </m:r>
+                          </m:sub>
+                          <m:sup>
+                            <m:r>
+                              <a:rPr lang="en-US" sz="1800" i="1">
+                                <a:latin typeface="Cambria Math" panose="02040503050406030204" pitchFamily="18" charset="0"/>
+                              </a:rPr>
+                              <m:t>𝑛</m:t>
+                            </m:r>
+                          </m:sup>
+                          <m:e>
+                            <m:sSub>
+                              <m:sSubPr>
+                                <m:ctrlPr>
+                                  <a:rPr lang="en-GB" sz="1800" i="1" smtClean="0">
+                                    <a:latin typeface="Cambria Math" panose="02040503050406030204" pitchFamily="18" charset="0"/>
+                                  </a:rPr>
+                                </m:ctrlPr>
+                              </m:sSubPr>
+                              <m:e>
+                                <m:r>
+                                  <a:rPr lang="en-GB" sz="1800" i="1">
+                                    <a:latin typeface="Cambria Math" panose="02040503050406030204" pitchFamily="18" charset="0"/>
+                                  </a:rPr>
+                                  <m:t>𝑤</m:t>
+                                </m:r>
+                              </m:e>
+                              <m:sub>
+                                <m:r>
+                                  <a:rPr lang="en-GB" sz="1800" b="0" i="1" smtClean="0">
+                                    <a:latin typeface="Cambria Math" panose="02040503050406030204" pitchFamily="18" charset="0"/>
+                                  </a:rPr>
+                                  <m:t>𝑖</m:t>
+                                </m:r>
+                              </m:sub>
+                            </m:sSub>
+                            <m:sSub>
+                              <m:sSubPr>
+                                <m:ctrlPr>
+                                  <a:rPr lang="en-GB" sz="1800" i="1">
+                                    <a:latin typeface="Cambria Math" panose="02040503050406030204" pitchFamily="18" charset="0"/>
+                                  </a:rPr>
+                                </m:ctrlPr>
+                              </m:sSubPr>
+                              <m:e>
+                                <m:r>
+                                  <a:rPr lang="en-GB" sz="1800" b="0" i="1" smtClean="0">
+                                    <a:latin typeface="Cambria Math" panose="02040503050406030204" pitchFamily="18" charset="0"/>
+                                  </a:rPr>
+                                  <m:t>𝑥</m:t>
+                                </m:r>
+                              </m:e>
+                              <m:sub>
+                                <m:r>
+                                  <a:rPr lang="en-GB" sz="1800" i="1">
+                                    <a:latin typeface="Cambria Math" panose="02040503050406030204" pitchFamily="18" charset="0"/>
+                                  </a:rPr>
+                                  <m:t>𝑖</m:t>
+                                </m:r>
+                              </m:sub>
+                            </m:sSub>
+                          </m:e>
+                        </m:nary>
+                      </m:oMath>
+                    </m:oMathPara>
+                  </a14:m>
+                  <a:endParaRPr lang="en-US" dirty="0"/>
+                </a:p>
+              </p:txBody>
+            </p:sp>
+          </mc:Choice>
+          <mc:Fallback>
+            <p:sp>
+              <p:nvSpPr>
+                <p:cNvPr id="4" name="TextBox 3">
+                  <a:extLst>
+                    <a:ext uri="{FF2B5EF4-FFF2-40B4-BE49-F238E27FC236}">
+                      <a16:creationId xmlns:a16="http://schemas.microsoft.com/office/drawing/2014/main" id="{6C63A41B-70C9-B5B0-BF8E-E03862074596}"/>
+                    </a:ext>
+                  </a:extLst>
+                </p:cNvPr>
+                <p:cNvSpPr txBox="1">
+                  <a:spLocks noRot="1" noChangeAspect="1" noMove="1" noResize="1" noEditPoints="1" noAdjustHandles="1" noChangeArrowheads="1" noChangeShapeType="1" noTextEdit="1"/>
+                </p:cNvSpPr>
+                <p:nvPr/>
+              </p:nvSpPr>
+              <p:spPr>
+                <a:xfrm>
+                  <a:off x="4038027" y="1475134"/>
+                  <a:ext cx="2314005" cy="848566"/>
+                </a:xfrm>
+                <a:prstGeom prst="rect">
+                  <a:avLst/>
+                </a:prstGeom>
+                <a:blipFill>
+                  <a:blip r:embed="rId2"/>
+                  <a:stretch>
+                    <a:fillRect t="-98529" b="-152941"/>
+                  </a:stretch>
+                </a:blipFill>
+              </p:spPr>
+              <p:txBody>
+                <a:bodyPr/>
+                <a:lstStyle/>
+                <a:p>
+                  <a:r>
+                    <a:rPr lang="en-US">
+                      <a:noFill/>
+                    </a:rPr>
+                    <a:t> </a:t>
+                  </a:r>
+                </a:p>
+              </p:txBody>
+            </p:sp>
+          </mc:Fallback>
+        </mc:AlternateContent>
+        <p:grpSp>
+          <p:nvGrpSpPr>
+            <p:cNvPr id="30" name="Group 29">
+              <a:extLst>
+                <a:ext uri="{FF2B5EF4-FFF2-40B4-BE49-F238E27FC236}">
+                  <a16:creationId xmlns:a16="http://schemas.microsoft.com/office/drawing/2014/main" id="{3231FB39-6B9E-487A-BC3A-4F638FC3E8F8}"/>
+                </a:ext>
+              </a:extLst>
+            </p:cNvPr>
+            <p:cNvGrpSpPr/>
+            <p:nvPr/>
+          </p:nvGrpSpPr>
+          <p:grpSpPr>
+            <a:xfrm>
+              <a:off x="3375666" y="1475134"/>
+              <a:ext cx="2319544" cy="1499714"/>
+              <a:chOff x="3375666" y="1475134"/>
+              <a:chExt cx="2319544" cy="1499714"/>
+            </a:xfrm>
+          </p:grpSpPr>
+          <p:sp>
+            <p:nvSpPr>
+              <p:cNvPr id="5" name="TextBox 4">
+                <a:extLst>
+                  <a:ext uri="{FF2B5EF4-FFF2-40B4-BE49-F238E27FC236}">
+                    <a16:creationId xmlns:a16="http://schemas.microsoft.com/office/drawing/2014/main" id="{6141308C-0CD8-919C-557C-BD67F71A9D8C}"/>
+                  </a:ext>
+                </a:extLst>
+              </p:cNvPr>
+              <p:cNvSpPr txBox="1"/>
+              <p:nvPr/>
+            </p:nvSpPr>
+            <p:spPr>
+              <a:xfrm>
+                <a:off x="4340352" y="2426208"/>
+                <a:ext cx="1354858" cy="369332"/>
+              </a:xfrm>
+              <a:prstGeom prst="rect">
+                <a:avLst/>
+              </a:prstGeom>
+              <a:noFill/>
+            </p:spPr>
+            <p:txBody>
+              <a:bodyPr wrap="none" rtlCol="0">
+                <a:spAutoFit/>
+              </a:bodyPr>
+              <a:lstStyle/>
+              <a:p>
+                <a:r>
+                  <a:rPr lang="en-US" dirty="0">
+                    <a:latin typeface="Cambria Math" panose="02040503050406030204" pitchFamily="18" charset="0"/>
+                    <a:ea typeface="Cambria Math" panose="02040503050406030204" pitchFamily="18" charset="0"/>
+                  </a:rPr>
+                  <a:t>0 otherwise</a:t>
+                </a:r>
+              </a:p>
+            </p:txBody>
+          </p:sp>
+          <p:sp>
+            <p:nvSpPr>
+              <p:cNvPr id="6" name="Left Brace 5">
+                <a:extLst>
+                  <a:ext uri="{FF2B5EF4-FFF2-40B4-BE49-F238E27FC236}">
+                    <a16:creationId xmlns:a16="http://schemas.microsoft.com/office/drawing/2014/main" id="{F2A96F9F-521D-08F0-F2D9-0974CB5C06F3}"/>
+                  </a:ext>
+                </a:extLst>
+              </p:cNvPr>
+              <p:cNvSpPr/>
+              <p:nvPr/>
+            </p:nvSpPr>
+            <p:spPr>
+              <a:xfrm>
+                <a:off x="4038027" y="1475134"/>
+                <a:ext cx="424245" cy="1499714"/>
+              </a:xfrm>
+              <a:prstGeom prst="leftBrace">
+                <a:avLst/>
+              </a:prstGeom>
+              <a:noFill/>
+              <a:ln w="9525">
+                <a:solidFill>
+                  <a:schemeClr val="tx1"/>
+                </a:solidFill>
+              </a:ln>
+            </p:spPr>
+            <p:style>
+              <a:lnRef idx="2">
+                <a:schemeClr val="accent1"/>
+              </a:lnRef>
+              <a:fillRef idx="0">
+                <a:schemeClr val="accent1"/>
+              </a:fillRef>
+              <a:effectRef idx="1">
+                <a:schemeClr val="accent1"/>
+              </a:effectRef>
+              <a:fontRef idx="minor">
+                <a:schemeClr val="tx1"/>
+              </a:fontRef>
+            </p:style>
+            <p:txBody>
+              <a:bodyPr rtlCol="0" anchor="ctr"/>
+              <a:lstStyle/>
+              <a:p>
+                <a:pPr algn="ctr"/>
+                <a:endParaRPr lang="en-US"/>
+              </a:p>
+            </p:txBody>
+          </p:sp>
+          <p:sp>
+            <p:nvSpPr>
+              <p:cNvPr id="7" name="TextBox 6">
+                <a:extLst>
+                  <a:ext uri="{FF2B5EF4-FFF2-40B4-BE49-F238E27FC236}">
+                    <a16:creationId xmlns:a16="http://schemas.microsoft.com/office/drawing/2014/main" id="{324A1F29-7992-F62E-EE40-6B6FBBB2E9F3}"/>
+                  </a:ext>
+                </a:extLst>
+              </p:cNvPr>
+              <p:cNvSpPr txBox="1"/>
+              <p:nvPr/>
+            </p:nvSpPr>
+            <p:spPr>
+              <a:xfrm>
+                <a:off x="3375666" y="2030006"/>
+                <a:ext cx="662361" cy="369332"/>
+              </a:xfrm>
+              <a:prstGeom prst="rect">
+                <a:avLst/>
+              </a:prstGeom>
+              <a:noFill/>
+            </p:spPr>
+            <p:txBody>
+              <a:bodyPr wrap="none" rtlCol="0">
+                <a:spAutoFit/>
+              </a:bodyPr>
+              <a:lstStyle/>
+              <a:p>
+                <a:r>
+                  <a:rPr lang="en-US" i="1" dirty="0">
+                    <a:latin typeface="Cambria Math" panose="02040503050406030204" pitchFamily="18" charset="0"/>
+                    <a:ea typeface="Cambria Math" panose="02040503050406030204" pitchFamily="18" charset="0"/>
+                  </a:rPr>
+                  <a:t>O</a:t>
+                </a:r>
+                <a:r>
+                  <a:rPr lang="en-US" dirty="0">
+                    <a:latin typeface="Cambria Math" panose="02040503050406030204" pitchFamily="18" charset="0"/>
+                    <a:ea typeface="Cambria Math" panose="02040503050406030204" pitchFamily="18" charset="0"/>
+                  </a:rPr>
+                  <a:t>  = </a:t>
+                </a:r>
+              </a:p>
+            </p:txBody>
+          </p:sp>
+        </p:grpSp>
+      </p:grpSp>
+      <mc:AlternateContent xmlns:mc="http://schemas.openxmlformats.org/markup-compatibility/2006">
+        <mc:Choice xmlns:a14="http://schemas.microsoft.com/office/drawing/2010/main" Requires="a14">
+          <p:sp>
+            <p:nvSpPr>
+              <p:cNvPr id="8" name="TextBox 7">
+                <a:extLst>
+                  <a:ext uri="{FF2B5EF4-FFF2-40B4-BE49-F238E27FC236}">
+                    <a16:creationId xmlns:a16="http://schemas.microsoft.com/office/drawing/2014/main" id="{C455E545-E089-D613-1529-1CD001518CA8}"/>
+                  </a:ext>
+                </a:extLst>
+              </p:cNvPr>
+              <p:cNvSpPr txBox="1"/>
+              <p:nvPr/>
+            </p:nvSpPr>
+            <p:spPr>
+              <a:xfrm>
+                <a:off x="708475" y="4346615"/>
+                <a:ext cx="2815115" cy="369332"/>
+              </a:xfrm>
+              <a:prstGeom prst="rect">
+                <a:avLst/>
+              </a:prstGeom>
+              <a:noFill/>
+            </p:spPr>
+            <p:txBody>
+              <a:bodyPr wrap="square">
+                <a:spAutoFit/>
+              </a:bodyPr>
+              <a:lstStyle/>
+              <a:p>
+                <a:pPr/>
+                <a14:m>
+                  <m:oMathPara xmlns:m="http://schemas.openxmlformats.org/officeDocument/2006/math">
+                    <m:oMathParaPr>
+                      <m:jc m:val="centerGroup"/>
+                    </m:oMathParaPr>
+                    <m:oMath xmlns:m="http://schemas.openxmlformats.org/officeDocument/2006/math">
+                      <m:r>
+                        <a:rPr lang="en-GB" sz="1800" b="0" i="1" smtClean="0">
+                          <a:latin typeface="Cambria Math" panose="02040503050406030204" pitchFamily="18" charset="0"/>
+                        </a:rPr>
+                        <m:t>1 </m:t>
+                      </m:r>
+                      <m:r>
+                        <m:rPr>
+                          <m:sty m:val="p"/>
+                        </m:rPr>
+                        <a:rPr lang="en-GB" sz="1800" b="0" i="0" smtClean="0">
+                          <a:latin typeface="Cambria Math" panose="02040503050406030204" pitchFamily="18" charset="0"/>
+                        </a:rPr>
+                        <m:t>if</m:t>
+                      </m:r>
+                      <m:r>
+                        <a:rPr lang="en-GB" sz="1800" b="0" i="1" smtClean="0">
+                          <a:latin typeface="Cambria Math" panose="02040503050406030204" pitchFamily="18" charset="0"/>
+                        </a:rPr>
+                        <m:t> </m:t>
+                      </m:r>
+                      <m:r>
+                        <a:rPr lang="en-GB" sz="1800" b="0" i="1" smtClean="0">
+                          <a:latin typeface="Cambria Math" panose="02040503050406030204" pitchFamily="18" charset="0"/>
+                        </a:rPr>
+                        <m:t>𝑏</m:t>
+                      </m:r>
+                      <m:r>
+                        <a:rPr lang="en-GB" sz="1800" b="0" i="1" smtClean="0">
+                          <a:latin typeface="Cambria Math" panose="02040503050406030204" pitchFamily="18" charset="0"/>
+                        </a:rPr>
+                        <m:t>+</m:t>
+                      </m:r>
+                      <m:sSub>
+                        <m:sSubPr>
+                          <m:ctrlPr>
+                            <a:rPr lang="en-GB" i="1">
+                              <a:latin typeface="Cambria Math" panose="02040503050406030204" pitchFamily="18" charset="0"/>
+                            </a:rPr>
+                          </m:ctrlPr>
+                        </m:sSubPr>
+                        <m:e>
+                          <m:r>
+                            <a:rPr lang="en-GB" i="1">
+                              <a:latin typeface="Cambria Math" panose="02040503050406030204" pitchFamily="18" charset="0"/>
+                            </a:rPr>
+                            <m:t>𝑤</m:t>
+                          </m:r>
+                        </m:e>
+                        <m:sub>
+                          <m:r>
+                            <a:rPr lang="en-GB" b="0" i="1" smtClean="0">
+                              <a:latin typeface="Cambria Math" panose="02040503050406030204" pitchFamily="18" charset="0"/>
+                            </a:rPr>
+                            <m:t>1</m:t>
+                          </m:r>
+                        </m:sub>
+                      </m:sSub>
+                      <m:sSub>
+                        <m:sSubPr>
+                          <m:ctrlPr>
+                            <a:rPr lang="en-GB" i="1">
+                              <a:latin typeface="Cambria Math" panose="02040503050406030204" pitchFamily="18" charset="0"/>
+                            </a:rPr>
+                          </m:ctrlPr>
+                        </m:sSubPr>
+                        <m:e>
+                          <m:r>
+                            <a:rPr lang="en-GB" i="1">
+                              <a:latin typeface="Cambria Math" panose="02040503050406030204" pitchFamily="18" charset="0"/>
+                            </a:rPr>
+                            <m:t>𝑥</m:t>
+                          </m:r>
+                        </m:e>
+                        <m:sub>
+                          <m:r>
+                            <a:rPr lang="en-GB" b="0" i="1" smtClean="0">
+                              <a:latin typeface="Cambria Math" panose="02040503050406030204" pitchFamily="18" charset="0"/>
+                            </a:rPr>
+                            <m:t>1</m:t>
+                          </m:r>
+                        </m:sub>
+                      </m:sSub>
+                      <m:r>
+                        <a:rPr lang="en-GB" sz="1800" b="0" i="1" smtClean="0">
+                          <a:latin typeface="Cambria Math" panose="02040503050406030204" pitchFamily="18" charset="0"/>
+                        </a:rPr>
+                        <m:t>+</m:t>
+                      </m:r>
+                      <m:sSub>
+                        <m:sSubPr>
+                          <m:ctrlPr>
+                            <a:rPr lang="en-GB" i="1">
+                              <a:latin typeface="Cambria Math" panose="02040503050406030204" pitchFamily="18" charset="0"/>
+                            </a:rPr>
+                          </m:ctrlPr>
+                        </m:sSubPr>
+                        <m:e>
+                          <m:r>
+                            <a:rPr lang="en-GB" i="1">
+                              <a:latin typeface="Cambria Math" panose="02040503050406030204" pitchFamily="18" charset="0"/>
+                            </a:rPr>
+                            <m:t>𝑤</m:t>
+                          </m:r>
+                        </m:e>
+                        <m:sub>
+                          <m:r>
+                            <a:rPr lang="en-GB" b="0" i="1" smtClean="0">
+                              <a:latin typeface="Cambria Math" panose="02040503050406030204" pitchFamily="18" charset="0"/>
+                            </a:rPr>
+                            <m:t>2</m:t>
+                          </m:r>
+                        </m:sub>
+                      </m:sSub>
+                      <m:sSub>
+                        <m:sSubPr>
+                          <m:ctrlPr>
+                            <a:rPr lang="en-GB" i="1">
+                              <a:latin typeface="Cambria Math" panose="02040503050406030204" pitchFamily="18" charset="0"/>
+                            </a:rPr>
+                          </m:ctrlPr>
+                        </m:sSubPr>
+                        <m:e>
+                          <m:r>
+                            <a:rPr lang="en-GB" i="1">
+                              <a:latin typeface="Cambria Math" panose="02040503050406030204" pitchFamily="18" charset="0"/>
+                            </a:rPr>
+                            <m:t>𝑥</m:t>
+                          </m:r>
+                        </m:e>
+                        <m:sub>
+                          <m:r>
+                            <a:rPr lang="en-GB" b="0" i="1" smtClean="0">
+                              <a:latin typeface="Cambria Math" panose="02040503050406030204" pitchFamily="18" charset="0"/>
+                            </a:rPr>
+                            <m:t>2</m:t>
+                          </m:r>
+                        </m:sub>
+                      </m:sSub>
+                      <m:r>
+                        <a:rPr lang="en-GB" b="0" i="1" smtClean="0">
+                          <a:latin typeface="Cambria Math" panose="02040503050406030204" pitchFamily="18" charset="0"/>
+                        </a:rPr>
+                        <m:t>&gt;0</m:t>
+                      </m:r>
+                    </m:oMath>
+                  </m:oMathPara>
+                </a14:m>
+                <a:endParaRPr lang="en-US" dirty="0"/>
+              </a:p>
+            </p:txBody>
+          </p:sp>
+        </mc:Choice>
+        <mc:Fallback>
+          <p:sp>
+            <p:nvSpPr>
+              <p:cNvPr id="8" name="TextBox 7">
+                <a:extLst>
+                  <a:ext uri="{FF2B5EF4-FFF2-40B4-BE49-F238E27FC236}">
+                    <a16:creationId xmlns:a16="http://schemas.microsoft.com/office/drawing/2014/main" id="{C455E545-E089-D613-1529-1CD001518CA8}"/>
+                  </a:ext>
+                </a:extLst>
+              </p:cNvPr>
+              <p:cNvSpPr txBox="1">
+                <a:spLocks noRot="1" noChangeAspect="1" noMove="1" noResize="1" noEditPoints="1" noAdjustHandles="1" noChangeArrowheads="1" noChangeShapeType="1" noTextEdit="1"/>
+              </p:cNvSpPr>
+              <p:nvPr/>
+            </p:nvSpPr>
+            <p:spPr>
+              <a:xfrm>
+                <a:off x="708475" y="4346615"/>
+                <a:ext cx="2815115" cy="369332"/>
+              </a:xfrm>
+              <a:prstGeom prst="rect">
+                <a:avLst/>
+              </a:prstGeom>
+              <a:blipFill>
+                <a:blip r:embed="rId3"/>
+                <a:stretch>
+                  <a:fillRect b="-16667"/>
+                </a:stretch>
+              </a:blipFill>
+            </p:spPr>
+            <p:txBody>
+              <a:bodyPr/>
+              <a:lstStyle/>
+              <a:p>
+                <a:r>
+                  <a:rPr lang="en-US">
+                    <a:noFill/>
+                  </a:rPr>
+                  <a:t> </a:t>
+                </a:r>
+              </a:p>
+            </p:txBody>
+          </p:sp>
+        </mc:Fallback>
+      </mc:AlternateContent>
+      <p:grpSp>
+        <p:nvGrpSpPr>
+          <p:cNvPr id="9" name="Group 8">
+            <a:extLst>
+              <a:ext uri="{FF2B5EF4-FFF2-40B4-BE49-F238E27FC236}">
+                <a16:creationId xmlns:a16="http://schemas.microsoft.com/office/drawing/2014/main" id="{3C063215-FAB0-848D-DD72-076F38CF72FC}"/>
+              </a:ext>
+            </a:extLst>
+          </p:cNvPr>
+          <p:cNvGrpSpPr/>
+          <p:nvPr/>
+        </p:nvGrpSpPr>
+        <p:grpSpPr>
+          <a:xfrm>
+            <a:off x="5786990" y="1329642"/>
+            <a:ext cx="3387900" cy="3261419"/>
+            <a:chOff x="305330" y="985050"/>
+            <a:chExt cx="3387900" cy="3261419"/>
           </a:xfrm>
         </p:grpSpPr>
         <p:sp>
           <p:nvSpPr>
-            <p:cNvPr id="35" name="Oval 34">
+            <p:cNvPr id="10" name="Rectangle 9">
               <a:extLst>
                 <a:ext uri="{FF2B5EF4-FFF2-40B4-BE49-F238E27FC236}">
-                  <a16:creationId xmlns:a16="http://schemas.microsoft.com/office/drawing/2014/main" id="{893D5785-539F-2857-A754-1DEA2711E77B}"/>
+                  <a16:creationId xmlns:a16="http://schemas.microsoft.com/office/drawing/2014/main" id="{CCC0EAC2-EE56-C020-7F3F-9CED18D6946A}"/>
                 </a:ext>
               </a:extLst>
             </p:cNvPr>
@@ -24628,15 +28898,13 @@
           </p:nvSpPr>
           <p:spPr>
             <a:xfrm>
-              <a:off x="2243138" y="5303424"/>
-              <a:ext cx="380506" cy="380506"/>
+              <a:off x="775504" y="1107365"/>
+              <a:ext cx="2743200" cy="2743200"/>
             </a:xfrm>
-            <a:prstGeom prst="ellipse">
+            <a:prstGeom prst="rect">
               <a:avLst/>
             </a:prstGeom>
-            <a:solidFill>
-              <a:schemeClr val="bg1"/>
-            </a:solidFill>
+            <a:noFill/>
             <a:ln>
               <a:solidFill>
                 <a:schemeClr val="tx1"/>
@@ -24674,10 +28942,10 @@
         </p:sp>
         <p:sp>
           <p:nvSpPr>
-            <p:cNvPr id="36" name="Oval 35">
+            <p:cNvPr id="11" name="Oval 10">
               <a:extLst>
                 <a:ext uri="{FF2B5EF4-FFF2-40B4-BE49-F238E27FC236}">
-                  <a16:creationId xmlns:a16="http://schemas.microsoft.com/office/drawing/2014/main" id="{C21318A4-671B-992E-35A4-340D631493BD}"/>
+                  <a16:creationId xmlns:a16="http://schemas.microsoft.com/office/drawing/2014/main" id="{A233DECB-E6A2-71B6-55BB-33E390A2E34F}"/>
                 </a:ext>
               </a:extLst>
             </p:cNvPr>
@@ -24686,19 +28954,17 @@
           </p:nvSpPr>
           <p:spPr>
             <a:xfrm>
-              <a:off x="2243138" y="6013553"/>
-              <a:ext cx="380506" cy="380506"/>
+              <a:off x="2824220" y="1419881"/>
+              <a:ext cx="150471" cy="150471"/>
             </a:xfrm>
             <a:prstGeom prst="ellipse">
               <a:avLst/>
             </a:prstGeom>
             <a:solidFill>
-              <a:schemeClr val="bg1"/>
+              <a:schemeClr val="accent6"/>
             </a:solidFill>
             <a:ln>
-              <a:solidFill>
-                <a:schemeClr val="tx1"/>
-              </a:solidFill>
+              <a:noFill/>
             </a:ln>
             <a:effectLst/>
           </p:spPr>
@@ -24732,10 +28998,10 @@
         </p:sp>
         <p:sp>
           <p:nvSpPr>
-            <p:cNvPr id="37" name="Oval 36">
+            <p:cNvPr id="12" name="Oval 11">
               <a:extLst>
                 <a:ext uri="{FF2B5EF4-FFF2-40B4-BE49-F238E27FC236}">
-                  <a16:creationId xmlns:a16="http://schemas.microsoft.com/office/drawing/2014/main" id="{EEAE5882-1313-36A4-0BEF-3685C6837548}"/>
+                  <a16:creationId xmlns:a16="http://schemas.microsoft.com/office/drawing/2014/main" id="{0226B641-72B7-7A11-3222-40BED3E09D3C}"/>
                 </a:ext>
               </a:extLst>
             </p:cNvPr>
@@ -24744,19 +29010,17 @@
           </p:nvSpPr>
           <p:spPr>
             <a:xfrm>
-              <a:off x="3667139" y="5298658"/>
-              <a:ext cx="380506" cy="380506"/>
+              <a:off x="2976620" y="1572281"/>
+              <a:ext cx="150471" cy="150471"/>
             </a:xfrm>
             <a:prstGeom prst="ellipse">
               <a:avLst/>
             </a:prstGeom>
             <a:solidFill>
-              <a:schemeClr val="bg1"/>
+              <a:schemeClr val="accent6"/>
             </a:solidFill>
             <a:ln>
-              <a:solidFill>
-                <a:schemeClr val="tx1"/>
-              </a:solidFill>
+              <a:noFill/>
             </a:ln>
             <a:effectLst/>
           </p:spPr>
@@ -24790,10 +29054,10 @@
         </p:sp>
         <p:sp>
           <p:nvSpPr>
-            <p:cNvPr id="38" name="Oval 37">
+            <p:cNvPr id="13" name="Oval 12">
               <a:extLst>
                 <a:ext uri="{FF2B5EF4-FFF2-40B4-BE49-F238E27FC236}">
-                  <a16:creationId xmlns:a16="http://schemas.microsoft.com/office/drawing/2014/main" id="{2582E5C5-5FA2-3B93-B4B7-FAE8EAD254E9}"/>
+                  <a16:creationId xmlns:a16="http://schemas.microsoft.com/office/drawing/2014/main" id="{915C7108-52BC-1243-C935-E5153294A9E2}"/>
                 </a:ext>
               </a:extLst>
             </p:cNvPr>
@@ -24802,19 +29066,17 @@
           </p:nvSpPr>
           <p:spPr>
             <a:xfrm>
-              <a:off x="3667139" y="6008787"/>
-              <a:ext cx="380506" cy="380506"/>
+              <a:off x="976132" y="1312379"/>
+              <a:ext cx="150471" cy="150471"/>
             </a:xfrm>
             <a:prstGeom prst="ellipse">
               <a:avLst/>
             </a:prstGeom>
             <a:solidFill>
-              <a:schemeClr val="bg1"/>
+              <a:schemeClr val="accent1"/>
             </a:solidFill>
             <a:ln>
-              <a:solidFill>
-                <a:schemeClr val="tx1"/>
-              </a:solidFill>
+              <a:noFill/>
             </a:ln>
             <a:effectLst/>
           </p:spPr>
@@ -24848,10 +29110,10 @@
         </p:sp>
         <p:sp>
           <p:nvSpPr>
-            <p:cNvPr id="39" name="Oval 38">
+            <p:cNvPr id="14" name="Oval 13">
               <a:extLst>
                 <a:ext uri="{FF2B5EF4-FFF2-40B4-BE49-F238E27FC236}">
-                  <a16:creationId xmlns:a16="http://schemas.microsoft.com/office/drawing/2014/main" id="{FE55F47E-CCC6-1E03-5EBE-7037391F8110}"/>
+                  <a16:creationId xmlns:a16="http://schemas.microsoft.com/office/drawing/2014/main" id="{24CF8A8F-29CA-51CA-59D1-ECAD857A1221}"/>
                 </a:ext>
               </a:extLst>
             </p:cNvPr>
@@ -24860,19 +29122,17 @@
           </p:nvSpPr>
           <p:spPr>
             <a:xfrm>
-              <a:off x="2951402" y="4917276"/>
-              <a:ext cx="380506" cy="380506"/>
+              <a:off x="900896" y="3520685"/>
+              <a:ext cx="150471" cy="150471"/>
             </a:xfrm>
             <a:prstGeom prst="ellipse">
               <a:avLst/>
             </a:prstGeom>
             <a:solidFill>
-              <a:schemeClr val="bg1"/>
+              <a:schemeClr val="accent1"/>
             </a:solidFill>
             <a:ln>
-              <a:solidFill>
-                <a:schemeClr val="tx1"/>
-              </a:solidFill>
+              <a:noFill/>
             </a:ln>
             <a:effectLst/>
           </p:spPr>
@@ -24906,10 +29166,10 @@
         </p:sp>
         <p:sp>
           <p:nvSpPr>
-            <p:cNvPr id="40" name="Oval 39">
+            <p:cNvPr id="15" name="Oval 14">
               <a:extLst>
                 <a:ext uri="{FF2B5EF4-FFF2-40B4-BE49-F238E27FC236}">
-                  <a16:creationId xmlns:a16="http://schemas.microsoft.com/office/drawing/2014/main" id="{3FEC6F94-0DC8-690B-9603-0A9CA0D645A5}"/>
+                  <a16:creationId xmlns:a16="http://schemas.microsoft.com/office/drawing/2014/main" id="{AEA2B929-F390-A3B6-B63D-75D8863255E3}"/>
                 </a:ext>
               </a:extLst>
             </p:cNvPr>
@@ -24918,19 +29178,17 @@
           </p:nvSpPr>
           <p:spPr>
             <a:xfrm>
-              <a:off x="2951402" y="6389293"/>
-              <a:ext cx="380506" cy="380506"/>
+              <a:off x="3127091" y="3520685"/>
+              <a:ext cx="150471" cy="150471"/>
             </a:xfrm>
             <a:prstGeom prst="ellipse">
               <a:avLst/>
             </a:prstGeom>
             <a:solidFill>
-              <a:schemeClr val="bg1"/>
+              <a:schemeClr val="accent1"/>
             </a:solidFill>
             <a:ln>
-              <a:solidFill>
-                <a:schemeClr val="tx1"/>
-              </a:solidFill>
+              <a:noFill/>
             </a:ln>
             <a:effectLst/>
           </p:spPr>
@@ -24964,580 +29222,378 @@
         </p:sp>
         <p:sp>
           <p:nvSpPr>
-            <p:cNvPr id="41" name="Oval 40">
+            <p:cNvPr id="16" name="TextBox 15">
               <a:extLst>
                 <a:ext uri="{FF2B5EF4-FFF2-40B4-BE49-F238E27FC236}">
-                  <a16:creationId xmlns:a16="http://schemas.microsoft.com/office/drawing/2014/main" id="{7A060090-4D3E-6B71-EF09-A30119F1C8AB}"/>
+                  <a16:creationId xmlns:a16="http://schemas.microsoft.com/office/drawing/2014/main" id="{6073AD82-1314-17D7-FD13-5E78859DCEFD}"/>
                 </a:ext>
               </a:extLst>
             </p:cNvPr>
-            <p:cNvSpPr/>
+            <p:cNvSpPr txBox="1"/>
             <p:nvPr/>
           </p:nvSpPr>
           <p:spPr>
             <a:xfrm>
-              <a:off x="2946637" y="5669756"/>
-              <a:ext cx="380506" cy="380506"/>
+              <a:off x="2899455" y="1201020"/>
+              <a:ext cx="558166" cy="369332"/>
             </a:xfrm>
-            <a:prstGeom prst="ellipse">
+            <a:prstGeom prst="rect">
               <a:avLst/>
             </a:prstGeom>
-            <a:solidFill>
-              <a:schemeClr val="bg1"/>
-            </a:solidFill>
-            <a:ln>
-              <a:solidFill>
-                <a:schemeClr val="tx1"/>
-              </a:solidFill>
-            </a:ln>
-            <a:effectLst/>
+            <a:noFill/>
           </p:spPr>
-          <p:style>
-            <a:lnRef idx="1">
-              <a:schemeClr val="accent1"/>
-            </a:lnRef>
-            <a:fillRef idx="3">
-              <a:schemeClr val="accent1"/>
-            </a:fillRef>
-            <a:effectRef idx="2">
-              <a:schemeClr val="accent1"/>
-            </a:effectRef>
-            <a:fontRef idx="minor">
-              <a:schemeClr val="lt1"/>
-            </a:fontRef>
-          </p:style>
           <p:txBody>
-            <a:bodyPr rtlCol="0" anchor="t" anchorCtr="0"/>
+            <a:bodyPr wrap="none" rtlCol="0">
+              <a:spAutoFit/>
+            </a:bodyPr>
             <a:lstStyle/>
             <a:p>
-              <a:pPr algn="l"/>
-              <a:endParaRPr lang="en-US" sz="1400" b="1" dirty="0">
-                <a:solidFill>
-                  <a:schemeClr val="tx1"/>
-                </a:solidFill>
-                <a:cs typeface="Georgia"/>
-              </a:endParaRPr>
+              <a:r>
+                <a:rPr lang="en-US" dirty="0"/>
+                <a:t>Dog</a:t>
+              </a:r>
+            </a:p>
+          </p:txBody>
+        </p:sp>
+        <p:sp>
+          <p:nvSpPr>
+            <p:cNvPr id="17" name="TextBox 16">
+              <a:extLst>
+                <a:ext uri="{FF2B5EF4-FFF2-40B4-BE49-F238E27FC236}">
+                  <a16:creationId xmlns:a16="http://schemas.microsoft.com/office/drawing/2014/main" id="{CFB3C5EF-01C4-7955-5C22-0EC0031E0C3C}"/>
+                </a:ext>
+              </a:extLst>
+            </p:cNvPr>
+            <p:cNvSpPr txBox="1"/>
+            <p:nvPr/>
+          </p:nvSpPr>
+          <p:spPr>
+            <a:xfrm>
+              <a:off x="3072726" y="1462850"/>
+              <a:ext cx="493533" cy="369332"/>
+            </a:xfrm>
+            <a:prstGeom prst="rect">
+              <a:avLst/>
+            </a:prstGeom>
+            <a:noFill/>
+          </p:spPr>
+          <p:txBody>
+            <a:bodyPr wrap="none" rtlCol="0">
+              <a:spAutoFit/>
+            </a:bodyPr>
+            <a:lstStyle/>
+            <a:p>
+              <a:r>
+                <a:rPr lang="en-US" dirty="0"/>
+                <a:t>Cat</a:t>
+              </a:r>
+            </a:p>
+          </p:txBody>
+        </p:sp>
+        <p:sp>
+          <p:nvSpPr>
+            <p:cNvPr id="18" name="TextBox 17">
+              <a:extLst>
+                <a:ext uri="{FF2B5EF4-FFF2-40B4-BE49-F238E27FC236}">
+                  <a16:creationId xmlns:a16="http://schemas.microsoft.com/office/drawing/2014/main" id="{9279E302-D836-3155-1DBD-D17468AB858C}"/>
+                </a:ext>
+              </a:extLst>
+            </p:cNvPr>
+            <p:cNvSpPr txBox="1"/>
+            <p:nvPr/>
+          </p:nvSpPr>
+          <p:spPr>
+            <a:xfrm>
+              <a:off x="1670563" y="3877137"/>
+              <a:ext cx="953081" cy="369332"/>
+            </a:xfrm>
+            <a:prstGeom prst="rect">
+              <a:avLst/>
+            </a:prstGeom>
+            <a:noFill/>
+          </p:spPr>
+          <p:txBody>
+            <a:bodyPr wrap="none" rtlCol="0">
+              <a:spAutoFit/>
+            </a:bodyPr>
+            <a:lstStyle/>
+            <a:p>
+              <a:r>
+                <a:rPr lang="en-US" dirty="0"/>
+                <a:t>Lactates</a:t>
+              </a:r>
+            </a:p>
+          </p:txBody>
+        </p:sp>
+        <p:sp>
+          <p:nvSpPr>
+            <p:cNvPr id="19" name="TextBox 18">
+              <a:extLst>
+                <a:ext uri="{FF2B5EF4-FFF2-40B4-BE49-F238E27FC236}">
+                  <a16:creationId xmlns:a16="http://schemas.microsoft.com/office/drawing/2014/main" id="{D5FE35BF-5E0C-D332-A4A9-437D32F554C4}"/>
+                </a:ext>
+              </a:extLst>
+            </p:cNvPr>
+            <p:cNvSpPr txBox="1"/>
+            <p:nvPr/>
+          </p:nvSpPr>
+          <p:spPr>
+            <a:xfrm rot="16200000">
+              <a:off x="-28672" y="2324867"/>
+              <a:ext cx="1037335" cy="369332"/>
+            </a:xfrm>
+            <a:prstGeom prst="rect">
+              <a:avLst/>
+            </a:prstGeom>
+            <a:noFill/>
+          </p:spPr>
+          <p:txBody>
+            <a:bodyPr wrap="none" rtlCol="0">
+              <a:spAutoFit/>
+            </a:bodyPr>
+            <a:lstStyle/>
+            <a:p>
+              <a:r>
+                <a:rPr lang="en-US" dirty="0"/>
+                <a:t>Placental</a:t>
+              </a:r>
+            </a:p>
+          </p:txBody>
+        </p:sp>
+        <p:sp>
+          <p:nvSpPr>
+            <p:cNvPr id="20" name="TextBox 19">
+              <a:extLst>
+                <a:ext uri="{FF2B5EF4-FFF2-40B4-BE49-F238E27FC236}">
+                  <a16:creationId xmlns:a16="http://schemas.microsoft.com/office/drawing/2014/main" id="{CB7571C0-2C49-FF9F-6AA3-B99C858B5E0F}"/>
+                </a:ext>
+              </a:extLst>
+            </p:cNvPr>
+            <p:cNvSpPr txBox="1"/>
+            <p:nvPr/>
+          </p:nvSpPr>
+          <p:spPr>
+            <a:xfrm>
+              <a:off x="990755" y="3411254"/>
+              <a:ext cx="732316" cy="369332"/>
+            </a:xfrm>
+            <a:prstGeom prst="rect">
+              <a:avLst/>
+            </a:prstGeom>
+            <a:noFill/>
+          </p:spPr>
+          <p:txBody>
+            <a:bodyPr wrap="none" rtlCol="0">
+              <a:spAutoFit/>
+            </a:bodyPr>
+            <a:lstStyle/>
+            <a:p>
+              <a:r>
+                <a:rPr lang="en-US" dirty="0"/>
+                <a:t>Lizard</a:t>
+              </a:r>
+            </a:p>
+          </p:txBody>
+        </p:sp>
+        <p:sp>
+          <p:nvSpPr>
+            <p:cNvPr id="21" name="TextBox 20">
+              <a:extLst>
+                <a:ext uri="{FF2B5EF4-FFF2-40B4-BE49-F238E27FC236}">
+                  <a16:creationId xmlns:a16="http://schemas.microsoft.com/office/drawing/2014/main" id="{B66D428C-0EB1-B613-237F-A05E67837729}"/>
+                </a:ext>
+              </a:extLst>
+            </p:cNvPr>
+            <p:cNvSpPr txBox="1"/>
+            <p:nvPr/>
+          </p:nvSpPr>
+          <p:spPr>
+            <a:xfrm>
+              <a:off x="876938" y="1402610"/>
+              <a:ext cx="1096775" cy="369332"/>
+            </a:xfrm>
+            <a:prstGeom prst="rect">
+              <a:avLst/>
+            </a:prstGeom>
+            <a:noFill/>
+          </p:spPr>
+          <p:txBody>
+            <a:bodyPr wrap="none" rtlCol="0">
+              <a:spAutoFit/>
+            </a:bodyPr>
+            <a:lstStyle/>
+            <a:p>
+              <a:r>
+                <a:rPr lang="en-US" dirty="0"/>
+                <a:t>Bull shark</a:t>
+              </a:r>
+            </a:p>
+          </p:txBody>
+        </p:sp>
+        <p:sp>
+          <p:nvSpPr>
+            <p:cNvPr id="22" name="TextBox 21">
+              <a:extLst>
+                <a:ext uri="{FF2B5EF4-FFF2-40B4-BE49-F238E27FC236}">
+                  <a16:creationId xmlns:a16="http://schemas.microsoft.com/office/drawing/2014/main" id="{40E6AE30-20FB-FA74-76AD-1F6EEE9C00AF}"/>
+                </a:ext>
+              </a:extLst>
+            </p:cNvPr>
+            <p:cNvSpPr txBox="1"/>
+            <p:nvPr/>
+          </p:nvSpPr>
+          <p:spPr>
+            <a:xfrm>
+              <a:off x="2623644" y="3166095"/>
+              <a:ext cx="822341" cy="369332"/>
+            </a:xfrm>
+            <a:prstGeom prst="rect">
+              <a:avLst/>
+            </a:prstGeom>
+            <a:noFill/>
+          </p:spPr>
+          <p:txBody>
+            <a:bodyPr wrap="none" rtlCol="0">
+              <a:spAutoFit/>
+            </a:bodyPr>
+            <a:lstStyle/>
+            <a:p>
+              <a:r>
+                <a:rPr lang="en-US" dirty="0"/>
+                <a:t>Pigeon</a:t>
+              </a:r>
+            </a:p>
+          </p:txBody>
+        </p:sp>
+        <p:sp>
+          <p:nvSpPr>
+            <p:cNvPr id="23" name="TextBox 22">
+              <a:extLst>
+                <a:ext uri="{FF2B5EF4-FFF2-40B4-BE49-F238E27FC236}">
+                  <a16:creationId xmlns:a16="http://schemas.microsoft.com/office/drawing/2014/main" id="{39478DB4-08B3-7228-A300-E78B0F79BD10}"/>
+                </a:ext>
+              </a:extLst>
+            </p:cNvPr>
+            <p:cNvSpPr txBox="1"/>
+            <p:nvPr/>
+          </p:nvSpPr>
+          <p:spPr>
+            <a:xfrm>
+              <a:off x="534104" y="3780586"/>
+              <a:ext cx="301686" cy="369332"/>
+            </a:xfrm>
+            <a:prstGeom prst="rect">
+              <a:avLst/>
+            </a:prstGeom>
+            <a:noFill/>
+          </p:spPr>
+          <p:txBody>
+            <a:bodyPr wrap="none" rtlCol="0">
+              <a:spAutoFit/>
+            </a:bodyPr>
+            <a:lstStyle/>
+            <a:p>
+              <a:r>
+                <a:rPr lang="en-US" dirty="0"/>
+                <a:t>0</a:t>
+              </a:r>
+            </a:p>
+          </p:txBody>
+        </p:sp>
+        <p:sp>
+          <p:nvSpPr>
+            <p:cNvPr id="24" name="TextBox 23">
+              <a:extLst>
+                <a:ext uri="{FF2B5EF4-FFF2-40B4-BE49-F238E27FC236}">
+                  <a16:creationId xmlns:a16="http://schemas.microsoft.com/office/drawing/2014/main" id="{2A3B2124-6700-1A6A-F37D-989F4AD1752B}"/>
+                </a:ext>
+              </a:extLst>
+            </p:cNvPr>
+            <p:cNvSpPr txBox="1"/>
+            <p:nvPr/>
+          </p:nvSpPr>
+          <p:spPr>
+            <a:xfrm>
+              <a:off x="3285794" y="3815576"/>
+              <a:ext cx="301686" cy="369332"/>
+            </a:xfrm>
+            <a:prstGeom prst="rect">
+              <a:avLst/>
+            </a:prstGeom>
+            <a:noFill/>
+          </p:spPr>
+          <p:txBody>
+            <a:bodyPr wrap="none" rtlCol="0">
+              <a:spAutoFit/>
+            </a:bodyPr>
+            <a:lstStyle/>
+            <a:p>
+              <a:r>
+                <a:rPr lang="en-US" dirty="0"/>
+                <a:t>1</a:t>
+              </a:r>
+            </a:p>
+          </p:txBody>
+        </p:sp>
+        <p:sp>
+          <p:nvSpPr>
+            <p:cNvPr id="25" name="TextBox 24">
+              <a:extLst>
+                <a:ext uri="{FF2B5EF4-FFF2-40B4-BE49-F238E27FC236}">
+                  <a16:creationId xmlns:a16="http://schemas.microsoft.com/office/drawing/2014/main" id="{8801231C-8A90-7AFD-9FA5-C66DEFF17CB4}"/>
+                </a:ext>
+              </a:extLst>
+            </p:cNvPr>
+            <p:cNvSpPr txBox="1"/>
+            <p:nvPr/>
+          </p:nvSpPr>
+          <p:spPr>
+            <a:xfrm>
+              <a:off x="412735" y="1050549"/>
+              <a:ext cx="301686" cy="369332"/>
+            </a:xfrm>
+            <a:prstGeom prst="rect">
+              <a:avLst/>
+            </a:prstGeom>
+            <a:noFill/>
+          </p:spPr>
+          <p:txBody>
+            <a:bodyPr wrap="none" rtlCol="0">
+              <a:spAutoFit/>
+            </a:bodyPr>
+            <a:lstStyle/>
+            <a:p>
+              <a:r>
+                <a:rPr lang="en-US" dirty="0"/>
+                <a:t>1</a:t>
+              </a:r>
             </a:p>
           </p:txBody>
         </p:sp>
         <p:cxnSp>
           <p:nvCxnSpPr>
-            <p:cNvPr id="43" name="Straight Connector 42">
+            <p:cNvPr id="26" name="Straight Connector 25">
               <a:extLst>
                 <a:ext uri="{FF2B5EF4-FFF2-40B4-BE49-F238E27FC236}">
-                  <a16:creationId xmlns:a16="http://schemas.microsoft.com/office/drawing/2014/main" id="{FACB9AD6-5BF0-4322-ED7A-9795115BA6AD}"/>
-                </a:ext>
-              </a:extLst>
-            </p:cNvPr>
-            <p:cNvCxnSpPr>
-              <a:stCxn id="35" idx="6"/>
-              <a:endCxn id="39" idx="2"/>
-            </p:cNvCxnSpPr>
-            <p:nvPr/>
-          </p:nvCxnSpPr>
-          <p:spPr>
-            <a:xfrm flipV="1">
-              <a:off x="2623644" y="5107529"/>
-              <a:ext cx="327758" cy="386148"/>
-            </a:xfrm>
-            <a:prstGeom prst="line">
-              <a:avLst/>
-            </a:prstGeom>
-            <a:ln w="12700">
-              <a:solidFill>
-                <a:schemeClr val="tx1"/>
-              </a:solidFill>
-            </a:ln>
-          </p:spPr>
-          <p:style>
-            <a:lnRef idx="2">
-              <a:schemeClr val="accent1"/>
-            </a:lnRef>
-            <a:fillRef idx="0">
-              <a:schemeClr val="accent1"/>
-            </a:fillRef>
-            <a:effectRef idx="1">
-              <a:schemeClr val="accent1"/>
-            </a:effectRef>
-            <a:fontRef idx="minor">
-              <a:schemeClr val="tx1"/>
-            </a:fontRef>
-          </p:style>
-        </p:cxnSp>
-        <p:cxnSp>
-          <p:nvCxnSpPr>
-            <p:cNvPr id="44" name="Straight Connector 43">
-              <a:extLst>
-                <a:ext uri="{FF2B5EF4-FFF2-40B4-BE49-F238E27FC236}">
-                  <a16:creationId xmlns:a16="http://schemas.microsoft.com/office/drawing/2014/main" id="{1CD4A98F-C1EB-6E3F-E9EB-AC779697C1B0}"/>
+                  <a16:creationId xmlns:a16="http://schemas.microsoft.com/office/drawing/2014/main" id="{D794121E-40A8-8969-A3FD-0536BAF0FB69}"/>
                 </a:ext>
               </a:extLst>
             </p:cNvPr>
             <p:cNvCxnSpPr>
               <a:cxnSpLocks/>
-              <a:stCxn id="35" idx="6"/>
-              <a:endCxn id="41" idx="2"/>
             </p:cNvCxnSpPr>
             <p:nvPr/>
           </p:nvCxnSpPr>
           <p:spPr>
             <a:xfrm>
-              <a:off x="2623644" y="5493677"/>
-              <a:ext cx="322993" cy="366332"/>
+              <a:off x="1624263" y="985050"/>
+              <a:ext cx="2068967" cy="2321501"/>
             </a:xfrm>
             <a:prstGeom prst="line">
               <a:avLst/>
             </a:prstGeom>
-            <a:ln w="12700">
-              <a:solidFill>
-                <a:schemeClr val="tx1"/>
-              </a:solidFill>
-            </a:ln>
-          </p:spPr>
-          <p:style>
-            <a:lnRef idx="2">
-              <a:schemeClr val="accent1"/>
-            </a:lnRef>
-            <a:fillRef idx="0">
-              <a:schemeClr val="accent1"/>
-            </a:fillRef>
-            <a:effectRef idx="1">
-              <a:schemeClr val="accent1"/>
-            </a:effectRef>
-            <a:fontRef idx="minor">
-              <a:schemeClr val="tx1"/>
-            </a:fontRef>
-          </p:style>
-        </p:cxnSp>
-        <p:cxnSp>
-          <p:nvCxnSpPr>
-            <p:cNvPr id="47" name="Straight Connector 46">
-              <a:extLst>
-                <a:ext uri="{FF2B5EF4-FFF2-40B4-BE49-F238E27FC236}">
-                  <a16:creationId xmlns:a16="http://schemas.microsoft.com/office/drawing/2014/main" id="{BC0E0D01-69BC-C16D-028D-A1ED45B489AA}"/>
-                </a:ext>
-              </a:extLst>
-            </p:cNvPr>
-            <p:cNvCxnSpPr>
-              <a:cxnSpLocks/>
-              <a:endCxn id="40" idx="2"/>
-            </p:cNvCxnSpPr>
-            <p:nvPr/>
-          </p:nvCxnSpPr>
-          <p:spPr>
-            <a:xfrm>
-              <a:off x="2632145" y="5500764"/>
-              <a:ext cx="319257" cy="1078782"/>
-            </a:xfrm>
-            <a:prstGeom prst="line">
-              <a:avLst/>
-            </a:prstGeom>
-            <a:ln w="12700">
-              <a:solidFill>
-                <a:schemeClr val="tx1"/>
-              </a:solidFill>
-            </a:ln>
-          </p:spPr>
-          <p:style>
-            <a:lnRef idx="2">
-              <a:schemeClr val="accent1"/>
-            </a:lnRef>
-            <a:fillRef idx="0">
-              <a:schemeClr val="accent1"/>
-            </a:fillRef>
-            <a:effectRef idx="1">
-              <a:schemeClr val="accent1"/>
-            </a:effectRef>
-            <a:fontRef idx="minor">
-              <a:schemeClr val="tx1"/>
-            </a:fontRef>
-          </p:style>
-        </p:cxnSp>
-        <p:cxnSp>
-          <p:nvCxnSpPr>
-            <p:cNvPr id="49" name="Straight Connector 48">
-              <a:extLst>
-                <a:ext uri="{FF2B5EF4-FFF2-40B4-BE49-F238E27FC236}">
-                  <a16:creationId xmlns:a16="http://schemas.microsoft.com/office/drawing/2014/main" id="{D1107D7C-664C-E4A2-6553-D082ABF2824D}"/>
-                </a:ext>
-              </a:extLst>
-            </p:cNvPr>
-            <p:cNvCxnSpPr>
-              <a:cxnSpLocks/>
-              <a:stCxn id="36" idx="6"/>
-              <a:endCxn id="40" idx="2"/>
-            </p:cNvCxnSpPr>
-            <p:nvPr/>
-          </p:nvCxnSpPr>
-          <p:spPr>
-            <a:xfrm>
-              <a:off x="2623644" y="6203806"/>
-              <a:ext cx="327758" cy="375740"/>
-            </a:xfrm>
-            <a:prstGeom prst="line">
-              <a:avLst/>
-            </a:prstGeom>
-            <a:ln w="12700">
-              <a:solidFill>
-                <a:schemeClr val="tx1"/>
-              </a:solidFill>
-            </a:ln>
-          </p:spPr>
-          <p:style>
-            <a:lnRef idx="2">
-              <a:schemeClr val="accent1"/>
-            </a:lnRef>
-            <a:fillRef idx="0">
-              <a:schemeClr val="accent1"/>
-            </a:fillRef>
-            <a:effectRef idx="1">
-              <a:schemeClr val="accent1"/>
-            </a:effectRef>
-            <a:fontRef idx="minor">
-              <a:schemeClr val="tx1"/>
-            </a:fontRef>
-          </p:style>
-        </p:cxnSp>
-        <p:cxnSp>
-          <p:nvCxnSpPr>
-            <p:cNvPr id="52" name="Straight Connector 51">
-              <a:extLst>
-                <a:ext uri="{FF2B5EF4-FFF2-40B4-BE49-F238E27FC236}">
-                  <a16:creationId xmlns:a16="http://schemas.microsoft.com/office/drawing/2014/main" id="{1B42411E-FE30-2D36-FBEA-2DAF12007841}"/>
-                </a:ext>
-              </a:extLst>
-            </p:cNvPr>
-            <p:cNvCxnSpPr>
-              <a:cxnSpLocks/>
-              <a:stCxn id="36" idx="6"/>
-              <a:endCxn id="41" idx="2"/>
-            </p:cNvCxnSpPr>
-            <p:nvPr/>
-          </p:nvCxnSpPr>
-          <p:spPr>
-            <a:xfrm flipV="1">
-              <a:off x="2623644" y="5860009"/>
-              <a:ext cx="322993" cy="343797"/>
-            </a:xfrm>
-            <a:prstGeom prst="line">
-              <a:avLst/>
-            </a:prstGeom>
-            <a:ln w="12700">
-              <a:solidFill>
-                <a:schemeClr val="tx1"/>
-              </a:solidFill>
-            </a:ln>
-          </p:spPr>
-          <p:style>
-            <a:lnRef idx="2">
-              <a:schemeClr val="accent1"/>
-            </a:lnRef>
-            <a:fillRef idx="0">
-              <a:schemeClr val="accent1"/>
-            </a:fillRef>
-            <a:effectRef idx="1">
-              <a:schemeClr val="accent1"/>
-            </a:effectRef>
-            <a:fontRef idx="minor">
-              <a:schemeClr val="tx1"/>
-            </a:fontRef>
-          </p:style>
-        </p:cxnSp>
-        <p:cxnSp>
-          <p:nvCxnSpPr>
-            <p:cNvPr id="55" name="Straight Connector 54">
-              <a:extLst>
-                <a:ext uri="{FF2B5EF4-FFF2-40B4-BE49-F238E27FC236}">
-                  <a16:creationId xmlns:a16="http://schemas.microsoft.com/office/drawing/2014/main" id="{CB3DABE5-EE8A-0510-ECF6-63A7FEE92A31}"/>
-                </a:ext>
-              </a:extLst>
-            </p:cNvPr>
-            <p:cNvCxnSpPr>
-              <a:cxnSpLocks/>
-              <a:endCxn id="39" idx="2"/>
-            </p:cNvCxnSpPr>
-            <p:nvPr/>
-          </p:nvCxnSpPr>
-          <p:spPr>
-            <a:xfrm flipV="1">
-              <a:off x="2681157" y="5107529"/>
-              <a:ext cx="270245" cy="1048028"/>
-            </a:xfrm>
-            <a:prstGeom prst="line">
-              <a:avLst/>
-            </a:prstGeom>
-            <a:ln w="12700">
-              <a:solidFill>
-                <a:schemeClr val="tx1"/>
-              </a:solidFill>
-            </a:ln>
-          </p:spPr>
-          <p:style>
-            <a:lnRef idx="2">
-              <a:schemeClr val="accent1"/>
-            </a:lnRef>
-            <a:fillRef idx="0">
-              <a:schemeClr val="accent1"/>
-            </a:fillRef>
-            <a:effectRef idx="1">
-              <a:schemeClr val="accent1"/>
-            </a:effectRef>
-            <a:fontRef idx="minor">
-              <a:schemeClr val="tx1"/>
-            </a:fontRef>
-          </p:style>
-        </p:cxnSp>
-        <p:cxnSp>
-          <p:nvCxnSpPr>
-            <p:cNvPr id="57" name="Straight Connector 56">
-              <a:extLst>
-                <a:ext uri="{FF2B5EF4-FFF2-40B4-BE49-F238E27FC236}">
-                  <a16:creationId xmlns:a16="http://schemas.microsoft.com/office/drawing/2014/main" id="{84A16285-A1E7-CAA8-2F36-17B1E861FAB7}"/>
-                </a:ext>
-              </a:extLst>
-            </p:cNvPr>
-            <p:cNvCxnSpPr>
-              <a:cxnSpLocks/>
-              <a:stCxn id="37" idx="2"/>
-            </p:cNvCxnSpPr>
-            <p:nvPr/>
-          </p:nvCxnSpPr>
-          <p:spPr>
-            <a:xfrm flipH="1" flipV="1">
-              <a:off x="3332458" y="5145742"/>
-              <a:ext cx="334681" cy="343169"/>
-            </a:xfrm>
-            <a:prstGeom prst="line">
-              <a:avLst/>
-            </a:prstGeom>
-            <a:ln w="12700">
-              <a:solidFill>
-                <a:schemeClr val="tx1"/>
-              </a:solidFill>
-            </a:ln>
-          </p:spPr>
-          <p:style>
-            <a:lnRef idx="2">
-              <a:schemeClr val="accent1"/>
-            </a:lnRef>
-            <a:fillRef idx="0">
-              <a:schemeClr val="accent1"/>
-            </a:fillRef>
-            <a:effectRef idx="1">
-              <a:schemeClr val="accent1"/>
-            </a:effectRef>
-            <a:fontRef idx="minor">
-              <a:schemeClr val="tx1"/>
-            </a:fontRef>
-          </p:style>
-        </p:cxnSp>
-        <p:cxnSp>
-          <p:nvCxnSpPr>
-            <p:cNvPr id="59" name="Straight Connector 58">
-              <a:extLst>
-                <a:ext uri="{FF2B5EF4-FFF2-40B4-BE49-F238E27FC236}">
-                  <a16:creationId xmlns:a16="http://schemas.microsoft.com/office/drawing/2014/main" id="{9DE6049E-CC1E-5B25-CE1F-0E064F9CBBB8}"/>
-                </a:ext>
-              </a:extLst>
-            </p:cNvPr>
-            <p:cNvCxnSpPr>
-              <a:cxnSpLocks/>
-              <a:stCxn id="38" idx="2"/>
-            </p:cNvCxnSpPr>
-            <p:nvPr/>
-          </p:nvCxnSpPr>
-          <p:spPr>
-            <a:xfrm flipH="1" flipV="1">
-              <a:off x="3339381" y="5173769"/>
-              <a:ext cx="327758" cy="1025271"/>
-            </a:xfrm>
-            <a:prstGeom prst="line">
-              <a:avLst/>
-            </a:prstGeom>
-            <a:ln w="12700">
-              <a:solidFill>
-                <a:schemeClr val="tx1"/>
-              </a:solidFill>
-            </a:ln>
-          </p:spPr>
-          <p:style>
-            <a:lnRef idx="2">
-              <a:schemeClr val="accent1"/>
-            </a:lnRef>
-            <a:fillRef idx="0">
-              <a:schemeClr val="accent1"/>
-            </a:fillRef>
-            <a:effectRef idx="1">
-              <a:schemeClr val="accent1"/>
-            </a:effectRef>
-            <a:fontRef idx="minor">
-              <a:schemeClr val="tx1"/>
-            </a:fontRef>
-          </p:style>
-        </p:cxnSp>
-        <p:cxnSp>
-          <p:nvCxnSpPr>
-            <p:cNvPr id="61" name="Straight Connector 60">
-              <a:extLst>
-                <a:ext uri="{FF2B5EF4-FFF2-40B4-BE49-F238E27FC236}">
-                  <a16:creationId xmlns:a16="http://schemas.microsoft.com/office/drawing/2014/main" id="{984409E6-748F-7386-EE2B-1F3D25EF25AE}"/>
-                </a:ext>
-              </a:extLst>
-            </p:cNvPr>
-            <p:cNvCxnSpPr>
-              <a:cxnSpLocks/>
-              <a:stCxn id="37" idx="2"/>
-              <a:endCxn id="41" idx="6"/>
-            </p:cNvCxnSpPr>
-            <p:nvPr/>
-          </p:nvCxnSpPr>
-          <p:spPr>
-            <a:xfrm flipH="1">
-              <a:off x="3327143" y="5488911"/>
-              <a:ext cx="339996" cy="371098"/>
-            </a:xfrm>
-            <a:prstGeom prst="line">
-              <a:avLst/>
-            </a:prstGeom>
-            <a:ln w="12700">
-              <a:solidFill>
-                <a:schemeClr val="tx1"/>
-              </a:solidFill>
-            </a:ln>
-          </p:spPr>
-          <p:style>
-            <a:lnRef idx="2">
-              <a:schemeClr val="accent1"/>
-            </a:lnRef>
-            <a:fillRef idx="0">
-              <a:schemeClr val="accent1"/>
-            </a:fillRef>
-            <a:effectRef idx="1">
-              <a:schemeClr val="accent1"/>
-            </a:effectRef>
-            <a:fontRef idx="minor">
-              <a:schemeClr val="tx1"/>
-            </a:fontRef>
-          </p:style>
-        </p:cxnSp>
-        <p:cxnSp>
-          <p:nvCxnSpPr>
-            <p:cNvPr id="1024" name="Straight Connector 1023">
-              <a:extLst>
-                <a:ext uri="{FF2B5EF4-FFF2-40B4-BE49-F238E27FC236}">
-                  <a16:creationId xmlns:a16="http://schemas.microsoft.com/office/drawing/2014/main" id="{01A91868-8C45-12B6-A012-B3804526C7F2}"/>
-                </a:ext>
-              </a:extLst>
-            </p:cNvPr>
-            <p:cNvCxnSpPr>
-              <a:cxnSpLocks/>
-              <a:stCxn id="38" idx="2"/>
-              <a:endCxn id="41" idx="6"/>
-            </p:cNvCxnSpPr>
-            <p:nvPr/>
-          </p:nvCxnSpPr>
-          <p:spPr>
-            <a:xfrm flipH="1" flipV="1">
-              <a:off x="3327143" y="5860009"/>
-              <a:ext cx="339996" cy="339031"/>
-            </a:xfrm>
-            <a:prstGeom prst="line">
-              <a:avLst/>
-            </a:prstGeom>
-            <a:ln w="12700">
-              <a:solidFill>
-                <a:schemeClr val="tx1"/>
-              </a:solidFill>
-            </a:ln>
-          </p:spPr>
-          <p:style>
-            <a:lnRef idx="2">
-              <a:schemeClr val="accent1"/>
-            </a:lnRef>
-            <a:fillRef idx="0">
-              <a:schemeClr val="accent1"/>
-            </a:fillRef>
-            <a:effectRef idx="1">
-              <a:schemeClr val="accent1"/>
-            </a:effectRef>
-            <a:fontRef idx="minor">
-              <a:schemeClr val="tx1"/>
-            </a:fontRef>
-          </p:style>
-        </p:cxnSp>
-        <p:cxnSp>
-          <p:nvCxnSpPr>
-            <p:cNvPr id="1028" name="Straight Connector 1027">
-              <a:extLst>
-                <a:ext uri="{FF2B5EF4-FFF2-40B4-BE49-F238E27FC236}">
-                  <a16:creationId xmlns:a16="http://schemas.microsoft.com/office/drawing/2014/main" id="{899D1821-00DF-AF44-45CA-9E0B004D4DE8}"/>
-                </a:ext>
-              </a:extLst>
-            </p:cNvPr>
-            <p:cNvCxnSpPr>
-              <a:cxnSpLocks/>
-              <a:stCxn id="37" idx="2"/>
-              <a:endCxn id="40" idx="6"/>
-            </p:cNvCxnSpPr>
-            <p:nvPr/>
-          </p:nvCxnSpPr>
-          <p:spPr>
-            <a:xfrm flipH="1">
-              <a:off x="3331908" y="5488911"/>
-              <a:ext cx="335231" cy="1090635"/>
-            </a:xfrm>
-            <a:prstGeom prst="line">
-              <a:avLst/>
-            </a:prstGeom>
-            <a:ln w="12700">
-              <a:solidFill>
-                <a:schemeClr val="tx1"/>
-              </a:solidFill>
-            </a:ln>
-          </p:spPr>
-          <p:style>
-            <a:lnRef idx="2">
-              <a:schemeClr val="accent1"/>
-            </a:lnRef>
-            <a:fillRef idx="0">
-              <a:schemeClr val="accent1"/>
-            </a:fillRef>
-            <a:effectRef idx="1">
-              <a:schemeClr val="accent1"/>
-            </a:effectRef>
-            <a:fontRef idx="minor">
-              <a:schemeClr val="tx1"/>
-            </a:fontRef>
-          </p:style>
-        </p:cxnSp>
-        <p:cxnSp>
-          <p:nvCxnSpPr>
-            <p:cNvPr id="1031" name="Straight Connector 1030">
-              <a:extLst>
-                <a:ext uri="{FF2B5EF4-FFF2-40B4-BE49-F238E27FC236}">
-                  <a16:creationId xmlns:a16="http://schemas.microsoft.com/office/drawing/2014/main" id="{E80AE08C-5D95-0033-86EA-535B32711DE3}"/>
-                </a:ext>
-              </a:extLst>
-            </p:cNvPr>
-            <p:cNvCxnSpPr>
-              <a:cxnSpLocks/>
-              <a:stCxn id="38" idx="1"/>
-              <a:endCxn id="40" idx="6"/>
-            </p:cNvCxnSpPr>
-            <p:nvPr/>
-          </p:nvCxnSpPr>
-          <p:spPr>
-            <a:xfrm flipH="1">
-              <a:off x="3331908" y="6064511"/>
-              <a:ext cx="390955" cy="515035"/>
-            </a:xfrm>
-            <a:prstGeom prst="line">
-              <a:avLst/>
-            </a:prstGeom>
-            <a:ln w="12700">
-              <a:solidFill>
-                <a:schemeClr val="tx1"/>
-              </a:solidFill>
+            <a:ln>
+              <a:prstDash val="dash"/>
             </a:ln>
           </p:spPr>
           <p:style>
@@ -25558,10 +29614,10 @@
       </p:grpSp>
       <p:sp>
         <p:nvSpPr>
-          <p:cNvPr id="1035" name="TextBox 1034">
+          <p:cNvPr id="27" name="TextBox 26">
             <a:extLst>
               <a:ext uri="{FF2B5EF4-FFF2-40B4-BE49-F238E27FC236}">
-                <a16:creationId xmlns:a16="http://schemas.microsoft.com/office/drawing/2014/main" id="{2B3AF797-118F-E3C4-AA2E-F761A07522FD}"/>
+                <a16:creationId xmlns:a16="http://schemas.microsoft.com/office/drawing/2014/main" id="{59FD6533-C391-5BB1-28D2-E525A2465F00}"/>
               </a:ext>
             </a:extLst>
           </p:cNvPr>
@@ -25570,8 +29626,8 @@
         </p:nvSpPr>
         <p:spPr>
           <a:xfrm>
-            <a:off x="4894450" y="5053943"/>
-            <a:ext cx="2920814" cy="830997"/>
+            <a:off x="708475" y="3123182"/>
+            <a:ext cx="4665179" cy="646331"/>
           </a:xfrm>
           <a:prstGeom prst="rect">
             <a:avLst/>
@@ -25585,8 +29641,510 @@
           <a:lstStyle/>
           <a:p>
             <a:r>
-              <a:rPr lang="en-US" sz="2400" dirty="0"/>
-              <a:t>Solvable with 12 parameters (weights)</a:t>
+              <a:rPr lang="en-US" dirty="0"/>
+              <a:t>For a two parameter problem, the decision boundary is given by:</a:t>
+            </a:r>
+          </a:p>
+        </p:txBody>
+      </p:sp>
+      <mc:AlternateContent xmlns:mc="http://schemas.openxmlformats.org/markup-compatibility/2006">
+        <mc:Choice xmlns:a14="http://schemas.microsoft.com/office/drawing/2010/main" Requires="a14">
+          <p:sp>
+            <p:nvSpPr>
+              <p:cNvPr id="28" name="TextBox 27">
+                <a:extLst>
+                  <a:ext uri="{FF2B5EF4-FFF2-40B4-BE49-F238E27FC236}">
+                    <a16:creationId xmlns:a16="http://schemas.microsoft.com/office/drawing/2014/main" id="{9F85ABB3-20D3-3577-47F7-A7C45CFCD84B}"/>
+                  </a:ext>
+                </a:extLst>
+              </p:cNvPr>
+              <p:cNvSpPr txBox="1"/>
+              <p:nvPr/>
+            </p:nvSpPr>
+            <p:spPr>
+              <a:xfrm>
+                <a:off x="394939" y="4939845"/>
+                <a:ext cx="2815115" cy="369332"/>
+              </a:xfrm>
+              <a:prstGeom prst="rect">
+                <a:avLst/>
+              </a:prstGeom>
+              <a:noFill/>
+            </p:spPr>
+            <p:txBody>
+              <a:bodyPr wrap="square">
+                <a:spAutoFit/>
+              </a:bodyPr>
+              <a:lstStyle/>
+              <a:p>
+                <a:pPr/>
+                <a14:m>
+                  <m:oMathPara xmlns:m="http://schemas.openxmlformats.org/officeDocument/2006/math">
+                    <m:oMathParaPr>
+                      <m:jc m:val="centerGroup"/>
+                    </m:oMathParaPr>
+                    <m:oMath xmlns:m="http://schemas.openxmlformats.org/officeDocument/2006/math">
+                      <m:sSub>
+                        <m:sSubPr>
+                          <m:ctrlPr>
+                            <a:rPr lang="en-GB" i="1" smtClean="0">
+                              <a:latin typeface="Cambria Math" panose="02040503050406030204" pitchFamily="18" charset="0"/>
+                            </a:rPr>
+                          </m:ctrlPr>
+                        </m:sSubPr>
+                        <m:e>
+                          <m:r>
+                            <a:rPr lang="en-GB" i="1">
+                              <a:latin typeface="Cambria Math" panose="02040503050406030204" pitchFamily="18" charset="0"/>
+                            </a:rPr>
+                            <m:t>𝑤</m:t>
+                          </m:r>
+                        </m:e>
+                        <m:sub>
+                          <m:r>
+                            <a:rPr lang="en-GB" b="0" i="1" smtClean="0">
+                              <a:latin typeface="Cambria Math" panose="02040503050406030204" pitchFamily="18" charset="0"/>
+                            </a:rPr>
+                            <m:t>1</m:t>
+                          </m:r>
+                        </m:sub>
+                      </m:sSub>
+                      <m:sSub>
+                        <m:sSubPr>
+                          <m:ctrlPr>
+                            <a:rPr lang="en-GB" i="1">
+                              <a:latin typeface="Cambria Math" panose="02040503050406030204" pitchFamily="18" charset="0"/>
+                            </a:rPr>
+                          </m:ctrlPr>
+                        </m:sSubPr>
+                        <m:e>
+                          <m:r>
+                            <a:rPr lang="en-GB" i="1">
+                              <a:latin typeface="Cambria Math" panose="02040503050406030204" pitchFamily="18" charset="0"/>
+                            </a:rPr>
+                            <m:t>𝑥</m:t>
+                          </m:r>
+                        </m:e>
+                        <m:sub>
+                          <m:r>
+                            <a:rPr lang="en-GB" b="0" i="1" smtClean="0">
+                              <a:latin typeface="Cambria Math" panose="02040503050406030204" pitchFamily="18" charset="0"/>
+                            </a:rPr>
+                            <m:t>1</m:t>
+                          </m:r>
+                        </m:sub>
+                      </m:sSub>
+                      <m:r>
+                        <a:rPr lang="en-GB" sz="1800" b="0" i="1" smtClean="0">
+                          <a:latin typeface="Cambria Math" panose="02040503050406030204" pitchFamily="18" charset="0"/>
+                        </a:rPr>
+                        <m:t>+</m:t>
+                      </m:r>
+                      <m:sSub>
+                        <m:sSubPr>
+                          <m:ctrlPr>
+                            <a:rPr lang="en-GB" i="1">
+                              <a:latin typeface="Cambria Math" panose="02040503050406030204" pitchFamily="18" charset="0"/>
+                            </a:rPr>
+                          </m:ctrlPr>
+                        </m:sSubPr>
+                        <m:e>
+                          <m:r>
+                            <a:rPr lang="en-GB" i="1">
+                              <a:latin typeface="Cambria Math" panose="02040503050406030204" pitchFamily="18" charset="0"/>
+                            </a:rPr>
+                            <m:t>𝑤</m:t>
+                          </m:r>
+                        </m:e>
+                        <m:sub>
+                          <m:r>
+                            <a:rPr lang="en-GB" b="0" i="1" smtClean="0">
+                              <a:latin typeface="Cambria Math" panose="02040503050406030204" pitchFamily="18" charset="0"/>
+                            </a:rPr>
+                            <m:t>2</m:t>
+                          </m:r>
+                        </m:sub>
+                      </m:sSub>
+                      <m:sSub>
+                        <m:sSubPr>
+                          <m:ctrlPr>
+                            <a:rPr lang="en-GB" i="1">
+                              <a:latin typeface="Cambria Math" panose="02040503050406030204" pitchFamily="18" charset="0"/>
+                            </a:rPr>
+                          </m:ctrlPr>
+                        </m:sSubPr>
+                        <m:e>
+                          <m:r>
+                            <a:rPr lang="en-GB" i="1">
+                              <a:latin typeface="Cambria Math" panose="02040503050406030204" pitchFamily="18" charset="0"/>
+                            </a:rPr>
+                            <m:t>𝑥</m:t>
+                          </m:r>
+                        </m:e>
+                        <m:sub>
+                          <m:r>
+                            <a:rPr lang="en-GB" b="0" i="1" smtClean="0">
+                              <a:latin typeface="Cambria Math" panose="02040503050406030204" pitchFamily="18" charset="0"/>
+                            </a:rPr>
+                            <m:t>2</m:t>
+                          </m:r>
+                        </m:sub>
+                      </m:sSub>
+                      <m:r>
+                        <a:rPr lang="en-GB" b="0" i="1" smtClean="0">
+                          <a:latin typeface="Cambria Math" panose="02040503050406030204" pitchFamily="18" charset="0"/>
+                        </a:rPr>
+                        <m:t>=−</m:t>
+                      </m:r>
+                      <m:r>
+                        <a:rPr lang="en-GB" b="0" i="1" smtClean="0">
+                          <a:latin typeface="Cambria Math" panose="02040503050406030204" pitchFamily="18" charset="0"/>
+                        </a:rPr>
+                        <m:t>𝑏</m:t>
+                      </m:r>
+                    </m:oMath>
+                  </m:oMathPara>
+                </a14:m>
+                <a:endParaRPr lang="en-US" dirty="0"/>
+              </a:p>
+            </p:txBody>
+          </p:sp>
+        </mc:Choice>
+        <mc:Fallback>
+          <p:sp>
+            <p:nvSpPr>
+              <p:cNvPr id="28" name="TextBox 27">
+                <a:extLst>
+                  <a:ext uri="{FF2B5EF4-FFF2-40B4-BE49-F238E27FC236}">
+                    <a16:creationId xmlns:a16="http://schemas.microsoft.com/office/drawing/2014/main" id="{9F85ABB3-20D3-3577-47F7-A7C45CFCD84B}"/>
+                  </a:ext>
+                </a:extLst>
+              </p:cNvPr>
+              <p:cNvSpPr txBox="1">
+                <a:spLocks noRot="1" noChangeAspect="1" noMove="1" noResize="1" noEditPoints="1" noAdjustHandles="1" noChangeArrowheads="1" noChangeShapeType="1" noTextEdit="1"/>
+              </p:cNvSpPr>
+              <p:nvPr/>
+            </p:nvSpPr>
+            <p:spPr>
+              <a:xfrm>
+                <a:off x="394939" y="4939845"/>
+                <a:ext cx="2815115" cy="369332"/>
+              </a:xfrm>
+              <a:prstGeom prst="rect">
+                <a:avLst/>
+              </a:prstGeom>
+              <a:blipFill>
+                <a:blip r:embed="rId4"/>
+                <a:stretch>
+                  <a:fillRect/>
+                </a:stretch>
+              </a:blipFill>
+            </p:spPr>
+            <p:txBody>
+              <a:bodyPr/>
+              <a:lstStyle/>
+              <a:p>
+                <a:r>
+                  <a:rPr lang="en-US">
+                    <a:noFill/>
+                  </a:rPr>
+                  <a:t> </a:t>
+                </a:r>
+              </a:p>
+            </p:txBody>
+          </p:sp>
+        </mc:Fallback>
+      </mc:AlternateContent>
+      <mc:AlternateContent xmlns:mc="http://schemas.openxmlformats.org/markup-compatibility/2006">
+        <mc:Choice xmlns:a14="http://schemas.microsoft.com/office/drawing/2010/main" Requires="a14">
+          <p:sp>
+            <p:nvSpPr>
+              <p:cNvPr id="29" name="TextBox 28">
+                <a:extLst>
+                  <a:ext uri="{FF2B5EF4-FFF2-40B4-BE49-F238E27FC236}">
+                    <a16:creationId xmlns:a16="http://schemas.microsoft.com/office/drawing/2014/main" id="{9A279BC3-6782-0248-81BC-15EED384460B}"/>
+                  </a:ext>
+                </a:extLst>
+              </p:cNvPr>
+              <p:cNvSpPr txBox="1"/>
+              <p:nvPr/>
+            </p:nvSpPr>
+            <p:spPr>
+              <a:xfrm>
+                <a:off x="-88179" y="5469871"/>
+                <a:ext cx="3772833" cy="681918"/>
+              </a:xfrm>
+              <a:prstGeom prst="rect">
+                <a:avLst/>
+              </a:prstGeom>
+              <a:noFill/>
+            </p:spPr>
+            <p:txBody>
+              <a:bodyPr wrap="square">
+                <a:spAutoFit/>
+              </a:bodyPr>
+              <a:lstStyle/>
+              <a:p>
+                <a:pPr/>
+                <a14:m>
+                  <m:oMathPara xmlns:m="http://schemas.openxmlformats.org/officeDocument/2006/math">
+                    <m:oMathParaPr>
+                      <m:jc m:val="centerGroup"/>
+                    </m:oMathParaPr>
+                    <m:oMath xmlns:m="http://schemas.openxmlformats.org/officeDocument/2006/math">
+                      <m:sSub>
+                        <m:sSubPr>
+                          <m:ctrlPr>
+                            <a:rPr lang="en-GB" i="1" smtClean="0">
+                              <a:latin typeface="Cambria Math" panose="02040503050406030204" pitchFamily="18" charset="0"/>
+                            </a:rPr>
+                          </m:ctrlPr>
+                        </m:sSubPr>
+                        <m:e>
+                          <m:r>
+                            <a:rPr lang="en-GB" i="1">
+                              <a:latin typeface="Cambria Math" panose="02040503050406030204" pitchFamily="18" charset="0"/>
+                            </a:rPr>
+                            <m:t>𝑥</m:t>
+                          </m:r>
+                        </m:e>
+                        <m:sub>
+                          <m:r>
+                            <a:rPr lang="en-GB" b="0" i="1" smtClean="0">
+                              <a:latin typeface="Cambria Math" panose="02040503050406030204" pitchFamily="18" charset="0"/>
+                            </a:rPr>
+                            <m:t>2</m:t>
+                          </m:r>
+                        </m:sub>
+                      </m:sSub>
+                      <m:r>
+                        <a:rPr lang="en-GB" b="0" i="1" smtClean="0">
+                          <a:latin typeface="Cambria Math" panose="02040503050406030204" pitchFamily="18" charset="0"/>
+                        </a:rPr>
+                        <m:t>=−</m:t>
+                      </m:r>
+                      <m:f>
+                        <m:fPr>
+                          <m:ctrlPr>
+                            <a:rPr lang="en-GB" b="0" i="1" smtClean="0">
+                              <a:latin typeface="Cambria Math" panose="02040503050406030204" pitchFamily="18" charset="0"/>
+                            </a:rPr>
+                          </m:ctrlPr>
+                        </m:fPr>
+                        <m:num>
+                          <m:sSub>
+                            <m:sSubPr>
+                              <m:ctrlPr>
+                                <a:rPr lang="en-GB" i="1">
+                                  <a:latin typeface="Cambria Math" panose="02040503050406030204" pitchFamily="18" charset="0"/>
+                                </a:rPr>
+                              </m:ctrlPr>
+                            </m:sSubPr>
+                            <m:e>
+                              <m:r>
+                                <a:rPr lang="en-GB" i="1">
+                                  <a:latin typeface="Cambria Math" panose="02040503050406030204" pitchFamily="18" charset="0"/>
+                                </a:rPr>
+                                <m:t>𝑤</m:t>
+                              </m:r>
+                            </m:e>
+                            <m:sub>
+                              <m:r>
+                                <a:rPr lang="en-GB" i="1">
+                                  <a:latin typeface="Cambria Math" panose="02040503050406030204" pitchFamily="18" charset="0"/>
+                                </a:rPr>
+                                <m:t>1</m:t>
+                              </m:r>
+                            </m:sub>
+                          </m:sSub>
+                        </m:num>
+                        <m:den>
+                          <m:sSub>
+                            <m:sSubPr>
+                              <m:ctrlPr>
+                                <a:rPr lang="en-GB" i="1">
+                                  <a:latin typeface="Cambria Math" panose="02040503050406030204" pitchFamily="18" charset="0"/>
+                                </a:rPr>
+                              </m:ctrlPr>
+                            </m:sSubPr>
+                            <m:e>
+                              <m:r>
+                                <a:rPr lang="en-GB" i="1">
+                                  <a:latin typeface="Cambria Math" panose="02040503050406030204" pitchFamily="18" charset="0"/>
+                                </a:rPr>
+                                <m:t>𝑤</m:t>
+                              </m:r>
+                            </m:e>
+                            <m:sub>
+                              <m:r>
+                                <a:rPr lang="en-GB" b="0" i="1" smtClean="0">
+                                  <a:latin typeface="Cambria Math" panose="02040503050406030204" pitchFamily="18" charset="0"/>
+                                </a:rPr>
+                                <m:t>2</m:t>
+                              </m:r>
+                            </m:sub>
+                          </m:sSub>
+                        </m:den>
+                      </m:f>
+                      <m:sSub>
+                        <m:sSubPr>
+                          <m:ctrlPr>
+                            <a:rPr lang="en-GB" i="1">
+                              <a:latin typeface="Cambria Math" panose="02040503050406030204" pitchFamily="18" charset="0"/>
+                            </a:rPr>
+                          </m:ctrlPr>
+                        </m:sSubPr>
+                        <m:e>
+                          <m:r>
+                            <a:rPr lang="en-GB" i="1">
+                              <a:latin typeface="Cambria Math" panose="02040503050406030204" pitchFamily="18" charset="0"/>
+                            </a:rPr>
+                            <m:t>𝑥</m:t>
+                          </m:r>
+                        </m:e>
+                        <m:sub>
+                          <m:r>
+                            <a:rPr lang="en-GB" i="1">
+                              <a:latin typeface="Cambria Math" panose="02040503050406030204" pitchFamily="18" charset="0"/>
+                            </a:rPr>
+                            <m:t>1</m:t>
+                          </m:r>
+                        </m:sub>
+                      </m:sSub>
+                      <m:r>
+                        <a:rPr lang="en-GB" b="0" i="1" smtClean="0">
+                          <a:latin typeface="Cambria Math" panose="02040503050406030204" pitchFamily="18" charset="0"/>
+                        </a:rPr>
+                        <m:t>−</m:t>
+                      </m:r>
+                      <m:f>
+                        <m:fPr>
+                          <m:ctrlPr>
+                            <a:rPr lang="en-GB" i="1">
+                              <a:latin typeface="Cambria Math" panose="02040503050406030204" pitchFamily="18" charset="0"/>
+                            </a:rPr>
+                          </m:ctrlPr>
+                        </m:fPr>
+                        <m:num>
+                          <m:r>
+                            <a:rPr lang="en-GB" b="0" i="1" smtClean="0">
+                              <a:latin typeface="Cambria Math" panose="02040503050406030204" pitchFamily="18" charset="0"/>
+                            </a:rPr>
+                            <m:t>𝑏</m:t>
+                          </m:r>
+                        </m:num>
+                        <m:den>
+                          <m:sSub>
+                            <m:sSubPr>
+                              <m:ctrlPr>
+                                <a:rPr lang="en-GB" i="1">
+                                  <a:latin typeface="Cambria Math" panose="02040503050406030204" pitchFamily="18" charset="0"/>
+                                </a:rPr>
+                              </m:ctrlPr>
+                            </m:sSubPr>
+                            <m:e>
+                              <m:r>
+                                <a:rPr lang="en-GB" i="1">
+                                  <a:latin typeface="Cambria Math" panose="02040503050406030204" pitchFamily="18" charset="0"/>
+                                </a:rPr>
+                                <m:t>𝑤</m:t>
+                              </m:r>
+                            </m:e>
+                            <m:sub>
+                              <m:r>
+                                <a:rPr lang="en-GB" i="1">
+                                  <a:latin typeface="Cambria Math" panose="02040503050406030204" pitchFamily="18" charset="0"/>
+                                </a:rPr>
+                                <m:t>2</m:t>
+                              </m:r>
+                            </m:sub>
+                          </m:sSub>
+                        </m:den>
+                      </m:f>
+                    </m:oMath>
+                  </m:oMathPara>
+                </a14:m>
+                <a:endParaRPr lang="en-US" dirty="0"/>
+              </a:p>
+            </p:txBody>
+          </p:sp>
+        </mc:Choice>
+        <mc:Fallback>
+          <p:sp>
+            <p:nvSpPr>
+              <p:cNvPr id="29" name="TextBox 28">
+                <a:extLst>
+                  <a:ext uri="{FF2B5EF4-FFF2-40B4-BE49-F238E27FC236}">
+                    <a16:creationId xmlns:a16="http://schemas.microsoft.com/office/drawing/2014/main" id="{9A279BC3-6782-0248-81BC-15EED384460B}"/>
+                  </a:ext>
+                </a:extLst>
+              </p:cNvPr>
+              <p:cNvSpPr txBox="1">
+                <a:spLocks noRot="1" noChangeAspect="1" noMove="1" noResize="1" noEditPoints="1" noAdjustHandles="1" noChangeArrowheads="1" noChangeShapeType="1" noTextEdit="1"/>
+              </p:cNvSpPr>
+              <p:nvPr/>
+            </p:nvSpPr>
+            <p:spPr>
+              <a:xfrm>
+                <a:off x="-88179" y="5469871"/>
+                <a:ext cx="3772833" cy="681918"/>
+              </a:xfrm>
+              <a:prstGeom prst="rect">
+                <a:avLst/>
+              </a:prstGeom>
+              <a:blipFill>
+                <a:blip r:embed="rId5"/>
+                <a:stretch>
+                  <a:fillRect/>
+                </a:stretch>
+              </a:blipFill>
+            </p:spPr>
+            <p:txBody>
+              <a:bodyPr/>
+              <a:lstStyle/>
+              <a:p>
+                <a:r>
+                  <a:rPr lang="en-US">
+                    <a:noFill/>
+                  </a:rPr>
+                  <a:t> </a:t>
+                </a:r>
+              </a:p>
+            </p:txBody>
+          </p:sp>
+        </mc:Fallback>
+      </mc:AlternateContent>
+      <p:sp>
+        <p:nvSpPr>
+          <p:cNvPr id="32" name="TextBox 31">
+            <a:extLst>
+              <a:ext uri="{FF2B5EF4-FFF2-40B4-BE49-F238E27FC236}">
+                <a16:creationId xmlns:a16="http://schemas.microsoft.com/office/drawing/2014/main" id="{A55A82F2-90B3-4642-4BAE-4283E2AF4984}"/>
+              </a:ext>
+            </a:extLst>
+          </p:cNvPr>
+          <p:cNvSpPr txBox="1"/>
+          <p:nvPr/>
+        </p:nvSpPr>
+        <p:spPr>
+          <a:xfrm>
+            <a:off x="6154141" y="5570067"/>
+            <a:ext cx="4665179" cy="646331"/>
+          </a:xfrm>
+          <a:prstGeom prst="rect">
+            <a:avLst/>
+          </a:prstGeom>
+          <a:noFill/>
+        </p:spPr>
+        <p:txBody>
+          <a:bodyPr wrap="square" rtlCol="0">
+            <a:spAutoFit/>
+          </a:bodyPr>
+          <a:lstStyle/>
+          <a:p>
+            <a:r>
+              <a:rPr lang="en-US" dirty="0"/>
+              <a:t>i.e. a perceptron can only represent linearly separable problems.</a:t>
             </a:r>
           </a:p>
         </p:txBody>
@@ -25594,7 +30152,7 @@
     </p:spTree>
     <p:extLst>
       <p:ext uri="{BB962C8B-B14F-4D97-AF65-F5344CB8AC3E}">
-        <p14:creationId xmlns:p14="http://schemas.microsoft.com/office/powerpoint/2010/main" val="2102328281"/>
+        <p14:creationId xmlns:p14="http://schemas.microsoft.com/office/powerpoint/2010/main" val="2352721388"/>
       </p:ext>
     </p:extLst>
   </p:cSld>
@@ -26240,18 +30798,18 @@
 </file>
 
 <file path=customXml/item1.xml><?xml version="1.0" encoding="utf-8"?>
-<p:properties xmlns:p="http://schemas.microsoft.com/office/2006/metadata/properties" xmlns:xsi="http://www.w3.org/2001/XMLSchema-instance" xmlns:pc="http://schemas.microsoft.com/office/infopath/2007/PartnerControls">
-  <documentManagement/>
-</p:properties>
-</file>
-
-<file path=customXml/item2.xml><?xml version="1.0" encoding="utf-8"?>
 <?mso-contentType ?>
 <FormTemplates xmlns="http://schemas.microsoft.com/sharepoint/v3/contenttype/forms">
   <Display>DocumentLibraryForm</Display>
   <Edit>DocumentLibraryForm</Edit>
   <New>DocumentLibraryForm</New>
 </FormTemplates>
+</file>
+
+<file path=customXml/item2.xml><?xml version="1.0" encoding="utf-8"?>
+<p:properties xmlns:p="http://schemas.microsoft.com/office/2006/metadata/properties" xmlns:xsi="http://www.w3.org/2001/XMLSchema-instance" xmlns:pc="http://schemas.microsoft.com/office/infopath/2007/PartnerControls">
+  <documentManagement/>
+</p:properties>
 </file>
 
 <file path=customXml/item3.xml><?xml version="1.0" encoding="utf-8"?>
@@ -26460,6 +31018,14 @@
 </file>
 
 <file path=customXml/itemProps1.xml><?xml version="1.0" encoding="utf-8"?>
+<ds:datastoreItem xmlns:ds="http://schemas.openxmlformats.org/officeDocument/2006/customXml" ds:itemID="{4A9C8777-C6EC-4528-A529-B1E15BCDF7A3}">
+  <ds:schemaRefs>
+    <ds:schemaRef ds:uri="http://schemas.microsoft.com/sharepoint/v3/contenttype/forms"/>
+  </ds:schemaRefs>
+</ds:datastoreItem>
+</file>
+
+<file path=customXml/itemProps2.xml><?xml version="1.0" encoding="utf-8"?>
 <ds:datastoreItem xmlns:ds="http://schemas.openxmlformats.org/officeDocument/2006/customXml" ds:itemID="{D1B4FFAB-A2D9-4FD5-855F-F65126373F7D}">
   <ds:schemaRefs>
     <ds:schemaRef ds:uri="http://schemas.openxmlformats.org/package/2006/metadata/core-properties"/>
@@ -26472,14 +31038,6 @@
     <ds:schemaRef ds:uri="a9a9e2ba-2d19-46fe-bf54-0255447a607c"/>
     <ds:schemaRef ds:uri="http://www.w3.org/XML/1998/namespace"/>
     <ds:schemaRef ds:uri="http://purl.org/dc/dcmitype/"/>
-  </ds:schemaRefs>
-</ds:datastoreItem>
-</file>
-
-<file path=customXml/itemProps2.xml><?xml version="1.0" encoding="utf-8"?>
-<ds:datastoreItem xmlns:ds="http://schemas.openxmlformats.org/officeDocument/2006/customXml" ds:itemID="{4A9C8777-C6EC-4528-A529-B1E15BCDF7A3}">
-  <ds:schemaRefs>
-    <ds:schemaRef ds:uri="http://schemas.microsoft.com/sharepoint/v3/contenttype/forms"/>
   </ds:schemaRefs>
 </ds:datastoreItem>
 </file>

--- a/presentations/neural-networks.pptx
+++ b/presentations/neural-networks.pptx
@@ -5,7 +5,7 @@
     <p:sldMasterId id="2147483660" r:id="rId4"/>
   </p:sldMasterIdLst>
   <p:notesMasterIdLst>
-    <p:notesMasterId r:id="rId22"/>
+    <p:notesMasterId r:id="rId16"/>
   </p:notesMasterIdLst>
   <p:sldIdLst>
     <p:sldId id="311" r:id="rId5"/>
@@ -18,13 +18,7 @@
     <p:sldId id="4832" r:id="rId12"/>
     <p:sldId id="4838" r:id="rId13"/>
     <p:sldId id="4839" r:id="rId14"/>
-    <p:sldId id="4840" r:id="rId15"/>
-    <p:sldId id="4841" r:id="rId16"/>
-    <p:sldId id="4842" r:id="rId17"/>
-    <p:sldId id="4765" r:id="rId18"/>
-    <p:sldId id="4766" r:id="rId19"/>
-    <p:sldId id="4767" r:id="rId20"/>
-    <p:sldId id="303" r:id="rId21"/>
+    <p:sldId id="303" r:id="rId15"/>
   </p:sldIdLst>
   <p:sldSz cx="12192000" cy="6858000"/>
   <p:notesSz cx="6858000" cy="9144000"/>
@@ -138,12 +132,6 @@
             <p14:sldId id="4832"/>
             <p14:sldId id="4838"/>
             <p14:sldId id="4839"/>
-            <p14:sldId id="4840"/>
-            <p14:sldId id="4841"/>
-            <p14:sldId id="4842"/>
-            <p14:sldId id="4765"/>
-            <p14:sldId id="4766"/>
-            <p14:sldId id="4767"/>
             <p14:sldId id="303"/>
           </p14:sldIdLst>
         </p14:section>
@@ -671,7 +659,7 @@
           <a:p>
             <a:fld id="{9C3B49CD-7E1B-C543-B23F-34FDB672E370}" type="slidenum">
               <a:rPr lang="en-US" smtClean="0"/>
-              <a:t>17</a:t>
+              <a:t>11</a:t>
             </a:fld>
             <a:endParaRPr lang="en-US"/>
           </a:p>
@@ -15272,2715 +15260,6 @@
       </p:grpSpPr>
       <p:sp>
         <p:nvSpPr>
-          <p:cNvPr id="2" name="Title 1">
-            <a:extLst>
-              <a:ext uri="{FF2B5EF4-FFF2-40B4-BE49-F238E27FC236}">
-                <a16:creationId xmlns:a16="http://schemas.microsoft.com/office/drawing/2014/main" id="{4FDAA68F-04D6-7957-ED2F-353CCACA65AF}"/>
-              </a:ext>
-            </a:extLst>
-          </p:cNvPr>
-          <p:cNvSpPr>
-            <a:spLocks noGrp="1"/>
-          </p:cNvSpPr>
-          <p:nvPr>
-            <p:ph type="title"/>
-          </p:nvPr>
-        </p:nvSpPr>
-        <p:spPr/>
-        <p:txBody>
-          <a:bodyPr/>
-          <a:lstStyle/>
-          <a:p>
-            <a:r>
-              <a:rPr lang="en-US" dirty="0"/>
-              <a:t>XOR is not linearly separable</a:t>
-            </a:r>
-          </a:p>
-        </p:txBody>
-      </p:sp>
-      <p:pic>
-        <p:nvPicPr>
-          <p:cNvPr id="4" name="Picture 3">
-            <a:extLst>
-              <a:ext uri="{FF2B5EF4-FFF2-40B4-BE49-F238E27FC236}">
-                <a16:creationId xmlns:a16="http://schemas.microsoft.com/office/drawing/2014/main" id="{BB5B93E2-5902-F704-48AB-549A7678130E}"/>
-              </a:ext>
-            </a:extLst>
-          </p:cNvPr>
-          <p:cNvPicPr>
-            <a:picLocks noChangeAspect="1"/>
-          </p:cNvPicPr>
-          <p:nvPr/>
-        </p:nvPicPr>
-        <p:blipFill>
-          <a:blip r:embed="rId2"/>
-          <a:stretch>
-            <a:fillRect/>
-          </a:stretch>
-        </p:blipFill>
-        <p:spPr>
-          <a:xfrm>
-            <a:off x="480000" y="1339588"/>
-            <a:ext cx="6409898" cy="3871076"/>
-          </a:xfrm>
-          <a:prstGeom prst="rect">
-            <a:avLst/>
-          </a:prstGeom>
-        </p:spPr>
-      </p:pic>
-    </p:spTree>
-    <p:extLst>
-      <p:ext uri="{BB962C8B-B14F-4D97-AF65-F5344CB8AC3E}">
-        <p14:creationId xmlns:p14="http://schemas.microsoft.com/office/powerpoint/2010/main" val="4149411941"/>
-      </p:ext>
-    </p:extLst>
-  </p:cSld>
-  <p:clrMapOvr>
-    <a:masterClrMapping/>
-  </p:clrMapOvr>
-  <p:transition>
-    <p:fade/>
-  </p:transition>
-</p:sld>
-</file>
-
-<file path=ppt/slides/slide12.xml><?xml version="1.0" encoding="utf-8"?>
-<p:sld xmlns:a="http://schemas.openxmlformats.org/drawingml/2006/main" xmlns:r="http://schemas.openxmlformats.org/officeDocument/2006/relationships" xmlns:p="http://schemas.openxmlformats.org/presentationml/2006/main">
-  <p:cSld>
-    <p:spTree>
-      <p:nvGrpSpPr>
-        <p:cNvPr id="1" name=""/>
-        <p:cNvGrpSpPr/>
-        <p:nvPr/>
-      </p:nvGrpSpPr>
-      <p:grpSpPr>
-        <a:xfrm>
-          <a:off x="0" y="0"/>
-          <a:ext cx="0" cy="0"/>
-          <a:chOff x="0" y="0"/>
-          <a:chExt cx="0" cy="0"/>
-        </a:xfrm>
-      </p:grpSpPr>
-      <p:sp>
-        <p:nvSpPr>
-          <p:cNvPr id="2" name="Title 1">
-            <a:extLst>
-              <a:ext uri="{FF2B5EF4-FFF2-40B4-BE49-F238E27FC236}">
-                <a16:creationId xmlns:a16="http://schemas.microsoft.com/office/drawing/2014/main" id="{6F9ABF01-44BC-808A-8F0E-2D35C6617889}"/>
-              </a:ext>
-            </a:extLst>
-          </p:cNvPr>
-          <p:cNvSpPr>
-            <a:spLocks noGrp="1"/>
-          </p:cNvSpPr>
-          <p:nvPr>
-            <p:ph type="title"/>
-          </p:nvPr>
-        </p:nvSpPr>
-        <p:spPr/>
-        <p:txBody>
-          <a:bodyPr/>
-          <a:lstStyle/>
-          <a:p>
-            <a:r>
-              <a:rPr lang="en-US" dirty="0"/>
-              <a:t>Solving a non-linear problem</a:t>
-            </a:r>
-          </a:p>
-        </p:txBody>
-      </p:sp>
-      <p:pic>
-        <p:nvPicPr>
-          <p:cNvPr id="4" name="Picture 3">
-            <a:extLst>
-              <a:ext uri="{FF2B5EF4-FFF2-40B4-BE49-F238E27FC236}">
-                <a16:creationId xmlns:a16="http://schemas.microsoft.com/office/drawing/2014/main" id="{8FB1B492-D1A8-EF2A-E57D-9BD4FA20B15A}"/>
-              </a:ext>
-            </a:extLst>
-          </p:cNvPr>
-          <p:cNvPicPr>
-            <a:picLocks noChangeAspect="1"/>
-          </p:cNvPicPr>
-          <p:nvPr/>
-        </p:nvPicPr>
-        <p:blipFill>
-          <a:blip r:embed="rId2"/>
-          <a:stretch>
-            <a:fillRect/>
-          </a:stretch>
-        </p:blipFill>
-        <p:spPr>
-          <a:xfrm>
-            <a:off x="480000" y="1006953"/>
-            <a:ext cx="9950540" cy="5509457"/>
-          </a:xfrm>
-          <a:prstGeom prst="rect">
-            <a:avLst/>
-          </a:prstGeom>
-        </p:spPr>
-      </p:pic>
-    </p:spTree>
-    <p:extLst>
-      <p:ext uri="{BB962C8B-B14F-4D97-AF65-F5344CB8AC3E}">
-        <p14:creationId xmlns:p14="http://schemas.microsoft.com/office/powerpoint/2010/main" val="51371531"/>
-      </p:ext>
-    </p:extLst>
-  </p:cSld>
-  <p:clrMapOvr>
-    <a:masterClrMapping/>
-  </p:clrMapOvr>
-  <p:transition>
-    <p:fade/>
-  </p:transition>
-</p:sld>
-</file>
-
-<file path=ppt/slides/slide13.xml><?xml version="1.0" encoding="utf-8"?>
-<p:sld xmlns:a="http://schemas.openxmlformats.org/drawingml/2006/main" xmlns:r="http://schemas.openxmlformats.org/officeDocument/2006/relationships" xmlns:p="http://schemas.openxmlformats.org/presentationml/2006/main">
-  <p:cSld>
-    <p:spTree>
-      <p:nvGrpSpPr>
-        <p:cNvPr id="1" name=""/>
-        <p:cNvGrpSpPr/>
-        <p:nvPr/>
-      </p:nvGrpSpPr>
-      <p:grpSpPr>
-        <a:xfrm>
-          <a:off x="0" y="0"/>
-          <a:ext cx="0" cy="0"/>
-          <a:chOff x="0" y="0"/>
-          <a:chExt cx="0" cy="0"/>
-        </a:xfrm>
-      </p:grpSpPr>
-      <p:sp>
-        <p:nvSpPr>
-          <p:cNvPr id="2" name="Title 1">
-            <a:extLst>
-              <a:ext uri="{FF2B5EF4-FFF2-40B4-BE49-F238E27FC236}">
-                <a16:creationId xmlns:a16="http://schemas.microsoft.com/office/drawing/2014/main" id="{98DF3BC9-8B86-65B7-B13D-DFF03170960D}"/>
-              </a:ext>
-            </a:extLst>
-          </p:cNvPr>
-          <p:cNvSpPr>
-            <a:spLocks noGrp="1"/>
-          </p:cNvSpPr>
-          <p:nvPr>
-            <p:ph type="title"/>
-          </p:nvPr>
-        </p:nvSpPr>
-        <p:spPr/>
-        <p:txBody>
-          <a:bodyPr/>
-          <a:lstStyle/>
-          <a:p>
-            <a:r>
-              <a:rPr lang="en-US" dirty="0"/>
-              <a:t>Solving a non-linear problem</a:t>
-            </a:r>
-          </a:p>
-        </p:txBody>
-      </p:sp>
-      <p:pic>
-        <p:nvPicPr>
-          <p:cNvPr id="6" name="Picture 5">
-            <a:extLst>
-              <a:ext uri="{FF2B5EF4-FFF2-40B4-BE49-F238E27FC236}">
-                <a16:creationId xmlns:a16="http://schemas.microsoft.com/office/drawing/2014/main" id="{9DA3C967-049D-1DA3-7619-EAAB1F465646}"/>
-              </a:ext>
-            </a:extLst>
-          </p:cNvPr>
-          <p:cNvPicPr>
-            <a:picLocks noChangeAspect="1"/>
-          </p:cNvPicPr>
-          <p:nvPr/>
-        </p:nvPicPr>
-        <p:blipFill>
-          <a:blip r:embed="rId2"/>
-          <a:stretch>
-            <a:fillRect/>
-          </a:stretch>
-        </p:blipFill>
-        <p:spPr>
-          <a:xfrm>
-            <a:off x="480000" y="998545"/>
-            <a:ext cx="10056865" cy="5491302"/>
-          </a:xfrm>
-          <a:prstGeom prst="rect">
-            <a:avLst/>
-          </a:prstGeom>
-        </p:spPr>
-      </p:pic>
-    </p:spTree>
-    <p:extLst>
-      <p:ext uri="{BB962C8B-B14F-4D97-AF65-F5344CB8AC3E}">
-        <p14:creationId xmlns:p14="http://schemas.microsoft.com/office/powerpoint/2010/main" val="1061895361"/>
-      </p:ext>
-    </p:extLst>
-  </p:cSld>
-  <p:clrMapOvr>
-    <a:masterClrMapping/>
-  </p:clrMapOvr>
-  <p:transition>
-    <p:fade/>
-  </p:transition>
-</p:sld>
-</file>
-
-<file path=ppt/slides/slide14.xml><?xml version="1.0" encoding="utf-8"?>
-<p:sld xmlns:a="http://schemas.openxmlformats.org/drawingml/2006/main" xmlns:r="http://schemas.openxmlformats.org/officeDocument/2006/relationships" xmlns:p="http://schemas.openxmlformats.org/presentationml/2006/main">
-  <p:cSld>
-    <p:spTree>
-      <p:nvGrpSpPr>
-        <p:cNvPr id="1" name=""/>
-        <p:cNvGrpSpPr/>
-        <p:nvPr/>
-      </p:nvGrpSpPr>
-      <p:grpSpPr>
-        <a:xfrm>
-          <a:off x="0" y="0"/>
-          <a:ext cx="0" cy="0"/>
-          <a:chOff x="0" y="0"/>
-          <a:chExt cx="0" cy="0"/>
-        </a:xfrm>
-      </p:grpSpPr>
-      <p:pic>
-        <p:nvPicPr>
-          <p:cNvPr id="1026" name="Picture 2" descr="Data">
-            <a:extLst>
-              <a:ext uri="{FF2B5EF4-FFF2-40B4-BE49-F238E27FC236}">
-                <a16:creationId xmlns:a16="http://schemas.microsoft.com/office/drawing/2014/main" id="{83361A9B-8EFA-96E1-233F-87235F77B46C}"/>
-              </a:ext>
-            </a:extLst>
-          </p:cNvPr>
-          <p:cNvPicPr>
-            <a:picLocks noChangeAspect="1" noChangeArrowheads="1"/>
-          </p:cNvPicPr>
-          <p:nvPr/>
-        </p:nvPicPr>
-        <p:blipFill>
-          <a:blip r:embed="rId2">
-            <a:extLst>
-              <a:ext uri="{28A0092B-C50C-407E-A947-70E740481C1C}">
-                <a14:useLocalDpi xmlns:a14="http://schemas.microsoft.com/office/drawing/2010/main" val="0"/>
-              </a:ext>
-            </a:extLst>
-          </a:blip>
-          <a:srcRect/>
-          <a:stretch>
-            <a:fillRect/>
-          </a:stretch>
-        </p:blipFill>
-        <p:spPr bwMode="auto">
-          <a:xfrm>
-            <a:off x="4894449" y="1050549"/>
-            <a:ext cx="4894950" cy="3671212"/>
-          </a:xfrm>
-          <a:prstGeom prst="rect">
-            <a:avLst/>
-          </a:prstGeom>
-          <a:noFill/>
-          <a:extLst>
-            <a:ext uri="{909E8E84-426E-40DD-AFC4-6F175D3DCCD1}">
-              <a14:hiddenFill xmlns:a14="http://schemas.microsoft.com/office/drawing/2010/main">
-                <a:solidFill>
-                  <a:srgbClr val="FFFFFF"/>
-                </a:solidFill>
-              </a14:hiddenFill>
-            </a:ext>
-          </a:extLst>
-        </p:spPr>
-      </p:pic>
-      <p:sp>
-        <p:nvSpPr>
-          <p:cNvPr id="2" name="Title 1">
-            <a:extLst>
-              <a:ext uri="{FF2B5EF4-FFF2-40B4-BE49-F238E27FC236}">
-                <a16:creationId xmlns:a16="http://schemas.microsoft.com/office/drawing/2014/main" id="{BE6308F2-B466-EED3-F017-974A9A7CA210}"/>
-              </a:ext>
-            </a:extLst>
-          </p:cNvPr>
-          <p:cNvSpPr>
-            <a:spLocks noGrp="1"/>
-          </p:cNvSpPr>
-          <p:nvPr>
-            <p:ph type="title"/>
-          </p:nvPr>
-        </p:nvSpPr>
-        <p:spPr/>
-        <p:txBody>
-          <a:bodyPr/>
-          <a:lstStyle/>
-          <a:p>
-            <a:r>
-              <a:rPr lang="en-US" dirty="0"/>
-              <a:t>A single perceptron can only model linearly separable problems </a:t>
-            </a:r>
-          </a:p>
-        </p:txBody>
-      </p:sp>
-      <p:grpSp>
-        <p:nvGrpSpPr>
-          <p:cNvPr id="3" name="Group 2">
-            <a:extLst>
-              <a:ext uri="{FF2B5EF4-FFF2-40B4-BE49-F238E27FC236}">
-                <a16:creationId xmlns:a16="http://schemas.microsoft.com/office/drawing/2014/main" id="{5BE36A02-3311-30F1-556D-8F9023E8375E}"/>
-              </a:ext>
-            </a:extLst>
-          </p:cNvPr>
-          <p:cNvGrpSpPr/>
-          <p:nvPr/>
-        </p:nvGrpSpPr>
-        <p:grpSpPr>
-          <a:xfrm>
-            <a:off x="305330" y="985050"/>
-            <a:ext cx="3387900" cy="3261419"/>
-            <a:chOff x="305330" y="985050"/>
-            <a:chExt cx="3387900" cy="3261419"/>
-          </a:xfrm>
-        </p:grpSpPr>
-        <p:sp>
-          <p:nvSpPr>
-            <p:cNvPr id="11" name="Rectangle 10">
-              <a:extLst>
-                <a:ext uri="{FF2B5EF4-FFF2-40B4-BE49-F238E27FC236}">
-                  <a16:creationId xmlns:a16="http://schemas.microsoft.com/office/drawing/2014/main" id="{BC25E805-8937-A96D-DB4E-86862BB05D2D}"/>
-                </a:ext>
-              </a:extLst>
-            </p:cNvPr>
-            <p:cNvSpPr/>
-            <p:nvPr/>
-          </p:nvSpPr>
-          <p:spPr>
-            <a:xfrm>
-              <a:off x="775504" y="1107365"/>
-              <a:ext cx="2743200" cy="2743200"/>
-            </a:xfrm>
-            <a:prstGeom prst="rect">
-              <a:avLst/>
-            </a:prstGeom>
-            <a:noFill/>
-            <a:ln>
-              <a:solidFill>
-                <a:schemeClr val="tx1"/>
-              </a:solidFill>
-            </a:ln>
-            <a:effectLst/>
-          </p:spPr>
-          <p:style>
-            <a:lnRef idx="1">
-              <a:schemeClr val="accent1"/>
-            </a:lnRef>
-            <a:fillRef idx="3">
-              <a:schemeClr val="accent1"/>
-            </a:fillRef>
-            <a:effectRef idx="2">
-              <a:schemeClr val="accent1"/>
-            </a:effectRef>
-            <a:fontRef idx="minor">
-              <a:schemeClr val="lt1"/>
-            </a:fontRef>
-          </p:style>
-          <p:txBody>
-            <a:bodyPr rtlCol="0" anchor="t" anchorCtr="0"/>
-            <a:lstStyle/>
-            <a:p>
-              <a:pPr algn="l"/>
-              <a:endParaRPr lang="en-US" sz="1400" b="1" dirty="0">
-                <a:solidFill>
-                  <a:schemeClr val="tx1"/>
-                </a:solidFill>
-                <a:cs typeface="Georgia"/>
-              </a:endParaRPr>
-            </a:p>
-          </p:txBody>
-        </p:sp>
-        <p:sp>
-          <p:nvSpPr>
-            <p:cNvPr id="5" name="Oval 4">
-              <a:extLst>
-                <a:ext uri="{FF2B5EF4-FFF2-40B4-BE49-F238E27FC236}">
-                  <a16:creationId xmlns:a16="http://schemas.microsoft.com/office/drawing/2014/main" id="{BBAA1B22-CFE8-B050-F239-3F730CACC9C1}"/>
-                </a:ext>
-              </a:extLst>
-            </p:cNvPr>
-            <p:cNvSpPr/>
-            <p:nvPr/>
-          </p:nvSpPr>
-          <p:spPr>
-            <a:xfrm>
-              <a:off x="2824220" y="1419881"/>
-              <a:ext cx="150471" cy="150471"/>
-            </a:xfrm>
-            <a:prstGeom prst="ellipse">
-              <a:avLst/>
-            </a:prstGeom>
-            <a:solidFill>
-              <a:schemeClr val="accent6"/>
-            </a:solidFill>
-            <a:ln>
-              <a:noFill/>
-            </a:ln>
-            <a:effectLst/>
-          </p:spPr>
-          <p:style>
-            <a:lnRef idx="1">
-              <a:schemeClr val="accent1"/>
-            </a:lnRef>
-            <a:fillRef idx="3">
-              <a:schemeClr val="accent1"/>
-            </a:fillRef>
-            <a:effectRef idx="2">
-              <a:schemeClr val="accent1"/>
-            </a:effectRef>
-            <a:fontRef idx="minor">
-              <a:schemeClr val="lt1"/>
-            </a:fontRef>
-          </p:style>
-          <p:txBody>
-            <a:bodyPr rtlCol="0" anchor="t" anchorCtr="0"/>
-            <a:lstStyle/>
-            <a:p>
-              <a:pPr algn="l"/>
-              <a:endParaRPr lang="en-US" sz="1400" b="1" dirty="0">
-                <a:solidFill>
-                  <a:schemeClr val="tx1"/>
-                </a:solidFill>
-                <a:cs typeface="Georgia"/>
-              </a:endParaRPr>
-            </a:p>
-          </p:txBody>
-        </p:sp>
-        <p:sp>
-          <p:nvSpPr>
-            <p:cNvPr id="6" name="Oval 5">
-              <a:extLst>
-                <a:ext uri="{FF2B5EF4-FFF2-40B4-BE49-F238E27FC236}">
-                  <a16:creationId xmlns:a16="http://schemas.microsoft.com/office/drawing/2014/main" id="{FFF7843D-2229-65D8-04D5-DBED59553D1B}"/>
-                </a:ext>
-              </a:extLst>
-            </p:cNvPr>
-            <p:cNvSpPr/>
-            <p:nvPr/>
-          </p:nvSpPr>
-          <p:spPr>
-            <a:xfrm>
-              <a:off x="2976620" y="1572281"/>
-              <a:ext cx="150471" cy="150471"/>
-            </a:xfrm>
-            <a:prstGeom prst="ellipse">
-              <a:avLst/>
-            </a:prstGeom>
-            <a:solidFill>
-              <a:schemeClr val="accent6"/>
-            </a:solidFill>
-            <a:ln>
-              <a:noFill/>
-            </a:ln>
-            <a:effectLst/>
-          </p:spPr>
-          <p:style>
-            <a:lnRef idx="1">
-              <a:schemeClr val="accent1"/>
-            </a:lnRef>
-            <a:fillRef idx="3">
-              <a:schemeClr val="accent1"/>
-            </a:fillRef>
-            <a:effectRef idx="2">
-              <a:schemeClr val="accent1"/>
-            </a:effectRef>
-            <a:fontRef idx="minor">
-              <a:schemeClr val="lt1"/>
-            </a:fontRef>
-          </p:style>
-          <p:txBody>
-            <a:bodyPr rtlCol="0" anchor="t" anchorCtr="0"/>
-            <a:lstStyle/>
-            <a:p>
-              <a:pPr algn="l"/>
-              <a:endParaRPr lang="en-US" sz="1400" b="1" dirty="0">
-                <a:solidFill>
-                  <a:schemeClr val="tx1"/>
-                </a:solidFill>
-                <a:cs typeface="Georgia"/>
-              </a:endParaRPr>
-            </a:p>
-          </p:txBody>
-        </p:sp>
-        <p:sp>
-          <p:nvSpPr>
-            <p:cNvPr id="7" name="Oval 6">
-              <a:extLst>
-                <a:ext uri="{FF2B5EF4-FFF2-40B4-BE49-F238E27FC236}">
-                  <a16:creationId xmlns:a16="http://schemas.microsoft.com/office/drawing/2014/main" id="{81348B80-ECF7-1EB9-A8F0-ECEC9AB2DDF2}"/>
-                </a:ext>
-              </a:extLst>
-            </p:cNvPr>
-            <p:cNvSpPr/>
-            <p:nvPr/>
-          </p:nvSpPr>
-          <p:spPr>
-            <a:xfrm>
-              <a:off x="976132" y="1312379"/>
-              <a:ext cx="150471" cy="150471"/>
-            </a:xfrm>
-            <a:prstGeom prst="ellipse">
-              <a:avLst/>
-            </a:prstGeom>
-            <a:solidFill>
-              <a:schemeClr val="accent1"/>
-            </a:solidFill>
-            <a:ln>
-              <a:noFill/>
-            </a:ln>
-            <a:effectLst/>
-          </p:spPr>
-          <p:style>
-            <a:lnRef idx="1">
-              <a:schemeClr val="accent1"/>
-            </a:lnRef>
-            <a:fillRef idx="3">
-              <a:schemeClr val="accent1"/>
-            </a:fillRef>
-            <a:effectRef idx="2">
-              <a:schemeClr val="accent1"/>
-            </a:effectRef>
-            <a:fontRef idx="minor">
-              <a:schemeClr val="lt1"/>
-            </a:fontRef>
-          </p:style>
-          <p:txBody>
-            <a:bodyPr rtlCol="0" anchor="t" anchorCtr="0"/>
-            <a:lstStyle/>
-            <a:p>
-              <a:pPr algn="l"/>
-              <a:endParaRPr lang="en-US" sz="1400" b="1" dirty="0">
-                <a:solidFill>
-                  <a:schemeClr val="tx1"/>
-                </a:solidFill>
-                <a:cs typeface="Georgia"/>
-              </a:endParaRPr>
-            </a:p>
-          </p:txBody>
-        </p:sp>
-        <p:sp>
-          <p:nvSpPr>
-            <p:cNvPr id="8" name="Oval 7">
-              <a:extLst>
-                <a:ext uri="{FF2B5EF4-FFF2-40B4-BE49-F238E27FC236}">
-                  <a16:creationId xmlns:a16="http://schemas.microsoft.com/office/drawing/2014/main" id="{D8B0D86E-2C94-A534-5719-0064B8DCA78A}"/>
-                </a:ext>
-              </a:extLst>
-            </p:cNvPr>
-            <p:cNvSpPr/>
-            <p:nvPr/>
-          </p:nvSpPr>
-          <p:spPr>
-            <a:xfrm>
-              <a:off x="900896" y="3520685"/>
-              <a:ext cx="150471" cy="150471"/>
-            </a:xfrm>
-            <a:prstGeom prst="ellipse">
-              <a:avLst/>
-            </a:prstGeom>
-            <a:solidFill>
-              <a:schemeClr val="accent1"/>
-            </a:solidFill>
-            <a:ln>
-              <a:noFill/>
-            </a:ln>
-            <a:effectLst/>
-          </p:spPr>
-          <p:style>
-            <a:lnRef idx="1">
-              <a:schemeClr val="accent1"/>
-            </a:lnRef>
-            <a:fillRef idx="3">
-              <a:schemeClr val="accent1"/>
-            </a:fillRef>
-            <a:effectRef idx="2">
-              <a:schemeClr val="accent1"/>
-            </a:effectRef>
-            <a:fontRef idx="minor">
-              <a:schemeClr val="lt1"/>
-            </a:fontRef>
-          </p:style>
-          <p:txBody>
-            <a:bodyPr rtlCol="0" anchor="t" anchorCtr="0"/>
-            <a:lstStyle/>
-            <a:p>
-              <a:pPr algn="l"/>
-              <a:endParaRPr lang="en-US" sz="1400" b="1" dirty="0">
-                <a:solidFill>
-                  <a:schemeClr val="tx1"/>
-                </a:solidFill>
-                <a:cs typeface="Georgia"/>
-              </a:endParaRPr>
-            </a:p>
-          </p:txBody>
-        </p:sp>
-        <p:sp>
-          <p:nvSpPr>
-            <p:cNvPr id="9" name="Oval 8">
-              <a:extLst>
-                <a:ext uri="{FF2B5EF4-FFF2-40B4-BE49-F238E27FC236}">
-                  <a16:creationId xmlns:a16="http://schemas.microsoft.com/office/drawing/2014/main" id="{04612483-C754-3EE2-9B7E-BCC93AF462A2}"/>
-                </a:ext>
-              </a:extLst>
-            </p:cNvPr>
-            <p:cNvSpPr/>
-            <p:nvPr/>
-          </p:nvSpPr>
-          <p:spPr>
-            <a:xfrm>
-              <a:off x="3127091" y="3520685"/>
-              <a:ext cx="150471" cy="150471"/>
-            </a:xfrm>
-            <a:prstGeom prst="ellipse">
-              <a:avLst/>
-            </a:prstGeom>
-            <a:solidFill>
-              <a:schemeClr val="accent1"/>
-            </a:solidFill>
-            <a:ln>
-              <a:noFill/>
-            </a:ln>
-            <a:effectLst/>
-          </p:spPr>
-          <p:style>
-            <a:lnRef idx="1">
-              <a:schemeClr val="accent1"/>
-            </a:lnRef>
-            <a:fillRef idx="3">
-              <a:schemeClr val="accent1"/>
-            </a:fillRef>
-            <a:effectRef idx="2">
-              <a:schemeClr val="accent1"/>
-            </a:effectRef>
-            <a:fontRef idx="minor">
-              <a:schemeClr val="lt1"/>
-            </a:fontRef>
-          </p:style>
-          <p:txBody>
-            <a:bodyPr rtlCol="0" anchor="t" anchorCtr="0"/>
-            <a:lstStyle/>
-            <a:p>
-              <a:pPr algn="l"/>
-              <a:endParaRPr lang="en-US" sz="1400" b="1" dirty="0">
-                <a:solidFill>
-                  <a:schemeClr val="tx1"/>
-                </a:solidFill>
-                <a:cs typeface="Georgia"/>
-              </a:endParaRPr>
-            </a:p>
-          </p:txBody>
-        </p:sp>
-        <p:sp>
-          <p:nvSpPr>
-            <p:cNvPr id="12" name="TextBox 11">
-              <a:extLst>
-                <a:ext uri="{FF2B5EF4-FFF2-40B4-BE49-F238E27FC236}">
-                  <a16:creationId xmlns:a16="http://schemas.microsoft.com/office/drawing/2014/main" id="{F2CAD9D8-FDDD-8002-9D72-5DFA16771A34}"/>
-                </a:ext>
-              </a:extLst>
-            </p:cNvPr>
-            <p:cNvSpPr txBox="1"/>
-            <p:nvPr/>
-          </p:nvSpPr>
-          <p:spPr>
-            <a:xfrm>
-              <a:off x="2899455" y="1201020"/>
-              <a:ext cx="558166" cy="369332"/>
-            </a:xfrm>
-            <a:prstGeom prst="rect">
-              <a:avLst/>
-            </a:prstGeom>
-            <a:noFill/>
-          </p:spPr>
-          <p:txBody>
-            <a:bodyPr wrap="none" rtlCol="0">
-              <a:spAutoFit/>
-            </a:bodyPr>
-            <a:lstStyle/>
-            <a:p>
-              <a:r>
-                <a:rPr lang="en-US" dirty="0"/>
-                <a:t>Dog</a:t>
-              </a:r>
-            </a:p>
-          </p:txBody>
-        </p:sp>
-        <p:sp>
-          <p:nvSpPr>
-            <p:cNvPr id="13" name="TextBox 12">
-              <a:extLst>
-                <a:ext uri="{FF2B5EF4-FFF2-40B4-BE49-F238E27FC236}">
-                  <a16:creationId xmlns:a16="http://schemas.microsoft.com/office/drawing/2014/main" id="{C887A228-31F3-A995-6391-4D700236C2AF}"/>
-                </a:ext>
-              </a:extLst>
-            </p:cNvPr>
-            <p:cNvSpPr txBox="1"/>
-            <p:nvPr/>
-          </p:nvSpPr>
-          <p:spPr>
-            <a:xfrm>
-              <a:off x="3072726" y="1462850"/>
-              <a:ext cx="493533" cy="369332"/>
-            </a:xfrm>
-            <a:prstGeom prst="rect">
-              <a:avLst/>
-            </a:prstGeom>
-            <a:noFill/>
-          </p:spPr>
-          <p:txBody>
-            <a:bodyPr wrap="none" rtlCol="0">
-              <a:spAutoFit/>
-            </a:bodyPr>
-            <a:lstStyle/>
-            <a:p>
-              <a:r>
-                <a:rPr lang="en-US" dirty="0"/>
-                <a:t>Cat</a:t>
-              </a:r>
-            </a:p>
-          </p:txBody>
-        </p:sp>
-        <p:sp>
-          <p:nvSpPr>
-            <p:cNvPr id="16" name="TextBox 15">
-              <a:extLst>
-                <a:ext uri="{FF2B5EF4-FFF2-40B4-BE49-F238E27FC236}">
-                  <a16:creationId xmlns:a16="http://schemas.microsoft.com/office/drawing/2014/main" id="{01114295-92F0-6CDB-25AC-B03640017D07}"/>
-                </a:ext>
-              </a:extLst>
-            </p:cNvPr>
-            <p:cNvSpPr txBox="1"/>
-            <p:nvPr/>
-          </p:nvSpPr>
-          <p:spPr>
-            <a:xfrm>
-              <a:off x="1670563" y="3877137"/>
-              <a:ext cx="953081" cy="369332"/>
-            </a:xfrm>
-            <a:prstGeom prst="rect">
-              <a:avLst/>
-            </a:prstGeom>
-            <a:noFill/>
-          </p:spPr>
-          <p:txBody>
-            <a:bodyPr wrap="none" rtlCol="0">
-              <a:spAutoFit/>
-            </a:bodyPr>
-            <a:lstStyle/>
-            <a:p>
-              <a:r>
-                <a:rPr lang="en-US" dirty="0"/>
-                <a:t>Lactates</a:t>
-              </a:r>
-            </a:p>
-          </p:txBody>
-        </p:sp>
-        <p:sp>
-          <p:nvSpPr>
-            <p:cNvPr id="17" name="TextBox 16">
-              <a:extLst>
-                <a:ext uri="{FF2B5EF4-FFF2-40B4-BE49-F238E27FC236}">
-                  <a16:creationId xmlns:a16="http://schemas.microsoft.com/office/drawing/2014/main" id="{90A3BD21-6E8F-C237-1F4D-5100C3F20EDC}"/>
-                </a:ext>
-              </a:extLst>
-            </p:cNvPr>
-            <p:cNvSpPr txBox="1"/>
-            <p:nvPr/>
-          </p:nvSpPr>
-          <p:spPr>
-            <a:xfrm rot="16200000">
-              <a:off x="-28672" y="2324867"/>
-              <a:ext cx="1037335" cy="369332"/>
-            </a:xfrm>
-            <a:prstGeom prst="rect">
-              <a:avLst/>
-            </a:prstGeom>
-            <a:noFill/>
-          </p:spPr>
-          <p:txBody>
-            <a:bodyPr wrap="none" rtlCol="0">
-              <a:spAutoFit/>
-            </a:bodyPr>
-            <a:lstStyle/>
-            <a:p>
-              <a:r>
-                <a:rPr lang="en-US" dirty="0"/>
-                <a:t>Placental</a:t>
-              </a:r>
-            </a:p>
-          </p:txBody>
-        </p:sp>
-        <p:sp>
-          <p:nvSpPr>
-            <p:cNvPr id="18" name="TextBox 17">
-              <a:extLst>
-                <a:ext uri="{FF2B5EF4-FFF2-40B4-BE49-F238E27FC236}">
-                  <a16:creationId xmlns:a16="http://schemas.microsoft.com/office/drawing/2014/main" id="{11AA189B-2738-6135-E235-CE955E94CFC9}"/>
-                </a:ext>
-              </a:extLst>
-            </p:cNvPr>
-            <p:cNvSpPr txBox="1"/>
-            <p:nvPr/>
-          </p:nvSpPr>
-          <p:spPr>
-            <a:xfrm>
-              <a:off x="990755" y="3411254"/>
-              <a:ext cx="732316" cy="369332"/>
-            </a:xfrm>
-            <a:prstGeom prst="rect">
-              <a:avLst/>
-            </a:prstGeom>
-            <a:noFill/>
-          </p:spPr>
-          <p:txBody>
-            <a:bodyPr wrap="none" rtlCol="0">
-              <a:spAutoFit/>
-            </a:bodyPr>
-            <a:lstStyle/>
-            <a:p>
-              <a:r>
-                <a:rPr lang="en-US" dirty="0"/>
-                <a:t>Lizard</a:t>
-              </a:r>
-            </a:p>
-          </p:txBody>
-        </p:sp>
-        <p:sp>
-          <p:nvSpPr>
-            <p:cNvPr id="19" name="TextBox 18">
-              <a:extLst>
-                <a:ext uri="{FF2B5EF4-FFF2-40B4-BE49-F238E27FC236}">
-                  <a16:creationId xmlns:a16="http://schemas.microsoft.com/office/drawing/2014/main" id="{0129C2B0-02EC-5399-AE6F-2DE4F55F475E}"/>
-                </a:ext>
-              </a:extLst>
-            </p:cNvPr>
-            <p:cNvSpPr txBox="1"/>
-            <p:nvPr/>
-          </p:nvSpPr>
-          <p:spPr>
-            <a:xfrm>
-              <a:off x="876938" y="1402610"/>
-              <a:ext cx="1096775" cy="369332"/>
-            </a:xfrm>
-            <a:prstGeom prst="rect">
-              <a:avLst/>
-            </a:prstGeom>
-            <a:noFill/>
-          </p:spPr>
-          <p:txBody>
-            <a:bodyPr wrap="none" rtlCol="0">
-              <a:spAutoFit/>
-            </a:bodyPr>
-            <a:lstStyle/>
-            <a:p>
-              <a:r>
-                <a:rPr lang="en-US" dirty="0"/>
-                <a:t>Bull shark</a:t>
-              </a:r>
-            </a:p>
-          </p:txBody>
-        </p:sp>
-        <p:sp>
-          <p:nvSpPr>
-            <p:cNvPr id="20" name="TextBox 19">
-              <a:extLst>
-                <a:ext uri="{FF2B5EF4-FFF2-40B4-BE49-F238E27FC236}">
-                  <a16:creationId xmlns:a16="http://schemas.microsoft.com/office/drawing/2014/main" id="{F75B40BA-EACD-76EF-06D2-D586D4945E8E}"/>
-                </a:ext>
-              </a:extLst>
-            </p:cNvPr>
-            <p:cNvSpPr txBox="1"/>
-            <p:nvPr/>
-          </p:nvSpPr>
-          <p:spPr>
-            <a:xfrm>
-              <a:off x="2623644" y="3166095"/>
-              <a:ext cx="822341" cy="369332"/>
-            </a:xfrm>
-            <a:prstGeom prst="rect">
-              <a:avLst/>
-            </a:prstGeom>
-            <a:noFill/>
-          </p:spPr>
-          <p:txBody>
-            <a:bodyPr wrap="none" rtlCol="0">
-              <a:spAutoFit/>
-            </a:bodyPr>
-            <a:lstStyle/>
-            <a:p>
-              <a:r>
-                <a:rPr lang="en-US" dirty="0"/>
-                <a:t>Pigeon</a:t>
-              </a:r>
-            </a:p>
-          </p:txBody>
-        </p:sp>
-        <p:sp>
-          <p:nvSpPr>
-            <p:cNvPr id="21" name="TextBox 20">
-              <a:extLst>
-                <a:ext uri="{FF2B5EF4-FFF2-40B4-BE49-F238E27FC236}">
-                  <a16:creationId xmlns:a16="http://schemas.microsoft.com/office/drawing/2014/main" id="{E7593DE6-77E7-6A18-BC61-7295B00F45DA}"/>
-                </a:ext>
-              </a:extLst>
-            </p:cNvPr>
-            <p:cNvSpPr txBox="1"/>
-            <p:nvPr/>
-          </p:nvSpPr>
-          <p:spPr>
-            <a:xfrm>
-              <a:off x="534104" y="3780586"/>
-              <a:ext cx="301686" cy="369332"/>
-            </a:xfrm>
-            <a:prstGeom prst="rect">
-              <a:avLst/>
-            </a:prstGeom>
-            <a:noFill/>
-          </p:spPr>
-          <p:txBody>
-            <a:bodyPr wrap="none" rtlCol="0">
-              <a:spAutoFit/>
-            </a:bodyPr>
-            <a:lstStyle/>
-            <a:p>
-              <a:r>
-                <a:rPr lang="en-US" dirty="0"/>
-                <a:t>0</a:t>
-              </a:r>
-            </a:p>
-          </p:txBody>
-        </p:sp>
-        <p:sp>
-          <p:nvSpPr>
-            <p:cNvPr id="22" name="TextBox 21">
-              <a:extLst>
-                <a:ext uri="{FF2B5EF4-FFF2-40B4-BE49-F238E27FC236}">
-                  <a16:creationId xmlns:a16="http://schemas.microsoft.com/office/drawing/2014/main" id="{BFE03B20-8AE0-78BB-9B79-AE5803D9DEA3}"/>
-                </a:ext>
-              </a:extLst>
-            </p:cNvPr>
-            <p:cNvSpPr txBox="1"/>
-            <p:nvPr/>
-          </p:nvSpPr>
-          <p:spPr>
-            <a:xfrm>
-              <a:off x="3285794" y="3815576"/>
-              <a:ext cx="301686" cy="369332"/>
-            </a:xfrm>
-            <a:prstGeom prst="rect">
-              <a:avLst/>
-            </a:prstGeom>
-            <a:noFill/>
-          </p:spPr>
-          <p:txBody>
-            <a:bodyPr wrap="none" rtlCol="0">
-              <a:spAutoFit/>
-            </a:bodyPr>
-            <a:lstStyle/>
-            <a:p>
-              <a:r>
-                <a:rPr lang="en-US" dirty="0"/>
-                <a:t>1</a:t>
-              </a:r>
-            </a:p>
-          </p:txBody>
-        </p:sp>
-        <p:sp>
-          <p:nvSpPr>
-            <p:cNvPr id="23" name="TextBox 22">
-              <a:extLst>
-                <a:ext uri="{FF2B5EF4-FFF2-40B4-BE49-F238E27FC236}">
-                  <a16:creationId xmlns:a16="http://schemas.microsoft.com/office/drawing/2014/main" id="{41D6D2FA-CD3A-CF1E-AFB4-E1335A6450D6}"/>
-                </a:ext>
-              </a:extLst>
-            </p:cNvPr>
-            <p:cNvSpPr txBox="1"/>
-            <p:nvPr/>
-          </p:nvSpPr>
-          <p:spPr>
-            <a:xfrm>
-              <a:off x="412735" y="1050549"/>
-              <a:ext cx="301686" cy="369332"/>
-            </a:xfrm>
-            <a:prstGeom prst="rect">
-              <a:avLst/>
-            </a:prstGeom>
-            <a:noFill/>
-          </p:spPr>
-          <p:txBody>
-            <a:bodyPr wrap="none" rtlCol="0">
-              <a:spAutoFit/>
-            </a:bodyPr>
-            <a:lstStyle/>
-            <a:p>
-              <a:r>
-                <a:rPr lang="en-US" dirty="0"/>
-                <a:t>1</a:t>
-              </a:r>
-            </a:p>
-          </p:txBody>
-        </p:sp>
-        <p:cxnSp>
-          <p:nvCxnSpPr>
-            <p:cNvPr id="25" name="Straight Connector 24">
-              <a:extLst>
-                <a:ext uri="{FF2B5EF4-FFF2-40B4-BE49-F238E27FC236}">
-                  <a16:creationId xmlns:a16="http://schemas.microsoft.com/office/drawing/2014/main" id="{0EA46C8C-5F94-87B7-37A5-A2C615553738}"/>
-                </a:ext>
-              </a:extLst>
-            </p:cNvPr>
-            <p:cNvCxnSpPr>
-              <a:cxnSpLocks/>
-            </p:cNvCxnSpPr>
-            <p:nvPr/>
-          </p:nvCxnSpPr>
-          <p:spPr>
-            <a:xfrm>
-              <a:off x="1624263" y="985050"/>
-              <a:ext cx="2068967" cy="2321501"/>
-            </a:xfrm>
-            <a:prstGeom prst="line">
-              <a:avLst/>
-            </a:prstGeom>
-            <a:ln>
-              <a:prstDash val="dash"/>
-            </a:ln>
-          </p:spPr>
-          <p:style>
-            <a:lnRef idx="2">
-              <a:schemeClr val="accent1"/>
-            </a:lnRef>
-            <a:fillRef idx="0">
-              <a:schemeClr val="accent1"/>
-            </a:fillRef>
-            <a:effectRef idx="1">
-              <a:schemeClr val="accent1"/>
-            </a:effectRef>
-            <a:fontRef idx="minor">
-              <a:schemeClr val="tx1"/>
-            </a:fontRef>
-          </p:style>
-        </p:cxnSp>
-      </p:grpSp>
-      <p:sp>
-        <p:nvSpPr>
-          <p:cNvPr id="32" name="Freeform 31">
-            <a:extLst>
-              <a:ext uri="{FF2B5EF4-FFF2-40B4-BE49-F238E27FC236}">
-                <a16:creationId xmlns:a16="http://schemas.microsoft.com/office/drawing/2014/main" id="{E01FFCB4-2ADB-E576-5807-73C1CC3DA7AA}"/>
-              </a:ext>
-            </a:extLst>
-          </p:cNvPr>
-          <p:cNvSpPr/>
-          <p:nvPr/>
-        </p:nvSpPr>
-        <p:spPr>
-          <a:xfrm>
-            <a:off x="5268667" y="1195665"/>
-            <a:ext cx="3946967" cy="2789499"/>
-          </a:xfrm>
-          <a:custGeom>
-            <a:avLst/>
-            <a:gdLst>
-              <a:gd name="connsiteX0" fmla="*/ 0 w 3946967"/>
-              <a:gd name="connsiteY0" fmla="*/ 2789499 h 2789499"/>
-              <a:gd name="connsiteX1" fmla="*/ 1689903 w 3946967"/>
-              <a:gd name="connsiteY1" fmla="*/ 1122744 h 2789499"/>
-              <a:gd name="connsiteX2" fmla="*/ 2558005 w 3946967"/>
-              <a:gd name="connsiteY2" fmla="*/ 1689904 h 2789499"/>
-              <a:gd name="connsiteX3" fmla="*/ 3946967 w 3946967"/>
-              <a:gd name="connsiteY3" fmla="*/ 0 h 2789499"/>
-              <a:gd name="connsiteX4" fmla="*/ 3946967 w 3946967"/>
-              <a:gd name="connsiteY4" fmla="*/ 0 h 2789499"/>
-            </a:gdLst>
-            <a:ahLst/>
-            <a:cxnLst>
-              <a:cxn ang="0">
-                <a:pos x="connsiteX0" y="connsiteY0"/>
-              </a:cxn>
-              <a:cxn ang="0">
-                <a:pos x="connsiteX1" y="connsiteY1"/>
-              </a:cxn>
-              <a:cxn ang="0">
-                <a:pos x="connsiteX2" y="connsiteY2"/>
-              </a:cxn>
-              <a:cxn ang="0">
-                <a:pos x="connsiteX3" y="connsiteY3"/>
-              </a:cxn>
-              <a:cxn ang="0">
-                <a:pos x="connsiteX4" y="connsiteY4"/>
-              </a:cxn>
-            </a:cxnLst>
-            <a:rect l="l" t="t" r="r" b="b"/>
-            <a:pathLst>
-              <a:path w="3946967" h="2789499">
-                <a:moveTo>
-                  <a:pt x="0" y="2789499"/>
-                </a:moveTo>
-                <a:cubicBezTo>
-                  <a:pt x="631784" y="2047754"/>
-                  <a:pt x="1263569" y="1306010"/>
-                  <a:pt x="1689903" y="1122744"/>
-                </a:cubicBezTo>
-                <a:cubicBezTo>
-                  <a:pt x="2116237" y="939478"/>
-                  <a:pt x="2181828" y="1877028"/>
-                  <a:pt x="2558005" y="1689904"/>
-                </a:cubicBezTo>
-                <a:cubicBezTo>
-                  <a:pt x="2934182" y="1502780"/>
-                  <a:pt x="3946967" y="0"/>
-                  <a:pt x="3946967" y="0"/>
-                </a:cubicBezTo>
-                <a:lnTo>
-                  <a:pt x="3946967" y="0"/>
-                </a:lnTo>
-              </a:path>
-            </a:pathLst>
-          </a:custGeom>
-          <a:noFill/>
-          <a:ln w="19050">
-            <a:solidFill>
-              <a:schemeClr val="accent1"/>
-            </a:solidFill>
-            <a:prstDash val="dash"/>
-          </a:ln>
-          <a:effectLst/>
-        </p:spPr>
-        <p:style>
-          <a:lnRef idx="1">
-            <a:schemeClr val="accent1"/>
-          </a:lnRef>
-          <a:fillRef idx="3">
-            <a:schemeClr val="accent1"/>
-          </a:fillRef>
-          <a:effectRef idx="2">
-            <a:schemeClr val="accent1"/>
-          </a:effectRef>
-          <a:fontRef idx="minor">
-            <a:schemeClr val="lt1"/>
-          </a:fontRef>
-        </p:style>
-        <p:txBody>
-          <a:bodyPr rtlCol="0" anchor="ctr"/>
-          <a:lstStyle/>
-          <a:p>
-            <a:pPr algn="ctr"/>
-            <a:endParaRPr lang="en-US"/>
-          </a:p>
-        </p:txBody>
-      </p:sp>
-      <p:grpSp>
-        <p:nvGrpSpPr>
-          <p:cNvPr id="1034" name="Group 1033">
-            <a:extLst>
-              <a:ext uri="{FF2B5EF4-FFF2-40B4-BE49-F238E27FC236}">
-                <a16:creationId xmlns:a16="http://schemas.microsoft.com/office/drawing/2014/main" id="{9560DAFD-9A09-8198-376F-A2753E1CEB6E}"/>
-              </a:ext>
-            </a:extLst>
-          </p:cNvPr>
-          <p:cNvGrpSpPr/>
-          <p:nvPr/>
-        </p:nvGrpSpPr>
-        <p:grpSpPr>
-          <a:xfrm>
-            <a:off x="7984892" y="4825477"/>
-            <a:ext cx="1804507" cy="1852523"/>
-            <a:chOff x="2243138" y="4917276"/>
-            <a:chExt cx="1804507" cy="1852523"/>
-          </a:xfrm>
-        </p:grpSpPr>
-        <p:sp>
-          <p:nvSpPr>
-            <p:cNvPr id="35" name="Oval 34">
-              <a:extLst>
-                <a:ext uri="{FF2B5EF4-FFF2-40B4-BE49-F238E27FC236}">
-                  <a16:creationId xmlns:a16="http://schemas.microsoft.com/office/drawing/2014/main" id="{893D5785-539F-2857-A754-1DEA2711E77B}"/>
-                </a:ext>
-              </a:extLst>
-            </p:cNvPr>
-            <p:cNvSpPr/>
-            <p:nvPr/>
-          </p:nvSpPr>
-          <p:spPr>
-            <a:xfrm>
-              <a:off x="2243138" y="5303424"/>
-              <a:ext cx="380506" cy="380506"/>
-            </a:xfrm>
-            <a:prstGeom prst="ellipse">
-              <a:avLst/>
-            </a:prstGeom>
-            <a:solidFill>
-              <a:schemeClr val="bg1"/>
-            </a:solidFill>
-            <a:ln>
-              <a:solidFill>
-                <a:schemeClr val="tx1"/>
-              </a:solidFill>
-            </a:ln>
-            <a:effectLst/>
-          </p:spPr>
-          <p:style>
-            <a:lnRef idx="1">
-              <a:schemeClr val="accent1"/>
-            </a:lnRef>
-            <a:fillRef idx="3">
-              <a:schemeClr val="accent1"/>
-            </a:fillRef>
-            <a:effectRef idx="2">
-              <a:schemeClr val="accent1"/>
-            </a:effectRef>
-            <a:fontRef idx="minor">
-              <a:schemeClr val="lt1"/>
-            </a:fontRef>
-          </p:style>
-          <p:txBody>
-            <a:bodyPr rtlCol="0" anchor="t" anchorCtr="0"/>
-            <a:lstStyle/>
-            <a:p>
-              <a:pPr algn="l"/>
-              <a:endParaRPr lang="en-US" sz="1400" b="1" dirty="0">
-                <a:solidFill>
-                  <a:schemeClr val="tx1"/>
-                </a:solidFill>
-                <a:cs typeface="Georgia"/>
-              </a:endParaRPr>
-            </a:p>
-          </p:txBody>
-        </p:sp>
-        <p:sp>
-          <p:nvSpPr>
-            <p:cNvPr id="36" name="Oval 35">
-              <a:extLst>
-                <a:ext uri="{FF2B5EF4-FFF2-40B4-BE49-F238E27FC236}">
-                  <a16:creationId xmlns:a16="http://schemas.microsoft.com/office/drawing/2014/main" id="{C21318A4-671B-992E-35A4-340D631493BD}"/>
-                </a:ext>
-              </a:extLst>
-            </p:cNvPr>
-            <p:cNvSpPr/>
-            <p:nvPr/>
-          </p:nvSpPr>
-          <p:spPr>
-            <a:xfrm>
-              <a:off x="2243138" y="6013553"/>
-              <a:ext cx="380506" cy="380506"/>
-            </a:xfrm>
-            <a:prstGeom prst="ellipse">
-              <a:avLst/>
-            </a:prstGeom>
-            <a:solidFill>
-              <a:schemeClr val="bg1"/>
-            </a:solidFill>
-            <a:ln>
-              <a:solidFill>
-                <a:schemeClr val="tx1"/>
-              </a:solidFill>
-            </a:ln>
-            <a:effectLst/>
-          </p:spPr>
-          <p:style>
-            <a:lnRef idx="1">
-              <a:schemeClr val="accent1"/>
-            </a:lnRef>
-            <a:fillRef idx="3">
-              <a:schemeClr val="accent1"/>
-            </a:fillRef>
-            <a:effectRef idx="2">
-              <a:schemeClr val="accent1"/>
-            </a:effectRef>
-            <a:fontRef idx="minor">
-              <a:schemeClr val="lt1"/>
-            </a:fontRef>
-          </p:style>
-          <p:txBody>
-            <a:bodyPr rtlCol="0" anchor="t" anchorCtr="0"/>
-            <a:lstStyle/>
-            <a:p>
-              <a:pPr algn="l"/>
-              <a:endParaRPr lang="en-US" sz="1400" b="1" dirty="0">
-                <a:solidFill>
-                  <a:schemeClr val="tx1"/>
-                </a:solidFill>
-                <a:cs typeface="Georgia"/>
-              </a:endParaRPr>
-            </a:p>
-          </p:txBody>
-        </p:sp>
-        <p:sp>
-          <p:nvSpPr>
-            <p:cNvPr id="37" name="Oval 36">
-              <a:extLst>
-                <a:ext uri="{FF2B5EF4-FFF2-40B4-BE49-F238E27FC236}">
-                  <a16:creationId xmlns:a16="http://schemas.microsoft.com/office/drawing/2014/main" id="{EEAE5882-1313-36A4-0BEF-3685C6837548}"/>
-                </a:ext>
-              </a:extLst>
-            </p:cNvPr>
-            <p:cNvSpPr/>
-            <p:nvPr/>
-          </p:nvSpPr>
-          <p:spPr>
-            <a:xfrm>
-              <a:off x="3667139" y="5298658"/>
-              <a:ext cx="380506" cy="380506"/>
-            </a:xfrm>
-            <a:prstGeom prst="ellipse">
-              <a:avLst/>
-            </a:prstGeom>
-            <a:solidFill>
-              <a:schemeClr val="bg1"/>
-            </a:solidFill>
-            <a:ln>
-              <a:solidFill>
-                <a:schemeClr val="tx1"/>
-              </a:solidFill>
-            </a:ln>
-            <a:effectLst/>
-          </p:spPr>
-          <p:style>
-            <a:lnRef idx="1">
-              <a:schemeClr val="accent1"/>
-            </a:lnRef>
-            <a:fillRef idx="3">
-              <a:schemeClr val="accent1"/>
-            </a:fillRef>
-            <a:effectRef idx="2">
-              <a:schemeClr val="accent1"/>
-            </a:effectRef>
-            <a:fontRef idx="minor">
-              <a:schemeClr val="lt1"/>
-            </a:fontRef>
-          </p:style>
-          <p:txBody>
-            <a:bodyPr rtlCol="0" anchor="t" anchorCtr="0"/>
-            <a:lstStyle/>
-            <a:p>
-              <a:pPr algn="l"/>
-              <a:endParaRPr lang="en-US" sz="1400" b="1" dirty="0">
-                <a:solidFill>
-                  <a:schemeClr val="tx1"/>
-                </a:solidFill>
-                <a:cs typeface="Georgia"/>
-              </a:endParaRPr>
-            </a:p>
-          </p:txBody>
-        </p:sp>
-        <p:sp>
-          <p:nvSpPr>
-            <p:cNvPr id="38" name="Oval 37">
-              <a:extLst>
-                <a:ext uri="{FF2B5EF4-FFF2-40B4-BE49-F238E27FC236}">
-                  <a16:creationId xmlns:a16="http://schemas.microsoft.com/office/drawing/2014/main" id="{2582E5C5-5FA2-3B93-B4B7-FAE8EAD254E9}"/>
-                </a:ext>
-              </a:extLst>
-            </p:cNvPr>
-            <p:cNvSpPr/>
-            <p:nvPr/>
-          </p:nvSpPr>
-          <p:spPr>
-            <a:xfrm>
-              <a:off x="3667139" y="6008787"/>
-              <a:ext cx="380506" cy="380506"/>
-            </a:xfrm>
-            <a:prstGeom prst="ellipse">
-              <a:avLst/>
-            </a:prstGeom>
-            <a:solidFill>
-              <a:schemeClr val="bg1"/>
-            </a:solidFill>
-            <a:ln>
-              <a:solidFill>
-                <a:schemeClr val="tx1"/>
-              </a:solidFill>
-            </a:ln>
-            <a:effectLst/>
-          </p:spPr>
-          <p:style>
-            <a:lnRef idx="1">
-              <a:schemeClr val="accent1"/>
-            </a:lnRef>
-            <a:fillRef idx="3">
-              <a:schemeClr val="accent1"/>
-            </a:fillRef>
-            <a:effectRef idx="2">
-              <a:schemeClr val="accent1"/>
-            </a:effectRef>
-            <a:fontRef idx="minor">
-              <a:schemeClr val="lt1"/>
-            </a:fontRef>
-          </p:style>
-          <p:txBody>
-            <a:bodyPr rtlCol="0" anchor="t" anchorCtr="0"/>
-            <a:lstStyle/>
-            <a:p>
-              <a:pPr algn="l"/>
-              <a:endParaRPr lang="en-US" sz="1400" b="1" dirty="0">
-                <a:solidFill>
-                  <a:schemeClr val="tx1"/>
-                </a:solidFill>
-                <a:cs typeface="Georgia"/>
-              </a:endParaRPr>
-            </a:p>
-          </p:txBody>
-        </p:sp>
-        <p:sp>
-          <p:nvSpPr>
-            <p:cNvPr id="39" name="Oval 38">
-              <a:extLst>
-                <a:ext uri="{FF2B5EF4-FFF2-40B4-BE49-F238E27FC236}">
-                  <a16:creationId xmlns:a16="http://schemas.microsoft.com/office/drawing/2014/main" id="{FE55F47E-CCC6-1E03-5EBE-7037391F8110}"/>
-                </a:ext>
-              </a:extLst>
-            </p:cNvPr>
-            <p:cNvSpPr/>
-            <p:nvPr/>
-          </p:nvSpPr>
-          <p:spPr>
-            <a:xfrm>
-              <a:off x="2951402" y="4917276"/>
-              <a:ext cx="380506" cy="380506"/>
-            </a:xfrm>
-            <a:prstGeom prst="ellipse">
-              <a:avLst/>
-            </a:prstGeom>
-            <a:solidFill>
-              <a:schemeClr val="bg1"/>
-            </a:solidFill>
-            <a:ln>
-              <a:solidFill>
-                <a:schemeClr val="tx1"/>
-              </a:solidFill>
-            </a:ln>
-            <a:effectLst/>
-          </p:spPr>
-          <p:style>
-            <a:lnRef idx="1">
-              <a:schemeClr val="accent1"/>
-            </a:lnRef>
-            <a:fillRef idx="3">
-              <a:schemeClr val="accent1"/>
-            </a:fillRef>
-            <a:effectRef idx="2">
-              <a:schemeClr val="accent1"/>
-            </a:effectRef>
-            <a:fontRef idx="minor">
-              <a:schemeClr val="lt1"/>
-            </a:fontRef>
-          </p:style>
-          <p:txBody>
-            <a:bodyPr rtlCol="0" anchor="t" anchorCtr="0"/>
-            <a:lstStyle/>
-            <a:p>
-              <a:pPr algn="l"/>
-              <a:endParaRPr lang="en-US" sz="1400" b="1" dirty="0">
-                <a:solidFill>
-                  <a:schemeClr val="tx1"/>
-                </a:solidFill>
-                <a:cs typeface="Georgia"/>
-              </a:endParaRPr>
-            </a:p>
-          </p:txBody>
-        </p:sp>
-        <p:sp>
-          <p:nvSpPr>
-            <p:cNvPr id="40" name="Oval 39">
-              <a:extLst>
-                <a:ext uri="{FF2B5EF4-FFF2-40B4-BE49-F238E27FC236}">
-                  <a16:creationId xmlns:a16="http://schemas.microsoft.com/office/drawing/2014/main" id="{3FEC6F94-0DC8-690B-9603-0A9CA0D645A5}"/>
-                </a:ext>
-              </a:extLst>
-            </p:cNvPr>
-            <p:cNvSpPr/>
-            <p:nvPr/>
-          </p:nvSpPr>
-          <p:spPr>
-            <a:xfrm>
-              <a:off x="2951402" y="6389293"/>
-              <a:ext cx="380506" cy="380506"/>
-            </a:xfrm>
-            <a:prstGeom prst="ellipse">
-              <a:avLst/>
-            </a:prstGeom>
-            <a:solidFill>
-              <a:schemeClr val="bg1"/>
-            </a:solidFill>
-            <a:ln>
-              <a:solidFill>
-                <a:schemeClr val="tx1"/>
-              </a:solidFill>
-            </a:ln>
-            <a:effectLst/>
-          </p:spPr>
-          <p:style>
-            <a:lnRef idx="1">
-              <a:schemeClr val="accent1"/>
-            </a:lnRef>
-            <a:fillRef idx="3">
-              <a:schemeClr val="accent1"/>
-            </a:fillRef>
-            <a:effectRef idx="2">
-              <a:schemeClr val="accent1"/>
-            </a:effectRef>
-            <a:fontRef idx="minor">
-              <a:schemeClr val="lt1"/>
-            </a:fontRef>
-          </p:style>
-          <p:txBody>
-            <a:bodyPr rtlCol="0" anchor="t" anchorCtr="0"/>
-            <a:lstStyle/>
-            <a:p>
-              <a:pPr algn="l"/>
-              <a:endParaRPr lang="en-US" sz="1400" b="1" dirty="0">
-                <a:solidFill>
-                  <a:schemeClr val="tx1"/>
-                </a:solidFill>
-                <a:cs typeface="Georgia"/>
-              </a:endParaRPr>
-            </a:p>
-          </p:txBody>
-        </p:sp>
-        <p:sp>
-          <p:nvSpPr>
-            <p:cNvPr id="41" name="Oval 40">
-              <a:extLst>
-                <a:ext uri="{FF2B5EF4-FFF2-40B4-BE49-F238E27FC236}">
-                  <a16:creationId xmlns:a16="http://schemas.microsoft.com/office/drawing/2014/main" id="{7A060090-4D3E-6B71-EF09-A30119F1C8AB}"/>
-                </a:ext>
-              </a:extLst>
-            </p:cNvPr>
-            <p:cNvSpPr/>
-            <p:nvPr/>
-          </p:nvSpPr>
-          <p:spPr>
-            <a:xfrm>
-              <a:off x="2946637" y="5669756"/>
-              <a:ext cx="380506" cy="380506"/>
-            </a:xfrm>
-            <a:prstGeom prst="ellipse">
-              <a:avLst/>
-            </a:prstGeom>
-            <a:solidFill>
-              <a:schemeClr val="bg1"/>
-            </a:solidFill>
-            <a:ln>
-              <a:solidFill>
-                <a:schemeClr val="tx1"/>
-              </a:solidFill>
-            </a:ln>
-            <a:effectLst/>
-          </p:spPr>
-          <p:style>
-            <a:lnRef idx="1">
-              <a:schemeClr val="accent1"/>
-            </a:lnRef>
-            <a:fillRef idx="3">
-              <a:schemeClr val="accent1"/>
-            </a:fillRef>
-            <a:effectRef idx="2">
-              <a:schemeClr val="accent1"/>
-            </a:effectRef>
-            <a:fontRef idx="minor">
-              <a:schemeClr val="lt1"/>
-            </a:fontRef>
-          </p:style>
-          <p:txBody>
-            <a:bodyPr rtlCol="0" anchor="t" anchorCtr="0"/>
-            <a:lstStyle/>
-            <a:p>
-              <a:pPr algn="l"/>
-              <a:endParaRPr lang="en-US" sz="1400" b="1" dirty="0">
-                <a:solidFill>
-                  <a:schemeClr val="tx1"/>
-                </a:solidFill>
-                <a:cs typeface="Georgia"/>
-              </a:endParaRPr>
-            </a:p>
-          </p:txBody>
-        </p:sp>
-        <p:cxnSp>
-          <p:nvCxnSpPr>
-            <p:cNvPr id="43" name="Straight Connector 42">
-              <a:extLst>
-                <a:ext uri="{FF2B5EF4-FFF2-40B4-BE49-F238E27FC236}">
-                  <a16:creationId xmlns:a16="http://schemas.microsoft.com/office/drawing/2014/main" id="{FACB9AD6-5BF0-4322-ED7A-9795115BA6AD}"/>
-                </a:ext>
-              </a:extLst>
-            </p:cNvPr>
-            <p:cNvCxnSpPr>
-              <a:stCxn id="35" idx="6"/>
-              <a:endCxn id="39" idx="2"/>
-            </p:cNvCxnSpPr>
-            <p:nvPr/>
-          </p:nvCxnSpPr>
-          <p:spPr>
-            <a:xfrm flipV="1">
-              <a:off x="2623644" y="5107529"/>
-              <a:ext cx="327758" cy="386148"/>
-            </a:xfrm>
-            <a:prstGeom prst="line">
-              <a:avLst/>
-            </a:prstGeom>
-            <a:ln w="12700">
-              <a:solidFill>
-                <a:schemeClr val="tx1"/>
-              </a:solidFill>
-            </a:ln>
-          </p:spPr>
-          <p:style>
-            <a:lnRef idx="2">
-              <a:schemeClr val="accent1"/>
-            </a:lnRef>
-            <a:fillRef idx="0">
-              <a:schemeClr val="accent1"/>
-            </a:fillRef>
-            <a:effectRef idx="1">
-              <a:schemeClr val="accent1"/>
-            </a:effectRef>
-            <a:fontRef idx="minor">
-              <a:schemeClr val="tx1"/>
-            </a:fontRef>
-          </p:style>
-        </p:cxnSp>
-        <p:cxnSp>
-          <p:nvCxnSpPr>
-            <p:cNvPr id="44" name="Straight Connector 43">
-              <a:extLst>
-                <a:ext uri="{FF2B5EF4-FFF2-40B4-BE49-F238E27FC236}">
-                  <a16:creationId xmlns:a16="http://schemas.microsoft.com/office/drawing/2014/main" id="{1CD4A98F-C1EB-6E3F-E9EB-AC779697C1B0}"/>
-                </a:ext>
-              </a:extLst>
-            </p:cNvPr>
-            <p:cNvCxnSpPr>
-              <a:cxnSpLocks/>
-              <a:stCxn id="35" idx="6"/>
-              <a:endCxn id="41" idx="2"/>
-            </p:cNvCxnSpPr>
-            <p:nvPr/>
-          </p:nvCxnSpPr>
-          <p:spPr>
-            <a:xfrm>
-              <a:off x="2623644" y="5493677"/>
-              <a:ext cx="322993" cy="366332"/>
-            </a:xfrm>
-            <a:prstGeom prst="line">
-              <a:avLst/>
-            </a:prstGeom>
-            <a:ln w="12700">
-              <a:solidFill>
-                <a:schemeClr val="tx1"/>
-              </a:solidFill>
-            </a:ln>
-          </p:spPr>
-          <p:style>
-            <a:lnRef idx="2">
-              <a:schemeClr val="accent1"/>
-            </a:lnRef>
-            <a:fillRef idx="0">
-              <a:schemeClr val="accent1"/>
-            </a:fillRef>
-            <a:effectRef idx="1">
-              <a:schemeClr val="accent1"/>
-            </a:effectRef>
-            <a:fontRef idx="minor">
-              <a:schemeClr val="tx1"/>
-            </a:fontRef>
-          </p:style>
-        </p:cxnSp>
-        <p:cxnSp>
-          <p:nvCxnSpPr>
-            <p:cNvPr id="47" name="Straight Connector 46">
-              <a:extLst>
-                <a:ext uri="{FF2B5EF4-FFF2-40B4-BE49-F238E27FC236}">
-                  <a16:creationId xmlns:a16="http://schemas.microsoft.com/office/drawing/2014/main" id="{BC0E0D01-69BC-C16D-028D-A1ED45B489AA}"/>
-                </a:ext>
-              </a:extLst>
-            </p:cNvPr>
-            <p:cNvCxnSpPr>
-              <a:cxnSpLocks/>
-              <a:endCxn id="40" idx="2"/>
-            </p:cNvCxnSpPr>
-            <p:nvPr/>
-          </p:nvCxnSpPr>
-          <p:spPr>
-            <a:xfrm>
-              <a:off x="2632145" y="5500764"/>
-              <a:ext cx="319257" cy="1078782"/>
-            </a:xfrm>
-            <a:prstGeom prst="line">
-              <a:avLst/>
-            </a:prstGeom>
-            <a:ln w="12700">
-              <a:solidFill>
-                <a:schemeClr val="tx1"/>
-              </a:solidFill>
-            </a:ln>
-          </p:spPr>
-          <p:style>
-            <a:lnRef idx="2">
-              <a:schemeClr val="accent1"/>
-            </a:lnRef>
-            <a:fillRef idx="0">
-              <a:schemeClr val="accent1"/>
-            </a:fillRef>
-            <a:effectRef idx="1">
-              <a:schemeClr val="accent1"/>
-            </a:effectRef>
-            <a:fontRef idx="minor">
-              <a:schemeClr val="tx1"/>
-            </a:fontRef>
-          </p:style>
-        </p:cxnSp>
-        <p:cxnSp>
-          <p:nvCxnSpPr>
-            <p:cNvPr id="49" name="Straight Connector 48">
-              <a:extLst>
-                <a:ext uri="{FF2B5EF4-FFF2-40B4-BE49-F238E27FC236}">
-                  <a16:creationId xmlns:a16="http://schemas.microsoft.com/office/drawing/2014/main" id="{D1107D7C-664C-E4A2-6553-D082ABF2824D}"/>
-                </a:ext>
-              </a:extLst>
-            </p:cNvPr>
-            <p:cNvCxnSpPr>
-              <a:cxnSpLocks/>
-              <a:stCxn id="36" idx="6"/>
-              <a:endCxn id="40" idx="2"/>
-            </p:cNvCxnSpPr>
-            <p:nvPr/>
-          </p:nvCxnSpPr>
-          <p:spPr>
-            <a:xfrm>
-              <a:off x="2623644" y="6203806"/>
-              <a:ext cx="327758" cy="375740"/>
-            </a:xfrm>
-            <a:prstGeom prst="line">
-              <a:avLst/>
-            </a:prstGeom>
-            <a:ln w="12700">
-              <a:solidFill>
-                <a:schemeClr val="tx1"/>
-              </a:solidFill>
-            </a:ln>
-          </p:spPr>
-          <p:style>
-            <a:lnRef idx="2">
-              <a:schemeClr val="accent1"/>
-            </a:lnRef>
-            <a:fillRef idx="0">
-              <a:schemeClr val="accent1"/>
-            </a:fillRef>
-            <a:effectRef idx="1">
-              <a:schemeClr val="accent1"/>
-            </a:effectRef>
-            <a:fontRef idx="minor">
-              <a:schemeClr val="tx1"/>
-            </a:fontRef>
-          </p:style>
-        </p:cxnSp>
-        <p:cxnSp>
-          <p:nvCxnSpPr>
-            <p:cNvPr id="52" name="Straight Connector 51">
-              <a:extLst>
-                <a:ext uri="{FF2B5EF4-FFF2-40B4-BE49-F238E27FC236}">
-                  <a16:creationId xmlns:a16="http://schemas.microsoft.com/office/drawing/2014/main" id="{1B42411E-FE30-2D36-FBEA-2DAF12007841}"/>
-                </a:ext>
-              </a:extLst>
-            </p:cNvPr>
-            <p:cNvCxnSpPr>
-              <a:cxnSpLocks/>
-              <a:stCxn id="36" idx="6"/>
-              <a:endCxn id="41" idx="2"/>
-            </p:cNvCxnSpPr>
-            <p:nvPr/>
-          </p:nvCxnSpPr>
-          <p:spPr>
-            <a:xfrm flipV="1">
-              <a:off x="2623644" y="5860009"/>
-              <a:ext cx="322993" cy="343797"/>
-            </a:xfrm>
-            <a:prstGeom prst="line">
-              <a:avLst/>
-            </a:prstGeom>
-            <a:ln w="12700">
-              <a:solidFill>
-                <a:schemeClr val="tx1"/>
-              </a:solidFill>
-            </a:ln>
-          </p:spPr>
-          <p:style>
-            <a:lnRef idx="2">
-              <a:schemeClr val="accent1"/>
-            </a:lnRef>
-            <a:fillRef idx="0">
-              <a:schemeClr val="accent1"/>
-            </a:fillRef>
-            <a:effectRef idx="1">
-              <a:schemeClr val="accent1"/>
-            </a:effectRef>
-            <a:fontRef idx="minor">
-              <a:schemeClr val="tx1"/>
-            </a:fontRef>
-          </p:style>
-        </p:cxnSp>
-        <p:cxnSp>
-          <p:nvCxnSpPr>
-            <p:cNvPr id="55" name="Straight Connector 54">
-              <a:extLst>
-                <a:ext uri="{FF2B5EF4-FFF2-40B4-BE49-F238E27FC236}">
-                  <a16:creationId xmlns:a16="http://schemas.microsoft.com/office/drawing/2014/main" id="{CB3DABE5-EE8A-0510-ECF6-63A7FEE92A31}"/>
-                </a:ext>
-              </a:extLst>
-            </p:cNvPr>
-            <p:cNvCxnSpPr>
-              <a:cxnSpLocks/>
-              <a:endCxn id="39" idx="2"/>
-            </p:cNvCxnSpPr>
-            <p:nvPr/>
-          </p:nvCxnSpPr>
-          <p:spPr>
-            <a:xfrm flipV="1">
-              <a:off x="2681157" y="5107529"/>
-              <a:ext cx="270245" cy="1048028"/>
-            </a:xfrm>
-            <a:prstGeom prst="line">
-              <a:avLst/>
-            </a:prstGeom>
-            <a:ln w="12700">
-              <a:solidFill>
-                <a:schemeClr val="tx1"/>
-              </a:solidFill>
-            </a:ln>
-          </p:spPr>
-          <p:style>
-            <a:lnRef idx="2">
-              <a:schemeClr val="accent1"/>
-            </a:lnRef>
-            <a:fillRef idx="0">
-              <a:schemeClr val="accent1"/>
-            </a:fillRef>
-            <a:effectRef idx="1">
-              <a:schemeClr val="accent1"/>
-            </a:effectRef>
-            <a:fontRef idx="minor">
-              <a:schemeClr val="tx1"/>
-            </a:fontRef>
-          </p:style>
-        </p:cxnSp>
-        <p:cxnSp>
-          <p:nvCxnSpPr>
-            <p:cNvPr id="57" name="Straight Connector 56">
-              <a:extLst>
-                <a:ext uri="{FF2B5EF4-FFF2-40B4-BE49-F238E27FC236}">
-                  <a16:creationId xmlns:a16="http://schemas.microsoft.com/office/drawing/2014/main" id="{84A16285-A1E7-CAA8-2F36-17B1E861FAB7}"/>
-                </a:ext>
-              </a:extLst>
-            </p:cNvPr>
-            <p:cNvCxnSpPr>
-              <a:cxnSpLocks/>
-              <a:stCxn id="37" idx="2"/>
-            </p:cNvCxnSpPr>
-            <p:nvPr/>
-          </p:nvCxnSpPr>
-          <p:spPr>
-            <a:xfrm flipH="1" flipV="1">
-              <a:off x="3332458" y="5145742"/>
-              <a:ext cx="334681" cy="343169"/>
-            </a:xfrm>
-            <a:prstGeom prst="line">
-              <a:avLst/>
-            </a:prstGeom>
-            <a:ln w="12700">
-              <a:solidFill>
-                <a:schemeClr val="tx1"/>
-              </a:solidFill>
-            </a:ln>
-          </p:spPr>
-          <p:style>
-            <a:lnRef idx="2">
-              <a:schemeClr val="accent1"/>
-            </a:lnRef>
-            <a:fillRef idx="0">
-              <a:schemeClr val="accent1"/>
-            </a:fillRef>
-            <a:effectRef idx="1">
-              <a:schemeClr val="accent1"/>
-            </a:effectRef>
-            <a:fontRef idx="minor">
-              <a:schemeClr val="tx1"/>
-            </a:fontRef>
-          </p:style>
-        </p:cxnSp>
-        <p:cxnSp>
-          <p:nvCxnSpPr>
-            <p:cNvPr id="59" name="Straight Connector 58">
-              <a:extLst>
-                <a:ext uri="{FF2B5EF4-FFF2-40B4-BE49-F238E27FC236}">
-                  <a16:creationId xmlns:a16="http://schemas.microsoft.com/office/drawing/2014/main" id="{9DE6049E-CC1E-5B25-CE1F-0E064F9CBBB8}"/>
-                </a:ext>
-              </a:extLst>
-            </p:cNvPr>
-            <p:cNvCxnSpPr>
-              <a:cxnSpLocks/>
-              <a:stCxn id="38" idx="2"/>
-            </p:cNvCxnSpPr>
-            <p:nvPr/>
-          </p:nvCxnSpPr>
-          <p:spPr>
-            <a:xfrm flipH="1" flipV="1">
-              <a:off x="3339381" y="5173769"/>
-              <a:ext cx="327758" cy="1025271"/>
-            </a:xfrm>
-            <a:prstGeom prst="line">
-              <a:avLst/>
-            </a:prstGeom>
-            <a:ln w="12700">
-              <a:solidFill>
-                <a:schemeClr val="tx1"/>
-              </a:solidFill>
-            </a:ln>
-          </p:spPr>
-          <p:style>
-            <a:lnRef idx="2">
-              <a:schemeClr val="accent1"/>
-            </a:lnRef>
-            <a:fillRef idx="0">
-              <a:schemeClr val="accent1"/>
-            </a:fillRef>
-            <a:effectRef idx="1">
-              <a:schemeClr val="accent1"/>
-            </a:effectRef>
-            <a:fontRef idx="minor">
-              <a:schemeClr val="tx1"/>
-            </a:fontRef>
-          </p:style>
-        </p:cxnSp>
-        <p:cxnSp>
-          <p:nvCxnSpPr>
-            <p:cNvPr id="61" name="Straight Connector 60">
-              <a:extLst>
-                <a:ext uri="{FF2B5EF4-FFF2-40B4-BE49-F238E27FC236}">
-                  <a16:creationId xmlns:a16="http://schemas.microsoft.com/office/drawing/2014/main" id="{984409E6-748F-7386-EE2B-1F3D25EF25AE}"/>
-                </a:ext>
-              </a:extLst>
-            </p:cNvPr>
-            <p:cNvCxnSpPr>
-              <a:cxnSpLocks/>
-              <a:stCxn id="37" idx="2"/>
-              <a:endCxn id="41" idx="6"/>
-            </p:cNvCxnSpPr>
-            <p:nvPr/>
-          </p:nvCxnSpPr>
-          <p:spPr>
-            <a:xfrm flipH="1">
-              <a:off x="3327143" y="5488911"/>
-              <a:ext cx="339996" cy="371098"/>
-            </a:xfrm>
-            <a:prstGeom prst="line">
-              <a:avLst/>
-            </a:prstGeom>
-            <a:ln w="12700">
-              <a:solidFill>
-                <a:schemeClr val="tx1"/>
-              </a:solidFill>
-            </a:ln>
-          </p:spPr>
-          <p:style>
-            <a:lnRef idx="2">
-              <a:schemeClr val="accent1"/>
-            </a:lnRef>
-            <a:fillRef idx="0">
-              <a:schemeClr val="accent1"/>
-            </a:fillRef>
-            <a:effectRef idx="1">
-              <a:schemeClr val="accent1"/>
-            </a:effectRef>
-            <a:fontRef idx="minor">
-              <a:schemeClr val="tx1"/>
-            </a:fontRef>
-          </p:style>
-        </p:cxnSp>
-        <p:cxnSp>
-          <p:nvCxnSpPr>
-            <p:cNvPr id="1024" name="Straight Connector 1023">
-              <a:extLst>
-                <a:ext uri="{FF2B5EF4-FFF2-40B4-BE49-F238E27FC236}">
-                  <a16:creationId xmlns:a16="http://schemas.microsoft.com/office/drawing/2014/main" id="{01A91868-8C45-12B6-A012-B3804526C7F2}"/>
-                </a:ext>
-              </a:extLst>
-            </p:cNvPr>
-            <p:cNvCxnSpPr>
-              <a:cxnSpLocks/>
-              <a:stCxn id="38" idx="2"/>
-              <a:endCxn id="41" idx="6"/>
-            </p:cNvCxnSpPr>
-            <p:nvPr/>
-          </p:nvCxnSpPr>
-          <p:spPr>
-            <a:xfrm flipH="1" flipV="1">
-              <a:off x="3327143" y="5860009"/>
-              <a:ext cx="339996" cy="339031"/>
-            </a:xfrm>
-            <a:prstGeom prst="line">
-              <a:avLst/>
-            </a:prstGeom>
-            <a:ln w="12700">
-              <a:solidFill>
-                <a:schemeClr val="tx1"/>
-              </a:solidFill>
-            </a:ln>
-          </p:spPr>
-          <p:style>
-            <a:lnRef idx="2">
-              <a:schemeClr val="accent1"/>
-            </a:lnRef>
-            <a:fillRef idx="0">
-              <a:schemeClr val="accent1"/>
-            </a:fillRef>
-            <a:effectRef idx="1">
-              <a:schemeClr val="accent1"/>
-            </a:effectRef>
-            <a:fontRef idx="minor">
-              <a:schemeClr val="tx1"/>
-            </a:fontRef>
-          </p:style>
-        </p:cxnSp>
-        <p:cxnSp>
-          <p:nvCxnSpPr>
-            <p:cNvPr id="1028" name="Straight Connector 1027">
-              <a:extLst>
-                <a:ext uri="{FF2B5EF4-FFF2-40B4-BE49-F238E27FC236}">
-                  <a16:creationId xmlns:a16="http://schemas.microsoft.com/office/drawing/2014/main" id="{899D1821-00DF-AF44-45CA-9E0B004D4DE8}"/>
-                </a:ext>
-              </a:extLst>
-            </p:cNvPr>
-            <p:cNvCxnSpPr>
-              <a:cxnSpLocks/>
-              <a:stCxn id="37" idx="2"/>
-              <a:endCxn id="40" idx="6"/>
-            </p:cNvCxnSpPr>
-            <p:nvPr/>
-          </p:nvCxnSpPr>
-          <p:spPr>
-            <a:xfrm flipH="1">
-              <a:off x="3331908" y="5488911"/>
-              <a:ext cx="335231" cy="1090635"/>
-            </a:xfrm>
-            <a:prstGeom prst="line">
-              <a:avLst/>
-            </a:prstGeom>
-            <a:ln w="12700">
-              <a:solidFill>
-                <a:schemeClr val="tx1"/>
-              </a:solidFill>
-            </a:ln>
-          </p:spPr>
-          <p:style>
-            <a:lnRef idx="2">
-              <a:schemeClr val="accent1"/>
-            </a:lnRef>
-            <a:fillRef idx="0">
-              <a:schemeClr val="accent1"/>
-            </a:fillRef>
-            <a:effectRef idx="1">
-              <a:schemeClr val="accent1"/>
-            </a:effectRef>
-            <a:fontRef idx="minor">
-              <a:schemeClr val="tx1"/>
-            </a:fontRef>
-          </p:style>
-        </p:cxnSp>
-        <p:cxnSp>
-          <p:nvCxnSpPr>
-            <p:cNvPr id="1031" name="Straight Connector 1030">
-              <a:extLst>
-                <a:ext uri="{FF2B5EF4-FFF2-40B4-BE49-F238E27FC236}">
-                  <a16:creationId xmlns:a16="http://schemas.microsoft.com/office/drawing/2014/main" id="{E80AE08C-5D95-0033-86EA-535B32711DE3}"/>
-                </a:ext>
-              </a:extLst>
-            </p:cNvPr>
-            <p:cNvCxnSpPr>
-              <a:cxnSpLocks/>
-              <a:stCxn id="38" idx="1"/>
-              <a:endCxn id="40" idx="6"/>
-            </p:cNvCxnSpPr>
-            <p:nvPr/>
-          </p:nvCxnSpPr>
-          <p:spPr>
-            <a:xfrm flipH="1">
-              <a:off x="3331908" y="6064511"/>
-              <a:ext cx="390955" cy="515035"/>
-            </a:xfrm>
-            <a:prstGeom prst="line">
-              <a:avLst/>
-            </a:prstGeom>
-            <a:ln w="12700">
-              <a:solidFill>
-                <a:schemeClr val="tx1"/>
-              </a:solidFill>
-            </a:ln>
-          </p:spPr>
-          <p:style>
-            <a:lnRef idx="2">
-              <a:schemeClr val="accent1"/>
-            </a:lnRef>
-            <a:fillRef idx="0">
-              <a:schemeClr val="accent1"/>
-            </a:fillRef>
-            <a:effectRef idx="1">
-              <a:schemeClr val="accent1"/>
-            </a:effectRef>
-            <a:fontRef idx="minor">
-              <a:schemeClr val="tx1"/>
-            </a:fontRef>
-          </p:style>
-        </p:cxnSp>
-      </p:grpSp>
-      <p:sp>
-        <p:nvSpPr>
-          <p:cNvPr id="1035" name="TextBox 1034">
-            <a:extLst>
-              <a:ext uri="{FF2B5EF4-FFF2-40B4-BE49-F238E27FC236}">
-                <a16:creationId xmlns:a16="http://schemas.microsoft.com/office/drawing/2014/main" id="{2B3AF797-118F-E3C4-AA2E-F761A07522FD}"/>
-              </a:ext>
-            </a:extLst>
-          </p:cNvPr>
-          <p:cNvSpPr txBox="1"/>
-          <p:nvPr/>
-        </p:nvSpPr>
-        <p:spPr>
-          <a:xfrm>
-            <a:off x="4894450" y="5053943"/>
-            <a:ext cx="2920814" cy="830997"/>
-          </a:xfrm>
-          <a:prstGeom prst="rect">
-            <a:avLst/>
-          </a:prstGeom>
-          <a:noFill/>
-        </p:spPr>
-        <p:txBody>
-          <a:bodyPr wrap="square" rtlCol="0">
-            <a:spAutoFit/>
-          </a:bodyPr>
-          <a:lstStyle/>
-          <a:p>
-            <a:r>
-              <a:rPr lang="en-US" sz="2400" dirty="0"/>
-              <a:t>Solvable with 12 parameters (weights)</a:t>
-            </a:r>
-          </a:p>
-        </p:txBody>
-      </p:sp>
-    </p:spTree>
-    <p:extLst>
-      <p:ext uri="{BB962C8B-B14F-4D97-AF65-F5344CB8AC3E}">
-        <p14:creationId xmlns:p14="http://schemas.microsoft.com/office/powerpoint/2010/main" val="2102328281"/>
-      </p:ext>
-    </p:extLst>
-  </p:cSld>
-  <p:clrMapOvr>
-    <a:masterClrMapping/>
-  </p:clrMapOvr>
-  <p:transition>
-    <p:fade/>
-  </p:transition>
-</p:sld>
-</file>
-
-<file path=ppt/slides/slide15.xml><?xml version="1.0" encoding="utf-8"?>
-<p:sld xmlns:a="http://schemas.openxmlformats.org/drawingml/2006/main" xmlns:r="http://schemas.openxmlformats.org/officeDocument/2006/relationships" xmlns:p="http://schemas.openxmlformats.org/presentationml/2006/main">
-  <p:cSld>
-    <p:spTree>
-      <p:nvGrpSpPr>
-        <p:cNvPr id="1" name=""/>
-        <p:cNvGrpSpPr/>
-        <p:nvPr/>
-      </p:nvGrpSpPr>
-      <p:grpSpPr>
-        <a:xfrm>
-          <a:off x="0" y="0"/>
-          <a:ext cx="0" cy="0"/>
-          <a:chOff x="0" y="0"/>
-          <a:chExt cx="0" cy="0"/>
-        </a:xfrm>
-      </p:grpSpPr>
-      <p:sp>
-        <p:nvSpPr>
-          <p:cNvPr id="2" name="Title 1">
-            <a:extLst>
-              <a:ext uri="{FF2B5EF4-FFF2-40B4-BE49-F238E27FC236}">
-                <a16:creationId xmlns:a16="http://schemas.microsoft.com/office/drawing/2014/main" id="{3F5EC8B7-0D30-4F89-32A2-973C1CFE51EA}"/>
-              </a:ext>
-            </a:extLst>
-          </p:cNvPr>
-          <p:cNvSpPr>
-            <a:spLocks noGrp="1"/>
-          </p:cNvSpPr>
-          <p:nvPr>
-            <p:ph type="title"/>
-          </p:nvPr>
-        </p:nvSpPr>
-        <p:spPr/>
-        <p:txBody>
-          <a:bodyPr/>
-          <a:lstStyle/>
-          <a:p>
-            <a:r>
-              <a:rPr lang="en-US" dirty="0"/>
-              <a:t>More complex problems: hidden layers</a:t>
-            </a:r>
-          </a:p>
-        </p:txBody>
-      </p:sp>
-      <p:pic>
-        <p:nvPicPr>
-          <p:cNvPr id="4" name="Picture 3">
-            <a:extLst>
-              <a:ext uri="{FF2B5EF4-FFF2-40B4-BE49-F238E27FC236}">
-                <a16:creationId xmlns:a16="http://schemas.microsoft.com/office/drawing/2014/main" id="{D7FD0B39-AC7B-FA08-10C0-E597741499EB}"/>
-              </a:ext>
-            </a:extLst>
-          </p:cNvPr>
-          <p:cNvPicPr>
-            <a:picLocks noChangeAspect="1"/>
-          </p:cNvPicPr>
-          <p:nvPr/>
-        </p:nvPicPr>
-        <p:blipFill>
-          <a:blip r:embed="rId2"/>
-          <a:stretch>
-            <a:fillRect/>
-          </a:stretch>
-        </p:blipFill>
-        <p:spPr>
-          <a:xfrm>
-            <a:off x="4375418" y="1365813"/>
-            <a:ext cx="7370816" cy="4363654"/>
-          </a:xfrm>
-          <a:prstGeom prst="rect">
-            <a:avLst/>
-          </a:prstGeom>
-        </p:spPr>
-      </p:pic>
-      <p:pic>
-        <p:nvPicPr>
-          <p:cNvPr id="5" name="Picture 4">
-            <a:extLst>
-              <a:ext uri="{FF2B5EF4-FFF2-40B4-BE49-F238E27FC236}">
-                <a16:creationId xmlns:a16="http://schemas.microsoft.com/office/drawing/2014/main" id="{856EA611-60ED-3292-E592-50B0067A66C8}"/>
-              </a:ext>
-            </a:extLst>
-          </p:cNvPr>
-          <p:cNvPicPr>
-            <a:picLocks noChangeAspect="1"/>
-          </p:cNvPicPr>
-          <p:nvPr/>
-        </p:nvPicPr>
-        <p:blipFill rotWithShape="1">
-          <a:blip r:embed="rId3"/>
-          <a:srcRect t="17582" r="53226" b="44326"/>
-          <a:stretch/>
-        </p:blipFill>
-        <p:spPr>
-          <a:xfrm>
-            <a:off x="480000" y="1365813"/>
-            <a:ext cx="3635415" cy="2233914"/>
-          </a:xfrm>
-          <a:prstGeom prst="rect">
-            <a:avLst/>
-          </a:prstGeom>
-        </p:spPr>
-      </p:pic>
-      <p:sp>
-        <p:nvSpPr>
-          <p:cNvPr id="6" name="TextBox 5">
-            <a:extLst>
-              <a:ext uri="{FF2B5EF4-FFF2-40B4-BE49-F238E27FC236}">
-                <a16:creationId xmlns:a16="http://schemas.microsoft.com/office/drawing/2014/main" id="{535A9CE7-2172-5EBD-33B3-BF5F579024D4}"/>
-              </a:ext>
-            </a:extLst>
-          </p:cNvPr>
-          <p:cNvSpPr txBox="1"/>
-          <p:nvPr/>
-        </p:nvSpPr>
-        <p:spPr>
-          <a:xfrm>
-            <a:off x="4375418" y="5825948"/>
-            <a:ext cx="3733907" cy="369332"/>
-          </a:xfrm>
-          <a:prstGeom prst="rect">
-            <a:avLst/>
-          </a:prstGeom>
-          <a:noFill/>
-        </p:spPr>
-        <p:txBody>
-          <a:bodyPr wrap="none" rtlCol="0">
-            <a:spAutoFit/>
-          </a:bodyPr>
-          <a:lstStyle/>
-          <a:p>
-            <a:r>
-              <a:rPr lang="en-GB" dirty="0"/>
-              <a:t>Credit: Huang &amp; Lippmann, NIPS 1988</a:t>
-            </a:r>
-            <a:endParaRPr lang="en-US" dirty="0"/>
-          </a:p>
-        </p:txBody>
-      </p:sp>
-      <p:sp>
-        <p:nvSpPr>
-          <p:cNvPr id="7" name="TextBox 6">
-            <a:extLst>
-              <a:ext uri="{FF2B5EF4-FFF2-40B4-BE49-F238E27FC236}">
-                <a16:creationId xmlns:a16="http://schemas.microsoft.com/office/drawing/2014/main" id="{1988725D-EA3A-9426-3146-4EA0FF9C8619}"/>
-              </a:ext>
-            </a:extLst>
-          </p:cNvPr>
-          <p:cNvSpPr txBox="1"/>
-          <p:nvPr/>
-        </p:nvSpPr>
-        <p:spPr>
-          <a:xfrm>
-            <a:off x="438699" y="4291858"/>
-            <a:ext cx="3936719" cy="1200329"/>
-          </a:xfrm>
-          <a:prstGeom prst="rect">
-            <a:avLst/>
-          </a:prstGeom>
-          <a:noFill/>
-        </p:spPr>
-        <p:txBody>
-          <a:bodyPr wrap="none" rtlCol="0">
-            <a:spAutoFit/>
-          </a:bodyPr>
-          <a:lstStyle/>
-          <a:p>
-            <a:pPr marL="285750" indent="-285750">
-              <a:buFont typeface="Arial" panose="020B0604020202020204" pitchFamily="34" charset="0"/>
-              <a:buChar char="•"/>
-            </a:pPr>
-            <a:r>
-              <a:rPr lang="en-US" sz="2400" dirty="0"/>
-              <a:t>Two layers</a:t>
-            </a:r>
-          </a:p>
-          <a:p>
-            <a:pPr marL="285750" indent="-285750">
-              <a:buFont typeface="Arial" panose="020B0604020202020204" pitchFamily="34" charset="0"/>
-              <a:buChar char="•"/>
-            </a:pPr>
-            <a:r>
-              <a:rPr lang="en-US" sz="2400" dirty="0"/>
-              <a:t>100 nodes</a:t>
-            </a:r>
-          </a:p>
-          <a:p>
-            <a:pPr marL="285750" indent="-285750">
-              <a:buFont typeface="Arial" panose="020B0604020202020204" pitchFamily="34" charset="0"/>
-              <a:buChar char="•"/>
-            </a:pPr>
-            <a:r>
-              <a:rPr lang="en-US" sz="2400" dirty="0"/>
-              <a:t>1200 parameters (estimate)</a:t>
-            </a:r>
-          </a:p>
-        </p:txBody>
-      </p:sp>
-    </p:spTree>
-    <p:extLst>
-      <p:ext uri="{BB962C8B-B14F-4D97-AF65-F5344CB8AC3E}">
-        <p14:creationId xmlns:p14="http://schemas.microsoft.com/office/powerpoint/2010/main" val="621660303"/>
-      </p:ext>
-    </p:extLst>
-  </p:cSld>
-  <p:clrMapOvr>
-    <a:masterClrMapping/>
-  </p:clrMapOvr>
-  <p:transition>
-    <p:fade/>
-  </p:transition>
-</p:sld>
-</file>
-
-<file path=ppt/slides/slide16.xml><?xml version="1.0" encoding="utf-8"?>
-<p:sld xmlns:a="http://schemas.openxmlformats.org/drawingml/2006/main" xmlns:r="http://schemas.openxmlformats.org/officeDocument/2006/relationships" xmlns:p="http://schemas.openxmlformats.org/presentationml/2006/main">
-  <p:cSld>
-    <p:spTree>
-      <p:nvGrpSpPr>
-        <p:cNvPr id="1" name=""/>
-        <p:cNvGrpSpPr/>
-        <p:nvPr/>
-      </p:nvGrpSpPr>
-      <p:grpSpPr>
-        <a:xfrm>
-          <a:off x="0" y="0"/>
-          <a:ext cx="0" cy="0"/>
-          <a:chOff x="0" y="0"/>
-          <a:chExt cx="0" cy="0"/>
-        </a:xfrm>
-      </p:grpSpPr>
-      <p:sp>
-        <p:nvSpPr>
-          <p:cNvPr id="2" name="Title 1">
-            <a:extLst>
-              <a:ext uri="{FF2B5EF4-FFF2-40B4-BE49-F238E27FC236}">
-                <a16:creationId xmlns:a16="http://schemas.microsoft.com/office/drawing/2014/main" id="{F03379AB-79F3-3636-29D7-2BB3DD94ED97}"/>
-              </a:ext>
-            </a:extLst>
-          </p:cNvPr>
-          <p:cNvSpPr>
-            <a:spLocks noGrp="1"/>
-          </p:cNvSpPr>
-          <p:nvPr>
-            <p:ph type="title"/>
-          </p:nvPr>
-        </p:nvSpPr>
-        <p:spPr/>
-        <p:txBody>
-          <a:bodyPr/>
-          <a:lstStyle/>
-          <a:p>
-            <a:r>
-              <a:rPr lang="en-US" dirty="0"/>
-              <a:t>How do we model language in a neural network?</a:t>
-            </a:r>
-          </a:p>
-        </p:txBody>
-      </p:sp>
-      <p:pic>
-        <p:nvPicPr>
-          <p:cNvPr id="4" name="Picture 3">
-            <a:extLst>
-              <a:ext uri="{FF2B5EF4-FFF2-40B4-BE49-F238E27FC236}">
-                <a16:creationId xmlns:a16="http://schemas.microsoft.com/office/drawing/2014/main" id="{7C650D96-442E-7BB6-EDE0-944DF7F8D7B8}"/>
-              </a:ext>
-            </a:extLst>
-          </p:cNvPr>
-          <p:cNvPicPr>
-            <a:picLocks noChangeAspect="1"/>
-          </p:cNvPicPr>
-          <p:nvPr/>
-        </p:nvPicPr>
-        <p:blipFill>
-          <a:blip r:embed="rId2"/>
-          <a:stretch>
-            <a:fillRect/>
-          </a:stretch>
-        </p:blipFill>
-        <p:spPr>
-          <a:xfrm>
-            <a:off x="479999" y="775018"/>
-            <a:ext cx="9730801" cy="5199665"/>
-          </a:xfrm>
-          <a:prstGeom prst="rect">
-            <a:avLst/>
-          </a:prstGeom>
-        </p:spPr>
-      </p:pic>
-      <p:sp>
-        <p:nvSpPr>
-          <p:cNvPr id="5" name="TextBox 4">
-            <a:extLst>
-              <a:ext uri="{FF2B5EF4-FFF2-40B4-BE49-F238E27FC236}">
-                <a16:creationId xmlns:a16="http://schemas.microsoft.com/office/drawing/2014/main" id="{5A63F2C2-0052-40D6-1E6B-327EEE9A3F6C}"/>
-              </a:ext>
-            </a:extLst>
-          </p:cNvPr>
-          <p:cNvSpPr txBox="1"/>
-          <p:nvPr/>
-        </p:nvSpPr>
-        <p:spPr>
-          <a:xfrm>
-            <a:off x="7907927" y="6314405"/>
-            <a:ext cx="3068982" cy="369332"/>
-          </a:xfrm>
-          <a:prstGeom prst="rect">
-            <a:avLst/>
-          </a:prstGeom>
-          <a:noFill/>
-        </p:spPr>
-        <p:txBody>
-          <a:bodyPr wrap="none" rtlCol="0">
-            <a:spAutoFit/>
-          </a:bodyPr>
-          <a:lstStyle/>
-          <a:p>
-            <a:r>
-              <a:rPr lang="en-US" dirty="0"/>
-              <a:t>(</a:t>
-            </a:r>
-            <a:r>
-              <a:rPr lang="en-US" dirty="0" err="1"/>
-              <a:t>Jurafsky</a:t>
-            </a:r>
-            <a:r>
-              <a:rPr lang="en-US" dirty="0"/>
-              <a:t> and Martin, Fig. 7.10)</a:t>
-            </a:r>
-          </a:p>
-        </p:txBody>
-      </p:sp>
-      <p:sp>
-        <p:nvSpPr>
-          <p:cNvPr id="6" name="Rounded Rectangle 5">
-            <a:extLst>
-              <a:ext uri="{FF2B5EF4-FFF2-40B4-BE49-F238E27FC236}">
-                <a16:creationId xmlns:a16="http://schemas.microsoft.com/office/drawing/2014/main" id="{491AA940-B722-0C1C-C221-96B7634672F7}"/>
-              </a:ext>
-            </a:extLst>
-          </p:cNvPr>
-          <p:cNvSpPr/>
-          <p:nvPr/>
-        </p:nvSpPr>
-        <p:spPr>
-          <a:xfrm>
-            <a:off x="5246733" y="5590104"/>
-            <a:ext cx="2661194" cy="1087896"/>
-          </a:xfrm>
-          <a:prstGeom prst="roundRect">
-            <a:avLst/>
-          </a:prstGeom>
-          <a:solidFill>
-            <a:schemeClr val="accent6">
-              <a:lumMod val="20000"/>
-              <a:lumOff val="80000"/>
-            </a:schemeClr>
-          </a:solidFill>
-          <a:ln w="12700">
-            <a:solidFill>
-              <a:schemeClr val="tx1"/>
-            </a:solidFill>
-          </a:ln>
-        </p:spPr>
-        <p:style>
-          <a:lnRef idx="2">
-            <a:schemeClr val="accent1">
-              <a:shade val="50000"/>
-            </a:schemeClr>
-          </a:lnRef>
-          <a:fillRef idx="1">
-            <a:schemeClr val="accent1"/>
-          </a:fillRef>
-          <a:effectRef idx="0">
-            <a:schemeClr val="accent1"/>
-          </a:effectRef>
-          <a:fontRef idx="minor">
-            <a:schemeClr val="lt1"/>
-          </a:fontRef>
-        </p:style>
-        <p:txBody>
-          <a:bodyPr rtlCol="0" anchor="ctr"/>
-          <a:lstStyle/>
-          <a:p>
-            <a:r>
-              <a:rPr lang="en-US" sz="1600" dirty="0">
-                <a:solidFill>
-                  <a:schemeClr val="tx1"/>
-                </a:solidFill>
-              </a:rPr>
-              <a:t>We learn the weights. These provide a representation that will map input to output.</a:t>
-            </a:r>
-          </a:p>
-        </p:txBody>
-      </p:sp>
-      <p:sp>
-        <p:nvSpPr>
-          <p:cNvPr id="7" name="Rounded Rectangle 6">
-            <a:extLst>
-              <a:ext uri="{FF2B5EF4-FFF2-40B4-BE49-F238E27FC236}">
-                <a16:creationId xmlns:a16="http://schemas.microsoft.com/office/drawing/2014/main" id="{F701A428-64A0-DA59-DF81-4A6B0E0E5128}"/>
-              </a:ext>
-            </a:extLst>
-          </p:cNvPr>
-          <p:cNvSpPr/>
-          <p:nvPr/>
-        </p:nvSpPr>
-        <p:spPr>
-          <a:xfrm>
-            <a:off x="704784" y="4626531"/>
-            <a:ext cx="2338537" cy="963573"/>
-          </a:xfrm>
-          <a:prstGeom prst="roundRect">
-            <a:avLst/>
-          </a:prstGeom>
-          <a:solidFill>
-            <a:schemeClr val="accent6">
-              <a:lumMod val="20000"/>
-              <a:lumOff val="80000"/>
-            </a:schemeClr>
-          </a:solidFill>
-          <a:ln w="12700">
-            <a:solidFill>
-              <a:schemeClr val="tx1"/>
-            </a:solidFill>
-          </a:ln>
-        </p:spPr>
-        <p:style>
-          <a:lnRef idx="2">
-            <a:schemeClr val="accent1">
-              <a:shade val="50000"/>
-            </a:schemeClr>
-          </a:lnRef>
-          <a:fillRef idx="1">
-            <a:schemeClr val="accent1"/>
-          </a:fillRef>
-          <a:effectRef idx="0">
-            <a:schemeClr val="accent1"/>
-          </a:effectRef>
-          <a:fontRef idx="minor">
-            <a:schemeClr val="lt1"/>
-          </a:fontRef>
-        </p:style>
-        <p:txBody>
-          <a:bodyPr rtlCol="0" anchor="ctr"/>
-          <a:lstStyle/>
-          <a:p>
-            <a:r>
-              <a:rPr lang="en-US" sz="1600" dirty="0">
-                <a:solidFill>
-                  <a:schemeClr val="tx1"/>
-                </a:solidFill>
-              </a:rPr>
-              <a:t>What other numeric representation could we use? What would its advantage be?</a:t>
-            </a:r>
-          </a:p>
-        </p:txBody>
-      </p:sp>
-    </p:spTree>
-    <p:extLst>
-      <p:ext uri="{BB962C8B-B14F-4D97-AF65-F5344CB8AC3E}">
-        <p14:creationId xmlns:p14="http://schemas.microsoft.com/office/powerpoint/2010/main" val="852689521"/>
-      </p:ext>
-    </p:extLst>
-  </p:cSld>
-  <p:clrMapOvr>
-    <a:masterClrMapping/>
-  </p:clrMapOvr>
-  <p:transition>
-    <p:fade/>
-  </p:transition>
-</p:sld>
-</file>
-
-<file path=ppt/slides/slide17.xml><?xml version="1.0" encoding="utf-8"?>
-<p:sld xmlns:a="http://schemas.openxmlformats.org/drawingml/2006/main" xmlns:r="http://schemas.openxmlformats.org/officeDocument/2006/relationships" xmlns:p="http://schemas.openxmlformats.org/presentationml/2006/main">
-  <p:cSld>
-    <p:spTree>
-      <p:nvGrpSpPr>
-        <p:cNvPr id="1" name=""/>
-        <p:cNvGrpSpPr/>
-        <p:nvPr/>
-      </p:nvGrpSpPr>
-      <p:grpSpPr>
-        <a:xfrm>
-          <a:off x="0" y="0"/>
-          <a:ext cx="0" cy="0"/>
-          <a:chOff x="0" y="0"/>
-          <a:chExt cx="0" cy="0"/>
-        </a:xfrm>
-      </p:grpSpPr>
-      <p:sp>
-        <p:nvSpPr>
           <p:cNvPr id="3" name="Title 2">
             <a:extLst>
               <a:ext uri="{FF2B5EF4-FFF2-40B4-BE49-F238E27FC236}">
@@ -28261,8 +25540,8 @@
             <a:chExt cx="2976366" cy="1499714"/>
           </a:xfrm>
         </p:grpSpPr>
-        <mc:AlternateContent xmlns:mc="http://schemas.openxmlformats.org/markup-compatibility/2006">
-          <mc:Choice xmlns:a14="http://schemas.microsoft.com/office/drawing/2010/main" Requires="a14">
+        <mc:AlternateContent xmlns:mc="http://schemas.openxmlformats.org/markup-compatibility/2006" xmlns:a14="http://schemas.microsoft.com/office/drawing/2010/main">
+          <mc:Choice Requires="a14">
             <p:sp>
               <p:nvSpPr>
                 <p:cNvPr id="4" name="TextBox 3">
@@ -28429,7 +25708,7 @@
               </p:txBody>
             </p:sp>
           </mc:Choice>
-          <mc:Fallback>
+          <mc:Fallback xmlns="">
             <p:sp>
               <p:nvSpPr>
                 <p:cNvPr id="4" name="TextBox 3">
@@ -28629,8 +25908,8 @@
           </p:sp>
         </p:grpSp>
       </p:grpSp>
-      <mc:AlternateContent xmlns:mc="http://schemas.openxmlformats.org/markup-compatibility/2006">
-        <mc:Choice xmlns:a14="http://schemas.microsoft.com/office/drawing/2010/main" Requires="a14">
+      <mc:AlternateContent xmlns:mc="http://schemas.openxmlformats.org/markup-compatibility/2006" xmlns:a14="http://schemas.microsoft.com/office/drawing/2010/main">
+        <mc:Choice Requires="a14">
           <p:sp>
             <p:nvSpPr>
               <p:cNvPr id="8" name="TextBox 7">
@@ -28819,7 +26098,7 @@
             </p:txBody>
           </p:sp>
         </mc:Choice>
-        <mc:Fallback>
+        <mc:Fallback xmlns="">
           <p:sp>
             <p:nvSpPr>
               <p:cNvPr id="8" name="TextBox 7">
@@ -29647,8 +26926,8 @@
           </a:p>
         </p:txBody>
       </p:sp>
-      <mc:AlternateContent xmlns:mc="http://schemas.openxmlformats.org/markup-compatibility/2006">
-        <mc:Choice xmlns:a14="http://schemas.microsoft.com/office/drawing/2010/main" Requires="a14">
+      <mc:AlternateContent xmlns:mc="http://schemas.openxmlformats.org/markup-compatibility/2006" xmlns:a14="http://schemas.microsoft.com/office/drawing/2010/main">
+        <mc:Choice Requires="a14">
           <p:sp>
             <p:nvSpPr>
               <p:cNvPr id="28" name="TextBox 27">
@@ -29810,7 +27089,7 @@
             </p:txBody>
           </p:sp>
         </mc:Choice>
-        <mc:Fallback>
+        <mc:Fallback xmlns="">
           <p:sp>
             <p:nvSpPr>
               <p:cNvPr id="28" name="TextBox 27">
@@ -29855,8 +27134,8 @@
           </p:sp>
         </mc:Fallback>
       </mc:AlternateContent>
-      <mc:AlternateContent xmlns:mc="http://schemas.openxmlformats.org/markup-compatibility/2006">
-        <mc:Choice xmlns:a14="http://schemas.microsoft.com/office/drawing/2010/main" Requires="a14">
+      <mc:AlternateContent xmlns:mc="http://schemas.openxmlformats.org/markup-compatibility/2006" xmlns:a14="http://schemas.microsoft.com/office/drawing/2010/main">
+        <mc:Choice Requires="a14">
           <p:sp>
             <p:nvSpPr>
               <p:cNvPr id="29" name="TextBox 28">
@@ -30069,7 +27348,7 @@
             </p:txBody>
           </p:sp>
         </mc:Choice>
-        <mc:Fallback>
+        <mc:Fallback xmlns="">
           <p:sp>
             <p:nvSpPr>
               <p:cNvPr id="29" name="TextBox 28">
@@ -30798,18 +28077,18 @@
 </file>
 
 <file path=customXml/item1.xml><?xml version="1.0" encoding="utf-8"?>
+<p:properties xmlns:p="http://schemas.microsoft.com/office/2006/metadata/properties" xmlns:xsi="http://www.w3.org/2001/XMLSchema-instance" xmlns:pc="http://schemas.microsoft.com/office/infopath/2007/PartnerControls">
+  <documentManagement/>
+</p:properties>
+</file>
+
+<file path=customXml/item2.xml><?xml version="1.0" encoding="utf-8"?>
 <?mso-contentType ?>
 <FormTemplates xmlns="http://schemas.microsoft.com/sharepoint/v3/contenttype/forms">
   <Display>DocumentLibraryForm</Display>
   <Edit>DocumentLibraryForm</Edit>
   <New>DocumentLibraryForm</New>
 </FormTemplates>
-</file>
-
-<file path=customXml/item2.xml><?xml version="1.0" encoding="utf-8"?>
-<p:properties xmlns:p="http://schemas.microsoft.com/office/2006/metadata/properties" xmlns:xsi="http://www.w3.org/2001/XMLSchema-instance" xmlns:pc="http://schemas.microsoft.com/office/infopath/2007/PartnerControls">
-  <documentManagement/>
-</p:properties>
 </file>
 
 <file path=customXml/item3.xml><?xml version="1.0" encoding="utf-8"?>
@@ -31018,14 +28297,6 @@
 </file>
 
 <file path=customXml/itemProps1.xml><?xml version="1.0" encoding="utf-8"?>
-<ds:datastoreItem xmlns:ds="http://schemas.openxmlformats.org/officeDocument/2006/customXml" ds:itemID="{4A9C8777-C6EC-4528-A529-B1E15BCDF7A3}">
-  <ds:schemaRefs>
-    <ds:schemaRef ds:uri="http://schemas.microsoft.com/sharepoint/v3/contenttype/forms"/>
-  </ds:schemaRefs>
-</ds:datastoreItem>
-</file>
-
-<file path=customXml/itemProps2.xml><?xml version="1.0" encoding="utf-8"?>
 <ds:datastoreItem xmlns:ds="http://schemas.openxmlformats.org/officeDocument/2006/customXml" ds:itemID="{D1B4FFAB-A2D9-4FD5-855F-F65126373F7D}">
   <ds:schemaRefs>
     <ds:schemaRef ds:uri="http://schemas.openxmlformats.org/package/2006/metadata/core-properties"/>
@@ -31038,6 +28309,14 @@
     <ds:schemaRef ds:uri="a9a9e2ba-2d19-46fe-bf54-0255447a607c"/>
     <ds:schemaRef ds:uri="http://www.w3.org/XML/1998/namespace"/>
     <ds:schemaRef ds:uri="http://purl.org/dc/dcmitype/"/>
+  </ds:schemaRefs>
+</ds:datastoreItem>
+</file>
+
+<file path=customXml/itemProps2.xml><?xml version="1.0" encoding="utf-8"?>
+<ds:datastoreItem xmlns:ds="http://schemas.openxmlformats.org/officeDocument/2006/customXml" ds:itemID="{4A9C8777-C6EC-4528-A529-B1E15BCDF7A3}">
+  <ds:schemaRefs>
+    <ds:schemaRef ds:uri="http://schemas.microsoft.com/sharepoint/v3/contenttype/forms"/>
   </ds:schemaRefs>
 </ds:datastoreItem>
 </file>
